--- a/VDO测试图表.pptx
+++ b/VDO测试图表.pptx
@@ -5,14 +5,17 @@
     <p:sldMasterId id="2147483648" r:id="rId1"/>
   </p:sldMasterIdLst>
   <p:sldIdLst>
-    <p:sldId id="256" r:id="rId2"/>
-    <p:sldId id="257" r:id="rId3"/>
-    <p:sldId id="259" r:id="rId4"/>
-    <p:sldId id="260" r:id="rId5"/>
-    <p:sldId id="258" r:id="rId6"/>
-    <p:sldId id="261" r:id="rId7"/>
-    <p:sldId id="262" r:id="rId8"/>
-    <p:sldId id="264" r:id="rId9"/>
+    <p:sldId id="265" r:id="rId2"/>
+    <p:sldId id="269" r:id="rId3"/>
+    <p:sldId id="257" r:id="rId4"/>
+    <p:sldId id="267" r:id="rId5"/>
+    <p:sldId id="268" r:id="rId6"/>
+    <p:sldId id="259" r:id="rId7"/>
+    <p:sldId id="260" r:id="rId8"/>
+    <p:sldId id="258" r:id="rId9"/>
+    <p:sldId id="262" r:id="rId10"/>
+    <p:sldId id="264" r:id="rId11"/>
+    <p:sldId id="270" r:id="rId12"/>
   </p:sldIdLst>
   <p:sldSz cx="12192000" cy="6858000"/>
   <p:notesSz cx="6858000" cy="9144000"/>
@@ -116,11 +119,18 @@
       <p14:sectionLst xmlns:p14="http://schemas.microsoft.com/office/powerpoint/2010/main">
         <p14:section name="默认节" id="{E62602AD-19D2-4684-9B2B-E80A46C5F9CA}">
           <p14:sldIdLst>
-            <p14:sldId id="256"/>
-            <p14:sldId id="257"/>
+            <p14:sldId id="265"/>
+            <p14:sldId id="269"/>
           </p14:sldIdLst>
         </p14:section>
-        <p14:section name="无标题节" id="{9EEDCA98-D135-4471-AD69-7F1BA6070B98}">
+        <p14:section name="无标题节" id="{6D9F30D5-68A6-46CE-8C96-6D8D487C83DD}">
+          <p14:sldIdLst>
+            <p14:sldId id="257"/>
+            <p14:sldId id="267"/>
+            <p14:sldId id="268"/>
+          </p14:sldIdLst>
+        </p14:section>
+        <p14:section name="无标题节" id="{72FA4F71-8E89-470C-8A2E-F5F2B7D22FA4}">
           <p14:sldIdLst>
             <p14:sldId id="259"/>
             <p14:sldId id="260"/>
@@ -129,16 +139,19 @@
         </p14:section>
         <p14:section name="无标题节" id="{D8D9153E-F0A6-4132-AD16-E39A5CFFFCF1}">
           <p14:sldIdLst>
-            <p14:sldId id="261"/>
             <p14:sldId id="262"/>
+            <p14:sldId id="264"/>
           </p14:sldIdLst>
         </p14:section>
         <p14:section name="无标题节" id="{D4A82F19-64EE-4F6E-9014-F289F1C5A7DA}">
           <p14:sldIdLst>
-            <p14:sldId id="264"/>
+            <p14:sldId id="270"/>
           </p14:sldIdLst>
         </p14:section>
       </p14:sectionLst>
+    </p:ext>
+    <p:ext uri="{EFAFB233-063F-42B5-8137-9DF3F51BA10A}">
+      <p15:sldGuideLst xmlns:p15="http://schemas.microsoft.com/office/powerpoint/2012/main"/>
     </p:ext>
   </p:extLst>
 </p:presentation>
@@ -290,16 +303,16 @@
                 <c:formatCode>General</c:formatCode>
                 <c:ptCount val="4"/>
                 <c:pt idx="0">
-                  <c:v>1039</c:v>
+                  <c:v>2082</c:v>
                 </c:pt>
                 <c:pt idx="1">
-                  <c:v>1039</c:v>
+                  <c:v>831</c:v>
                 </c:pt>
                 <c:pt idx="2">
-                  <c:v>1039</c:v>
+                  <c:v>2037</c:v>
                 </c:pt>
                 <c:pt idx="3">
-                  <c:v>1039</c:v>
+                  <c:v>944</c:v>
                 </c:pt>
               </c:numCache>
             </c:numRef>
@@ -364,16 +377,16 @@
                 <c:formatCode>General</c:formatCode>
                 <c:ptCount val="4"/>
                 <c:pt idx="0">
-                  <c:v>1003</c:v>
+                  <c:v>1896</c:v>
                 </c:pt>
                 <c:pt idx="1">
-                  <c:v>1000</c:v>
+                  <c:v>1261</c:v>
                 </c:pt>
                 <c:pt idx="2">
-                  <c:v>1000</c:v>
+                  <c:v>2014</c:v>
                 </c:pt>
                 <c:pt idx="3">
-                  <c:v>1000</c:v>
+                  <c:v>1128</c:v>
                 </c:pt>
               </c:numCache>
             </c:numRef>
@@ -435,16 +448,16 @@
                 <c:formatCode>General</c:formatCode>
                 <c:ptCount val="4"/>
                 <c:pt idx="0">
-                  <c:v>1896</c:v>
+                  <c:v>2011</c:v>
                 </c:pt>
                 <c:pt idx="1">
-                  <c:v>1261</c:v>
+                  <c:v>1312</c:v>
                 </c:pt>
                 <c:pt idx="2">
-                  <c:v>2014</c:v>
+                  <c:v>2034</c:v>
                 </c:pt>
                 <c:pt idx="3">
-                  <c:v>1128</c:v>
+                  <c:v>1156</c:v>
                 </c:pt>
               </c:numCache>
             </c:numRef>
@@ -684,7 +697,7 @@
           <a:lstStyle/>
           <a:p>
             <a:pPr>
-              <a:defRPr sz="1200" b="0" i="0" u="none" strike="noStrike" kern="1200" baseline="0">
+              <a:defRPr sz="1200" b="1" i="0" u="none" strike="noStrike" kern="1200" baseline="0">
                 <a:solidFill>
                   <a:schemeClr val="tx1">
                     <a:lumMod val="65000"/>
@@ -717,6 +730,849 @@
     </c:plotArea>
     <c:legend>
       <c:legendPos val="b"/>
+      <c:layout>
+        <c:manualLayout>
+          <c:xMode val="edge"/>
+          <c:yMode val="edge"/>
+          <c:x val="0.28919402066929134"/>
+          <c:y val="0.924747449252595"/>
+          <c:w val="0.55911183562992128"/>
+          <c:h val="4.704440410542618E-2"/>
+        </c:manualLayout>
+      </c:layout>
+      <c:overlay val="0"/>
+      <c:spPr>
+        <a:noFill/>
+        <a:ln>
+          <a:noFill/>
+        </a:ln>
+        <a:effectLst/>
+      </c:spPr>
+      <c:txPr>
+        <a:bodyPr rot="0" spcFirstLastPara="1" vertOverflow="ellipsis" vert="horz" wrap="square" anchor="ctr" anchorCtr="1"/>
+        <a:lstStyle/>
+        <a:p>
+          <a:pPr>
+            <a:defRPr sz="1197" b="1" i="0" u="none" strike="noStrike" kern="1200" baseline="0">
+              <a:solidFill>
+                <a:schemeClr val="tx1">
+                  <a:lumMod val="65000"/>
+                  <a:lumOff val="35000"/>
+                </a:schemeClr>
+              </a:solidFill>
+              <a:latin typeface="+mn-lt"/>
+              <a:ea typeface="+mn-ea"/>
+              <a:cs typeface="+mn-cs"/>
+            </a:defRPr>
+          </a:pPr>
+          <a:endParaRPr lang="zh-CN"/>
+        </a:p>
+      </c:txPr>
+    </c:legend>
+    <c:plotVisOnly val="1"/>
+    <c:dispBlanksAs val="gap"/>
+    <c:extLst>
+      <c:ext xmlns:c16r3="http://schemas.microsoft.com/office/drawing/2017/03/chart" uri="{56B9EC1D-385E-4148-901F-78D8002777C0}">
+        <c16r3:dataDisplayOptions16>
+          <c16r3:dispNaAsBlank val="1"/>
+        </c16r3:dataDisplayOptions16>
+      </c:ext>
+    </c:extLst>
+    <c:showDLblsOverMax val="0"/>
+  </c:chart>
+  <c:spPr>
+    <a:noFill/>
+    <a:ln>
+      <a:noFill/>
+    </a:ln>
+    <a:effectLst/>
+  </c:spPr>
+  <c:txPr>
+    <a:bodyPr/>
+    <a:lstStyle/>
+    <a:p>
+      <a:pPr>
+        <a:defRPr/>
+      </a:pPr>
+      <a:endParaRPr lang="zh-CN"/>
+    </a:p>
+  </c:txPr>
+  <c:externalData r:id="rId3">
+    <c:autoUpdate val="0"/>
+  </c:externalData>
+</c:chartSpace>
+</file>
+
+<file path=ppt/charts/chart10.xml><?xml version="1.0" encoding="utf-8"?>
+<c:chartSpace xmlns:c="http://schemas.openxmlformats.org/drawingml/2006/chart" xmlns:a="http://schemas.openxmlformats.org/drawingml/2006/main" xmlns:r="http://schemas.openxmlformats.org/officeDocument/2006/relationships" xmlns:c16r2="http://schemas.microsoft.com/office/drawing/2015/06/chart">
+  <c:date1904 val="0"/>
+  <c:lang val="zh-CN"/>
+  <c:roundedCorners val="0"/>
+  <mc:AlternateContent xmlns:mc="http://schemas.openxmlformats.org/markup-compatibility/2006">
+    <mc:Choice xmlns:c14="http://schemas.microsoft.com/office/drawing/2007/8/2/chart" Requires="c14">
+      <c14:style val="102"/>
+    </mc:Choice>
+    <mc:Fallback>
+      <c:style val="2"/>
+    </mc:Fallback>
+  </mc:AlternateContent>
+  <c:chart>
+    <c:autoTitleDeleted val="1"/>
+    <c:plotArea>
+      <c:layout/>
+      <c:lineChart>
+        <c:grouping val="standard"/>
+        <c:varyColors val="0"/>
+        <c:ser>
+          <c:idx val="0"/>
+          <c:order val="0"/>
+          <c:tx>
+            <c:strRef>
+              <c:f>Sheet1!$B$1</c:f>
+              <c:strCache>
+                <c:ptCount val="1"/>
+                <c:pt idx="0">
+                  <c:v>seqr</c:v>
+                </c:pt>
+              </c:strCache>
+            </c:strRef>
+          </c:tx>
+          <c:spPr>
+            <a:ln w="38100" cap="rnd">
+              <a:solidFill>
+                <a:schemeClr val="accent2"/>
+              </a:solidFill>
+              <a:round/>
+            </a:ln>
+            <a:effectLst/>
+          </c:spPr>
+          <c:marker>
+            <c:symbol val="circle"/>
+            <c:size val="5"/>
+            <c:spPr>
+              <a:solidFill>
+                <a:schemeClr val="accent2"/>
+              </a:solidFill>
+              <a:ln w="38100">
+                <a:solidFill>
+                  <a:schemeClr val="accent2"/>
+                </a:solidFill>
+              </a:ln>
+              <a:effectLst/>
+            </c:spPr>
+          </c:marker>
+          <c:cat>
+            <c:strRef>
+              <c:f>Sheet1!$A$2:$A$10</c:f>
+              <c:strCache>
+                <c:ptCount val="9"/>
+                <c:pt idx="0">
+                  <c:v>bs=4</c:v>
+                </c:pt>
+                <c:pt idx="1">
+                  <c:v>bs=8</c:v>
+                </c:pt>
+                <c:pt idx="2">
+                  <c:v>bs=16</c:v>
+                </c:pt>
+                <c:pt idx="3">
+                  <c:v>bs=32</c:v>
+                </c:pt>
+                <c:pt idx="4">
+                  <c:v>bs=64</c:v>
+                </c:pt>
+                <c:pt idx="5">
+                  <c:v>bs=128</c:v>
+                </c:pt>
+                <c:pt idx="6">
+                  <c:v>bs=256</c:v>
+                </c:pt>
+                <c:pt idx="7">
+                  <c:v>bs=512</c:v>
+                </c:pt>
+                <c:pt idx="8">
+                  <c:v>bs=1024</c:v>
+                </c:pt>
+              </c:strCache>
+            </c:strRef>
+          </c:cat>
+          <c:val>
+            <c:numRef>
+              <c:f>Sheet1!$B$2:$B$10</c:f>
+              <c:numCache>
+                <c:formatCode>General</c:formatCode>
+                <c:ptCount val="9"/>
+                <c:pt idx="0">
+                  <c:v>1510</c:v>
+                </c:pt>
+                <c:pt idx="1">
+                  <c:v>1882</c:v>
+                </c:pt>
+                <c:pt idx="2">
+                  <c:v>1884</c:v>
+                </c:pt>
+                <c:pt idx="3">
+                  <c:v>1885</c:v>
+                </c:pt>
+                <c:pt idx="4">
+                  <c:v>1861</c:v>
+                </c:pt>
+                <c:pt idx="5">
+                  <c:v>1909</c:v>
+                </c:pt>
+                <c:pt idx="6">
+                  <c:v>1893</c:v>
+                </c:pt>
+                <c:pt idx="7">
+                  <c:v>1830</c:v>
+                </c:pt>
+                <c:pt idx="8">
+                  <c:v>1831</c:v>
+                </c:pt>
+              </c:numCache>
+            </c:numRef>
+          </c:val>
+          <c:smooth val="0"/>
+          <c:extLst>
+            <c:ext xmlns:c16="http://schemas.microsoft.com/office/drawing/2014/chart" uri="{C3380CC4-5D6E-409C-BE32-E72D297353CC}">
+              <c16:uniqueId val="{00000000-705F-4A57-A782-4F524DCAEE15}"/>
+            </c:ext>
+          </c:extLst>
+        </c:ser>
+        <c:ser>
+          <c:idx val="1"/>
+          <c:order val="1"/>
+          <c:tx>
+            <c:strRef>
+              <c:f>Sheet1!$C$1</c:f>
+              <c:strCache>
+                <c:ptCount val="1"/>
+                <c:pt idx="0">
+                  <c:v>seqw</c:v>
+                </c:pt>
+              </c:strCache>
+            </c:strRef>
+          </c:tx>
+          <c:spPr>
+            <a:ln w="38100" cap="rnd">
+              <a:solidFill>
+                <a:schemeClr val="accent4">
+                  <a:lumMod val="60000"/>
+                  <a:lumOff val="40000"/>
+                </a:schemeClr>
+              </a:solidFill>
+              <a:round/>
+            </a:ln>
+            <a:effectLst/>
+          </c:spPr>
+          <c:marker>
+            <c:symbol val="circle"/>
+            <c:size val="5"/>
+            <c:spPr>
+              <a:solidFill>
+                <a:schemeClr val="accent4">
+                  <a:lumMod val="60000"/>
+                  <a:lumOff val="40000"/>
+                </a:schemeClr>
+              </a:solidFill>
+              <a:ln w="38100">
+                <a:solidFill>
+                  <a:schemeClr val="accent4">
+                    <a:lumMod val="60000"/>
+                    <a:lumOff val="40000"/>
+                  </a:schemeClr>
+                </a:solidFill>
+              </a:ln>
+              <a:effectLst/>
+            </c:spPr>
+          </c:marker>
+          <c:cat>
+            <c:strRef>
+              <c:f>Sheet1!$A$2:$A$10</c:f>
+              <c:strCache>
+                <c:ptCount val="9"/>
+                <c:pt idx="0">
+                  <c:v>bs=4</c:v>
+                </c:pt>
+                <c:pt idx="1">
+                  <c:v>bs=8</c:v>
+                </c:pt>
+                <c:pt idx="2">
+                  <c:v>bs=16</c:v>
+                </c:pt>
+                <c:pt idx="3">
+                  <c:v>bs=32</c:v>
+                </c:pt>
+                <c:pt idx="4">
+                  <c:v>bs=64</c:v>
+                </c:pt>
+                <c:pt idx="5">
+                  <c:v>bs=128</c:v>
+                </c:pt>
+                <c:pt idx="6">
+                  <c:v>bs=256</c:v>
+                </c:pt>
+                <c:pt idx="7">
+                  <c:v>bs=512</c:v>
+                </c:pt>
+                <c:pt idx="8">
+                  <c:v>bs=1024</c:v>
+                </c:pt>
+              </c:strCache>
+            </c:strRef>
+          </c:cat>
+          <c:val>
+            <c:numRef>
+              <c:f>Sheet1!$C$2:$C$10</c:f>
+              <c:numCache>
+                <c:formatCode>General</c:formatCode>
+                <c:ptCount val="9"/>
+                <c:pt idx="0">
+                  <c:v>1077</c:v>
+                </c:pt>
+                <c:pt idx="1">
+                  <c:v>1159</c:v>
+                </c:pt>
+                <c:pt idx="2">
+                  <c:v>1272</c:v>
+                </c:pt>
+                <c:pt idx="3">
+                  <c:v>1281</c:v>
+                </c:pt>
+                <c:pt idx="4">
+                  <c:v>1175</c:v>
+                </c:pt>
+                <c:pt idx="5">
+                  <c:v>1240</c:v>
+                </c:pt>
+                <c:pt idx="6">
+                  <c:v>1280</c:v>
+                </c:pt>
+                <c:pt idx="7">
+                  <c:v>1254</c:v>
+                </c:pt>
+                <c:pt idx="8">
+                  <c:v>1218</c:v>
+                </c:pt>
+              </c:numCache>
+            </c:numRef>
+          </c:val>
+          <c:smooth val="0"/>
+          <c:extLst>
+            <c:ext xmlns:c16="http://schemas.microsoft.com/office/drawing/2014/chart" uri="{C3380CC4-5D6E-409C-BE32-E72D297353CC}">
+              <c16:uniqueId val="{00000001-705F-4A57-A782-4F524DCAEE15}"/>
+            </c:ext>
+          </c:extLst>
+        </c:ser>
+        <c:ser>
+          <c:idx val="2"/>
+          <c:order val="2"/>
+          <c:tx>
+            <c:strRef>
+              <c:f>Sheet1!$D$1</c:f>
+              <c:strCache>
+                <c:ptCount val="1"/>
+                <c:pt idx="0">
+                  <c:v>randr</c:v>
+                </c:pt>
+              </c:strCache>
+            </c:strRef>
+          </c:tx>
+          <c:spPr>
+            <a:ln w="38100" cap="rnd">
+              <a:solidFill>
+                <a:schemeClr val="accent6">
+                  <a:lumMod val="60000"/>
+                  <a:lumOff val="40000"/>
+                </a:schemeClr>
+              </a:solidFill>
+              <a:round/>
+            </a:ln>
+            <a:effectLst/>
+          </c:spPr>
+          <c:marker>
+            <c:symbol val="circle"/>
+            <c:size val="5"/>
+            <c:spPr>
+              <a:solidFill>
+                <a:schemeClr val="accent6">
+                  <a:lumMod val="60000"/>
+                  <a:lumOff val="40000"/>
+                </a:schemeClr>
+              </a:solidFill>
+              <a:ln w="38100">
+                <a:solidFill>
+                  <a:schemeClr val="accent6">
+                    <a:lumMod val="60000"/>
+                    <a:lumOff val="40000"/>
+                  </a:schemeClr>
+                </a:solidFill>
+              </a:ln>
+              <a:effectLst/>
+            </c:spPr>
+          </c:marker>
+          <c:cat>
+            <c:strRef>
+              <c:f>Sheet1!$A$2:$A$10</c:f>
+              <c:strCache>
+                <c:ptCount val="9"/>
+                <c:pt idx="0">
+                  <c:v>bs=4</c:v>
+                </c:pt>
+                <c:pt idx="1">
+                  <c:v>bs=8</c:v>
+                </c:pt>
+                <c:pt idx="2">
+                  <c:v>bs=16</c:v>
+                </c:pt>
+                <c:pt idx="3">
+                  <c:v>bs=32</c:v>
+                </c:pt>
+                <c:pt idx="4">
+                  <c:v>bs=64</c:v>
+                </c:pt>
+                <c:pt idx="5">
+                  <c:v>bs=128</c:v>
+                </c:pt>
+                <c:pt idx="6">
+                  <c:v>bs=256</c:v>
+                </c:pt>
+                <c:pt idx="7">
+                  <c:v>bs=512</c:v>
+                </c:pt>
+                <c:pt idx="8">
+                  <c:v>bs=1024</c:v>
+                </c:pt>
+              </c:strCache>
+            </c:strRef>
+          </c:cat>
+          <c:val>
+            <c:numRef>
+              <c:f>Sheet1!$D$2:$D$10</c:f>
+              <c:numCache>
+                <c:formatCode>General</c:formatCode>
+                <c:ptCount val="9"/>
+                <c:pt idx="0">
+                  <c:v>1317</c:v>
+                </c:pt>
+                <c:pt idx="1">
+                  <c:v>1962</c:v>
+                </c:pt>
+                <c:pt idx="2">
+                  <c:v>2018</c:v>
+                </c:pt>
+                <c:pt idx="3">
+                  <c:v>2009</c:v>
+                </c:pt>
+                <c:pt idx="4">
+                  <c:v>1979</c:v>
+                </c:pt>
+                <c:pt idx="5">
+                  <c:v>1937</c:v>
+                </c:pt>
+                <c:pt idx="6">
+                  <c:v>1923</c:v>
+                </c:pt>
+                <c:pt idx="7">
+                  <c:v>1872</c:v>
+                </c:pt>
+                <c:pt idx="8">
+                  <c:v>1843</c:v>
+                </c:pt>
+              </c:numCache>
+            </c:numRef>
+          </c:val>
+          <c:smooth val="0"/>
+          <c:extLst>
+            <c:ext xmlns:c16="http://schemas.microsoft.com/office/drawing/2014/chart" uri="{C3380CC4-5D6E-409C-BE32-E72D297353CC}">
+              <c16:uniqueId val="{00000002-705F-4A57-A782-4F524DCAEE15}"/>
+            </c:ext>
+          </c:extLst>
+        </c:ser>
+        <c:ser>
+          <c:idx val="3"/>
+          <c:order val="3"/>
+          <c:tx>
+            <c:strRef>
+              <c:f>Sheet1!$E$1</c:f>
+              <c:strCache>
+                <c:ptCount val="1"/>
+                <c:pt idx="0">
+                  <c:v>randw</c:v>
+                </c:pt>
+              </c:strCache>
+            </c:strRef>
+          </c:tx>
+          <c:spPr>
+            <a:ln w="38100" cap="rnd">
+              <a:solidFill>
+                <a:schemeClr val="accent5"/>
+              </a:solidFill>
+              <a:round/>
+            </a:ln>
+            <a:effectLst/>
+          </c:spPr>
+          <c:marker>
+            <c:symbol val="circle"/>
+            <c:size val="5"/>
+            <c:spPr>
+              <a:solidFill>
+                <a:schemeClr val="accent5"/>
+              </a:solidFill>
+              <a:ln w="38100">
+                <a:solidFill>
+                  <a:schemeClr val="accent5"/>
+                </a:solidFill>
+              </a:ln>
+              <a:effectLst/>
+            </c:spPr>
+          </c:marker>
+          <c:cat>
+            <c:strRef>
+              <c:f>Sheet1!$A$2:$A$10</c:f>
+              <c:strCache>
+                <c:ptCount val="9"/>
+                <c:pt idx="0">
+                  <c:v>bs=4</c:v>
+                </c:pt>
+                <c:pt idx="1">
+                  <c:v>bs=8</c:v>
+                </c:pt>
+                <c:pt idx="2">
+                  <c:v>bs=16</c:v>
+                </c:pt>
+                <c:pt idx="3">
+                  <c:v>bs=32</c:v>
+                </c:pt>
+                <c:pt idx="4">
+                  <c:v>bs=64</c:v>
+                </c:pt>
+                <c:pt idx="5">
+                  <c:v>bs=128</c:v>
+                </c:pt>
+                <c:pt idx="6">
+                  <c:v>bs=256</c:v>
+                </c:pt>
+                <c:pt idx="7">
+                  <c:v>bs=512</c:v>
+                </c:pt>
+                <c:pt idx="8">
+                  <c:v>bs=1024</c:v>
+                </c:pt>
+              </c:strCache>
+            </c:strRef>
+          </c:cat>
+          <c:val>
+            <c:numRef>
+              <c:f>Sheet1!$E$2:$E$10</c:f>
+              <c:numCache>
+                <c:formatCode>General</c:formatCode>
+                <c:ptCount val="9"/>
+                <c:pt idx="0">
+                  <c:v>1036</c:v>
+                </c:pt>
+                <c:pt idx="1">
+                  <c:v>1090</c:v>
+                </c:pt>
+                <c:pt idx="2">
+                  <c:v>1127</c:v>
+                </c:pt>
+                <c:pt idx="3">
+                  <c:v>1125</c:v>
+                </c:pt>
+                <c:pt idx="4">
+                  <c:v>1137</c:v>
+                </c:pt>
+                <c:pt idx="5">
+                  <c:v>1168</c:v>
+                </c:pt>
+                <c:pt idx="6">
+                  <c:v>1148</c:v>
+                </c:pt>
+                <c:pt idx="7">
+                  <c:v>1143</c:v>
+                </c:pt>
+                <c:pt idx="8">
+                  <c:v>1054</c:v>
+                </c:pt>
+              </c:numCache>
+            </c:numRef>
+          </c:val>
+          <c:smooth val="0"/>
+          <c:extLst>
+            <c:ext xmlns:c16="http://schemas.microsoft.com/office/drawing/2014/chart" uri="{C3380CC4-5D6E-409C-BE32-E72D297353CC}">
+              <c16:uniqueId val="{00000003-705F-4A57-A782-4F524DCAEE15}"/>
+            </c:ext>
+          </c:extLst>
+        </c:ser>
+        <c:dLbls>
+          <c:showLegendKey val="0"/>
+          <c:showVal val="0"/>
+          <c:showCatName val="0"/>
+          <c:showSerName val="0"/>
+          <c:showPercent val="0"/>
+          <c:showBubbleSize val="0"/>
+        </c:dLbls>
+        <c:marker val="1"/>
+        <c:smooth val="0"/>
+        <c:axId val="541700656"/>
+        <c:axId val="529773216"/>
+      </c:lineChart>
+      <c:catAx>
+        <c:axId val="541700656"/>
+        <c:scaling>
+          <c:orientation val="minMax"/>
+        </c:scaling>
+        <c:delete val="0"/>
+        <c:axPos val="b"/>
+        <c:title>
+          <c:tx>
+            <c:rich>
+              <a:bodyPr rot="0" spcFirstLastPara="1" vertOverflow="ellipsis" vert="horz" wrap="square" anchor="ctr" anchorCtr="1"/>
+              <a:lstStyle/>
+              <a:p>
+                <a:pPr>
+                  <a:defRPr sz="1330" b="0" i="0" u="none" strike="noStrike" kern="1200" baseline="0">
+                    <a:solidFill>
+                      <a:schemeClr val="tx1">
+                        <a:lumMod val="65000"/>
+                        <a:lumOff val="35000"/>
+                      </a:schemeClr>
+                    </a:solidFill>
+                    <a:latin typeface="+mn-lt"/>
+                    <a:ea typeface="+mn-ea"/>
+                    <a:cs typeface="+mn-cs"/>
+                  </a:defRPr>
+                </a:pPr>
+                <a:r>
+                  <a:rPr lang="zh-CN" altLang="en-US" sz="1200" b="1" dirty="0"/>
+                  <a:t>单次读写块大小</a:t>
+                </a:r>
+                <a:r>
+                  <a:rPr lang="en-US" altLang="zh-CN" sz="1200" b="1" dirty="0"/>
+                  <a:t>/bs</a:t>
+                </a:r>
+                <a:endParaRPr lang="zh-CN" altLang="en-US" sz="1200" b="1" dirty="0"/>
+              </a:p>
+            </c:rich>
+          </c:tx>
+          <c:overlay val="0"/>
+          <c:spPr>
+            <a:noFill/>
+            <a:ln>
+              <a:noFill/>
+            </a:ln>
+            <a:effectLst/>
+          </c:spPr>
+          <c:txPr>
+            <a:bodyPr rot="0" spcFirstLastPara="1" vertOverflow="ellipsis" vert="horz" wrap="square" anchor="ctr" anchorCtr="1"/>
+            <a:lstStyle/>
+            <a:p>
+              <a:pPr>
+                <a:defRPr sz="1330" b="0" i="0" u="none" strike="noStrike" kern="1200" baseline="0">
+                  <a:solidFill>
+                    <a:schemeClr val="tx1">
+                      <a:lumMod val="65000"/>
+                      <a:lumOff val="35000"/>
+                    </a:schemeClr>
+                  </a:solidFill>
+                  <a:latin typeface="+mn-lt"/>
+                  <a:ea typeface="+mn-ea"/>
+                  <a:cs typeface="+mn-cs"/>
+                </a:defRPr>
+              </a:pPr>
+              <a:endParaRPr lang="zh-CN"/>
+            </a:p>
+          </c:txPr>
+        </c:title>
+        <c:numFmt formatCode="General" sourceLinked="1"/>
+        <c:majorTickMark val="none"/>
+        <c:minorTickMark val="none"/>
+        <c:tickLblPos val="nextTo"/>
+        <c:spPr>
+          <a:noFill/>
+          <a:ln w="9525" cap="flat" cmpd="sng" algn="ctr">
+            <a:solidFill>
+              <a:schemeClr val="tx1">
+                <a:lumMod val="15000"/>
+                <a:lumOff val="85000"/>
+              </a:schemeClr>
+            </a:solidFill>
+            <a:round/>
+          </a:ln>
+          <a:effectLst/>
+        </c:spPr>
+        <c:txPr>
+          <a:bodyPr rot="-60000000" spcFirstLastPara="1" vertOverflow="ellipsis" vert="horz" wrap="square" anchor="ctr" anchorCtr="1"/>
+          <a:lstStyle/>
+          <a:p>
+            <a:pPr>
+              <a:defRPr sz="1200" b="1" i="0" u="none" strike="noStrike" kern="1200" baseline="0">
+                <a:solidFill>
+                  <a:schemeClr val="tx1">
+                    <a:lumMod val="65000"/>
+                    <a:lumOff val="35000"/>
+                  </a:schemeClr>
+                </a:solidFill>
+                <a:latin typeface="+mn-lt"/>
+                <a:ea typeface="+mn-ea"/>
+                <a:cs typeface="+mn-cs"/>
+              </a:defRPr>
+            </a:pPr>
+            <a:endParaRPr lang="zh-CN"/>
+          </a:p>
+        </c:txPr>
+        <c:crossAx val="529773216"/>
+        <c:crosses val="autoZero"/>
+        <c:auto val="1"/>
+        <c:lblAlgn val="ctr"/>
+        <c:lblOffset val="100"/>
+        <c:noMultiLvlLbl val="0"/>
+      </c:catAx>
+      <c:valAx>
+        <c:axId val="529773216"/>
+        <c:scaling>
+          <c:orientation val="minMax"/>
+        </c:scaling>
+        <c:delete val="0"/>
+        <c:axPos val="l"/>
+        <c:majorGridlines>
+          <c:spPr>
+            <a:ln w="9525" cap="flat" cmpd="sng" algn="ctr">
+              <a:solidFill>
+                <a:schemeClr val="tx1">
+                  <a:lumMod val="15000"/>
+                  <a:lumOff val="85000"/>
+                </a:schemeClr>
+              </a:solidFill>
+              <a:prstDash val="sysDash"/>
+              <a:round/>
+            </a:ln>
+            <a:effectLst/>
+          </c:spPr>
+        </c:majorGridlines>
+        <c:title>
+          <c:tx>
+            <c:rich>
+              <a:bodyPr rot="-5400000" spcFirstLastPara="1" vertOverflow="ellipsis" vert="horz" wrap="square" anchor="ctr" anchorCtr="1"/>
+              <a:lstStyle/>
+              <a:p>
+                <a:pPr>
+                  <a:defRPr sz="1200" b="0" i="0" u="none" strike="noStrike" kern="1200" baseline="0">
+                    <a:solidFill>
+                      <a:schemeClr val="tx1">
+                        <a:lumMod val="65000"/>
+                        <a:lumOff val="35000"/>
+                      </a:schemeClr>
+                    </a:solidFill>
+                    <a:latin typeface="+mn-lt"/>
+                    <a:ea typeface="+mn-ea"/>
+                    <a:cs typeface="+mn-cs"/>
+                  </a:defRPr>
+                </a:pPr>
+                <a:r>
+                  <a:rPr lang="zh-CN" altLang="en-US" sz="1200" b="1" dirty="0"/>
+                  <a:t>吞吐量（</a:t>
+                </a:r>
+                <a:r>
+                  <a:rPr lang="en-US" altLang="zh-CN" sz="1200" b="1" dirty="0"/>
+                  <a:t>MB/s</a:t>
+                </a:r>
+                <a:r>
+                  <a:rPr lang="zh-CN" altLang="en-US" sz="1200" b="1" dirty="0"/>
+                  <a:t>）</a:t>
+                </a:r>
+              </a:p>
+            </c:rich>
+          </c:tx>
+          <c:overlay val="0"/>
+          <c:spPr>
+            <a:noFill/>
+            <a:ln>
+              <a:noFill/>
+            </a:ln>
+            <a:effectLst/>
+          </c:spPr>
+          <c:txPr>
+            <a:bodyPr rot="-5400000" spcFirstLastPara="1" vertOverflow="ellipsis" vert="horz" wrap="square" anchor="ctr" anchorCtr="1"/>
+            <a:lstStyle/>
+            <a:p>
+              <a:pPr>
+                <a:defRPr sz="1200" b="0" i="0" u="none" strike="noStrike" kern="1200" baseline="0">
+                  <a:solidFill>
+                    <a:schemeClr val="tx1">
+                      <a:lumMod val="65000"/>
+                      <a:lumOff val="35000"/>
+                    </a:schemeClr>
+                  </a:solidFill>
+                  <a:latin typeface="+mn-lt"/>
+                  <a:ea typeface="+mn-ea"/>
+                  <a:cs typeface="+mn-cs"/>
+                </a:defRPr>
+              </a:pPr>
+              <a:endParaRPr lang="zh-CN"/>
+            </a:p>
+          </c:txPr>
+        </c:title>
+        <c:numFmt formatCode="General" sourceLinked="1"/>
+        <c:majorTickMark val="none"/>
+        <c:minorTickMark val="none"/>
+        <c:tickLblPos val="nextTo"/>
+        <c:spPr>
+          <a:noFill/>
+          <a:ln>
+            <a:noFill/>
+          </a:ln>
+          <a:effectLst/>
+        </c:spPr>
+        <c:txPr>
+          <a:bodyPr rot="-60000000" spcFirstLastPara="1" vertOverflow="ellipsis" vert="horz" wrap="square" anchor="ctr" anchorCtr="1"/>
+          <a:lstStyle/>
+          <a:p>
+            <a:pPr>
+              <a:defRPr sz="1197" b="1" i="0" u="none" strike="noStrike" kern="1200" baseline="0">
+                <a:solidFill>
+                  <a:schemeClr val="tx1">
+                    <a:lumMod val="65000"/>
+                    <a:lumOff val="35000"/>
+                  </a:schemeClr>
+                </a:solidFill>
+                <a:latin typeface="+mn-lt"/>
+                <a:ea typeface="+mn-ea"/>
+                <a:cs typeface="+mn-cs"/>
+              </a:defRPr>
+            </a:pPr>
+            <a:endParaRPr lang="zh-CN"/>
+          </a:p>
+        </c:txPr>
+        <c:crossAx val="541700656"/>
+        <c:crosses val="autoZero"/>
+        <c:crossBetween val="between"/>
+      </c:valAx>
+      <c:spPr>
+        <a:noFill/>
+        <a:ln w="15875">
+          <a:solidFill>
+            <a:schemeClr val="bg1">
+              <a:lumMod val="65000"/>
+            </a:schemeClr>
+          </a:solidFill>
+        </a:ln>
+        <a:effectLst/>
+      </c:spPr>
+    </c:plotArea>
+    <c:legend>
+      <c:legendPos val="b"/>
+      <c:layout>
+        <c:manualLayout>
+          <c:xMode val="edge"/>
+          <c:yMode val="edge"/>
+          <c:x val="0.36549783185718243"/>
+          <c:y val="0.93122183001834213"/>
+          <c:w val="0.39961422691995463"/>
+          <c:h val="4.9999914158079604E-2"/>
+        </c:manualLayout>
+      </c:layout>
       <c:overlay val="0"/>
       <c:spPr>
         <a:noFill/>
@@ -825,6 +1681,644 @@
             <a:effectLst/>
           </c:spPr>
           <c:invertIfNegative val="0"/>
+          <c:cat>
+            <c:strRef>
+              <c:f>Sheet1!$A$2:$A$5</c:f>
+              <c:strCache>
+                <c:ptCount val="4"/>
+                <c:pt idx="0">
+                  <c:v>seqr</c:v>
+                </c:pt>
+                <c:pt idx="1">
+                  <c:v>seqw</c:v>
+                </c:pt>
+                <c:pt idx="2">
+                  <c:v>randr</c:v>
+                </c:pt>
+                <c:pt idx="3">
+                  <c:v>randw</c:v>
+                </c:pt>
+              </c:strCache>
+            </c:strRef>
+          </c:cat>
+          <c:val>
+            <c:numRef>
+              <c:f>Sheet1!$B$2:$B$5</c:f>
+              <c:numCache>
+                <c:formatCode>General</c:formatCode>
+                <c:ptCount val="4"/>
+                <c:pt idx="0">
+                  <c:v>1.6779999999999999</c:v>
+                </c:pt>
+                <c:pt idx="1">
+                  <c:v>1.6779999999999999</c:v>
+                </c:pt>
+                <c:pt idx="2">
+                  <c:v>1.645</c:v>
+                </c:pt>
+                <c:pt idx="3">
+                  <c:v>1.548</c:v>
+                </c:pt>
+              </c:numCache>
+            </c:numRef>
+          </c:val>
+          <c:extLst>
+            <c:ext xmlns:c16="http://schemas.microsoft.com/office/drawing/2014/chart" uri="{C3380CC4-5D6E-409C-BE32-E72D297353CC}">
+              <c16:uniqueId val="{00000000-1C28-4A33-B387-63C7D45C3B11}"/>
+            </c:ext>
+          </c:extLst>
+        </c:ser>
+        <c:ser>
+          <c:idx val="1"/>
+          <c:order val="1"/>
+          <c:tx>
+            <c:strRef>
+              <c:f>Sheet1!$C$1</c:f>
+              <c:strCache>
+                <c:ptCount val="1"/>
+                <c:pt idx="0">
+                  <c:v>VDO-ON</c:v>
+                </c:pt>
+              </c:strCache>
+            </c:strRef>
+          </c:tx>
+          <c:spPr>
+            <a:solidFill>
+              <a:schemeClr val="accent4">
+                <a:lumMod val="60000"/>
+                <a:lumOff val="40000"/>
+              </a:schemeClr>
+            </a:solidFill>
+            <a:ln>
+              <a:noFill/>
+            </a:ln>
+            <a:effectLst/>
+          </c:spPr>
+          <c:invertIfNegative val="0"/>
+          <c:cat>
+            <c:strRef>
+              <c:f>Sheet1!$A$2:$A$5</c:f>
+              <c:strCache>
+                <c:ptCount val="4"/>
+                <c:pt idx="0">
+                  <c:v>seqr</c:v>
+                </c:pt>
+                <c:pt idx="1">
+                  <c:v>seqw</c:v>
+                </c:pt>
+                <c:pt idx="2">
+                  <c:v>randr</c:v>
+                </c:pt>
+                <c:pt idx="3">
+                  <c:v>randw</c:v>
+                </c:pt>
+              </c:strCache>
+            </c:strRef>
+          </c:cat>
+          <c:val>
+            <c:numRef>
+              <c:f>Sheet1!$C$2:$C$5</c:f>
+              <c:numCache>
+                <c:formatCode>General</c:formatCode>
+                <c:ptCount val="4"/>
+                <c:pt idx="0">
+                  <c:v>1.74</c:v>
+                </c:pt>
+                <c:pt idx="1">
+                  <c:v>1.3009999999999999</c:v>
+                </c:pt>
+                <c:pt idx="2">
+                  <c:v>1.94</c:v>
+                </c:pt>
+                <c:pt idx="3">
+                  <c:v>1.351</c:v>
+                </c:pt>
+              </c:numCache>
+            </c:numRef>
+          </c:val>
+          <c:extLst>
+            <c:ext xmlns:c16="http://schemas.microsoft.com/office/drawing/2014/chart" uri="{C3380CC4-5D6E-409C-BE32-E72D297353CC}">
+              <c16:uniqueId val="{00000001-1C28-4A33-B387-63C7D45C3B11}"/>
+            </c:ext>
+          </c:extLst>
+        </c:ser>
+        <c:ser>
+          <c:idx val="2"/>
+          <c:order val="2"/>
+          <c:tx>
+            <c:strRef>
+              <c:f>Sheet1!$D$1</c:f>
+              <c:strCache>
+                <c:ptCount val="1"/>
+                <c:pt idx="0">
+                  <c:v>VDO-QAT</c:v>
+                </c:pt>
+              </c:strCache>
+            </c:strRef>
+          </c:tx>
+          <c:spPr>
+            <a:solidFill>
+              <a:schemeClr val="accent6">
+                <a:lumMod val="60000"/>
+                <a:lumOff val="40000"/>
+              </a:schemeClr>
+            </a:solidFill>
+            <a:ln>
+              <a:noFill/>
+            </a:ln>
+            <a:effectLst/>
+          </c:spPr>
+          <c:invertIfNegative val="0"/>
+          <c:cat>
+            <c:strRef>
+              <c:f>Sheet1!$A$2:$A$5</c:f>
+              <c:strCache>
+                <c:ptCount val="4"/>
+                <c:pt idx="0">
+                  <c:v>seqr</c:v>
+                </c:pt>
+                <c:pt idx="1">
+                  <c:v>seqw</c:v>
+                </c:pt>
+                <c:pt idx="2">
+                  <c:v>randr</c:v>
+                </c:pt>
+                <c:pt idx="3">
+                  <c:v>randw</c:v>
+                </c:pt>
+              </c:strCache>
+            </c:strRef>
+          </c:cat>
+          <c:val>
+            <c:numRef>
+              <c:f>Sheet1!$D$2:$D$5</c:f>
+              <c:numCache>
+                <c:formatCode>General</c:formatCode>
+                <c:ptCount val="4"/>
+                <c:pt idx="0">
+                  <c:v>2.2909999999999999</c:v>
+                </c:pt>
+                <c:pt idx="1">
+                  <c:v>2.5139999999999998</c:v>
+                </c:pt>
+                <c:pt idx="2">
+                  <c:v>2.282</c:v>
+                </c:pt>
+                <c:pt idx="3">
+                  <c:v>2.6379999999999999</c:v>
+                </c:pt>
+              </c:numCache>
+            </c:numRef>
+          </c:val>
+          <c:extLst>
+            <c:ext xmlns:c16="http://schemas.microsoft.com/office/drawing/2014/chart" uri="{C3380CC4-5D6E-409C-BE32-E72D297353CC}">
+              <c16:uniqueId val="{00000002-1C28-4A33-B387-63C7D45C3B11}"/>
+            </c:ext>
+          </c:extLst>
+        </c:ser>
+        <c:ser>
+          <c:idx val="3"/>
+          <c:order val="3"/>
+          <c:tx>
+            <c:strRef>
+              <c:f>Sheet1!$E$1</c:f>
+              <c:strCache>
+                <c:ptCount val="1"/>
+                <c:pt idx="0">
+                  <c:v>VDO-QAT-MULTI</c:v>
+                </c:pt>
+              </c:strCache>
+            </c:strRef>
+          </c:tx>
+          <c:spPr>
+            <a:solidFill>
+              <a:schemeClr val="accent5"/>
+            </a:solidFill>
+            <a:ln>
+              <a:noFill/>
+            </a:ln>
+            <a:effectLst/>
+          </c:spPr>
+          <c:invertIfNegative val="0"/>
+          <c:cat>
+            <c:strRef>
+              <c:f>Sheet1!$A$2:$A$5</c:f>
+              <c:strCache>
+                <c:ptCount val="4"/>
+                <c:pt idx="0">
+                  <c:v>seqr</c:v>
+                </c:pt>
+                <c:pt idx="1">
+                  <c:v>seqw</c:v>
+                </c:pt>
+                <c:pt idx="2">
+                  <c:v>randr</c:v>
+                </c:pt>
+                <c:pt idx="3">
+                  <c:v>randw</c:v>
+                </c:pt>
+              </c:strCache>
+            </c:strRef>
+          </c:cat>
+          <c:val>
+            <c:numRef>
+              <c:f>Sheet1!$E$2:$E$5</c:f>
+              <c:numCache>
+                <c:formatCode>General</c:formatCode>
+                <c:ptCount val="4"/>
+                <c:pt idx="0">
+                  <c:v>2.4009999999999998</c:v>
+                </c:pt>
+                <c:pt idx="1">
+                  <c:v>2.3820000000000001</c:v>
+                </c:pt>
+                <c:pt idx="2">
+                  <c:v>2.4169999999999998</c:v>
+                </c:pt>
+                <c:pt idx="3">
+                  <c:v>2.4289999999999998</c:v>
+                </c:pt>
+              </c:numCache>
+            </c:numRef>
+          </c:val>
+          <c:extLst>
+            <c:ext xmlns:c16="http://schemas.microsoft.com/office/drawing/2014/chart" uri="{C3380CC4-5D6E-409C-BE32-E72D297353CC}">
+              <c16:uniqueId val="{00000003-1C28-4A33-B387-63C7D45C3B11}"/>
+            </c:ext>
+          </c:extLst>
+        </c:ser>
+        <c:dLbls>
+          <c:showLegendKey val="0"/>
+          <c:showVal val="0"/>
+          <c:showCatName val="0"/>
+          <c:showSerName val="0"/>
+          <c:showPercent val="0"/>
+          <c:showBubbleSize val="0"/>
+        </c:dLbls>
+        <c:gapWidth val="219"/>
+        <c:overlap val="-27"/>
+        <c:axId val="2057971056"/>
+        <c:axId val="369954112"/>
+      </c:barChart>
+      <c:catAx>
+        <c:axId val="2057971056"/>
+        <c:scaling>
+          <c:orientation val="minMax"/>
+        </c:scaling>
+        <c:delete val="0"/>
+        <c:axPos val="b"/>
+        <c:title>
+          <c:tx>
+            <c:rich>
+              <a:bodyPr rot="0" spcFirstLastPara="1" vertOverflow="ellipsis" vert="horz" wrap="square" anchor="ctr" anchorCtr="1"/>
+              <a:lstStyle/>
+              <a:p>
+                <a:pPr>
+                  <a:defRPr sz="1330" b="0" i="0" u="none" strike="noStrike" kern="1200" baseline="0">
+                    <a:solidFill>
+                      <a:schemeClr val="tx1">
+                        <a:lumMod val="65000"/>
+                        <a:lumOff val="35000"/>
+                      </a:schemeClr>
+                    </a:solidFill>
+                    <a:latin typeface="+mn-lt"/>
+                    <a:ea typeface="+mn-ea"/>
+                    <a:cs typeface="+mn-cs"/>
+                  </a:defRPr>
+                </a:pPr>
+                <a:r>
+                  <a:rPr lang="en-US" altLang="zh-CN" sz="1200" b="1" dirty="0"/>
+                  <a:t>FIO</a:t>
+                </a:r>
+                <a:r>
+                  <a:rPr lang="zh-CN" altLang="en-US" sz="1200" b="1" dirty="0"/>
+                  <a:t>工作负载类型</a:t>
+                </a:r>
+              </a:p>
+            </c:rich>
+          </c:tx>
+          <c:overlay val="0"/>
+          <c:spPr>
+            <a:noFill/>
+            <a:ln>
+              <a:noFill/>
+            </a:ln>
+            <a:effectLst/>
+          </c:spPr>
+          <c:txPr>
+            <a:bodyPr rot="0" spcFirstLastPara="1" vertOverflow="ellipsis" vert="horz" wrap="square" anchor="ctr" anchorCtr="1"/>
+            <a:lstStyle/>
+            <a:p>
+              <a:pPr>
+                <a:defRPr sz="1330" b="0" i="0" u="none" strike="noStrike" kern="1200" baseline="0">
+                  <a:solidFill>
+                    <a:schemeClr val="tx1">
+                      <a:lumMod val="65000"/>
+                      <a:lumOff val="35000"/>
+                    </a:schemeClr>
+                  </a:solidFill>
+                  <a:latin typeface="+mn-lt"/>
+                  <a:ea typeface="+mn-ea"/>
+                  <a:cs typeface="+mn-cs"/>
+                </a:defRPr>
+              </a:pPr>
+              <a:endParaRPr lang="zh-CN"/>
+            </a:p>
+          </c:txPr>
+        </c:title>
+        <c:numFmt formatCode="General" sourceLinked="1"/>
+        <c:majorTickMark val="none"/>
+        <c:minorTickMark val="none"/>
+        <c:tickLblPos val="nextTo"/>
+        <c:spPr>
+          <a:noFill/>
+          <a:ln w="9525" cap="flat" cmpd="sng" algn="ctr">
+            <a:solidFill>
+              <a:schemeClr val="tx1">
+                <a:lumMod val="15000"/>
+                <a:lumOff val="85000"/>
+              </a:schemeClr>
+            </a:solidFill>
+            <a:round/>
+          </a:ln>
+          <a:effectLst/>
+        </c:spPr>
+        <c:txPr>
+          <a:bodyPr rot="-60000000" spcFirstLastPara="1" vertOverflow="ellipsis" vert="horz" wrap="square" anchor="ctr" anchorCtr="1"/>
+          <a:lstStyle/>
+          <a:p>
+            <a:pPr>
+              <a:defRPr sz="1200" b="1" i="0" u="none" strike="noStrike" kern="1200" baseline="0">
+                <a:solidFill>
+                  <a:schemeClr val="tx1">
+                    <a:lumMod val="65000"/>
+                    <a:lumOff val="35000"/>
+                  </a:schemeClr>
+                </a:solidFill>
+                <a:latin typeface="+mn-lt"/>
+                <a:ea typeface="+mn-ea"/>
+                <a:cs typeface="+mn-cs"/>
+              </a:defRPr>
+            </a:pPr>
+            <a:endParaRPr lang="zh-CN"/>
+          </a:p>
+        </c:txPr>
+        <c:crossAx val="369954112"/>
+        <c:crosses val="autoZero"/>
+        <c:auto val="1"/>
+        <c:lblAlgn val="ctr"/>
+        <c:lblOffset val="100"/>
+        <c:noMultiLvlLbl val="0"/>
+      </c:catAx>
+      <c:valAx>
+        <c:axId val="369954112"/>
+        <c:scaling>
+          <c:orientation val="minMax"/>
+        </c:scaling>
+        <c:delete val="0"/>
+        <c:axPos val="l"/>
+        <c:majorGridlines>
+          <c:spPr>
+            <a:ln w="9525" cap="flat" cmpd="sng" algn="ctr">
+              <a:solidFill>
+                <a:schemeClr val="tx1">
+                  <a:lumMod val="15000"/>
+                  <a:lumOff val="85000"/>
+                </a:schemeClr>
+              </a:solidFill>
+              <a:prstDash val="sysDash"/>
+              <a:round/>
+            </a:ln>
+            <a:effectLst/>
+          </c:spPr>
+        </c:majorGridlines>
+        <c:title>
+          <c:tx>
+            <c:rich>
+              <a:bodyPr rot="-5400000" spcFirstLastPara="1" vertOverflow="ellipsis" vert="horz" wrap="square" anchor="ctr" anchorCtr="1"/>
+              <a:lstStyle/>
+              <a:p>
+                <a:pPr>
+                  <a:defRPr sz="1330" b="1" i="0" u="none" strike="noStrike" kern="1200" baseline="0">
+                    <a:solidFill>
+                      <a:schemeClr val="tx1">
+                        <a:lumMod val="65000"/>
+                        <a:lumOff val="35000"/>
+                      </a:schemeClr>
+                    </a:solidFill>
+                    <a:latin typeface="+mn-lt"/>
+                    <a:ea typeface="+mn-ea"/>
+                    <a:cs typeface="+mn-cs"/>
+                  </a:defRPr>
+                </a:pPr>
+                <a:r>
+                  <a:rPr lang="zh-CN" altLang="en-US" sz="1200" b="1" dirty="0"/>
+                  <a:t>资源利用效率</a:t>
+                </a:r>
+              </a:p>
+            </c:rich>
+          </c:tx>
+          <c:overlay val="0"/>
+          <c:spPr>
+            <a:noFill/>
+            <a:ln>
+              <a:noFill/>
+            </a:ln>
+            <a:effectLst/>
+          </c:spPr>
+          <c:txPr>
+            <a:bodyPr rot="-5400000" spcFirstLastPara="1" vertOverflow="ellipsis" vert="horz" wrap="square" anchor="ctr" anchorCtr="1"/>
+            <a:lstStyle/>
+            <a:p>
+              <a:pPr>
+                <a:defRPr sz="1330" b="1" i="0" u="none" strike="noStrike" kern="1200" baseline="0">
+                  <a:solidFill>
+                    <a:schemeClr val="tx1">
+                      <a:lumMod val="65000"/>
+                      <a:lumOff val="35000"/>
+                    </a:schemeClr>
+                  </a:solidFill>
+                  <a:latin typeface="+mn-lt"/>
+                  <a:ea typeface="+mn-ea"/>
+                  <a:cs typeface="+mn-cs"/>
+                </a:defRPr>
+              </a:pPr>
+              <a:endParaRPr lang="zh-CN"/>
+            </a:p>
+          </c:txPr>
+        </c:title>
+        <c:numFmt formatCode="General" sourceLinked="1"/>
+        <c:majorTickMark val="none"/>
+        <c:minorTickMark val="none"/>
+        <c:tickLblPos val="nextTo"/>
+        <c:spPr>
+          <a:noFill/>
+          <a:ln>
+            <a:solidFill>
+              <a:schemeClr val="tx1">
+                <a:lumMod val="15000"/>
+                <a:lumOff val="85000"/>
+              </a:schemeClr>
+            </a:solidFill>
+          </a:ln>
+          <a:effectLst/>
+        </c:spPr>
+        <c:txPr>
+          <a:bodyPr rot="-60000000" spcFirstLastPara="1" vertOverflow="ellipsis" vert="horz" wrap="square" anchor="ctr" anchorCtr="1"/>
+          <a:lstStyle/>
+          <a:p>
+            <a:pPr>
+              <a:defRPr sz="1200" b="1" i="0" u="none" strike="noStrike" kern="1200" baseline="0">
+                <a:solidFill>
+                  <a:schemeClr val="tx1">
+                    <a:lumMod val="65000"/>
+                    <a:lumOff val="35000"/>
+                  </a:schemeClr>
+                </a:solidFill>
+                <a:latin typeface="+mn-lt"/>
+                <a:ea typeface="+mn-ea"/>
+                <a:cs typeface="+mn-cs"/>
+              </a:defRPr>
+            </a:pPr>
+            <a:endParaRPr lang="zh-CN"/>
+          </a:p>
+        </c:txPr>
+        <c:crossAx val="2057971056"/>
+        <c:crosses val="autoZero"/>
+        <c:crossBetween val="between"/>
+      </c:valAx>
+      <c:spPr>
+        <a:noFill/>
+        <a:ln w="15875">
+          <a:solidFill>
+            <a:schemeClr val="bg1">
+              <a:lumMod val="65000"/>
+            </a:schemeClr>
+          </a:solidFill>
+        </a:ln>
+        <a:effectLst/>
+      </c:spPr>
+    </c:plotArea>
+    <c:legend>
+      <c:legendPos val="b"/>
+      <c:layout>
+        <c:manualLayout>
+          <c:xMode val="edge"/>
+          <c:yMode val="edge"/>
+          <c:x val="0.28919402066929134"/>
+          <c:y val="0.924747449252595"/>
+          <c:w val="0.55911183562992128"/>
+          <c:h val="4.704440410542618E-2"/>
+        </c:manualLayout>
+      </c:layout>
+      <c:overlay val="0"/>
+      <c:spPr>
+        <a:noFill/>
+        <a:ln>
+          <a:noFill/>
+        </a:ln>
+        <a:effectLst/>
+      </c:spPr>
+      <c:txPr>
+        <a:bodyPr rot="0" spcFirstLastPara="1" vertOverflow="ellipsis" vert="horz" wrap="square" anchor="ctr" anchorCtr="1"/>
+        <a:lstStyle/>
+        <a:p>
+          <a:pPr>
+            <a:defRPr sz="1197" b="1" i="0" u="none" strike="noStrike" kern="1200" baseline="0">
+              <a:solidFill>
+                <a:schemeClr val="tx1">
+                  <a:lumMod val="65000"/>
+                  <a:lumOff val="35000"/>
+                </a:schemeClr>
+              </a:solidFill>
+              <a:latin typeface="+mn-lt"/>
+              <a:ea typeface="+mn-ea"/>
+              <a:cs typeface="+mn-cs"/>
+            </a:defRPr>
+          </a:pPr>
+          <a:endParaRPr lang="zh-CN"/>
+        </a:p>
+      </c:txPr>
+    </c:legend>
+    <c:plotVisOnly val="1"/>
+    <c:dispBlanksAs val="gap"/>
+    <c:extLst>
+      <c:ext xmlns:c16r3="http://schemas.microsoft.com/office/drawing/2017/03/chart" uri="{56B9EC1D-385E-4148-901F-78D8002777C0}">
+        <c16r3:dataDisplayOptions16>
+          <c16r3:dispNaAsBlank val="1"/>
+        </c16r3:dataDisplayOptions16>
+      </c:ext>
+    </c:extLst>
+    <c:showDLblsOverMax val="0"/>
+  </c:chart>
+  <c:spPr>
+    <a:noFill/>
+    <a:ln>
+      <a:noFill/>
+    </a:ln>
+    <a:effectLst/>
+  </c:spPr>
+  <c:txPr>
+    <a:bodyPr/>
+    <a:lstStyle/>
+    <a:p>
+      <a:pPr>
+        <a:defRPr/>
+      </a:pPr>
+      <a:endParaRPr lang="zh-CN"/>
+    </a:p>
+  </c:txPr>
+  <c:externalData r:id="rId3">
+    <c:autoUpdate val="0"/>
+  </c:externalData>
+</c:chartSpace>
+</file>
+
+<file path=ppt/charts/chart3.xml><?xml version="1.0" encoding="utf-8"?>
+<c:chartSpace xmlns:c="http://schemas.openxmlformats.org/drawingml/2006/chart" xmlns:a="http://schemas.openxmlformats.org/drawingml/2006/main" xmlns:r="http://schemas.openxmlformats.org/officeDocument/2006/relationships" xmlns:c16r2="http://schemas.microsoft.com/office/drawing/2015/06/chart">
+  <c:date1904 val="0"/>
+  <c:lang val="zh-CN"/>
+  <c:roundedCorners val="0"/>
+  <mc:AlternateContent xmlns:mc="http://schemas.openxmlformats.org/markup-compatibility/2006">
+    <mc:Choice xmlns:c14="http://schemas.microsoft.com/office/drawing/2007/8/2/chart" Requires="c14">
+      <c14:style val="102"/>
+    </mc:Choice>
+    <mc:Fallback>
+      <c:style val="2"/>
+    </mc:Fallback>
+  </mc:AlternateContent>
+  <c:chart>
+    <c:autoTitleDeleted val="1"/>
+    <c:plotArea>
+      <c:layout/>
+      <c:barChart>
+        <c:barDir val="col"/>
+        <c:grouping val="clustered"/>
+        <c:varyColors val="0"/>
+        <c:ser>
+          <c:idx val="0"/>
+          <c:order val="0"/>
+          <c:tx>
+            <c:strRef>
+              <c:f>Sheet1!$B$1</c:f>
+              <c:strCache>
+                <c:ptCount val="1"/>
+                <c:pt idx="0">
+                  <c:v>VDO-OFF</c:v>
+                </c:pt>
+              </c:strCache>
+            </c:strRef>
+          </c:tx>
+          <c:spPr>
+            <a:solidFill>
+              <a:schemeClr val="accent2"/>
+            </a:solidFill>
+            <a:ln>
+              <a:noFill/>
+            </a:ln>
+            <a:effectLst/>
+          </c:spPr>
+          <c:invertIfNegative val="0"/>
           <c:dPt>
             <c:idx val="0"/>
             <c:invertIfNegative val="0"/>
@@ -945,16 +2439,16 @@
                 <c:formatCode>General</c:formatCode>
                 <c:ptCount val="4"/>
                 <c:pt idx="0">
-                  <c:v>50</c:v>
+                  <c:v>70.8</c:v>
                 </c:pt>
                 <c:pt idx="1">
-                  <c:v>69.7</c:v>
+                  <c:v>94.7</c:v>
                 </c:pt>
                 <c:pt idx="2">
-                  <c:v>50</c:v>
+                  <c:v>63.5</c:v>
                 </c:pt>
                 <c:pt idx="3">
-                  <c:v>50</c:v>
+                  <c:v>91.2</c:v>
                 </c:pt>
               </c:numCache>
             </c:numRef>
@@ -1019,16 +2513,16 @@
                 <c:formatCode>General</c:formatCode>
                 <c:ptCount val="4"/>
                 <c:pt idx="0">
-                  <c:v>50</c:v>
+                  <c:v>83.6</c:v>
                 </c:pt>
                 <c:pt idx="1">
-                  <c:v>50</c:v>
+                  <c:v>76.2</c:v>
                 </c:pt>
                 <c:pt idx="2">
-                  <c:v>50</c:v>
+                  <c:v>83.9</c:v>
                 </c:pt>
                 <c:pt idx="3">
-                  <c:v>50</c:v>
+                  <c:v>72.599999999999994</c:v>
                 </c:pt>
               </c:numCache>
             </c:numRef>
@@ -1090,13 +2584,13 @@
                 <c:formatCode>General</c:formatCode>
                 <c:ptCount val="4"/>
                 <c:pt idx="0">
-                  <c:v>83.6</c:v>
+                  <c:v>76.3</c:v>
                 </c:pt>
                 <c:pt idx="1">
                   <c:v>76.900000000000006</c:v>
                 </c:pt>
                 <c:pt idx="2">
-                  <c:v>86.9</c:v>
+                  <c:v>75.8</c:v>
                 </c:pt>
                 <c:pt idx="3">
                   <c:v>75.400000000000006</c:v>
@@ -1349,7 +2843,7 @@
           <a:lstStyle/>
           <a:p>
             <a:pPr>
-              <a:defRPr sz="1200" b="0" i="0" u="none" strike="noStrike" kern="1200" baseline="0">
+              <a:defRPr sz="1200" b="1" i="0" u="none" strike="noStrike" kern="1200" baseline="0">
                 <a:solidFill>
                   <a:schemeClr val="tx1">
                     <a:lumMod val="65000"/>
@@ -1382,6 +2876,16 @@
     </c:plotArea>
     <c:legend>
       <c:legendPos val="b"/>
+      <c:layout>
+        <c:manualLayout>
+          <c:xMode val="edge"/>
+          <c:yMode val="edge"/>
+          <c:x val="0.28919402066929134"/>
+          <c:y val="0.92218307228514251"/>
+          <c:w val="0.55911183562992128"/>
+          <c:h val="4.704440410542618E-2"/>
+        </c:manualLayout>
+      </c:layout>
       <c:overlay val="0"/>
       <c:spPr>
         <a:noFill/>
@@ -1445,7 +2949,1288 @@
 </c:chartSpace>
 </file>
 
-<file path=ppt/charts/chart3.xml><?xml version="1.0" encoding="utf-8"?>
+<file path=ppt/charts/chart4.xml><?xml version="1.0" encoding="utf-8"?>
+<c:chartSpace xmlns:c="http://schemas.openxmlformats.org/drawingml/2006/chart" xmlns:a="http://schemas.openxmlformats.org/drawingml/2006/main" xmlns:r="http://schemas.openxmlformats.org/officeDocument/2006/relationships" xmlns:c16r2="http://schemas.microsoft.com/office/drawing/2015/06/chart">
+  <c:date1904 val="0"/>
+  <c:lang val="zh-CN"/>
+  <c:roundedCorners val="0"/>
+  <mc:AlternateContent xmlns:mc="http://schemas.openxmlformats.org/markup-compatibility/2006">
+    <mc:Choice xmlns:c14="http://schemas.microsoft.com/office/drawing/2007/8/2/chart" Requires="c14">
+      <c14:style val="102"/>
+    </mc:Choice>
+    <mc:Fallback>
+      <c:style val="2"/>
+    </mc:Fallback>
+  </mc:AlternateContent>
+  <c:chart>
+    <c:autoTitleDeleted val="1"/>
+    <c:plotArea>
+      <c:layout/>
+      <c:barChart>
+        <c:barDir val="col"/>
+        <c:grouping val="clustered"/>
+        <c:varyColors val="0"/>
+        <c:ser>
+          <c:idx val="0"/>
+          <c:order val="0"/>
+          <c:tx>
+            <c:strRef>
+              <c:f>Sheet1!$B$1</c:f>
+              <c:strCache>
+                <c:ptCount val="1"/>
+                <c:pt idx="0">
+                  <c:v>VDO-OFF</c:v>
+                </c:pt>
+              </c:strCache>
+            </c:strRef>
+          </c:tx>
+          <c:spPr>
+            <a:solidFill>
+              <a:schemeClr val="accent2"/>
+            </a:solidFill>
+            <a:ln>
+              <a:noFill/>
+            </a:ln>
+            <a:effectLst/>
+          </c:spPr>
+          <c:invertIfNegative val="0"/>
+          <c:dPt>
+            <c:idx val="0"/>
+            <c:invertIfNegative val="0"/>
+            <c:bubble3D val="0"/>
+            <c:spPr>
+              <a:solidFill>
+                <a:schemeClr val="accent2"/>
+              </a:solidFill>
+              <a:ln>
+                <a:noFill/>
+              </a:ln>
+              <a:effectLst/>
+            </c:spPr>
+            <c:extLst>
+              <c:ext xmlns:c16="http://schemas.microsoft.com/office/drawing/2014/chart" uri="{C3380CC4-5D6E-409C-BE32-E72D297353CC}">
+                <c16:uniqueId val="{00000000-6708-4762-B3FF-B74383CD4FBC}"/>
+              </c:ext>
+            </c:extLst>
+          </c:dPt>
+          <c:cat>
+            <c:strRef>
+              <c:f>Sheet1!$A$2:$A$4</c:f>
+              <c:strCache>
+                <c:ptCount val="3"/>
+                <c:pt idx="0">
+                  <c:v>calgary</c:v>
+                </c:pt>
+                <c:pt idx="1">
+                  <c:v>ext4</c:v>
+                </c:pt>
+                <c:pt idx="2">
+                  <c:v>XFS</c:v>
+                </c:pt>
+              </c:strCache>
+            </c:strRef>
+          </c:cat>
+          <c:val>
+            <c:numRef>
+              <c:f>Sheet1!$B$2:$B$4</c:f>
+              <c:numCache>
+                <c:formatCode>General</c:formatCode>
+                <c:ptCount val="3"/>
+                <c:pt idx="0">
+                  <c:v>100</c:v>
+                </c:pt>
+                <c:pt idx="1">
+                  <c:v>100</c:v>
+                </c:pt>
+                <c:pt idx="2">
+                  <c:v>100</c:v>
+                </c:pt>
+              </c:numCache>
+            </c:numRef>
+          </c:val>
+          <c:extLst>
+            <c:ext xmlns:c16="http://schemas.microsoft.com/office/drawing/2014/chart" uri="{C3380CC4-5D6E-409C-BE32-E72D297353CC}">
+              <c16:uniqueId val="{00000000-1C28-4A33-B387-63C7D45C3B11}"/>
+            </c:ext>
+          </c:extLst>
+        </c:ser>
+        <c:ser>
+          <c:idx val="1"/>
+          <c:order val="1"/>
+          <c:tx>
+            <c:strRef>
+              <c:f>Sheet1!$C$1</c:f>
+              <c:strCache>
+                <c:ptCount val="1"/>
+                <c:pt idx="0">
+                  <c:v>VDO-ON</c:v>
+                </c:pt>
+              </c:strCache>
+            </c:strRef>
+          </c:tx>
+          <c:spPr>
+            <a:solidFill>
+              <a:schemeClr val="accent4">
+                <a:lumMod val="60000"/>
+                <a:lumOff val="40000"/>
+              </a:schemeClr>
+            </a:solidFill>
+            <a:ln>
+              <a:noFill/>
+            </a:ln>
+            <a:effectLst/>
+          </c:spPr>
+          <c:invertIfNegative val="0"/>
+          <c:cat>
+            <c:strRef>
+              <c:f>Sheet1!$A$2:$A$4</c:f>
+              <c:strCache>
+                <c:ptCount val="3"/>
+                <c:pt idx="0">
+                  <c:v>calgary</c:v>
+                </c:pt>
+                <c:pt idx="1">
+                  <c:v>ext4</c:v>
+                </c:pt>
+                <c:pt idx="2">
+                  <c:v>XFS</c:v>
+                </c:pt>
+              </c:strCache>
+            </c:strRef>
+          </c:cat>
+          <c:val>
+            <c:numRef>
+              <c:f>Sheet1!$C$2:$C$4</c:f>
+              <c:numCache>
+                <c:formatCode>General</c:formatCode>
+                <c:ptCount val="3"/>
+                <c:pt idx="0">
+                  <c:v>81.19</c:v>
+                </c:pt>
+                <c:pt idx="1">
+                  <c:v>77.55</c:v>
+                </c:pt>
+                <c:pt idx="2">
+                  <c:v>92.08</c:v>
+                </c:pt>
+              </c:numCache>
+            </c:numRef>
+          </c:val>
+          <c:extLst>
+            <c:ext xmlns:c16="http://schemas.microsoft.com/office/drawing/2014/chart" uri="{C3380CC4-5D6E-409C-BE32-E72D297353CC}">
+              <c16:uniqueId val="{00000001-1C28-4A33-B387-63C7D45C3B11}"/>
+            </c:ext>
+          </c:extLst>
+        </c:ser>
+        <c:ser>
+          <c:idx val="2"/>
+          <c:order val="2"/>
+          <c:tx>
+            <c:strRef>
+              <c:f>Sheet1!$D$1</c:f>
+              <c:strCache>
+                <c:ptCount val="1"/>
+                <c:pt idx="0">
+                  <c:v>VDO-QAT</c:v>
+                </c:pt>
+              </c:strCache>
+            </c:strRef>
+          </c:tx>
+          <c:spPr>
+            <a:solidFill>
+              <a:schemeClr val="accent6">
+                <a:lumMod val="60000"/>
+                <a:lumOff val="40000"/>
+              </a:schemeClr>
+            </a:solidFill>
+            <a:ln>
+              <a:noFill/>
+            </a:ln>
+            <a:effectLst/>
+          </c:spPr>
+          <c:invertIfNegative val="0"/>
+          <c:cat>
+            <c:strRef>
+              <c:f>Sheet1!$A$2:$A$4</c:f>
+              <c:strCache>
+                <c:ptCount val="3"/>
+                <c:pt idx="0">
+                  <c:v>calgary</c:v>
+                </c:pt>
+                <c:pt idx="1">
+                  <c:v>ext4</c:v>
+                </c:pt>
+                <c:pt idx="2">
+                  <c:v>XFS</c:v>
+                </c:pt>
+              </c:strCache>
+            </c:strRef>
+          </c:cat>
+          <c:val>
+            <c:numRef>
+              <c:f>Sheet1!$D$2:$D$4</c:f>
+              <c:numCache>
+                <c:formatCode>General</c:formatCode>
+                <c:ptCount val="3"/>
+                <c:pt idx="0">
+                  <c:v>51.83</c:v>
+                </c:pt>
+                <c:pt idx="1">
+                  <c:v>46.06</c:v>
+                </c:pt>
+                <c:pt idx="2">
+                  <c:v>52.09</c:v>
+                </c:pt>
+              </c:numCache>
+            </c:numRef>
+          </c:val>
+          <c:extLst>
+            <c:ext xmlns:c16="http://schemas.microsoft.com/office/drawing/2014/chart" uri="{C3380CC4-5D6E-409C-BE32-E72D297353CC}">
+              <c16:uniqueId val="{00000002-1C28-4A33-B387-63C7D45C3B11}"/>
+            </c:ext>
+          </c:extLst>
+        </c:ser>
+        <c:ser>
+          <c:idx val="3"/>
+          <c:order val="3"/>
+          <c:tx>
+            <c:strRef>
+              <c:f>Sheet1!$E$1</c:f>
+              <c:strCache>
+                <c:ptCount val="1"/>
+                <c:pt idx="0">
+                  <c:v>VDO-QAT-MULTI</c:v>
+                </c:pt>
+              </c:strCache>
+            </c:strRef>
+          </c:tx>
+          <c:spPr>
+            <a:solidFill>
+              <a:schemeClr val="accent5"/>
+            </a:solidFill>
+            <a:ln>
+              <a:noFill/>
+            </a:ln>
+            <a:effectLst/>
+          </c:spPr>
+          <c:invertIfNegative val="0"/>
+          <c:cat>
+            <c:strRef>
+              <c:f>Sheet1!$A$2:$A$4</c:f>
+              <c:strCache>
+                <c:ptCount val="3"/>
+                <c:pt idx="0">
+                  <c:v>calgary</c:v>
+                </c:pt>
+                <c:pt idx="1">
+                  <c:v>ext4</c:v>
+                </c:pt>
+                <c:pt idx="2">
+                  <c:v>XFS</c:v>
+                </c:pt>
+              </c:strCache>
+            </c:strRef>
+          </c:cat>
+          <c:val>
+            <c:numRef>
+              <c:f>Sheet1!$E$2:$E$4</c:f>
+              <c:numCache>
+                <c:formatCode>General</c:formatCode>
+                <c:ptCount val="3"/>
+                <c:pt idx="0">
+                  <c:v>54.59</c:v>
+                </c:pt>
+                <c:pt idx="1">
+                  <c:v>47.19</c:v>
+                </c:pt>
+                <c:pt idx="2">
+                  <c:v>57.98</c:v>
+                </c:pt>
+              </c:numCache>
+            </c:numRef>
+          </c:val>
+          <c:extLst>
+            <c:ext xmlns:c16="http://schemas.microsoft.com/office/drawing/2014/chart" uri="{C3380CC4-5D6E-409C-BE32-E72D297353CC}">
+              <c16:uniqueId val="{00000003-1C28-4A33-B387-63C7D45C3B11}"/>
+            </c:ext>
+          </c:extLst>
+        </c:ser>
+        <c:dLbls>
+          <c:showLegendKey val="0"/>
+          <c:showVal val="0"/>
+          <c:showCatName val="0"/>
+          <c:showSerName val="0"/>
+          <c:showPercent val="0"/>
+          <c:showBubbleSize val="0"/>
+        </c:dLbls>
+        <c:gapWidth val="219"/>
+        <c:overlap val="-27"/>
+        <c:axId val="2057971056"/>
+        <c:axId val="369954112"/>
+      </c:barChart>
+      <c:catAx>
+        <c:axId val="2057971056"/>
+        <c:scaling>
+          <c:orientation val="minMax"/>
+        </c:scaling>
+        <c:delete val="0"/>
+        <c:axPos val="b"/>
+        <c:title>
+          <c:tx>
+            <c:rich>
+              <a:bodyPr rot="0" spcFirstLastPara="1" vertOverflow="ellipsis" vert="horz" wrap="square" anchor="ctr" anchorCtr="1"/>
+              <a:lstStyle/>
+              <a:p>
+                <a:pPr>
+                  <a:defRPr sz="1330" b="0" i="0" u="none" strike="noStrike" kern="1200" baseline="0">
+                    <a:solidFill>
+                      <a:schemeClr val="tx1">
+                        <a:lumMod val="65000"/>
+                        <a:lumOff val="35000"/>
+                      </a:schemeClr>
+                    </a:solidFill>
+                    <a:latin typeface="+mn-lt"/>
+                    <a:ea typeface="+mn-ea"/>
+                    <a:cs typeface="+mn-cs"/>
+                  </a:defRPr>
+                </a:pPr>
+                <a:r>
+                  <a:rPr lang="zh-CN" altLang="en-US" sz="1200" b="1" dirty="0">
+                    <a:latin typeface="+mn-lt"/>
+                    <a:ea typeface="+mj-ea"/>
+                  </a:rPr>
+                  <a:t>工作负载类型</a:t>
+                </a:r>
+              </a:p>
+            </c:rich>
+          </c:tx>
+          <c:overlay val="0"/>
+          <c:spPr>
+            <a:noFill/>
+            <a:ln>
+              <a:noFill/>
+            </a:ln>
+            <a:effectLst/>
+          </c:spPr>
+          <c:txPr>
+            <a:bodyPr rot="0" spcFirstLastPara="1" vertOverflow="ellipsis" vert="horz" wrap="square" anchor="ctr" anchorCtr="1"/>
+            <a:lstStyle/>
+            <a:p>
+              <a:pPr>
+                <a:defRPr sz="1330" b="0" i="0" u="none" strike="noStrike" kern="1200" baseline="0">
+                  <a:solidFill>
+                    <a:schemeClr val="tx1">
+                      <a:lumMod val="65000"/>
+                      <a:lumOff val="35000"/>
+                    </a:schemeClr>
+                  </a:solidFill>
+                  <a:latin typeface="+mn-lt"/>
+                  <a:ea typeface="+mn-ea"/>
+                  <a:cs typeface="+mn-cs"/>
+                </a:defRPr>
+              </a:pPr>
+              <a:endParaRPr lang="zh-CN"/>
+            </a:p>
+          </c:txPr>
+        </c:title>
+        <c:numFmt formatCode="General" sourceLinked="1"/>
+        <c:majorTickMark val="none"/>
+        <c:minorTickMark val="none"/>
+        <c:tickLblPos val="nextTo"/>
+        <c:spPr>
+          <a:noFill/>
+          <a:ln w="9525" cap="flat" cmpd="sng" algn="ctr">
+            <a:solidFill>
+              <a:schemeClr val="tx1">
+                <a:lumMod val="15000"/>
+                <a:lumOff val="85000"/>
+              </a:schemeClr>
+            </a:solidFill>
+            <a:round/>
+          </a:ln>
+          <a:effectLst/>
+        </c:spPr>
+        <c:txPr>
+          <a:bodyPr rot="-60000000" spcFirstLastPara="1" vertOverflow="ellipsis" vert="horz" wrap="square" anchor="ctr" anchorCtr="1"/>
+          <a:lstStyle/>
+          <a:p>
+            <a:pPr>
+              <a:defRPr sz="1200" b="1" i="0" u="none" strike="noStrike" kern="1200" baseline="0">
+                <a:solidFill>
+                  <a:schemeClr val="tx1">
+                    <a:lumMod val="65000"/>
+                    <a:lumOff val="35000"/>
+                  </a:schemeClr>
+                </a:solidFill>
+                <a:latin typeface="+mn-lt"/>
+                <a:ea typeface="+mn-ea"/>
+                <a:cs typeface="+mn-cs"/>
+              </a:defRPr>
+            </a:pPr>
+            <a:endParaRPr lang="zh-CN"/>
+          </a:p>
+        </c:txPr>
+        <c:crossAx val="369954112"/>
+        <c:crosses val="autoZero"/>
+        <c:auto val="1"/>
+        <c:lblAlgn val="ctr"/>
+        <c:lblOffset val="100"/>
+        <c:noMultiLvlLbl val="0"/>
+      </c:catAx>
+      <c:valAx>
+        <c:axId val="369954112"/>
+        <c:scaling>
+          <c:orientation val="minMax"/>
+          <c:max val="120"/>
+        </c:scaling>
+        <c:delete val="0"/>
+        <c:axPos val="l"/>
+        <c:majorGridlines>
+          <c:spPr>
+            <a:ln w="9525" cap="flat" cmpd="sng" algn="ctr">
+              <a:solidFill>
+                <a:schemeClr val="tx1">
+                  <a:lumMod val="15000"/>
+                  <a:lumOff val="85000"/>
+                </a:schemeClr>
+              </a:solidFill>
+              <a:prstDash val="sysDash"/>
+              <a:round/>
+            </a:ln>
+            <a:effectLst/>
+          </c:spPr>
+        </c:majorGridlines>
+        <c:title>
+          <c:tx>
+            <c:rich>
+              <a:bodyPr rot="-5400000" spcFirstLastPara="1" vertOverflow="ellipsis" vert="horz" wrap="square" anchor="ctr" anchorCtr="1"/>
+              <a:lstStyle/>
+              <a:p>
+                <a:pPr>
+                  <a:defRPr sz="1330" b="1" i="0" u="none" strike="noStrike" kern="1200" baseline="0">
+                    <a:solidFill>
+                      <a:schemeClr val="tx1">
+                        <a:lumMod val="65000"/>
+                        <a:lumOff val="35000"/>
+                      </a:schemeClr>
+                    </a:solidFill>
+                    <a:latin typeface="+mn-lt"/>
+                    <a:ea typeface="+mn-ea"/>
+                    <a:cs typeface="+mn-cs"/>
+                  </a:defRPr>
+                </a:pPr>
+                <a:r>
+                  <a:rPr lang="zh-CN" altLang="en-US" sz="1200" b="1" dirty="0"/>
+                  <a:t>存储空间节省率（</a:t>
+                </a:r>
+                <a:r>
+                  <a:rPr lang="en-US" altLang="zh-CN" sz="1200" b="1" dirty="0"/>
+                  <a:t>%</a:t>
+                </a:r>
+                <a:r>
+                  <a:rPr lang="zh-CN" altLang="en-US" sz="1200" b="1" dirty="0"/>
+                  <a:t>）</a:t>
+                </a:r>
+              </a:p>
+            </c:rich>
+          </c:tx>
+          <c:overlay val="0"/>
+          <c:spPr>
+            <a:noFill/>
+            <a:ln>
+              <a:noFill/>
+            </a:ln>
+            <a:effectLst/>
+          </c:spPr>
+          <c:txPr>
+            <a:bodyPr rot="-5400000" spcFirstLastPara="1" vertOverflow="ellipsis" vert="horz" wrap="square" anchor="ctr" anchorCtr="1"/>
+            <a:lstStyle/>
+            <a:p>
+              <a:pPr>
+                <a:defRPr sz="1330" b="1" i="0" u="none" strike="noStrike" kern="1200" baseline="0">
+                  <a:solidFill>
+                    <a:schemeClr val="tx1">
+                      <a:lumMod val="65000"/>
+                      <a:lumOff val="35000"/>
+                    </a:schemeClr>
+                  </a:solidFill>
+                  <a:latin typeface="+mn-lt"/>
+                  <a:ea typeface="+mn-ea"/>
+                  <a:cs typeface="+mn-cs"/>
+                </a:defRPr>
+              </a:pPr>
+              <a:endParaRPr lang="zh-CN"/>
+            </a:p>
+          </c:txPr>
+        </c:title>
+        <c:numFmt formatCode="General" sourceLinked="1"/>
+        <c:majorTickMark val="none"/>
+        <c:minorTickMark val="none"/>
+        <c:tickLblPos val="nextTo"/>
+        <c:spPr>
+          <a:noFill/>
+          <a:ln>
+            <a:solidFill>
+              <a:schemeClr val="tx1">
+                <a:lumMod val="15000"/>
+                <a:lumOff val="85000"/>
+              </a:schemeClr>
+            </a:solidFill>
+          </a:ln>
+          <a:effectLst/>
+        </c:spPr>
+        <c:txPr>
+          <a:bodyPr rot="-60000000" spcFirstLastPara="1" vertOverflow="ellipsis" vert="horz" wrap="square" anchor="ctr" anchorCtr="1"/>
+          <a:lstStyle/>
+          <a:p>
+            <a:pPr>
+              <a:defRPr sz="1200" b="1" i="0" u="none" strike="noStrike" kern="1200" baseline="0">
+                <a:solidFill>
+                  <a:schemeClr val="tx1">
+                    <a:lumMod val="65000"/>
+                    <a:lumOff val="35000"/>
+                  </a:schemeClr>
+                </a:solidFill>
+                <a:latin typeface="+mn-lt"/>
+                <a:ea typeface="+mn-ea"/>
+                <a:cs typeface="+mn-cs"/>
+              </a:defRPr>
+            </a:pPr>
+            <a:endParaRPr lang="zh-CN"/>
+          </a:p>
+        </c:txPr>
+        <c:crossAx val="2057971056"/>
+        <c:crosses val="autoZero"/>
+        <c:crossBetween val="between"/>
+      </c:valAx>
+      <c:spPr>
+        <a:noFill/>
+        <a:ln w="15875">
+          <a:solidFill>
+            <a:schemeClr val="bg1">
+              <a:lumMod val="65000"/>
+            </a:schemeClr>
+          </a:solidFill>
+        </a:ln>
+        <a:effectLst/>
+      </c:spPr>
+    </c:plotArea>
+    <c:legend>
+      <c:legendPos val="b"/>
+      <c:layout>
+        <c:manualLayout>
+          <c:xMode val="edge"/>
+          <c:yMode val="edge"/>
+          <c:x val="0.27163058190372857"/>
+          <c:y val="0.92038248605252559"/>
+          <c:w val="0.6102175559398868"/>
+          <c:h val="4.977317662741898E-2"/>
+        </c:manualLayout>
+      </c:layout>
+      <c:overlay val="0"/>
+      <c:spPr>
+        <a:noFill/>
+        <a:ln>
+          <a:noFill/>
+        </a:ln>
+        <a:effectLst/>
+      </c:spPr>
+      <c:txPr>
+        <a:bodyPr rot="0" spcFirstLastPara="1" vertOverflow="ellipsis" vert="horz" wrap="square" anchor="ctr" anchorCtr="1"/>
+        <a:lstStyle/>
+        <a:p>
+          <a:pPr>
+            <a:defRPr sz="1197" b="1" i="0" u="none" strike="noStrike" kern="1200" baseline="0">
+              <a:solidFill>
+                <a:schemeClr val="tx1">
+                  <a:lumMod val="65000"/>
+                  <a:lumOff val="35000"/>
+                </a:schemeClr>
+              </a:solidFill>
+              <a:latin typeface="+mn-lt"/>
+              <a:ea typeface="+mn-ea"/>
+              <a:cs typeface="+mn-cs"/>
+            </a:defRPr>
+          </a:pPr>
+          <a:endParaRPr lang="zh-CN"/>
+        </a:p>
+      </c:txPr>
+    </c:legend>
+    <c:plotVisOnly val="1"/>
+    <c:dispBlanksAs val="gap"/>
+    <c:extLst>
+      <c:ext xmlns:c16r3="http://schemas.microsoft.com/office/drawing/2017/03/chart" uri="{56B9EC1D-385E-4148-901F-78D8002777C0}">
+        <c16r3:dataDisplayOptions16>
+          <c16r3:dispNaAsBlank val="1"/>
+        </c16r3:dataDisplayOptions16>
+      </c:ext>
+    </c:extLst>
+    <c:showDLblsOverMax val="0"/>
+  </c:chart>
+  <c:spPr>
+    <a:noFill/>
+    <a:ln>
+      <a:noFill/>
+    </a:ln>
+    <a:effectLst/>
+  </c:spPr>
+  <c:txPr>
+    <a:bodyPr/>
+    <a:lstStyle/>
+    <a:p>
+      <a:pPr>
+        <a:defRPr/>
+      </a:pPr>
+      <a:endParaRPr lang="zh-CN"/>
+    </a:p>
+  </c:txPr>
+  <c:externalData r:id="rId3">
+    <c:autoUpdate val="0"/>
+  </c:externalData>
+</c:chartSpace>
+</file>
+
+<file path=ppt/charts/chart5.xml><?xml version="1.0" encoding="utf-8"?>
+<c:chartSpace xmlns:c="http://schemas.openxmlformats.org/drawingml/2006/chart" xmlns:a="http://schemas.openxmlformats.org/drawingml/2006/main" xmlns:r="http://schemas.openxmlformats.org/officeDocument/2006/relationships" xmlns:c16r2="http://schemas.microsoft.com/office/drawing/2015/06/chart">
+  <c:date1904 val="0"/>
+  <c:lang val="zh-CN"/>
+  <c:roundedCorners val="0"/>
+  <mc:AlternateContent xmlns:mc="http://schemas.openxmlformats.org/markup-compatibility/2006">
+    <mc:Choice xmlns:c14="http://schemas.microsoft.com/office/drawing/2007/8/2/chart" Requires="c14">
+      <c14:style val="102"/>
+    </mc:Choice>
+    <mc:Fallback>
+      <c:style val="2"/>
+    </mc:Fallback>
+  </mc:AlternateContent>
+  <c:chart>
+    <c:autoTitleDeleted val="1"/>
+    <c:plotArea>
+      <c:layout/>
+      <c:barChart>
+        <c:barDir val="col"/>
+        <c:grouping val="clustered"/>
+        <c:varyColors val="0"/>
+        <c:ser>
+          <c:idx val="0"/>
+          <c:order val="0"/>
+          <c:tx>
+            <c:strRef>
+              <c:f>Sheet1!$B$1</c:f>
+              <c:strCache>
+                <c:ptCount val="1"/>
+                <c:pt idx="0">
+                  <c:v>VDO-OFF</c:v>
+                </c:pt>
+              </c:strCache>
+            </c:strRef>
+          </c:tx>
+          <c:spPr>
+            <a:solidFill>
+              <a:schemeClr val="accent2"/>
+            </a:solidFill>
+            <a:ln>
+              <a:noFill/>
+            </a:ln>
+            <a:effectLst/>
+          </c:spPr>
+          <c:invertIfNegative val="0"/>
+          <c:dPt>
+            <c:idx val="0"/>
+            <c:invertIfNegative val="0"/>
+            <c:bubble3D val="0"/>
+            <c:spPr>
+              <a:solidFill>
+                <a:schemeClr val="accent2"/>
+              </a:solidFill>
+              <a:ln>
+                <a:noFill/>
+              </a:ln>
+              <a:effectLst/>
+            </c:spPr>
+            <c:extLst>
+              <c:ext xmlns:c16="http://schemas.microsoft.com/office/drawing/2014/chart" uri="{C3380CC4-5D6E-409C-BE32-E72D297353CC}">
+                <c16:uniqueId val="{00000000-6708-4762-B3FF-B74383CD4FBC}"/>
+              </c:ext>
+            </c:extLst>
+          </c:dPt>
+          <c:cat>
+            <c:strRef>
+              <c:f>Sheet1!$A$2:$A$4</c:f>
+              <c:strCache>
+                <c:ptCount val="3"/>
+                <c:pt idx="0">
+                  <c:v>calgary</c:v>
+                </c:pt>
+                <c:pt idx="1">
+                  <c:v>ext4</c:v>
+                </c:pt>
+                <c:pt idx="2">
+                  <c:v>XFS</c:v>
+                </c:pt>
+              </c:strCache>
+            </c:strRef>
+          </c:cat>
+          <c:val>
+            <c:numRef>
+              <c:f>Sheet1!$B$2:$B$4</c:f>
+              <c:numCache>
+                <c:formatCode>General</c:formatCode>
+                <c:ptCount val="3"/>
+                <c:pt idx="0">
+                  <c:v>100</c:v>
+                </c:pt>
+                <c:pt idx="1">
+                  <c:v>100</c:v>
+                </c:pt>
+                <c:pt idx="2">
+                  <c:v>100</c:v>
+                </c:pt>
+              </c:numCache>
+            </c:numRef>
+          </c:val>
+          <c:extLst>
+            <c:ext xmlns:c16="http://schemas.microsoft.com/office/drawing/2014/chart" uri="{C3380CC4-5D6E-409C-BE32-E72D297353CC}">
+              <c16:uniqueId val="{00000000-1C28-4A33-B387-63C7D45C3B11}"/>
+            </c:ext>
+          </c:extLst>
+        </c:ser>
+        <c:ser>
+          <c:idx val="1"/>
+          <c:order val="1"/>
+          <c:tx>
+            <c:strRef>
+              <c:f>Sheet1!$C$1</c:f>
+              <c:strCache>
+                <c:ptCount val="1"/>
+                <c:pt idx="0">
+                  <c:v>VDO-ON</c:v>
+                </c:pt>
+              </c:strCache>
+            </c:strRef>
+          </c:tx>
+          <c:spPr>
+            <a:solidFill>
+              <a:schemeClr val="accent4">
+                <a:lumMod val="60000"/>
+                <a:lumOff val="40000"/>
+              </a:schemeClr>
+            </a:solidFill>
+            <a:ln>
+              <a:noFill/>
+            </a:ln>
+            <a:effectLst/>
+          </c:spPr>
+          <c:invertIfNegative val="0"/>
+          <c:cat>
+            <c:strRef>
+              <c:f>Sheet1!$A$2:$A$4</c:f>
+              <c:strCache>
+                <c:ptCount val="3"/>
+                <c:pt idx="0">
+                  <c:v>calgary</c:v>
+                </c:pt>
+                <c:pt idx="1">
+                  <c:v>ext4</c:v>
+                </c:pt>
+                <c:pt idx="2">
+                  <c:v>XFS</c:v>
+                </c:pt>
+              </c:strCache>
+            </c:strRef>
+          </c:cat>
+          <c:val>
+            <c:numRef>
+              <c:f>Sheet1!$C$2:$C$4</c:f>
+              <c:numCache>
+                <c:formatCode>General</c:formatCode>
+                <c:ptCount val="3"/>
+                <c:pt idx="0">
+                  <c:v>123.17</c:v>
+                </c:pt>
+                <c:pt idx="1">
+                  <c:v>128.94999999999999</c:v>
+                </c:pt>
+                <c:pt idx="2">
+                  <c:v>108.6</c:v>
+                </c:pt>
+              </c:numCache>
+            </c:numRef>
+          </c:val>
+          <c:extLst>
+            <c:ext xmlns:c16="http://schemas.microsoft.com/office/drawing/2014/chart" uri="{C3380CC4-5D6E-409C-BE32-E72D297353CC}">
+              <c16:uniqueId val="{00000001-1C28-4A33-B387-63C7D45C3B11}"/>
+            </c:ext>
+          </c:extLst>
+        </c:ser>
+        <c:ser>
+          <c:idx val="2"/>
+          <c:order val="2"/>
+          <c:tx>
+            <c:strRef>
+              <c:f>Sheet1!$D$1</c:f>
+              <c:strCache>
+                <c:ptCount val="1"/>
+                <c:pt idx="0">
+                  <c:v>VDO-QAT</c:v>
+                </c:pt>
+              </c:strCache>
+            </c:strRef>
+          </c:tx>
+          <c:spPr>
+            <a:solidFill>
+              <a:schemeClr val="accent6">
+                <a:lumMod val="60000"/>
+                <a:lumOff val="40000"/>
+              </a:schemeClr>
+            </a:solidFill>
+            <a:ln>
+              <a:noFill/>
+            </a:ln>
+            <a:effectLst/>
+          </c:spPr>
+          <c:invertIfNegative val="0"/>
+          <c:cat>
+            <c:strRef>
+              <c:f>Sheet1!$A$2:$A$4</c:f>
+              <c:strCache>
+                <c:ptCount val="3"/>
+                <c:pt idx="0">
+                  <c:v>calgary</c:v>
+                </c:pt>
+                <c:pt idx="1">
+                  <c:v>ext4</c:v>
+                </c:pt>
+                <c:pt idx="2">
+                  <c:v>XFS</c:v>
+                </c:pt>
+              </c:strCache>
+            </c:strRef>
+          </c:cat>
+          <c:val>
+            <c:numRef>
+              <c:f>Sheet1!$D$2:$D$4</c:f>
+              <c:numCache>
+                <c:formatCode>General</c:formatCode>
+                <c:ptCount val="3"/>
+                <c:pt idx="0">
+                  <c:v>191.53</c:v>
+                </c:pt>
+                <c:pt idx="1">
+                  <c:v>217.11</c:v>
+                </c:pt>
+                <c:pt idx="2">
+                  <c:v>191.98</c:v>
+                </c:pt>
+              </c:numCache>
+            </c:numRef>
+          </c:val>
+          <c:extLst>
+            <c:ext xmlns:c16="http://schemas.microsoft.com/office/drawing/2014/chart" uri="{C3380CC4-5D6E-409C-BE32-E72D297353CC}">
+              <c16:uniqueId val="{00000002-1C28-4A33-B387-63C7D45C3B11}"/>
+            </c:ext>
+          </c:extLst>
+        </c:ser>
+        <c:ser>
+          <c:idx val="3"/>
+          <c:order val="3"/>
+          <c:tx>
+            <c:strRef>
+              <c:f>Sheet1!$E$1</c:f>
+              <c:strCache>
+                <c:ptCount val="1"/>
+                <c:pt idx="0">
+                  <c:v>VDO-QAT-MULTI</c:v>
+                </c:pt>
+              </c:strCache>
+            </c:strRef>
+          </c:tx>
+          <c:spPr>
+            <a:solidFill>
+              <a:schemeClr val="accent5"/>
+            </a:solidFill>
+            <a:ln>
+              <a:noFill/>
+            </a:ln>
+            <a:effectLst/>
+          </c:spPr>
+          <c:invertIfNegative val="0"/>
+          <c:cat>
+            <c:strRef>
+              <c:f>Sheet1!$A$2:$A$4</c:f>
+              <c:strCache>
+                <c:ptCount val="3"/>
+                <c:pt idx="0">
+                  <c:v>calgary</c:v>
+                </c:pt>
+                <c:pt idx="1">
+                  <c:v>ext4</c:v>
+                </c:pt>
+                <c:pt idx="2">
+                  <c:v>XFS</c:v>
+                </c:pt>
+              </c:strCache>
+            </c:strRef>
+          </c:cat>
+          <c:val>
+            <c:numRef>
+              <c:f>Sheet1!$E$2:$E$4</c:f>
+              <c:numCache>
+                <c:formatCode>General</c:formatCode>
+                <c:ptCount val="3"/>
+                <c:pt idx="0">
+                  <c:v>183.18</c:v>
+                </c:pt>
+                <c:pt idx="1">
+                  <c:v>211.91</c:v>
+                </c:pt>
+                <c:pt idx="2">
+                  <c:v>172.47</c:v>
+                </c:pt>
+              </c:numCache>
+            </c:numRef>
+          </c:val>
+          <c:extLst>
+            <c:ext xmlns:c16="http://schemas.microsoft.com/office/drawing/2014/chart" uri="{C3380CC4-5D6E-409C-BE32-E72D297353CC}">
+              <c16:uniqueId val="{00000003-1C28-4A33-B387-63C7D45C3B11}"/>
+            </c:ext>
+          </c:extLst>
+        </c:ser>
+        <c:dLbls>
+          <c:showLegendKey val="0"/>
+          <c:showVal val="0"/>
+          <c:showCatName val="0"/>
+          <c:showSerName val="0"/>
+          <c:showPercent val="0"/>
+          <c:showBubbleSize val="0"/>
+        </c:dLbls>
+        <c:gapWidth val="219"/>
+        <c:overlap val="-27"/>
+        <c:axId val="2057971056"/>
+        <c:axId val="369954112"/>
+      </c:barChart>
+      <c:catAx>
+        <c:axId val="2057971056"/>
+        <c:scaling>
+          <c:orientation val="minMax"/>
+        </c:scaling>
+        <c:delete val="0"/>
+        <c:axPos val="b"/>
+        <c:title>
+          <c:tx>
+            <c:rich>
+              <a:bodyPr rot="0" spcFirstLastPara="1" vertOverflow="ellipsis" vert="horz" wrap="square" anchor="ctr" anchorCtr="1"/>
+              <a:lstStyle/>
+              <a:p>
+                <a:pPr>
+                  <a:defRPr sz="1330" b="0" i="0" u="none" strike="noStrike" kern="1200" baseline="0">
+                    <a:solidFill>
+                      <a:schemeClr val="tx1">
+                        <a:lumMod val="65000"/>
+                        <a:lumOff val="35000"/>
+                      </a:schemeClr>
+                    </a:solidFill>
+                    <a:latin typeface="+mn-lt"/>
+                    <a:ea typeface="+mn-ea"/>
+                    <a:cs typeface="+mn-cs"/>
+                  </a:defRPr>
+                </a:pPr>
+                <a:r>
+                  <a:rPr lang="zh-CN" altLang="en-US" sz="1200" b="1" dirty="0">
+                    <a:latin typeface="+mn-lt"/>
+                    <a:ea typeface="+mj-ea"/>
+                  </a:rPr>
+                  <a:t>工作负载类型</a:t>
+                </a:r>
+              </a:p>
+            </c:rich>
+          </c:tx>
+          <c:overlay val="0"/>
+          <c:spPr>
+            <a:noFill/>
+            <a:ln>
+              <a:noFill/>
+            </a:ln>
+            <a:effectLst/>
+          </c:spPr>
+          <c:txPr>
+            <a:bodyPr rot="0" spcFirstLastPara="1" vertOverflow="ellipsis" vert="horz" wrap="square" anchor="ctr" anchorCtr="1"/>
+            <a:lstStyle/>
+            <a:p>
+              <a:pPr>
+                <a:defRPr sz="1330" b="0" i="0" u="none" strike="noStrike" kern="1200" baseline="0">
+                  <a:solidFill>
+                    <a:schemeClr val="tx1">
+                      <a:lumMod val="65000"/>
+                      <a:lumOff val="35000"/>
+                    </a:schemeClr>
+                  </a:solidFill>
+                  <a:latin typeface="+mn-lt"/>
+                  <a:ea typeface="+mn-ea"/>
+                  <a:cs typeface="+mn-cs"/>
+                </a:defRPr>
+              </a:pPr>
+              <a:endParaRPr lang="zh-CN"/>
+            </a:p>
+          </c:txPr>
+        </c:title>
+        <c:numFmt formatCode="General" sourceLinked="1"/>
+        <c:majorTickMark val="none"/>
+        <c:minorTickMark val="none"/>
+        <c:tickLblPos val="nextTo"/>
+        <c:spPr>
+          <a:noFill/>
+          <a:ln w="9525" cap="flat" cmpd="sng" algn="ctr">
+            <a:solidFill>
+              <a:schemeClr val="tx1">
+                <a:lumMod val="15000"/>
+                <a:lumOff val="85000"/>
+              </a:schemeClr>
+            </a:solidFill>
+            <a:round/>
+          </a:ln>
+          <a:effectLst/>
+        </c:spPr>
+        <c:txPr>
+          <a:bodyPr rot="-60000000" spcFirstLastPara="1" vertOverflow="ellipsis" vert="horz" wrap="square" anchor="ctr" anchorCtr="1"/>
+          <a:lstStyle/>
+          <a:p>
+            <a:pPr>
+              <a:defRPr sz="1200" b="1" i="0" u="none" strike="noStrike" kern="1200" baseline="0">
+                <a:solidFill>
+                  <a:schemeClr val="tx1">
+                    <a:lumMod val="65000"/>
+                    <a:lumOff val="35000"/>
+                  </a:schemeClr>
+                </a:solidFill>
+                <a:latin typeface="+mn-lt"/>
+                <a:ea typeface="+mn-ea"/>
+                <a:cs typeface="+mn-cs"/>
+              </a:defRPr>
+            </a:pPr>
+            <a:endParaRPr lang="zh-CN"/>
+          </a:p>
+        </c:txPr>
+        <c:crossAx val="369954112"/>
+        <c:crosses val="autoZero"/>
+        <c:auto val="1"/>
+        <c:lblAlgn val="ctr"/>
+        <c:lblOffset val="100"/>
+        <c:noMultiLvlLbl val="0"/>
+      </c:catAx>
+      <c:valAx>
+        <c:axId val="369954112"/>
+        <c:scaling>
+          <c:orientation val="minMax"/>
+        </c:scaling>
+        <c:delete val="0"/>
+        <c:axPos val="l"/>
+        <c:majorGridlines>
+          <c:spPr>
+            <a:ln w="9525" cap="flat" cmpd="sng" algn="ctr">
+              <a:solidFill>
+                <a:schemeClr val="tx1">
+                  <a:lumMod val="15000"/>
+                  <a:lumOff val="85000"/>
+                </a:schemeClr>
+              </a:solidFill>
+              <a:prstDash val="sysDash"/>
+              <a:round/>
+            </a:ln>
+            <a:effectLst/>
+          </c:spPr>
+        </c:majorGridlines>
+        <c:title>
+          <c:tx>
+            <c:rich>
+              <a:bodyPr rot="-5400000" spcFirstLastPara="1" vertOverflow="ellipsis" vert="horz" wrap="square" anchor="ctr" anchorCtr="1"/>
+              <a:lstStyle/>
+              <a:p>
+                <a:pPr>
+                  <a:defRPr sz="1330" b="1" i="0" u="none" strike="noStrike" kern="1200" baseline="0">
+                    <a:solidFill>
+                      <a:schemeClr val="tx1">
+                        <a:lumMod val="65000"/>
+                        <a:lumOff val="35000"/>
+                      </a:schemeClr>
+                    </a:solidFill>
+                    <a:latin typeface="+mn-lt"/>
+                    <a:ea typeface="+mn-ea"/>
+                    <a:cs typeface="+mn-cs"/>
+                  </a:defRPr>
+                </a:pPr>
+                <a:r>
+                  <a:rPr lang="zh-CN" altLang="en-US" sz="1200" b="1" dirty="0"/>
+                  <a:t>存储空间节省率（</a:t>
+                </a:r>
+                <a:r>
+                  <a:rPr lang="en-US" altLang="zh-CN" sz="1200" b="1" dirty="0"/>
+                  <a:t>%</a:t>
+                </a:r>
+                <a:r>
+                  <a:rPr lang="zh-CN" altLang="en-US" sz="1200" b="1" dirty="0"/>
+                  <a:t>）</a:t>
+                </a:r>
+              </a:p>
+            </c:rich>
+          </c:tx>
+          <c:overlay val="0"/>
+          <c:spPr>
+            <a:noFill/>
+            <a:ln>
+              <a:noFill/>
+            </a:ln>
+            <a:effectLst/>
+          </c:spPr>
+          <c:txPr>
+            <a:bodyPr rot="-5400000" spcFirstLastPara="1" vertOverflow="ellipsis" vert="horz" wrap="square" anchor="ctr" anchorCtr="1"/>
+            <a:lstStyle/>
+            <a:p>
+              <a:pPr>
+                <a:defRPr sz="1330" b="1" i="0" u="none" strike="noStrike" kern="1200" baseline="0">
+                  <a:solidFill>
+                    <a:schemeClr val="tx1">
+                      <a:lumMod val="65000"/>
+                      <a:lumOff val="35000"/>
+                    </a:schemeClr>
+                  </a:solidFill>
+                  <a:latin typeface="+mn-lt"/>
+                  <a:ea typeface="+mn-ea"/>
+                  <a:cs typeface="+mn-cs"/>
+                </a:defRPr>
+              </a:pPr>
+              <a:endParaRPr lang="zh-CN"/>
+            </a:p>
+          </c:txPr>
+        </c:title>
+        <c:numFmt formatCode="General" sourceLinked="1"/>
+        <c:majorTickMark val="none"/>
+        <c:minorTickMark val="none"/>
+        <c:tickLblPos val="nextTo"/>
+        <c:spPr>
+          <a:noFill/>
+          <a:ln>
+            <a:solidFill>
+              <a:schemeClr val="tx1">
+                <a:lumMod val="15000"/>
+                <a:lumOff val="85000"/>
+              </a:schemeClr>
+            </a:solidFill>
+          </a:ln>
+          <a:effectLst/>
+        </c:spPr>
+        <c:txPr>
+          <a:bodyPr rot="-60000000" spcFirstLastPara="1" vertOverflow="ellipsis" vert="horz" wrap="square" anchor="ctr" anchorCtr="1"/>
+          <a:lstStyle/>
+          <a:p>
+            <a:pPr>
+              <a:defRPr sz="1200" b="1" i="0" u="none" strike="noStrike" kern="1200" baseline="0">
+                <a:solidFill>
+                  <a:schemeClr val="tx1">
+                    <a:lumMod val="65000"/>
+                    <a:lumOff val="35000"/>
+                  </a:schemeClr>
+                </a:solidFill>
+                <a:latin typeface="+mn-lt"/>
+                <a:ea typeface="+mn-ea"/>
+                <a:cs typeface="+mn-cs"/>
+              </a:defRPr>
+            </a:pPr>
+            <a:endParaRPr lang="zh-CN"/>
+          </a:p>
+        </c:txPr>
+        <c:crossAx val="2057971056"/>
+        <c:crosses val="autoZero"/>
+        <c:crossBetween val="between"/>
+      </c:valAx>
+      <c:spPr>
+        <a:noFill/>
+        <a:ln w="15875">
+          <a:solidFill>
+            <a:schemeClr val="bg1">
+              <a:lumMod val="65000"/>
+            </a:schemeClr>
+          </a:solidFill>
+        </a:ln>
+        <a:effectLst/>
+      </c:spPr>
+    </c:plotArea>
+    <c:legend>
+      <c:legendPos val="b"/>
+      <c:layout>
+        <c:manualLayout>
+          <c:xMode val="edge"/>
+          <c:yMode val="edge"/>
+          <c:x val="0.27163058190372857"/>
+          <c:y val="0.92038248605252559"/>
+          <c:w val="0.6102175559398868"/>
+          <c:h val="4.977317662741898E-2"/>
+        </c:manualLayout>
+      </c:layout>
+      <c:overlay val="0"/>
+      <c:spPr>
+        <a:noFill/>
+        <a:ln>
+          <a:noFill/>
+        </a:ln>
+        <a:effectLst/>
+      </c:spPr>
+      <c:txPr>
+        <a:bodyPr rot="0" spcFirstLastPara="1" vertOverflow="ellipsis" vert="horz" wrap="square" anchor="ctr" anchorCtr="1"/>
+        <a:lstStyle/>
+        <a:p>
+          <a:pPr>
+            <a:defRPr sz="1197" b="1" i="0" u="none" strike="noStrike" kern="1200" baseline="0">
+              <a:solidFill>
+                <a:schemeClr val="tx1">
+                  <a:lumMod val="65000"/>
+                  <a:lumOff val="35000"/>
+                </a:schemeClr>
+              </a:solidFill>
+              <a:latin typeface="+mn-lt"/>
+              <a:ea typeface="+mn-ea"/>
+              <a:cs typeface="+mn-cs"/>
+            </a:defRPr>
+          </a:pPr>
+          <a:endParaRPr lang="zh-CN"/>
+        </a:p>
+      </c:txPr>
+    </c:legend>
+    <c:plotVisOnly val="1"/>
+    <c:dispBlanksAs val="gap"/>
+    <c:extLst>
+      <c:ext xmlns:c16r3="http://schemas.microsoft.com/office/drawing/2017/03/chart" uri="{56B9EC1D-385E-4148-901F-78D8002777C0}">
+        <c16r3:dataDisplayOptions16>
+          <c16r3:dispNaAsBlank val="1"/>
+        </c16r3:dataDisplayOptions16>
+      </c:ext>
+    </c:extLst>
+    <c:showDLblsOverMax val="0"/>
+  </c:chart>
+  <c:spPr>
+    <a:noFill/>
+    <a:ln>
+      <a:noFill/>
+    </a:ln>
+    <a:effectLst/>
+  </c:spPr>
+  <c:txPr>
+    <a:bodyPr/>
+    <a:lstStyle/>
+    <a:p>
+      <a:pPr>
+        <a:defRPr/>
+      </a:pPr>
+      <a:endParaRPr lang="zh-CN"/>
+    </a:p>
+  </c:txPr>
+  <c:externalData r:id="rId3">
+    <c:autoUpdate val="0"/>
+  </c:externalData>
+</c:chartSpace>
+</file>
+
+<file path=ppt/charts/chart6.xml><?xml version="1.0" encoding="utf-8"?>
 <c:chartSpace xmlns:c="http://schemas.openxmlformats.org/drawingml/2006/chart" xmlns:a="http://schemas.openxmlformats.org/drawingml/2006/main" xmlns:r="http://schemas.openxmlformats.org/officeDocument/2006/relationships" xmlns:c16r2="http://schemas.microsoft.com/office/drawing/2015/06/chart">
   <c:date1904 val="0"/>
   <c:lang val="zh-CN"/>
@@ -1480,7 +4265,7 @@
             </c:strRef>
           </c:tx>
           <c:spPr>
-            <a:ln w="28575" cap="rnd">
+            <a:ln w="38100" cap="rnd">
               <a:solidFill>
                 <a:schemeClr val="accent2"/>
               </a:solidFill>
@@ -1495,7 +4280,7 @@
               <a:solidFill>
                 <a:schemeClr val="accent2"/>
               </a:solidFill>
-              <a:ln w="9525">
+              <a:ln w="38100">
                 <a:solidFill>
                   <a:schemeClr val="accent2"/>
                 </a:solidFill>
@@ -1578,7 +4363,7 @@
             </c:strRef>
           </c:tx>
           <c:spPr>
-            <a:ln w="28575" cap="rnd">
+            <a:ln w="38100" cap="rnd">
               <a:solidFill>
                 <a:schemeClr val="accent4">
                   <a:lumMod val="60000"/>
@@ -1599,7 +4384,7 @@
                   <a:lumOff val="40000"/>
                 </a:schemeClr>
               </a:solidFill>
-              <a:ln w="9525">
+              <a:ln w="38100">
                 <a:solidFill>
                   <a:schemeClr val="accent4">
                     <a:lumMod val="60000"/>
@@ -1643,22 +4428,22 @@
                 <c:formatCode>General</c:formatCode>
                 <c:ptCount val="6"/>
                 <c:pt idx="0">
-                  <c:v>1600</c:v>
+                  <c:v>812</c:v>
                 </c:pt>
                 <c:pt idx="1">
-                  <c:v>1600</c:v>
+                  <c:v>1142</c:v>
                 </c:pt>
                 <c:pt idx="2">
-                  <c:v>1600</c:v>
+                  <c:v>1267</c:v>
                 </c:pt>
                 <c:pt idx="3">
-                  <c:v>1600</c:v>
+                  <c:v>1591</c:v>
                 </c:pt>
                 <c:pt idx="4">
-                  <c:v>1600</c:v>
+                  <c:v>1563</c:v>
                 </c:pt>
                 <c:pt idx="5">
-                  <c:v>1600</c:v>
+                  <c:v>1690</c:v>
                 </c:pt>
               </c:numCache>
             </c:numRef>
@@ -1685,7 +4470,7 @@
             </c:strRef>
           </c:tx>
           <c:spPr>
-            <a:ln w="28575" cap="rnd">
+            <a:ln w="38100" cap="rnd">
               <a:solidFill>
                 <a:schemeClr val="accent6">
                   <a:lumMod val="60000"/>
@@ -1706,7 +4491,7 @@
                   <a:lumOff val="40000"/>
                 </a:schemeClr>
               </a:solidFill>
-              <a:ln w="9525">
+              <a:ln w="38100">
                 <a:solidFill>
                   <a:schemeClr val="accent6">
                     <a:lumMod val="60000"/>
@@ -1750,22 +4535,22 @@
                 <c:formatCode>General</c:formatCode>
                 <c:ptCount val="6"/>
                 <c:pt idx="0">
-                  <c:v>1500</c:v>
+                  <c:v>1575</c:v>
                 </c:pt>
                 <c:pt idx="1">
-                  <c:v>1500</c:v>
+                  <c:v>1718</c:v>
                 </c:pt>
                 <c:pt idx="2">
-                  <c:v>1500</c:v>
+                  <c:v>1689</c:v>
                 </c:pt>
                 <c:pt idx="3">
-                  <c:v>1500</c:v>
+                  <c:v>1602</c:v>
                 </c:pt>
                 <c:pt idx="4">
-                  <c:v>1500</c:v>
+                  <c:v>1647</c:v>
                 </c:pt>
                 <c:pt idx="5">
-                  <c:v>1500</c:v>
+                  <c:v>1687</c:v>
                 </c:pt>
               </c:numCache>
             </c:numRef>
@@ -1792,7 +4577,7 @@
             </c:strRef>
           </c:tx>
           <c:spPr>
-            <a:ln w="28575" cap="rnd">
+            <a:ln w="38100" cap="rnd">
               <a:solidFill>
                 <a:schemeClr val="accent5"/>
               </a:solidFill>
@@ -1807,7 +4592,7 @@
               <a:solidFill>
                 <a:schemeClr val="accent5"/>
               </a:solidFill>
-              <a:ln w="9525">
+              <a:ln w="38100">
                 <a:solidFill>
                   <a:schemeClr val="accent5"/>
                 </a:solidFill>
@@ -1848,22 +4633,22 @@
                 <c:formatCode>General</c:formatCode>
                 <c:ptCount val="6"/>
                 <c:pt idx="0">
-                  <c:v>1575</c:v>
+                  <c:v>1642</c:v>
                 </c:pt>
                 <c:pt idx="1">
                   <c:v>1718</c:v>
                 </c:pt>
                 <c:pt idx="2">
-                  <c:v>1689</c:v>
+                  <c:v>1751</c:v>
                 </c:pt>
                 <c:pt idx="3">
-                  <c:v>1602</c:v>
+                  <c:v>1614</c:v>
                 </c:pt>
                 <c:pt idx="4">
-                  <c:v>1647</c:v>
+                  <c:v>1698</c:v>
                 </c:pt>
                 <c:pt idx="5">
-                  <c:v>1687</c:v>
+                  <c:v>1789</c:v>
                 </c:pt>
               </c:numCache>
             </c:numRef>
@@ -2006,7 +4791,699 @@
         <c:axId val="451167664"/>
         <c:scaling>
           <c:orientation val="minMax"/>
-          <c:min val="1000"/>
+          <c:min val="400"/>
+        </c:scaling>
+        <c:delete val="0"/>
+        <c:axPos val="l"/>
+        <c:majorGridlines>
+          <c:spPr>
+            <a:ln w="9525" cap="flat" cmpd="sng" algn="ctr">
+              <a:solidFill>
+                <a:schemeClr val="tx1">
+                  <a:lumMod val="15000"/>
+                  <a:lumOff val="85000"/>
+                </a:schemeClr>
+              </a:solidFill>
+              <a:prstDash val="sysDash"/>
+              <a:round/>
+            </a:ln>
+            <a:effectLst/>
+          </c:spPr>
+        </c:majorGridlines>
+        <c:title>
+          <c:tx>
+            <c:rich>
+              <a:bodyPr rot="-5400000" spcFirstLastPara="1" vertOverflow="ellipsis" vert="horz" wrap="square" anchor="ctr" anchorCtr="1"/>
+              <a:lstStyle/>
+              <a:p>
+                <a:pPr>
+                  <a:defRPr sz="1330" b="0" i="0" u="none" strike="noStrike" kern="1200" baseline="0">
+                    <a:solidFill>
+                      <a:schemeClr val="tx1">
+                        <a:lumMod val="65000"/>
+                        <a:lumOff val="35000"/>
+                      </a:schemeClr>
+                    </a:solidFill>
+                    <a:latin typeface="+mn-lt"/>
+                    <a:ea typeface="+mn-ea"/>
+                    <a:cs typeface="+mn-cs"/>
+                  </a:defRPr>
+                </a:pPr>
+                <a:r>
+                  <a:rPr lang="zh-CN" altLang="en-US" sz="1200" b="1" dirty="0">
+                    <a:latin typeface="+mn-lt"/>
+                  </a:rPr>
+                  <a:t>吞吐量（</a:t>
+                </a:r>
+                <a:r>
+                  <a:rPr lang="en-US" altLang="zh-CN" sz="1200" b="1" dirty="0">
+                    <a:latin typeface="+mn-lt"/>
+                  </a:rPr>
+                  <a:t>MB/</a:t>
+                </a:r>
+                <a:r>
+                  <a:rPr lang="zh-CN" altLang="en-US" sz="1200" b="1" dirty="0">
+                    <a:latin typeface="+mn-lt"/>
+                  </a:rPr>
+                  <a:t>）</a:t>
+                </a:r>
+              </a:p>
+            </c:rich>
+          </c:tx>
+          <c:overlay val="0"/>
+          <c:spPr>
+            <a:noFill/>
+            <a:ln>
+              <a:noFill/>
+            </a:ln>
+            <a:effectLst/>
+          </c:spPr>
+          <c:txPr>
+            <a:bodyPr rot="-5400000" spcFirstLastPara="1" vertOverflow="ellipsis" vert="horz" wrap="square" anchor="ctr" anchorCtr="1"/>
+            <a:lstStyle/>
+            <a:p>
+              <a:pPr>
+                <a:defRPr sz="1330" b="0" i="0" u="none" strike="noStrike" kern="1200" baseline="0">
+                  <a:solidFill>
+                    <a:schemeClr val="tx1">
+                      <a:lumMod val="65000"/>
+                      <a:lumOff val="35000"/>
+                    </a:schemeClr>
+                  </a:solidFill>
+                  <a:latin typeface="+mn-lt"/>
+                  <a:ea typeface="+mn-ea"/>
+                  <a:cs typeface="+mn-cs"/>
+                </a:defRPr>
+              </a:pPr>
+              <a:endParaRPr lang="zh-CN"/>
+            </a:p>
+          </c:txPr>
+        </c:title>
+        <c:numFmt formatCode="General" sourceLinked="1"/>
+        <c:majorTickMark val="none"/>
+        <c:minorTickMark val="none"/>
+        <c:tickLblPos val="nextTo"/>
+        <c:spPr>
+          <a:noFill/>
+          <a:ln>
+            <a:noFill/>
+          </a:ln>
+          <a:effectLst/>
+        </c:spPr>
+        <c:txPr>
+          <a:bodyPr rot="-60000000" spcFirstLastPara="1" vertOverflow="ellipsis" vert="horz" wrap="square" anchor="ctr" anchorCtr="1"/>
+          <a:lstStyle/>
+          <a:p>
+            <a:pPr>
+              <a:defRPr sz="1197" b="1" i="0" u="none" strike="noStrike" kern="1200" baseline="0">
+                <a:solidFill>
+                  <a:schemeClr val="tx1">
+                    <a:lumMod val="65000"/>
+                    <a:lumOff val="35000"/>
+                  </a:schemeClr>
+                </a:solidFill>
+                <a:latin typeface="+mn-lt"/>
+                <a:ea typeface="+mn-ea"/>
+                <a:cs typeface="+mn-cs"/>
+              </a:defRPr>
+            </a:pPr>
+            <a:endParaRPr lang="zh-CN"/>
+          </a:p>
+        </c:txPr>
+        <c:crossAx val="452795264"/>
+        <c:crosses val="autoZero"/>
+        <c:crossBetween val="between"/>
+        <c:majorUnit val="200"/>
+      </c:valAx>
+      <c:spPr>
+        <a:noFill/>
+        <a:ln w="15875">
+          <a:solidFill>
+            <a:schemeClr val="bg1">
+              <a:lumMod val="65000"/>
+            </a:schemeClr>
+          </a:solidFill>
+          <a:prstDash val="solid"/>
+        </a:ln>
+        <a:effectLst/>
+      </c:spPr>
+    </c:plotArea>
+    <c:legend>
+      <c:legendPos val="b"/>
+      <c:overlay val="0"/>
+      <c:spPr>
+        <a:noFill/>
+        <a:ln>
+          <a:noFill/>
+        </a:ln>
+        <a:effectLst/>
+      </c:spPr>
+      <c:txPr>
+        <a:bodyPr rot="0" spcFirstLastPara="1" vertOverflow="ellipsis" vert="horz" wrap="square" anchor="ctr" anchorCtr="1"/>
+        <a:lstStyle/>
+        <a:p>
+          <a:pPr>
+            <a:defRPr sz="1197" b="1" i="0" u="none" strike="noStrike" kern="1200" baseline="0">
+              <a:solidFill>
+                <a:schemeClr val="tx1">
+                  <a:lumMod val="65000"/>
+                  <a:lumOff val="35000"/>
+                </a:schemeClr>
+              </a:solidFill>
+              <a:latin typeface="+mn-lt"/>
+              <a:ea typeface="+mn-ea"/>
+              <a:cs typeface="+mn-cs"/>
+            </a:defRPr>
+          </a:pPr>
+          <a:endParaRPr lang="zh-CN"/>
+        </a:p>
+      </c:txPr>
+    </c:legend>
+    <c:plotVisOnly val="1"/>
+    <c:dispBlanksAs val="gap"/>
+    <c:extLst>
+      <c:ext xmlns:c16r3="http://schemas.microsoft.com/office/drawing/2017/03/chart" uri="{56B9EC1D-385E-4148-901F-78D8002777C0}">
+        <c16r3:dataDisplayOptions16>
+          <c16r3:dispNaAsBlank val="1"/>
+        </c16r3:dataDisplayOptions16>
+      </c:ext>
+    </c:extLst>
+    <c:showDLblsOverMax val="0"/>
+  </c:chart>
+  <c:spPr>
+    <a:noFill/>
+    <a:ln>
+      <a:noFill/>
+    </a:ln>
+    <a:effectLst/>
+  </c:spPr>
+  <c:txPr>
+    <a:bodyPr/>
+    <a:lstStyle/>
+    <a:p>
+      <a:pPr>
+        <a:defRPr/>
+      </a:pPr>
+      <a:endParaRPr lang="zh-CN"/>
+    </a:p>
+  </c:txPr>
+  <c:externalData r:id="rId3">
+    <c:autoUpdate val="0"/>
+  </c:externalData>
+</c:chartSpace>
+</file>
+
+<file path=ppt/charts/chart7.xml><?xml version="1.0" encoding="utf-8"?>
+<c:chartSpace xmlns:c="http://schemas.openxmlformats.org/drawingml/2006/chart" xmlns:a="http://schemas.openxmlformats.org/drawingml/2006/main" xmlns:r="http://schemas.openxmlformats.org/officeDocument/2006/relationships" xmlns:c16r2="http://schemas.microsoft.com/office/drawing/2015/06/chart">
+  <c:date1904 val="0"/>
+  <c:lang val="zh-CN"/>
+  <c:roundedCorners val="0"/>
+  <mc:AlternateContent xmlns:mc="http://schemas.openxmlformats.org/markup-compatibility/2006">
+    <mc:Choice xmlns:c14="http://schemas.microsoft.com/office/drawing/2007/8/2/chart" Requires="c14">
+      <c14:style val="102"/>
+    </mc:Choice>
+    <mc:Fallback>
+      <c:style val="2"/>
+    </mc:Fallback>
+  </mc:AlternateContent>
+  <c:chart>
+    <c:autoTitleDeleted val="1"/>
+    <c:plotArea>
+      <c:layout/>
+      <c:barChart>
+        <c:barDir val="col"/>
+        <c:grouping val="clustered"/>
+        <c:varyColors val="0"/>
+        <c:ser>
+          <c:idx val="0"/>
+          <c:order val="0"/>
+          <c:tx>
+            <c:strRef>
+              <c:f>Sheet1!$B$1</c:f>
+              <c:strCache>
+                <c:ptCount val="1"/>
+                <c:pt idx="0">
+                  <c:v>VDO-OFF</c:v>
+                </c:pt>
+              </c:strCache>
+            </c:strRef>
+          </c:tx>
+          <c:spPr>
+            <a:solidFill>
+              <a:schemeClr val="accent2"/>
+            </a:solidFill>
+            <a:ln>
+              <a:noFill/>
+            </a:ln>
+            <a:effectLst/>
+          </c:spPr>
+          <c:invertIfNegative val="0"/>
+          <c:cat>
+            <c:strRef>
+              <c:f>Sheet1!$A$2:$A$7</c:f>
+              <c:strCache>
+                <c:ptCount val="6"/>
+                <c:pt idx="0">
+                  <c:v>cputhread=1</c:v>
+                </c:pt>
+                <c:pt idx="1">
+                  <c:v>cputhread=2</c:v>
+                </c:pt>
+                <c:pt idx="2">
+                  <c:v>cputhread=4</c:v>
+                </c:pt>
+                <c:pt idx="3">
+                  <c:v>cputhread=8</c:v>
+                </c:pt>
+                <c:pt idx="4">
+                  <c:v>cputhread=16</c:v>
+                </c:pt>
+                <c:pt idx="5">
+                  <c:v>cputhread=32</c:v>
+                </c:pt>
+              </c:strCache>
+            </c:strRef>
+          </c:cat>
+          <c:val>
+            <c:numRef>
+              <c:f>Sheet1!$B$2:$B$7</c:f>
+              <c:numCache>
+                <c:formatCode>General</c:formatCode>
+                <c:ptCount val="6"/>
+                <c:pt idx="0">
+                  <c:v>1693</c:v>
+                </c:pt>
+                <c:pt idx="1">
+                  <c:v>1717</c:v>
+                </c:pt>
+                <c:pt idx="2">
+                  <c:v>1665</c:v>
+                </c:pt>
+                <c:pt idx="3">
+                  <c:v>1586</c:v>
+                </c:pt>
+                <c:pt idx="4">
+                  <c:v>1809</c:v>
+                </c:pt>
+                <c:pt idx="5">
+                  <c:v>1811</c:v>
+                </c:pt>
+              </c:numCache>
+            </c:numRef>
+          </c:val>
+          <c:extLst>
+            <c:ext xmlns:c16="http://schemas.microsoft.com/office/drawing/2014/chart" uri="{C3380CC4-5D6E-409C-BE32-E72D297353CC}">
+              <c16:uniqueId val="{00000000-507A-4056-A963-BAB570420506}"/>
+            </c:ext>
+          </c:extLst>
+        </c:ser>
+        <c:ser>
+          <c:idx val="1"/>
+          <c:order val="1"/>
+          <c:tx>
+            <c:strRef>
+              <c:f>Sheet1!$C$1</c:f>
+              <c:strCache>
+                <c:ptCount val="1"/>
+                <c:pt idx="0">
+                  <c:v>VDO-ON</c:v>
+                </c:pt>
+              </c:strCache>
+            </c:strRef>
+          </c:tx>
+          <c:spPr>
+            <a:solidFill>
+              <a:schemeClr val="accent4">
+                <a:lumMod val="60000"/>
+                <a:lumOff val="40000"/>
+              </a:schemeClr>
+            </a:solidFill>
+            <a:ln>
+              <a:noFill/>
+            </a:ln>
+            <a:effectLst/>
+          </c:spPr>
+          <c:invertIfNegative val="0"/>
+          <c:cat>
+            <c:strRef>
+              <c:f>Sheet1!$A$2:$A$7</c:f>
+              <c:strCache>
+                <c:ptCount val="6"/>
+                <c:pt idx="0">
+                  <c:v>cputhread=1</c:v>
+                </c:pt>
+                <c:pt idx="1">
+                  <c:v>cputhread=2</c:v>
+                </c:pt>
+                <c:pt idx="2">
+                  <c:v>cputhread=4</c:v>
+                </c:pt>
+                <c:pt idx="3">
+                  <c:v>cputhread=8</c:v>
+                </c:pt>
+                <c:pt idx="4">
+                  <c:v>cputhread=16</c:v>
+                </c:pt>
+                <c:pt idx="5">
+                  <c:v>cputhread=32</c:v>
+                </c:pt>
+              </c:strCache>
+            </c:strRef>
+          </c:cat>
+          <c:val>
+            <c:numRef>
+              <c:f>Sheet1!$C$2:$C$7</c:f>
+              <c:numCache>
+                <c:formatCode>General</c:formatCode>
+                <c:ptCount val="6"/>
+                <c:pt idx="0">
+                  <c:v>812</c:v>
+                </c:pt>
+                <c:pt idx="1">
+                  <c:v>1142</c:v>
+                </c:pt>
+                <c:pt idx="2">
+                  <c:v>1267</c:v>
+                </c:pt>
+                <c:pt idx="3">
+                  <c:v>1591</c:v>
+                </c:pt>
+                <c:pt idx="4">
+                  <c:v>1563</c:v>
+                </c:pt>
+                <c:pt idx="5">
+                  <c:v>1690</c:v>
+                </c:pt>
+              </c:numCache>
+            </c:numRef>
+          </c:val>
+          <c:extLst>
+            <c:ext xmlns:c16="http://schemas.microsoft.com/office/drawing/2014/chart" uri="{C3380CC4-5D6E-409C-BE32-E72D297353CC}">
+              <c16:uniqueId val="{00000001-507A-4056-A963-BAB570420506}"/>
+            </c:ext>
+          </c:extLst>
+        </c:ser>
+        <c:ser>
+          <c:idx val="2"/>
+          <c:order val="2"/>
+          <c:tx>
+            <c:strRef>
+              <c:f>Sheet1!$D$1</c:f>
+              <c:strCache>
+                <c:ptCount val="1"/>
+                <c:pt idx="0">
+                  <c:v>VDO-QAT</c:v>
+                </c:pt>
+              </c:strCache>
+            </c:strRef>
+          </c:tx>
+          <c:spPr>
+            <a:solidFill>
+              <a:schemeClr val="accent6">
+                <a:lumMod val="60000"/>
+                <a:lumOff val="40000"/>
+              </a:schemeClr>
+            </a:solidFill>
+            <a:ln>
+              <a:noFill/>
+            </a:ln>
+            <a:effectLst/>
+          </c:spPr>
+          <c:invertIfNegative val="0"/>
+          <c:cat>
+            <c:strRef>
+              <c:f>Sheet1!$A$2:$A$7</c:f>
+              <c:strCache>
+                <c:ptCount val="6"/>
+                <c:pt idx="0">
+                  <c:v>cputhread=1</c:v>
+                </c:pt>
+                <c:pt idx="1">
+                  <c:v>cputhread=2</c:v>
+                </c:pt>
+                <c:pt idx="2">
+                  <c:v>cputhread=4</c:v>
+                </c:pt>
+                <c:pt idx="3">
+                  <c:v>cputhread=8</c:v>
+                </c:pt>
+                <c:pt idx="4">
+                  <c:v>cputhread=16</c:v>
+                </c:pt>
+                <c:pt idx="5">
+                  <c:v>cputhread=32</c:v>
+                </c:pt>
+              </c:strCache>
+            </c:strRef>
+          </c:cat>
+          <c:val>
+            <c:numRef>
+              <c:f>Sheet1!$D$2:$D$7</c:f>
+              <c:numCache>
+                <c:formatCode>General</c:formatCode>
+                <c:ptCount val="6"/>
+                <c:pt idx="0">
+                  <c:v>1575</c:v>
+                </c:pt>
+                <c:pt idx="1">
+                  <c:v>1718</c:v>
+                </c:pt>
+                <c:pt idx="2">
+                  <c:v>1689</c:v>
+                </c:pt>
+                <c:pt idx="3">
+                  <c:v>1602</c:v>
+                </c:pt>
+                <c:pt idx="4">
+                  <c:v>1647</c:v>
+                </c:pt>
+                <c:pt idx="5">
+                  <c:v>1687</c:v>
+                </c:pt>
+              </c:numCache>
+            </c:numRef>
+          </c:val>
+          <c:extLst>
+            <c:ext xmlns:c16="http://schemas.microsoft.com/office/drawing/2014/chart" uri="{C3380CC4-5D6E-409C-BE32-E72D297353CC}">
+              <c16:uniqueId val="{00000002-507A-4056-A963-BAB570420506}"/>
+            </c:ext>
+          </c:extLst>
+        </c:ser>
+        <c:ser>
+          <c:idx val="3"/>
+          <c:order val="3"/>
+          <c:tx>
+            <c:strRef>
+              <c:f>Sheet1!$E$1</c:f>
+              <c:strCache>
+                <c:ptCount val="1"/>
+                <c:pt idx="0">
+                  <c:v>VDO-QAT-MULTI</c:v>
+                </c:pt>
+              </c:strCache>
+            </c:strRef>
+          </c:tx>
+          <c:spPr>
+            <a:solidFill>
+              <a:schemeClr val="accent5"/>
+            </a:solidFill>
+            <a:ln>
+              <a:noFill/>
+            </a:ln>
+            <a:effectLst/>
+          </c:spPr>
+          <c:invertIfNegative val="0"/>
+          <c:cat>
+            <c:strRef>
+              <c:f>Sheet1!$A$2:$A$7</c:f>
+              <c:strCache>
+                <c:ptCount val="6"/>
+                <c:pt idx="0">
+                  <c:v>cputhread=1</c:v>
+                </c:pt>
+                <c:pt idx="1">
+                  <c:v>cputhread=2</c:v>
+                </c:pt>
+                <c:pt idx="2">
+                  <c:v>cputhread=4</c:v>
+                </c:pt>
+                <c:pt idx="3">
+                  <c:v>cputhread=8</c:v>
+                </c:pt>
+                <c:pt idx="4">
+                  <c:v>cputhread=16</c:v>
+                </c:pt>
+                <c:pt idx="5">
+                  <c:v>cputhread=32</c:v>
+                </c:pt>
+              </c:strCache>
+            </c:strRef>
+          </c:cat>
+          <c:val>
+            <c:numRef>
+              <c:f>Sheet1!$E$2:$E$7</c:f>
+              <c:numCache>
+                <c:formatCode>General</c:formatCode>
+                <c:ptCount val="6"/>
+                <c:pt idx="0">
+                  <c:v>1642</c:v>
+                </c:pt>
+                <c:pt idx="1">
+                  <c:v>1718</c:v>
+                </c:pt>
+                <c:pt idx="2">
+                  <c:v>1751</c:v>
+                </c:pt>
+                <c:pt idx="3">
+                  <c:v>1614</c:v>
+                </c:pt>
+                <c:pt idx="4">
+                  <c:v>1698</c:v>
+                </c:pt>
+                <c:pt idx="5">
+                  <c:v>1789</c:v>
+                </c:pt>
+              </c:numCache>
+            </c:numRef>
+          </c:val>
+          <c:extLst>
+            <c:ext xmlns:c16="http://schemas.microsoft.com/office/drawing/2014/chart" uri="{C3380CC4-5D6E-409C-BE32-E72D297353CC}">
+              <c16:uniqueId val="{00000003-507A-4056-A963-BAB570420506}"/>
+            </c:ext>
+          </c:extLst>
+        </c:ser>
+        <c:dLbls>
+          <c:showLegendKey val="0"/>
+          <c:showVal val="0"/>
+          <c:showCatName val="0"/>
+          <c:showSerName val="0"/>
+          <c:showPercent val="0"/>
+          <c:showBubbleSize val="0"/>
+        </c:dLbls>
+        <c:gapWidth val="219"/>
+        <c:axId val="452795264"/>
+        <c:axId val="451167664"/>
+      </c:barChart>
+      <c:catAx>
+        <c:axId val="452795264"/>
+        <c:scaling>
+          <c:orientation val="minMax"/>
+        </c:scaling>
+        <c:delete val="0"/>
+        <c:axPos val="b"/>
+        <c:title>
+          <c:tx>
+            <c:rich>
+              <a:bodyPr rot="0" spcFirstLastPara="1" vertOverflow="ellipsis" vert="horz" wrap="square" anchor="ctr" anchorCtr="1"/>
+              <a:lstStyle/>
+              <a:p>
+                <a:pPr>
+                  <a:defRPr sz="1330" b="0" i="0" u="none" strike="noStrike" kern="1200" baseline="0">
+                    <a:solidFill>
+                      <a:schemeClr val="tx1">
+                        <a:lumMod val="65000"/>
+                        <a:lumOff val="35000"/>
+                      </a:schemeClr>
+                    </a:solidFill>
+                    <a:latin typeface="+mn-lt"/>
+                    <a:ea typeface="+mn-ea"/>
+                    <a:cs typeface="+mn-cs"/>
+                  </a:defRPr>
+                </a:pPr>
+                <a:r>
+                  <a:rPr lang="en-US" altLang="zh-CN" sz="1200" b="1" dirty="0">
+                    <a:latin typeface="+mn-lt"/>
+                  </a:rPr>
+                  <a:t>CPU</a:t>
+                </a:r>
+                <a:r>
+                  <a:rPr lang="zh-CN" altLang="en-US" sz="1200" b="1" dirty="0">
+                    <a:latin typeface="+mn-lt"/>
+                  </a:rPr>
+                  <a:t>线程数</a:t>
+                </a:r>
+              </a:p>
+            </c:rich>
+          </c:tx>
+          <c:overlay val="0"/>
+          <c:spPr>
+            <a:noFill/>
+            <a:ln>
+              <a:noFill/>
+            </a:ln>
+            <a:effectLst/>
+          </c:spPr>
+          <c:txPr>
+            <a:bodyPr rot="0" spcFirstLastPara="1" vertOverflow="ellipsis" vert="horz" wrap="square" anchor="ctr" anchorCtr="1"/>
+            <a:lstStyle/>
+            <a:p>
+              <a:pPr>
+                <a:defRPr sz="1330" b="0" i="0" u="none" strike="noStrike" kern="1200" baseline="0">
+                  <a:solidFill>
+                    <a:schemeClr val="tx1">
+                      <a:lumMod val="65000"/>
+                      <a:lumOff val="35000"/>
+                    </a:schemeClr>
+                  </a:solidFill>
+                  <a:latin typeface="+mn-lt"/>
+                  <a:ea typeface="+mn-ea"/>
+                  <a:cs typeface="+mn-cs"/>
+                </a:defRPr>
+              </a:pPr>
+              <a:endParaRPr lang="zh-CN"/>
+            </a:p>
+          </c:txPr>
+        </c:title>
+        <c:numFmt formatCode="General" sourceLinked="1"/>
+        <c:majorTickMark val="none"/>
+        <c:minorTickMark val="none"/>
+        <c:tickLblPos val="nextTo"/>
+        <c:spPr>
+          <a:noFill/>
+          <a:ln w="9525" cap="flat" cmpd="sng" algn="ctr">
+            <a:solidFill>
+              <a:schemeClr val="tx1">
+                <a:lumMod val="15000"/>
+                <a:lumOff val="85000"/>
+              </a:schemeClr>
+            </a:solidFill>
+            <a:round/>
+          </a:ln>
+          <a:effectLst/>
+        </c:spPr>
+        <c:txPr>
+          <a:bodyPr rot="-60000000" spcFirstLastPara="1" vertOverflow="ellipsis" vert="horz" wrap="square" anchor="ctr" anchorCtr="1"/>
+          <a:lstStyle/>
+          <a:p>
+            <a:pPr>
+              <a:defRPr sz="1197" b="1" i="0" u="none" strike="noStrike" kern="1200" baseline="0">
+                <a:solidFill>
+                  <a:schemeClr val="tx1">
+                    <a:lumMod val="65000"/>
+                    <a:lumOff val="35000"/>
+                  </a:schemeClr>
+                </a:solidFill>
+                <a:latin typeface="+mn-lt"/>
+                <a:ea typeface="+mn-ea"/>
+                <a:cs typeface="+mn-cs"/>
+              </a:defRPr>
+            </a:pPr>
+            <a:endParaRPr lang="zh-CN"/>
+          </a:p>
+        </c:txPr>
+        <c:crossAx val="451167664"/>
+        <c:crosses val="autoZero"/>
+        <c:auto val="1"/>
+        <c:lblAlgn val="ctr"/>
+        <c:lblOffset val="100"/>
+        <c:noMultiLvlLbl val="0"/>
+      </c:catAx>
+      <c:valAx>
+        <c:axId val="451167664"/>
+        <c:scaling>
+          <c:orientation val="minMax"/>
+          <c:max val="2000"/>
+          <c:min val="0"/>
         </c:scaling>
         <c:delete val="0"/>
         <c:axPos val="l"/>
@@ -2208,698 +5685,7 @@
 </c:chartSpace>
 </file>
 
-<file path=ppt/charts/chart4.xml><?xml version="1.0" encoding="utf-8"?>
-<c:chartSpace xmlns:c="http://schemas.openxmlformats.org/drawingml/2006/chart" xmlns:a="http://schemas.openxmlformats.org/drawingml/2006/main" xmlns:r="http://schemas.openxmlformats.org/officeDocument/2006/relationships" xmlns:c16r2="http://schemas.microsoft.com/office/drawing/2015/06/chart">
-  <c:date1904 val="0"/>
-  <c:lang val="zh-CN"/>
-  <c:roundedCorners val="0"/>
-  <mc:AlternateContent xmlns:mc="http://schemas.openxmlformats.org/markup-compatibility/2006">
-    <mc:Choice xmlns:c14="http://schemas.microsoft.com/office/drawing/2007/8/2/chart" Requires="c14">
-      <c14:style val="102"/>
-    </mc:Choice>
-    <mc:Fallback>
-      <c:style val="2"/>
-    </mc:Fallback>
-  </mc:AlternateContent>
-  <c:chart>
-    <c:autoTitleDeleted val="1"/>
-    <c:plotArea>
-      <c:layout/>
-      <c:barChart>
-        <c:barDir val="col"/>
-        <c:grouping val="clustered"/>
-        <c:varyColors val="0"/>
-        <c:ser>
-          <c:idx val="0"/>
-          <c:order val="0"/>
-          <c:tx>
-            <c:strRef>
-              <c:f>Sheet1!$B$1</c:f>
-              <c:strCache>
-                <c:ptCount val="1"/>
-                <c:pt idx="0">
-                  <c:v>VDO-OFF</c:v>
-                </c:pt>
-              </c:strCache>
-            </c:strRef>
-          </c:tx>
-          <c:spPr>
-            <a:solidFill>
-              <a:schemeClr val="accent2"/>
-            </a:solidFill>
-            <a:ln>
-              <a:noFill/>
-            </a:ln>
-            <a:effectLst/>
-          </c:spPr>
-          <c:invertIfNegative val="0"/>
-          <c:cat>
-            <c:strRef>
-              <c:f>Sheet1!$A$2:$A$7</c:f>
-              <c:strCache>
-                <c:ptCount val="6"/>
-                <c:pt idx="0">
-                  <c:v>cputhread=1</c:v>
-                </c:pt>
-                <c:pt idx="1">
-                  <c:v>cputhread=2</c:v>
-                </c:pt>
-                <c:pt idx="2">
-                  <c:v>cputhread=4</c:v>
-                </c:pt>
-                <c:pt idx="3">
-                  <c:v>cputhread=8</c:v>
-                </c:pt>
-                <c:pt idx="4">
-                  <c:v>cputhread=16</c:v>
-                </c:pt>
-                <c:pt idx="5">
-                  <c:v>cputhread=32</c:v>
-                </c:pt>
-              </c:strCache>
-            </c:strRef>
-          </c:cat>
-          <c:val>
-            <c:numRef>
-              <c:f>Sheet1!$B$2:$B$7</c:f>
-              <c:numCache>
-                <c:formatCode>General</c:formatCode>
-                <c:ptCount val="6"/>
-                <c:pt idx="0">
-                  <c:v>1693</c:v>
-                </c:pt>
-                <c:pt idx="1">
-                  <c:v>1717</c:v>
-                </c:pt>
-                <c:pt idx="2">
-                  <c:v>1665</c:v>
-                </c:pt>
-                <c:pt idx="3">
-                  <c:v>1586</c:v>
-                </c:pt>
-                <c:pt idx="4">
-                  <c:v>1809</c:v>
-                </c:pt>
-                <c:pt idx="5">
-                  <c:v>1811</c:v>
-                </c:pt>
-              </c:numCache>
-            </c:numRef>
-          </c:val>
-          <c:extLst>
-            <c:ext xmlns:c16="http://schemas.microsoft.com/office/drawing/2014/chart" uri="{C3380CC4-5D6E-409C-BE32-E72D297353CC}">
-              <c16:uniqueId val="{00000000-507A-4056-A963-BAB570420506}"/>
-            </c:ext>
-          </c:extLst>
-        </c:ser>
-        <c:ser>
-          <c:idx val="1"/>
-          <c:order val="1"/>
-          <c:tx>
-            <c:strRef>
-              <c:f>Sheet1!$C$1</c:f>
-              <c:strCache>
-                <c:ptCount val="1"/>
-                <c:pt idx="0">
-                  <c:v>VDO-ON</c:v>
-                </c:pt>
-              </c:strCache>
-            </c:strRef>
-          </c:tx>
-          <c:spPr>
-            <a:solidFill>
-              <a:schemeClr val="accent4">
-                <a:lumMod val="60000"/>
-                <a:lumOff val="40000"/>
-              </a:schemeClr>
-            </a:solidFill>
-            <a:ln>
-              <a:noFill/>
-            </a:ln>
-            <a:effectLst/>
-          </c:spPr>
-          <c:invertIfNegative val="0"/>
-          <c:cat>
-            <c:strRef>
-              <c:f>Sheet1!$A$2:$A$7</c:f>
-              <c:strCache>
-                <c:ptCount val="6"/>
-                <c:pt idx="0">
-                  <c:v>cputhread=1</c:v>
-                </c:pt>
-                <c:pt idx="1">
-                  <c:v>cputhread=2</c:v>
-                </c:pt>
-                <c:pt idx="2">
-                  <c:v>cputhread=4</c:v>
-                </c:pt>
-                <c:pt idx="3">
-                  <c:v>cputhread=8</c:v>
-                </c:pt>
-                <c:pt idx="4">
-                  <c:v>cputhread=16</c:v>
-                </c:pt>
-                <c:pt idx="5">
-                  <c:v>cputhread=32</c:v>
-                </c:pt>
-              </c:strCache>
-            </c:strRef>
-          </c:cat>
-          <c:val>
-            <c:numRef>
-              <c:f>Sheet1!$C$2:$C$7</c:f>
-              <c:numCache>
-                <c:formatCode>General</c:formatCode>
-                <c:ptCount val="6"/>
-                <c:pt idx="0">
-                  <c:v>1600</c:v>
-                </c:pt>
-                <c:pt idx="1">
-                  <c:v>1600</c:v>
-                </c:pt>
-                <c:pt idx="2">
-                  <c:v>1600</c:v>
-                </c:pt>
-                <c:pt idx="3">
-                  <c:v>1600</c:v>
-                </c:pt>
-                <c:pt idx="4">
-                  <c:v>1600</c:v>
-                </c:pt>
-                <c:pt idx="5">
-                  <c:v>1600</c:v>
-                </c:pt>
-              </c:numCache>
-            </c:numRef>
-          </c:val>
-          <c:extLst>
-            <c:ext xmlns:c16="http://schemas.microsoft.com/office/drawing/2014/chart" uri="{C3380CC4-5D6E-409C-BE32-E72D297353CC}">
-              <c16:uniqueId val="{00000001-507A-4056-A963-BAB570420506}"/>
-            </c:ext>
-          </c:extLst>
-        </c:ser>
-        <c:ser>
-          <c:idx val="2"/>
-          <c:order val="2"/>
-          <c:tx>
-            <c:strRef>
-              <c:f>Sheet1!$D$1</c:f>
-              <c:strCache>
-                <c:ptCount val="1"/>
-                <c:pt idx="0">
-                  <c:v>VDO-QAT</c:v>
-                </c:pt>
-              </c:strCache>
-            </c:strRef>
-          </c:tx>
-          <c:spPr>
-            <a:solidFill>
-              <a:schemeClr val="accent6">
-                <a:lumMod val="60000"/>
-                <a:lumOff val="40000"/>
-              </a:schemeClr>
-            </a:solidFill>
-            <a:ln>
-              <a:noFill/>
-            </a:ln>
-            <a:effectLst/>
-          </c:spPr>
-          <c:invertIfNegative val="0"/>
-          <c:cat>
-            <c:strRef>
-              <c:f>Sheet1!$A$2:$A$7</c:f>
-              <c:strCache>
-                <c:ptCount val="6"/>
-                <c:pt idx="0">
-                  <c:v>cputhread=1</c:v>
-                </c:pt>
-                <c:pt idx="1">
-                  <c:v>cputhread=2</c:v>
-                </c:pt>
-                <c:pt idx="2">
-                  <c:v>cputhread=4</c:v>
-                </c:pt>
-                <c:pt idx="3">
-                  <c:v>cputhread=8</c:v>
-                </c:pt>
-                <c:pt idx="4">
-                  <c:v>cputhread=16</c:v>
-                </c:pt>
-                <c:pt idx="5">
-                  <c:v>cputhread=32</c:v>
-                </c:pt>
-              </c:strCache>
-            </c:strRef>
-          </c:cat>
-          <c:val>
-            <c:numRef>
-              <c:f>Sheet1!$D$2:$D$7</c:f>
-              <c:numCache>
-                <c:formatCode>General</c:formatCode>
-                <c:ptCount val="6"/>
-                <c:pt idx="0">
-                  <c:v>1500</c:v>
-                </c:pt>
-                <c:pt idx="1">
-                  <c:v>1500</c:v>
-                </c:pt>
-                <c:pt idx="2">
-                  <c:v>1500</c:v>
-                </c:pt>
-                <c:pt idx="3">
-                  <c:v>1500</c:v>
-                </c:pt>
-                <c:pt idx="4">
-                  <c:v>1500</c:v>
-                </c:pt>
-                <c:pt idx="5">
-                  <c:v>1500</c:v>
-                </c:pt>
-              </c:numCache>
-            </c:numRef>
-          </c:val>
-          <c:extLst>
-            <c:ext xmlns:c16="http://schemas.microsoft.com/office/drawing/2014/chart" uri="{C3380CC4-5D6E-409C-BE32-E72D297353CC}">
-              <c16:uniqueId val="{00000002-507A-4056-A963-BAB570420506}"/>
-            </c:ext>
-          </c:extLst>
-        </c:ser>
-        <c:ser>
-          <c:idx val="3"/>
-          <c:order val="3"/>
-          <c:tx>
-            <c:strRef>
-              <c:f>Sheet1!$E$1</c:f>
-              <c:strCache>
-                <c:ptCount val="1"/>
-                <c:pt idx="0">
-                  <c:v>VDO-QAT-MULTI</c:v>
-                </c:pt>
-              </c:strCache>
-            </c:strRef>
-          </c:tx>
-          <c:spPr>
-            <a:solidFill>
-              <a:schemeClr val="accent5"/>
-            </a:solidFill>
-            <a:ln>
-              <a:noFill/>
-            </a:ln>
-            <a:effectLst/>
-          </c:spPr>
-          <c:invertIfNegative val="0"/>
-          <c:cat>
-            <c:strRef>
-              <c:f>Sheet1!$A$2:$A$7</c:f>
-              <c:strCache>
-                <c:ptCount val="6"/>
-                <c:pt idx="0">
-                  <c:v>cputhread=1</c:v>
-                </c:pt>
-                <c:pt idx="1">
-                  <c:v>cputhread=2</c:v>
-                </c:pt>
-                <c:pt idx="2">
-                  <c:v>cputhread=4</c:v>
-                </c:pt>
-                <c:pt idx="3">
-                  <c:v>cputhread=8</c:v>
-                </c:pt>
-                <c:pt idx="4">
-                  <c:v>cputhread=16</c:v>
-                </c:pt>
-                <c:pt idx="5">
-                  <c:v>cputhread=32</c:v>
-                </c:pt>
-              </c:strCache>
-            </c:strRef>
-          </c:cat>
-          <c:val>
-            <c:numRef>
-              <c:f>Sheet1!$E$2:$E$7</c:f>
-              <c:numCache>
-                <c:formatCode>General</c:formatCode>
-                <c:ptCount val="6"/>
-                <c:pt idx="0">
-                  <c:v>1575</c:v>
-                </c:pt>
-                <c:pt idx="1">
-                  <c:v>1718</c:v>
-                </c:pt>
-                <c:pt idx="2">
-                  <c:v>1689</c:v>
-                </c:pt>
-                <c:pt idx="3">
-                  <c:v>1602</c:v>
-                </c:pt>
-                <c:pt idx="4">
-                  <c:v>1647</c:v>
-                </c:pt>
-                <c:pt idx="5">
-                  <c:v>1687</c:v>
-                </c:pt>
-              </c:numCache>
-            </c:numRef>
-          </c:val>
-          <c:extLst>
-            <c:ext xmlns:c16="http://schemas.microsoft.com/office/drawing/2014/chart" uri="{C3380CC4-5D6E-409C-BE32-E72D297353CC}">
-              <c16:uniqueId val="{00000003-507A-4056-A963-BAB570420506}"/>
-            </c:ext>
-          </c:extLst>
-        </c:ser>
-        <c:dLbls>
-          <c:showLegendKey val="0"/>
-          <c:showVal val="0"/>
-          <c:showCatName val="0"/>
-          <c:showSerName val="0"/>
-          <c:showPercent val="0"/>
-          <c:showBubbleSize val="0"/>
-        </c:dLbls>
-        <c:gapWidth val="219"/>
-        <c:axId val="452795264"/>
-        <c:axId val="451167664"/>
-      </c:barChart>
-      <c:catAx>
-        <c:axId val="452795264"/>
-        <c:scaling>
-          <c:orientation val="minMax"/>
-        </c:scaling>
-        <c:delete val="0"/>
-        <c:axPos val="b"/>
-        <c:title>
-          <c:tx>
-            <c:rich>
-              <a:bodyPr rot="0" spcFirstLastPara="1" vertOverflow="ellipsis" vert="horz" wrap="square" anchor="ctr" anchorCtr="1"/>
-              <a:lstStyle/>
-              <a:p>
-                <a:pPr>
-                  <a:defRPr sz="1330" b="0" i="0" u="none" strike="noStrike" kern="1200" baseline="0">
-                    <a:solidFill>
-                      <a:schemeClr val="tx1">
-                        <a:lumMod val="65000"/>
-                        <a:lumOff val="35000"/>
-                      </a:schemeClr>
-                    </a:solidFill>
-                    <a:latin typeface="+mn-lt"/>
-                    <a:ea typeface="+mn-ea"/>
-                    <a:cs typeface="+mn-cs"/>
-                  </a:defRPr>
-                </a:pPr>
-                <a:r>
-                  <a:rPr lang="en-US" altLang="zh-CN" sz="1200" b="1" dirty="0">
-                    <a:latin typeface="+mn-lt"/>
-                  </a:rPr>
-                  <a:t>CPU</a:t>
-                </a:r>
-                <a:r>
-                  <a:rPr lang="zh-CN" altLang="en-US" sz="1200" b="1" dirty="0">
-                    <a:latin typeface="+mn-lt"/>
-                  </a:rPr>
-                  <a:t>线程数</a:t>
-                </a:r>
-              </a:p>
-            </c:rich>
-          </c:tx>
-          <c:overlay val="0"/>
-          <c:spPr>
-            <a:noFill/>
-            <a:ln>
-              <a:noFill/>
-            </a:ln>
-            <a:effectLst/>
-          </c:spPr>
-          <c:txPr>
-            <a:bodyPr rot="0" spcFirstLastPara="1" vertOverflow="ellipsis" vert="horz" wrap="square" anchor="ctr" anchorCtr="1"/>
-            <a:lstStyle/>
-            <a:p>
-              <a:pPr>
-                <a:defRPr sz="1330" b="0" i="0" u="none" strike="noStrike" kern="1200" baseline="0">
-                  <a:solidFill>
-                    <a:schemeClr val="tx1">
-                      <a:lumMod val="65000"/>
-                      <a:lumOff val="35000"/>
-                    </a:schemeClr>
-                  </a:solidFill>
-                  <a:latin typeface="+mn-lt"/>
-                  <a:ea typeface="+mn-ea"/>
-                  <a:cs typeface="+mn-cs"/>
-                </a:defRPr>
-              </a:pPr>
-              <a:endParaRPr lang="zh-CN"/>
-            </a:p>
-          </c:txPr>
-        </c:title>
-        <c:numFmt formatCode="General" sourceLinked="1"/>
-        <c:majorTickMark val="none"/>
-        <c:minorTickMark val="none"/>
-        <c:tickLblPos val="nextTo"/>
-        <c:spPr>
-          <a:noFill/>
-          <a:ln w="9525" cap="flat" cmpd="sng" algn="ctr">
-            <a:solidFill>
-              <a:schemeClr val="tx1">
-                <a:lumMod val="15000"/>
-                <a:lumOff val="85000"/>
-              </a:schemeClr>
-            </a:solidFill>
-            <a:round/>
-          </a:ln>
-          <a:effectLst/>
-        </c:spPr>
-        <c:txPr>
-          <a:bodyPr rot="-60000000" spcFirstLastPara="1" vertOverflow="ellipsis" vert="horz" wrap="square" anchor="ctr" anchorCtr="1"/>
-          <a:lstStyle/>
-          <a:p>
-            <a:pPr>
-              <a:defRPr sz="1197" b="1" i="0" u="none" strike="noStrike" kern="1200" baseline="0">
-                <a:solidFill>
-                  <a:schemeClr val="tx1">
-                    <a:lumMod val="65000"/>
-                    <a:lumOff val="35000"/>
-                  </a:schemeClr>
-                </a:solidFill>
-                <a:latin typeface="+mn-lt"/>
-                <a:ea typeface="+mn-ea"/>
-                <a:cs typeface="+mn-cs"/>
-              </a:defRPr>
-            </a:pPr>
-            <a:endParaRPr lang="zh-CN"/>
-          </a:p>
-        </c:txPr>
-        <c:crossAx val="451167664"/>
-        <c:crosses val="autoZero"/>
-        <c:auto val="1"/>
-        <c:lblAlgn val="ctr"/>
-        <c:lblOffset val="100"/>
-        <c:noMultiLvlLbl val="0"/>
-      </c:catAx>
-      <c:valAx>
-        <c:axId val="451167664"/>
-        <c:scaling>
-          <c:orientation val="minMax"/>
-          <c:min val="1000"/>
-        </c:scaling>
-        <c:delete val="0"/>
-        <c:axPos val="l"/>
-        <c:majorGridlines>
-          <c:spPr>
-            <a:ln w="9525" cap="flat" cmpd="sng" algn="ctr">
-              <a:solidFill>
-                <a:schemeClr val="tx1">
-                  <a:lumMod val="15000"/>
-                  <a:lumOff val="85000"/>
-                </a:schemeClr>
-              </a:solidFill>
-              <a:prstDash val="sysDash"/>
-              <a:round/>
-            </a:ln>
-            <a:effectLst/>
-          </c:spPr>
-        </c:majorGridlines>
-        <c:title>
-          <c:tx>
-            <c:rich>
-              <a:bodyPr rot="-5400000" spcFirstLastPara="1" vertOverflow="ellipsis" vert="horz" wrap="square" anchor="ctr" anchorCtr="1"/>
-              <a:lstStyle/>
-              <a:p>
-                <a:pPr>
-                  <a:defRPr sz="1330" b="0" i="0" u="none" strike="noStrike" kern="1200" baseline="0">
-                    <a:solidFill>
-                      <a:schemeClr val="tx1">
-                        <a:lumMod val="65000"/>
-                        <a:lumOff val="35000"/>
-                      </a:schemeClr>
-                    </a:solidFill>
-                    <a:latin typeface="+mn-lt"/>
-                    <a:ea typeface="+mn-ea"/>
-                    <a:cs typeface="+mn-cs"/>
-                  </a:defRPr>
-                </a:pPr>
-                <a:r>
-                  <a:rPr lang="zh-CN" altLang="en-US" sz="1200" b="1" dirty="0">
-                    <a:latin typeface="+mn-lt"/>
-                  </a:rPr>
-                  <a:t>吞吐量（</a:t>
-                </a:r>
-                <a:r>
-                  <a:rPr lang="en-US" altLang="zh-CN" sz="1200" b="1" dirty="0">
-                    <a:latin typeface="+mn-lt"/>
-                  </a:rPr>
-                  <a:t>MB/</a:t>
-                </a:r>
-                <a:r>
-                  <a:rPr lang="zh-CN" altLang="en-US" sz="1200" b="1" dirty="0">
-                    <a:latin typeface="+mn-lt"/>
-                  </a:rPr>
-                  <a:t>）</a:t>
-                </a:r>
-              </a:p>
-            </c:rich>
-          </c:tx>
-          <c:overlay val="0"/>
-          <c:spPr>
-            <a:noFill/>
-            <a:ln>
-              <a:noFill/>
-            </a:ln>
-            <a:effectLst/>
-          </c:spPr>
-          <c:txPr>
-            <a:bodyPr rot="-5400000" spcFirstLastPara="1" vertOverflow="ellipsis" vert="horz" wrap="square" anchor="ctr" anchorCtr="1"/>
-            <a:lstStyle/>
-            <a:p>
-              <a:pPr>
-                <a:defRPr sz="1330" b="0" i="0" u="none" strike="noStrike" kern="1200" baseline="0">
-                  <a:solidFill>
-                    <a:schemeClr val="tx1">
-                      <a:lumMod val="65000"/>
-                      <a:lumOff val="35000"/>
-                    </a:schemeClr>
-                  </a:solidFill>
-                  <a:latin typeface="+mn-lt"/>
-                  <a:ea typeface="+mn-ea"/>
-                  <a:cs typeface="+mn-cs"/>
-                </a:defRPr>
-              </a:pPr>
-              <a:endParaRPr lang="zh-CN"/>
-            </a:p>
-          </c:txPr>
-        </c:title>
-        <c:numFmt formatCode="General" sourceLinked="1"/>
-        <c:majorTickMark val="none"/>
-        <c:minorTickMark val="none"/>
-        <c:tickLblPos val="nextTo"/>
-        <c:spPr>
-          <a:noFill/>
-          <a:ln>
-            <a:noFill/>
-          </a:ln>
-          <a:effectLst/>
-        </c:spPr>
-        <c:txPr>
-          <a:bodyPr rot="-60000000" spcFirstLastPara="1" vertOverflow="ellipsis" vert="horz" wrap="square" anchor="ctr" anchorCtr="1"/>
-          <a:lstStyle/>
-          <a:p>
-            <a:pPr>
-              <a:defRPr sz="1197" b="0" i="0" u="none" strike="noStrike" kern="1200" baseline="0">
-                <a:solidFill>
-                  <a:schemeClr val="tx1">
-                    <a:lumMod val="65000"/>
-                    <a:lumOff val="35000"/>
-                  </a:schemeClr>
-                </a:solidFill>
-                <a:latin typeface="+mn-lt"/>
-                <a:ea typeface="+mn-ea"/>
-                <a:cs typeface="+mn-cs"/>
-              </a:defRPr>
-            </a:pPr>
-            <a:endParaRPr lang="zh-CN"/>
-          </a:p>
-        </c:txPr>
-        <c:crossAx val="452795264"/>
-        <c:crosses val="autoZero"/>
-        <c:crossBetween val="between"/>
-        <c:majorUnit val="200"/>
-      </c:valAx>
-      <c:spPr>
-        <a:noFill/>
-        <a:ln w="15875">
-          <a:solidFill>
-            <a:schemeClr val="bg1">
-              <a:lumMod val="65000"/>
-            </a:schemeClr>
-          </a:solidFill>
-          <a:prstDash val="solid"/>
-        </a:ln>
-        <a:effectLst/>
-      </c:spPr>
-    </c:plotArea>
-    <c:legend>
-      <c:legendPos val="b"/>
-      <c:overlay val="0"/>
-      <c:spPr>
-        <a:noFill/>
-        <a:ln>
-          <a:noFill/>
-        </a:ln>
-        <a:effectLst/>
-      </c:spPr>
-      <c:txPr>
-        <a:bodyPr rot="0" spcFirstLastPara="1" vertOverflow="ellipsis" vert="horz" wrap="square" anchor="ctr" anchorCtr="1"/>
-        <a:lstStyle/>
-        <a:p>
-          <a:pPr>
-            <a:defRPr sz="1197" b="1" i="0" u="none" strike="noStrike" kern="1200" baseline="0">
-              <a:solidFill>
-                <a:schemeClr val="tx1">
-                  <a:lumMod val="65000"/>
-                  <a:lumOff val="35000"/>
-                </a:schemeClr>
-              </a:solidFill>
-              <a:latin typeface="+mn-lt"/>
-              <a:ea typeface="+mn-ea"/>
-              <a:cs typeface="+mn-cs"/>
-            </a:defRPr>
-          </a:pPr>
-          <a:endParaRPr lang="zh-CN"/>
-        </a:p>
-      </c:txPr>
-    </c:legend>
-    <c:plotVisOnly val="1"/>
-    <c:dispBlanksAs val="gap"/>
-    <c:extLst>
-      <c:ext xmlns:c16r3="http://schemas.microsoft.com/office/drawing/2017/03/chart" uri="{56B9EC1D-385E-4148-901F-78D8002777C0}">
-        <c16r3:dataDisplayOptions16>
-          <c16r3:dispNaAsBlank val="1"/>
-        </c16r3:dataDisplayOptions16>
-      </c:ext>
-    </c:extLst>
-    <c:showDLblsOverMax val="0"/>
-  </c:chart>
-  <c:spPr>
-    <a:noFill/>
-    <a:ln>
-      <a:noFill/>
-    </a:ln>
-    <a:effectLst/>
-  </c:spPr>
-  <c:txPr>
-    <a:bodyPr/>
-    <a:lstStyle/>
-    <a:p>
-      <a:pPr>
-        <a:defRPr/>
-      </a:pPr>
-      <a:endParaRPr lang="zh-CN"/>
-    </a:p>
-  </c:txPr>
-  <c:externalData r:id="rId3">
-    <c:autoUpdate val="0"/>
-  </c:externalData>
-</c:chartSpace>
-</file>
-
-<file path=ppt/charts/chart5.xml><?xml version="1.0" encoding="utf-8"?>
+<file path=ppt/charts/chart8.xml><?xml version="1.0" encoding="utf-8"?>
 <c:chartSpace xmlns:c="http://schemas.openxmlformats.org/drawingml/2006/chart" xmlns:a="http://schemas.openxmlformats.org/drawingml/2006/main" xmlns:r="http://schemas.openxmlformats.org/officeDocument/2006/relationships" xmlns:c16r2="http://schemas.microsoft.com/office/drawing/2015/06/chart">
   <c:date1904 val="0"/>
   <c:lang val="zh-CN"/>
@@ -2934,7 +5720,7 @@
             </c:strRef>
           </c:tx>
           <c:spPr>
-            <a:ln w="28575" cap="rnd">
+            <a:ln w="38100" cap="rnd">
               <a:solidFill>
                 <a:schemeClr val="accent2"/>
               </a:solidFill>
@@ -2949,7 +5735,7 @@
               <a:solidFill>
                 <a:schemeClr val="accent2"/>
               </a:solidFill>
-              <a:ln w="9525">
+              <a:ln w="38100">
                 <a:solidFill>
                   <a:schemeClr val="accent2"/>
                 </a:solidFill>
@@ -2996,7 +5782,7 @@
                   <c:v>57.6</c:v>
                 </c:pt>
                 <c:pt idx="2">
-                  <c:v>58.1</c:v>
+                  <c:v>48.1</c:v>
                 </c:pt>
                 <c:pt idx="3">
                   <c:v>33.299999999999997</c:v>
@@ -3032,7 +5818,7 @@
             </c:strRef>
           </c:tx>
           <c:spPr>
-            <a:ln w="28575" cap="rnd">
+            <a:ln w="38100" cap="rnd">
               <a:solidFill>
                 <a:schemeClr val="accent4">
                   <a:lumMod val="60000"/>
@@ -3053,7 +5839,7 @@
                   <a:lumOff val="40000"/>
                 </a:schemeClr>
               </a:solidFill>
-              <a:ln w="9525">
+              <a:ln w="38100">
                 <a:solidFill>
                   <a:schemeClr val="accent4">
                     <a:lumMod val="60000"/>
@@ -3097,22 +5883,22 @@
                 <c:formatCode>General</c:formatCode>
                 <c:ptCount val="6"/>
                 <c:pt idx="0">
-                  <c:v>90</c:v>
+                  <c:v>99.6</c:v>
                 </c:pt>
                 <c:pt idx="1">
-                  <c:v>75</c:v>
+                  <c:v>95.1</c:v>
                 </c:pt>
                 <c:pt idx="2">
-                  <c:v>50</c:v>
+                  <c:v>86.4</c:v>
                 </c:pt>
                 <c:pt idx="3">
-                  <c:v>35</c:v>
+                  <c:v>60.4</c:v>
                 </c:pt>
                 <c:pt idx="4">
-                  <c:v>20</c:v>
+                  <c:v>51.4</c:v>
                 </c:pt>
                 <c:pt idx="5">
-                  <c:v>5</c:v>
+                  <c:v>29.4</c:v>
                 </c:pt>
               </c:numCache>
             </c:numRef>
@@ -3139,7 +5925,7 @@
             </c:strRef>
           </c:tx>
           <c:spPr>
-            <a:ln w="28575" cap="rnd">
+            <a:ln w="38100" cap="rnd">
               <a:solidFill>
                 <a:schemeClr val="accent6">
                   <a:lumMod val="60000"/>
@@ -3160,7 +5946,7 @@
                   <a:lumOff val="40000"/>
                 </a:schemeClr>
               </a:solidFill>
-              <a:ln w="9525">
+              <a:ln w="38100">
                 <a:solidFill>
                   <a:schemeClr val="accent6">
                     <a:lumMod val="60000"/>
@@ -3204,22 +5990,22 @@
                 <c:formatCode>General</c:formatCode>
                 <c:ptCount val="6"/>
                 <c:pt idx="0">
-                  <c:v>80</c:v>
+                  <c:v>98.8</c:v>
                 </c:pt>
                 <c:pt idx="1">
-                  <c:v>70</c:v>
+                  <c:v>82.3</c:v>
                 </c:pt>
                 <c:pt idx="2">
-                  <c:v>60</c:v>
+                  <c:v>56.8</c:v>
                 </c:pt>
                 <c:pt idx="3">
-                  <c:v>50</c:v>
+                  <c:v>47.1</c:v>
                 </c:pt>
                 <c:pt idx="4">
-                  <c:v>40</c:v>
+                  <c:v>28.1</c:v>
                 </c:pt>
                 <c:pt idx="5">
-                  <c:v>30</c:v>
+                  <c:v>13.1</c:v>
                 </c:pt>
               </c:numCache>
             </c:numRef>
@@ -3246,7 +6032,7 @@
             </c:strRef>
           </c:tx>
           <c:spPr>
-            <a:ln w="28575" cap="rnd">
+            <a:ln w="38100" cap="rnd">
               <a:solidFill>
                 <a:schemeClr val="accent5"/>
               </a:solidFill>
@@ -3261,7 +6047,7 @@
               <a:solidFill>
                 <a:schemeClr val="accent5"/>
               </a:solidFill>
-              <a:ln w="9525">
+              <a:ln w="38100">
                 <a:solidFill>
                   <a:schemeClr val="accent5"/>
                 </a:solidFill>
@@ -3302,22 +6088,22 @@
                 <c:formatCode>General</c:formatCode>
                 <c:ptCount val="6"/>
                 <c:pt idx="0">
-                  <c:v>98.8</c:v>
+                  <c:v>98.4</c:v>
                 </c:pt>
                 <c:pt idx="1">
-                  <c:v>82.3</c:v>
+                  <c:v>76</c:v>
                 </c:pt>
                 <c:pt idx="2">
-                  <c:v>56.8</c:v>
+                  <c:v>60.4</c:v>
                 </c:pt>
                 <c:pt idx="3">
-                  <c:v>47.1</c:v>
+                  <c:v>44.8</c:v>
                 </c:pt>
                 <c:pt idx="4">
-                  <c:v>28.1</c:v>
+                  <c:v>34.9</c:v>
                 </c:pt>
                 <c:pt idx="5">
-                  <c:v>13.1</c:v>
+                  <c:v>13.2</c:v>
                 </c:pt>
               </c:numCache>
             </c:numRef>
@@ -3460,7 +6246,6 @@
         <c:axId val="451167664"/>
         <c:scaling>
           <c:orientation val="minMax"/>
-          <c:max val="100"/>
         </c:scaling>
         <c:delete val="0"/>
         <c:axPos val="l"/>
@@ -3570,7 +6355,7 @@
           <a:lstStyle/>
           <a:p>
             <a:pPr>
-              <a:defRPr sz="1197" b="0" i="0" u="none" strike="noStrike" kern="1200" baseline="0">
+              <a:defRPr sz="1197" b="1" i="0" u="none" strike="noStrike" kern="1200" baseline="0">
                 <a:solidFill>
                   <a:schemeClr val="tx1">
                     <a:lumMod val="65000"/>
@@ -3668,7 +6453,7 @@
 </c:chartSpace>
 </file>
 
-<file path=ppt/charts/chart6.xml><?xml version="1.0" encoding="utf-8"?>
+<file path=ppt/charts/chart9.xml><?xml version="1.0" encoding="utf-8"?>
 <c:chartSpace xmlns:c="http://schemas.openxmlformats.org/drawingml/2006/chart" xmlns:a="http://schemas.openxmlformats.org/drawingml/2006/main" xmlns:r="http://schemas.openxmlformats.org/officeDocument/2006/relationships" xmlns:c16r2="http://schemas.microsoft.com/office/drawing/2015/06/chart">
   <c:date1904 val="0"/>
   <c:lang val="zh-CN"/>
@@ -3703,7 +6488,7 @@
             </c:strRef>
           </c:tx>
           <c:spPr>
-            <a:ln w="28575" cap="rnd">
+            <a:ln w="38100" cap="rnd">
               <a:solidFill>
                 <a:schemeClr val="accent2"/>
               </a:solidFill>
@@ -3718,7 +6503,7 @@
               <a:solidFill>
                 <a:schemeClr val="accent2"/>
               </a:solidFill>
-              <a:ln w="9525">
+              <a:ln w="38100">
                 <a:solidFill>
                   <a:schemeClr val="accent2"/>
                 </a:solidFill>
@@ -3735,40 +6520,40 @@
                   <c:v>iodepth=1</c:v>
                 </c:pt>
                 <c:pt idx="1">
-                  <c:v>iodepth=2</c:v>
+                  <c:v>2</c:v>
                 </c:pt>
                 <c:pt idx="2">
-                  <c:v>iodepth=4</c:v>
+                  <c:v>4</c:v>
                 </c:pt>
                 <c:pt idx="3">
-                  <c:v>iodepth=8</c:v>
+                  <c:v>8</c:v>
                 </c:pt>
                 <c:pt idx="4">
-                  <c:v>iodepth=16</c:v>
+                  <c:v>16</c:v>
                 </c:pt>
                 <c:pt idx="5">
-                  <c:v>iodepth=32</c:v>
+                  <c:v>32</c:v>
                 </c:pt>
                 <c:pt idx="6">
-                  <c:v>iodepth=64</c:v>
+                  <c:v>64</c:v>
                 </c:pt>
                 <c:pt idx="7">
-                  <c:v>iodepth=128</c:v>
+                  <c:v>128</c:v>
                 </c:pt>
                 <c:pt idx="8">
-                  <c:v>iodepth=256</c:v>
+                  <c:v>256</c:v>
                 </c:pt>
                 <c:pt idx="9">
-                  <c:v>iodepth=512</c:v>
+                  <c:v>512</c:v>
                 </c:pt>
                 <c:pt idx="10">
-                  <c:v>iodepth=1024</c:v>
+                  <c:v>1024</c:v>
                 </c:pt>
                 <c:pt idx="11">
-                  <c:v>iodepth=2048</c:v>
+                  <c:v>2048</c:v>
                 </c:pt>
                 <c:pt idx="12">
-                  <c:v>iodepth=4096</c:v>
+                  <c:v>4096</c:v>
                 </c:pt>
               </c:strCache>
             </c:strRef>
@@ -3843,7 +6628,7 @@
             </c:strRef>
           </c:tx>
           <c:spPr>
-            <a:ln w="28575" cap="rnd">
+            <a:ln w="38100" cap="rnd">
               <a:solidFill>
                 <a:schemeClr val="accent4">
                   <a:lumMod val="60000"/>
@@ -3864,7 +6649,7 @@
                   <a:lumOff val="40000"/>
                 </a:schemeClr>
               </a:solidFill>
-              <a:ln w="9525">
+              <a:ln w="38100">
                 <a:solidFill>
                   <a:schemeClr val="accent4">
                     <a:lumMod val="60000"/>
@@ -3884,40 +6669,40 @@
                   <c:v>iodepth=1</c:v>
                 </c:pt>
                 <c:pt idx="1">
-                  <c:v>iodepth=2</c:v>
+                  <c:v>2</c:v>
                 </c:pt>
                 <c:pt idx="2">
-                  <c:v>iodepth=4</c:v>
+                  <c:v>4</c:v>
                 </c:pt>
                 <c:pt idx="3">
-                  <c:v>iodepth=8</c:v>
+                  <c:v>8</c:v>
                 </c:pt>
                 <c:pt idx="4">
-                  <c:v>iodepth=16</c:v>
+                  <c:v>16</c:v>
                 </c:pt>
                 <c:pt idx="5">
-                  <c:v>iodepth=32</c:v>
+                  <c:v>32</c:v>
                 </c:pt>
                 <c:pt idx="6">
-                  <c:v>iodepth=64</c:v>
+                  <c:v>64</c:v>
                 </c:pt>
                 <c:pt idx="7">
-                  <c:v>iodepth=128</c:v>
+                  <c:v>128</c:v>
                 </c:pt>
                 <c:pt idx="8">
-                  <c:v>iodepth=256</c:v>
+                  <c:v>256</c:v>
                 </c:pt>
                 <c:pt idx="9">
-                  <c:v>iodepth=512</c:v>
+                  <c:v>512</c:v>
                 </c:pt>
                 <c:pt idx="10">
-                  <c:v>iodepth=1024</c:v>
+                  <c:v>1024</c:v>
                 </c:pt>
                 <c:pt idx="11">
-                  <c:v>iodepth=2048</c:v>
+                  <c:v>2048</c:v>
                 </c:pt>
                 <c:pt idx="12">
-                  <c:v>iodepth=4096</c:v>
+                  <c:v>4096</c:v>
                 </c:pt>
               </c:strCache>
             </c:strRef>
@@ -3992,7 +6777,7 @@
             </c:strRef>
           </c:tx>
           <c:spPr>
-            <a:ln w="28575" cap="rnd">
+            <a:ln w="38100" cap="rnd">
               <a:solidFill>
                 <a:schemeClr val="accent6">
                   <a:lumMod val="60000"/>
@@ -4013,7 +6798,7 @@
                   <a:lumOff val="40000"/>
                 </a:schemeClr>
               </a:solidFill>
-              <a:ln w="9525">
+              <a:ln w="38100">
                 <a:solidFill>
                   <a:schemeClr val="accent6">
                     <a:lumMod val="60000"/>
@@ -4033,40 +6818,40 @@
                   <c:v>iodepth=1</c:v>
                 </c:pt>
                 <c:pt idx="1">
-                  <c:v>iodepth=2</c:v>
+                  <c:v>2</c:v>
                 </c:pt>
                 <c:pt idx="2">
-                  <c:v>iodepth=4</c:v>
+                  <c:v>4</c:v>
                 </c:pt>
                 <c:pt idx="3">
-                  <c:v>iodepth=8</c:v>
+                  <c:v>8</c:v>
                 </c:pt>
                 <c:pt idx="4">
-                  <c:v>iodepth=16</c:v>
+                  <c:v>16</c:v>
                 </c:pt>
                 <c:pt idx="5">
-                  <c:v>iodepth=32</c:v>
+                  <c:v>32</c:v>
                 </c:pt>
                 <c:pt idx="6">
-                  <c:v>iodepth=64</c:v>
+                  <c:v>64</c:v>
                 </c:pt>
                 <c:pt idx="7">
-                  <c:v>iodepth=128</c:v>
+                  <c:v>128</c:v>
                 </c:pt>
                 <c:pt idx="8">
-                  <c:v>iodepth=256</c:v>
+                  <c:v>256</c:v>
                 </c:pt>
                 <c:pt idx="9">
-                  <c:v>iodepth=512</c:v>
+                  <c:v>512</c:v>
                 </c:pt>
                 <c:pt idx="10">
-                  <c:v>iodepth=1024</c:v>
+                  <c:v>1024</c:v>
                 </c:pt>
                 <c:pt idx="11">
-                  <c:v>iodepth=2048</c:v>
+                  <c:v>2048</c:v>
                 </c:pt>
                 <c:pt idx="12">
-                  <c:v>iodepth=4096</c:v>
+                  <c:v>4096</c:v>
                 </c:pt>
               </c:strCache>
             </c:strRef>
@@ -4141,7 +6926,7 @@
             </c:strRef>
           </c:tx>
           <c:spPr>
-            <a:ln w="28575" cap="rnd">
+            <a:ln w="38100" cap="rnd">
               <a:solidFill>
                 <a:schemeClr val="accent5"/>
               </a:solidFill>
@@ -4156,940 +6941,7 @@
               <a:solidFill>
                 <a:schemeClr val="accent5"/>
               </a:solidFill>
-              <a:ln w="9525">
-                <a:solidFill>
-                  <a:schemeClr val="accent5"/>
-                </a:solidFill>
-              </a:ln>
-              <a:effectLst/>
-            </c:spPr>
-          </c:marker>
-          <c:cat>
-            <c:strRef>
-              <c:f>Sheet1!$A$2:$A$14</c:f>
-              <c:strCache>
-                <c:ptCount val="13"/>
-                <c:pt idx="0">
-                  <c:v>iodepth=1</c:v>
-                </c:pt>
-                <c:pt idx="1">
-                  <c:v>iodepth=2</c:v>
-                </c:pt>
-                <c:pt idx="2">
-                  <c:v>iodepth=4</c:v>
-                </c:pt>
-                <c:pt idx="3">
-                  <c:v>iodepth=8</c:v>
-                </c:pt>
-                <c:pt idx="4">
-                  <c:v>iodepth=16</c:v>
-                </c:pt>
-                <c:pt idx="5">
-                  <c:v>iodepth=32</c:v>
-                </c:pt>
-                <c:pt idx="6">
-                  <c:v>iodepth=64</c:v>
-                </c:pt>
-                <c:pt idx="7">
-                  <c:v>iodepth=128</c:v>
-                </c:pt>
-                <c:pt idx="8">
-                  <c:v>iodepth=256</c:v>
-                </c:pt>
-                <c:pt idx="9">
-                  <c:v>iodepth=512</c:v>
-                </c:pt>
-                <c:pt idx="10">
-                  <c:v>iodepth=1024</c:v>
-                </c:pt>
-                <c:pt idx="11">
-                  <c:v>iodepth=2048</c:v>
-                </c:pt>
-                <c:pt idx="12">
-                  <c:v>iodepth=4096</c:v>
-                </c:pt>
-              </c:strCache>
-            </c:strRef>
-          </c:cat>
-          <c:val>
-            <c:numRef>
-              <c:f>Sheet1!$E$2:$E$14</c:f>
-              <c:numCache>
-                <c:formatCode>General</c:formatCode>
-                <c:ptCount val="13"/>
-                <c:pt idx="0">
-                  <c:v>398</c:v>
-                </c:pt>
-                <c:pt idx="1">
-                  <c:v>698</c:v>
-                </c:pt>
-                <c:pt idx="2">
-                  <c:v>831</c:v>
-                </c:pt>
-                <c:pt idx="3">
-                  <c:v>1006</c:v>
-                </c:pt>
-                <c:pt idx="4">
-                  <c:v>1035</c:v>
-                </c:pt>
-                <c:pt idx="5">
-                  <c:v>1144</c:v>
-                </c:pt>
-                <c:pt idx="6">
-                  <c:v>1111</c:v>
-                </c:pt>
-                <c:pt idx="7">
-                  <c:v>1117</c:v>
-                </c:pt>
-                <c:pt idx="8">
-                  <c:v>1106</c:v>
-                </c:pt>
-                <c:pt idx="9">
-                  <c:v>1131</c:v>
-                </c:pt>
-                <c:pt idx="10">
-                  <c:v>1148</c:v>
-                </c:pt>
-                <c:pt idx="11">
-                  <c:v>1124</c:v>
-                </c:pt>
-                <c:pt idx="12">
-                  <c:v>1115</c:v>
-                </c:pt>
-              </c:numCache>
-            </c:numRef>
-          </c:val>
-          <c:smooth val="0"/>
-          <c:extLst>
-            <c:ext xmlns:c16="http://schemas.microsoft.com/office/drawing/2014/chart" uri="{C3380CC4-5D6E-409C-BE32-E72D297353CC}">
-              <c16:uniqueId val="{00000003-705F-4A57-A782-4F524DCAEE15}"/>
-            </c:ext>
-          </c:extLst>
-        </c:ser>
-        <c:dLbls>
-          <c:showLegendKey val="0"/>
-          <c:showVal val="0"/>
-          <c:showCatName val="0"/>
-          <c:showSerName val="0"/>
-          <c:showPercent val="0"/>
-          <c:showBubbleSize val="0"/>
-        </c:dLbls>
-        <c:marker val="1"/>
-        <c:smooth val="0"/>
-        <c:axId val="541700656"/>
-        <c:axId val="529773216"/>
-      </c:lineChart>
-      <c:catAx>
-        <c:axId val="541700656"/>
-        <c:scaling>
-          <c:orientation val="minMax"/>
-        </c:scaling>
-        <c:delete val="0"/>
-        <c:axPos val="b"/>
-        <c:title>
-          <c:tx>
-            <c:rich>
-              <a:bodyPr rot="0" spcFirstLastPara="1" vertOverflow="ellipsis" vert="horz" wrap="square" anchor="ctr" anchorCtr="1"/>
-              <a:lstStyle/>
-              <a:p>
-                <a:pPr>
-                  <a:defRPr sz="1330" b="0" i="0" u="none" strike="noStrike" kern="1200" baseline="0">
-                    <a:solidFill>
-                      <a:schemeClr val="tx1">
-                        <a:lumMod val="65000"/>
-                        <a:lumOff val="35000"/>
-                      </a:schemeClr>
-                    </a:solidFill>
-                    <a:latin typeface="+mn-lt"/>
-                    <a:ea typeface="+mn-ea"/>
-                    <a:cs typeface="+mn-cs"/>
-                  </a:defRPr>
-                </a:pPr>
-                <a:r>
-                  <a:rPr lang="zh-CN" altLang="en-US" sz="1200" b="1" dirty="0"/>
-                  <a:t>队列深度</a:t>
-                </a:r>
-                <a:r>
-                  <a:rPr lang="en-US" altLang="zh-CN" sz="1200" b="1" dirty="0"/>
-                  <a:t>/</a:t>
-                </a:r>
-                <a:r>
-                  <a:rPr lang="en-US" altLang="zh-CN" sz="1200" b="1" dirty="0" err="1"/>
-                  <a:t>iodepth</a:t>
-                </a:r>
-                <a:endParaRPr lang="zh-CN" altLang="en-US" sz="1200" b="1" dirty="0"/>
-              </a:p>
-            </c:rich>
-          </c:tx>
-          <c:overlay val="0"/>
-          <c:spPr>
-            <a:noFill/>
-            <a:ln>
-              <a:noFill/>
-            </a:ln>
-            <a:effectLst/>
-          </c:spPr>
-          <c:txPr>
-            <a:bodyPr rot="0" spcFirstLastPara="1" vertOverflow="ellipsis" vert="horz" wrap="square" anchor="ctr" anchorCtr="1"/>
-            <a:lstStyle/>
-            <a:p>
-              <a:pPr>
-                <a:defRPr sz="1330" b="0" i="0" u="none" strike="noStrike" kern="1200" baseline="0">
-                  <a:solidFill>
-                    <a:schemeClr val="tx1">
-                      <a:lumMod val="65000"/>
-                      <a:lumOff val="35000"/>
-                    </a:schemeClr>
-                  </a:solidFill>
-                  <a:latin typeface="+mn-lt"/>
-                  <a:ea typeface="+mn-ea"/>
-                  <a:cs typeface="+mn-cs"/>
-                </a:defRPr>
-              </a:pPr>
-              <a:endParaRPr lang="zh-CN"/>
-            </a:p>
-          </c:txPr>
-        </c:title>
-        <c:numFmt formatCode="General" sourceLinked="1"/>
-        <c:majorTickMark val="none"/>
-        <c:minorTickMark val="none"/>
-        <c:tickLblPos val="nextTo"/>
-        <c:spPr>
-          <a:noFill/>
-          <a:ln w="9525" cap="flat" cmpd="sng" algn="ctr">
-            <a:solidFill>
-              <a:schemeClr val="tx1">
-                <a:lumMod val="15000"/>
-                <a:lumOff val="85000"/>
-              </a:schemeClr>
-            </a:solidFill>
-            <a:round/>
-          </a:ln>
-          <a:effectLst/>
-        </c:spPr>
-        <c:txPr>
-          <a:bodyPr rot="-60000000" spcFirstLastPara="1" vertOverflow="ellipsis" vert="horz" wrap="square" anchor="ctr" anchorCtr="1"/>
-          <a:lstStyle/>
-          <a:p>
-            <a:pPr>
-              <a:defRPr sz="1000" b="1" i="0" u="none" strike="noStrike" kern="1200" baseline="0">
-                <a:solidFill>
-                  <a:schemeClr val="tx1">
-                    <a:lumMod val="65000"/>
-                    <a:lumOff val="35000"/>
-                  </a:schemeClr>
-                </a:solidFill>
-                <a:latin typeface="+mn-lt"/>
-                <a:ea typeface="+mn-ea"/>
-                <a:cs typeface="+mn-cs"/>
-              </a:defRPr>
-            </a:pPr>
-            <a:endParaRPr lang="zh-CN"/>
-          </a:p>
-        </c:txPr>
-        <c:crossAx val="529773216"/>
-        <c:crosses val="autoZero"/>
-        <c:auto val="1"/>
-        <c:lblAlgn val="ctr"/>
-        <c:lblOffset val="100"/>
-        <c:noMultiLvlLbl val="0"/>
-      </c:catAx>
-      <c:valAx>
-        <c:axId val="529773216"/>
-        <c:scaling>
-          <c:orientation val="minMax"/>
-        </c:scaling>
-        <c:delete val="0"/>
-        <c:axPos val="l"/>
-        <c:majorGridlines>
-          <c:spPr>
-            <a:ln w="9525" cap="flat" cmpd="sng" algn="ctr">
-              <a:solidFill>
-                <a:schemeClr val="tx1">
-                  <a:lumMod val="15000"/>
-                  <a:lumOff val="85000"/>
-                </a:schemeClr>
-              </a:solidFill>
-              <a:prstDash val="sysDash"/>
-              <a:round/>
-            </a:ln>
-            <a:effectLst/>
-          </c:spPr>
-        </c:majorGridlines>
-        <c:title>
-          <c:tx>
-            <c:rich>
-              <a:bodyPr rot="-5400000" spcFirstLastPara="1" vertOverflow="ellipsis" vert="horz" wrap="square" anchor="ctr" anchorCtr="1"/>
-              <a:lstStyle/>
-              <a:p>
-                <a:pPr>
-                  <a:defRPr sz="1200" b="0" i="0" u="none" strike="noStrike" kern="1200" baseline="0">
-                    <a:solidFill>
-                      <a:schemeClr val="tx1">
-                        <a:lumMod val="65000"/>
-                        <a:lumOff val="35000"/>
-                      </a:schemeClr>
-                    </a:solidFill>
-                    <a:latin typeface="+mn-lt"/>
-                    <a:ea typeface="+mn-ea"/>
-                    <a:cs typeface="+mn-cs"/>
-                  </a:defRPr>
-                </a:pPr>
-                <a:r>
-                  <a:rPr lang="zh-CN" altLang="en-US" sz="1200" b="1" dirty="0"/>
-                  <a:t>吞吐量（</a:t>
-                </a:r>
-                <a:r>
-                  <a:rPr lang="en-US" altLang="zh-CN" sz="1200" b="1" dirty="0"/>
-                  <a:t>MB/s</a:t>
-                </a:r>
-                <a:r>
-                  <a:rPr lang="zh-CN" altLang="en-US" sz="1200" b="1" dirty="0"/>
-                  <a:t>）</a:t>
-                </a:r>
-              </a:p>
-            </c:rich>
-          </c:tx>
-          <c:overlay val="0"/>
-          <c:spPr>
-            <a:noFill/>
-            <a:ln>
-              <a:noFill/>
-            </a:ln>
-            <a:effectLst/>
-          </c:spPr>
-          <c:txPr>
-            <a:bodyPr rot="-5400000" spcFirstLastPara="1" vertOverflow="ellipsis" vert="horz" wrap="square" anchor="ctr" anchorCtr="1"/>
-            <a:lstStyle/>
-            <a:p>
-              <a:pPr>
-                <a:defRPr sz="1200" b="0" i="0" u="none" strike="noStrike" kern="1200" baseline="0">
-                  <a:solidFill>
-                    <a:schemeClr val="tx1">
-                      <a:lumMod val="65000"/>
-                      <a:lumOff val="35000"/>
-                    </a:schemeClr>
-                  </a:solidFill>
-                  <a:latin typeface="+mn-lt"/>
-                  <a:ea typeface="+mn-ea"/>
-                  <a:cs typeface="+mn-cs"/>
-                </a:defRPr>
-              </a:pPr>
-              <a:endParaRPr lang="zh-CN"/>
-            </a:p>
-          </c:txPr>
-        </c:title>
-        <c:numFmt formatCode="General" sourceLinked="1"/>
-        <c:majorTickMark val="none"/>
-        <c:minorTickMark val="none"/>
-        <c:tickLblPos val="nextTo"/>
-        <c:spPr>
-          <a:noFill/>
-          <a:ln>
-            <a:noFill/>
-          </a:ln>
-          <a:effectLst/>
-        </c:spPr>
-        <c:txPr>
-          <a:bodyPr rot="-60000000" spcFirstLastPara="1" vertOverflow="ellipsis" vert="horz" wrap="square" anchor="ctr" anchorCtr="1"/>
-          <a:lstStyle/>
-          <a:p>
-            <a:pPr>
-              <a:defRPr sz="1197" b="1" i="0" u="none" strike="noStrike" kern="1200" baseline="0">
-                <a:solidFill>
-                  <a:schemeClr val="tx1">
-                    <a:lumMod val="65000"/>
-                    <a:lumOff val="35000"/>
-                  </a:schemeClr>
-                </a:solidFill>
-                <a:latin typeface="+mn-lt"/>
-                <a:ea typeface="+mn-ea"/>
-                <a:cs typeface="+mn-cs"/>
-              </a:defRPr>
-            </a:pPr>
-            <a:endParaRPr lang="zh-CN"/>
-          </a:p>
-        </c:txPr>
-        <c:crossAx val="541700656"/>
-        <c:crosses val="autoZero"/>
-        <c:crossBetween val="between"/>
-      </c:valAx>
-      <c:spPr>
-        <a:noFill/>
-        <a:ln w="15875">
-          <a:solidFill>
-            <a:schemeClr val="bg1">
-              <a:lumMod val="65000"/>
-            </a:schemeClr>
-          </a:solidFill>
-        </a:ln>
-        <a:effectLst/>
-      </c:spPr>
-    </c:plotArea>
-    <c:legend>
-      <c:legendPos val="b"/>
-      <c:layout>
-        <c:manualLayout>
-          <c:xMode val="edge"/>
-          <c:yMode val="edge"/>
-          <c:x val="0.36549783185718243"/>
-          <c:y val="0.93122183001834213"/>
-          <c:w val="0.342289155738149"/>
-          <c:h val="4.7899983758257068E-2"/>
-        </c:manualLayout>
-      </c:layout>
-      <c:overlay val="0"/>
-      <c:spPr>
-        <a:noFill/>
-        <a:ln>
-          <a:noFill/>
-        </a:ln>
-        <a:effectLst/>
-      </c:spPr>
-      <c:txPr>
-        <a:bodyPr rot="0" spcFirstLastPara="1" vertOverflow="ellipsis" vert="horz" wrap="square" anchor="ctr" anchorCtr="1"/>
-        <a:lstStyle/>
-        <a:p>
-          <a:pPr>
-            <a:defRPr sz="1197" b="1" i="0" u="none" strike="noStrike" kern="1200" baseline="0">
-              <a:solidFill>
-                <a:schemeClr val="tx1">
-                  <a:lumMod val="65000"/>
-                  <a:lumOff val="35000"/>
-                </a:schemeClr>
-              </a:solidFill>
-              <a:latin typeface="+mn-lt"/>
-              <a:ea typeface="+mn-ea"/>
-              <a:cs typeface="+mn-cs"/>
-            </a:defRPr>
-          </a:pPr>
-          <a:endParaRPr lang="zh-CN"/>
-        </a:p>
-      </c:txPr>
-    </c:legend>
-    <c:plotVisOnly val="1"/>
-    <c:dispBlanksAs val="gap"/>
-    <c:extLst>
-      <c:ext xmlns:c16r3="http://schemas.microsoft.com/office/drawing/2017/03/chart" uri="{56B9EC1D-385E-4148-901F-78D8002777C0}">
-        <c16r3:dataDisplayOptions16>
-          <c16r3:dispNaAsBlank val="1"/>
-        </c16r3:dataDisplayOptions16>
-      </c:ext>
-    </c:extLst>
-    <c:showDLblsOverMax val="0"/>
-  </c:chart>
-  <c:spPr>
-    <a:noFill/>
-    <a:ln>
-      <a:noFill/>
-    </a:ln>
-    <a:effectLst/>
-  </c:spPr>
-  <c:txPr>
-    <a:bodyPr/>
-    <a:lstStyle/>
-    <a:p>
-      <a:pPr>
-        <a:defRPr/>
-      </a:pPr>
-      <a:endParaRPr lang="zh-CN"/>
-    </a:p>
-  </c:txPr>
-  <c:externalData r:id="rId3">
-    <c:autoUpdate val="0"/>
-  </c:externalData>
-</c:chartSpace>
-</file>
-
-<file path=ppt/charts/chart7.xml><?xml version="1.0" encoding="utf-8"?>
-<c:chartSpace xmlns:c="http://schemas.openxmlformats.org/drawingml/2006/chart" xmlns:a="http://schemas.openxmlformats.org/drawingml/2006/main" xmlns:r="http://schemas.openxmlformats.org/officeDocument/2006/relationships" xmlns:c16r2="http://schemas.microsoft.com/office/drawing/2015/06/chart">
-  <c:date1904 val="0"/>
-  <c:lang val="zh-CN"/>
-  <c:roundedCorners val="0"/>
-  <mc:AlternateContent xmlns:mc="http://schemas.openxmlformats.org/markup-compatibility/2006">
-    <mc:Choice xmlns:c14="http://schemas.microsoft.com/office/drawing/2007/8/2/chart" Requires="c14">
-      <c14:style val="102"/>
-    </mc:Choice>
-    <mc:Fallback>
-      <c:style val="2"/>
-    </mc:Fallback>
-  </mc:AlternateContent>
-  <c:chart>
-    <c:autoTitleDeleted val="1"/>
-    <c:plotArea>
-      <c:layout/>
-      <c:lineChart>
-        <c:grouping val="standard"/>
-        <c:varyColors val="0"/>
-        <c:ser>
-          <c:idx val="0"/>
-          <c:order val="0"/>
-          <c:tx>
-            <c:strRef>
-              <c:f>Sheet1!$B$1</c:f>
-              <c:strCache>
-                <c:ptCount val="1"/>
-                <c:pt idx="0">
-                  <c:v>seqr</c:v>
-                </c:pt>
-              </c:strCache>
-            </c:strRef>
-          </c:tx>
-          <c:spPr>
-            <a:ln w="28575" cap="rnd">
-              <a:solidFill>
-                <a:schemeClr val="accent2"/>
-              </a:solidFill>
-              <a:round/>
-            </a:ln>
-            <a:effectLst/>
-          </c:spPr>
-          <c:marker>
-            <c:symbol val="circle"/>
-            <c:size val="5"/>
-            <c:spPr>
-              <a:solidFill>
-                <a:schemeClr val="accent2"/>
-              </a:solidFill>
-              <a:ln w="9525">
-                <a:solidFill>
-                  <a:schemeClr val="accent2"/>
-                </a:solidFill>
-              </a:ln>
-              <a:effectLst/>
-            </c:spPr>
-          </c:marker>
-          <c:cat>
-            <c:strRef>
-              <c:f>Sheet1!$A$2:$A$14</c:f>
-              <c:strCache>
-                <c:ptCount val="13"/>
-                <c:pt idx="0">
-                  <c:v>iodepth=1</c:v>
-                </c:pt>
-                <c:pt idx="1">
-                  <c:v>2</c:v>
-                </c:pt>
-                <c:pt idx="2">
-                  <c:v>4</c:v>
-                </c:pt>
-                <c:pt idx="3">
-                  <c:v>8</c:v>
-                </c:pt>
-                <c:pt idx="4">
-                  <c:v>16</c:v>
-                </c:pt>
-                <c:pt idx="5">
-                  <c:v>32</c:v>
-                </c:pt>
-                <c:pt idx="6">
-                  <c:v>64</c:v>
-                </c:pt>
-                <c:pt idx="7">
-                  <c:v>128</c:v>
-                </c:pt>
-                <c:pt idx="8">
-                  <c:v>256</c:v>
-                </c:pt>
-                <c:pt idx="9">
-                  <c:v>512</c:v>
-                </c:pt>
-                <c:pt idx="10">
-                  <c:v>1024</c:v>
-                </c:pt>
-                <c:pt idx="11">
-                  <c:v>2048</c:v>
-                </c:pt>
-                <c:pt idx="12">
-                  <c:v>4096</c:v>
-                </c:pt>
-              </c:strCache>
-            </c:strRef>
-          </c:cat>
-          <c:val>
-            <c:numRef>
-              <c:f>Sheet1!$B$2:$B$14</c:f>
-              <c:numCache>
-                <c:formatCode>General</c:formatCode>
-                <c:ptCount val="13"/>
-                <c:pt idx="0">
-                  <c:v>154</c:v>
-                </c:pt>
-                <c:pt idx="1">
-                  <c:v>279</c:v>
-                </c:pt>
-                <c:pt idx="2">
-                  <c:v>469</c:v>
-                </c:pt>
-                <c:pt idx="3">
-                  <c:v>716</c:v>
-                </c:pt>
-                <c:pt idx="4">
-                  <c:v>1439</c:v>
-                </c:pt>
-                <c:pt idx="5">
-                  <c:v>1829</c:v>
-                </c:pt>
-                <c:pt idx="6">
-                  <c:v>1893</c:v>
-                </c:pt>
-                <c:pt idx="7">
-                  <c:v>1908</c:v>
-                </c:pt>
-                <c:pt idx="8">
-                  <c:v>1884</c:v>
-                </c:pt>
-                <c:pt idx="9">
-                  <c:v>1875</c:v>
-                </c:pt>
-                <c:pt idx="10">
-                  <c:v>1887</c:v>
-                </c:pt>
-                <c:pt idx="11">
-                  <c:v>1880</c:v>
-                </c:pt>
-                <c:pt idx="12">
-                  <c:v>1853</c:v>
-                </c:pt>
-              </c:numCache>
-            </c:numRef>
-          </c:val>
-          <c:smooth val="0"/>
-          <c:extLst>
-            <c:ext xmlns:c16="http://schemas.microsoft.com/office/drawing/2014/chart" uri="{C3380CC4-5D6E-409C-BE32-E72D297353CC}">
-              <c16:uniqueId val="{00000000-705F-4A57-A782-4F524DCAEE15}"/>
-            </c:ext>
-          </c:extLst>
-        </c:ser>
-        <c:ser>
-          <c:idx val="1"/>
-          <c:order val="1"/>
-          <c:tx>
-            <c:strRef>
-              <c:f>Sheet1!$C$1</c:f>
-              <c:strCache>
-                <c:ptCount val="1"/>
-                <c:pt idx="0">
-                  <c:v>seqw</c:v>
-                </c:pt>
-              </c:strCache>
-            </c:strRef>
-          </c:tx>
-          <c:spPr>
-            <a:ln w="28575" cap="rnd">
-              <a:solidFill>
-                <a:schemeClr val="accent4">
-                  <a:lumMod val="60000"/>
-                  <a:lumOff val="40000"/>
-                </a:schemeClr>
-              </a:solidFill>
-              <a:round/>
-            </a:ln>
-            <a:effectLst/>
-          </c:spPr>
-          <c:marker>
-            <c:symbol val="circle"/>
-            <c:size val="5"/>
-            <c:spPr>
-              <a:solidFill>
-                <a:schemeClr val="accent4">
-                  <a:lumMod val="60000"/>
-                  <a:lumOff val="40000"/>
-                </a:schemeClr>
-              </a:solidFill>
-              <a:ln w="9525">
-                <a:solidFill>
-                  <a:schemeClr val="accent4">
-                    <a:lumMod val="60000"/>
-                    <a:lumOff val="40000"/>
-                  </a:schemeClr>
-                </a:solidFill>
-              </a:ln>
-              <a:effectLst/>
-            </c:spPr>
-          </c:marker>
-          <c:cat>
-            <c:strRef>
-              <c:f>Sheet1!$A$2:$A$14</c:f>
-              <c:strCache>
-                <c:ptCount val="13"/>
-                <c:pt idx="0">
-                  <c:v>iodepth=1</c:v>
-                </c:pt>
-                <c:pt idx="1">
-                  <c:v>2</c:v>
-                </c:pt>
-                <c:pt idx="2">
-                  <c:v>4</c:v>
-                </c:pt>
-                <c:pt idx="3">
-                  <c:v>8</c:v>
-                </c:pt>
-                <c:pt idx="4">
-                  <c:v>16</c:v>
-                </c:pt>
-                <c:pt idx="5">
-                  <c:v>32</c:v>
-                </c:pt>
-                <c:pt idx="6">
-                  <c:v>64</c:v>
-                </c:pt>
-                <c:pt idx="7">
-                  <c:v>128</c:v>
-                </c:pt>
-                <c:pt idx="8">
-                  <c:v>256</c:v>
-                </c:pt>
-                <c:pt idx="9">
-                  <c:v>512</c:v>
-                </c:pt>
-                <c:pt idx="10">
-                  <c:v>1024</c:v>
-                </c:pt>
-                <c:pt idx="11">
-                  <c:v>2048</c:v>
-                </c:pt>
-                <c:pt idx="12">
-                  <c:v>4096</c:v>
-                </c:pt>
-              </c:strCache>
-            </c:strRef>
-          </c:cat>
-          <c:val>
-            <c:numRef>
-              <c:f>Sheet1!$C$2:$C$14</c:f>
-              <c:numCache>
-                <c:formatCode>General</c:formatCode>
-                <c:ptCount val="13"/>
-                <c:pt idx="0">
-                  <c:v>317</c:v>
-                </c:pt>
-                <c:pt idx="1">
-                  <c:v>532</c:v>
-                </c:pt>
-                <c:pt idx="2">
-                  <c:v>715</c:v>
-                </c:pt>
-                <c:pt idx="3">
-                  <c:v>885</c:v>
-                </c:pt>
-                <c:pt idx="4">
-                  <c:v>1046</c:v>
-                </c:pt>
-                <c:pt idx="5">
-                  <c:v>1101</c:v>
-                </c:pt>
-                <c:pt idx="6">
-                  <c:v>1146</c:v>
-                </c:pt>
-                <c:pt idx="7">
-                  <c:v>1169</c:v>
-                </c:pt>
-                <c:pt idx="8">
-                  <c:v>1207</c:v>
-                </c:pt>
-                <c:pt idx="9">
-                  <c:v>1282</c:v>
-                </c:pt>
-                <c:pt idx="10">
-                  <c:v>1227</c:v>
-                </c:pt>
-                <c:pt idx="11">
-                  <c:v>1301</c:v>
-                </c:pt>
-                <c:pt idx="12">
-                  <c:v>1294</c:v>
-                </c:pt>
-              </c:numCache>
-            </c:numRef>
-          </c:val>
-          <c:smooth val="0"/>
-          <c:extLst>
-            <c:ext xmlns:c16="http://schemas.microsoft.com/office/drawing/2014/chart" uri="{C3380CC4-5D6E-409C-BE32-E72D297353CC}">
-              <c16:uniqueId val="{00000001-705F-4A57-A782-4F524DCAEE15}"/>
-            </c:ext>
-          </c:extLst>
-        </c:ser>
-        <c:ser>
-          <c:idx val="2"/>
-          <c:order val="2"/>
-          <c:tx>
-            <c:strRef>
-              <c:f>Sheet1!$D$1</c:f>
-              <c:strCache>
-                <c:ptCount val="1"/>
-                <c:pt idx="0">
-                  <c:v>randr</c:v>
-                </c:pt>
-              </c:strCache>
-            </c:strRef>
-          </c:tx>
-          <c:spPr>
-            <a:ln w="28575" cap="rnd">
-              <a:solidFill>
-                <a:schemeClr val="accent6">
-                  <a:lumMod val="60000"/>
-                  <a:lumOff val="40000"/>
-                </a:schemeClr>
-              </a:solidFill>
-              <a:round/>
-            </a:ln>
-            <a:effectLst/>
-          </c:spPr>
-          <c:marker>
-            <c:symbol val="circle"/>
-            <c:size val="5"/>
-            <c:spPr>
-              <a:solidFill>
-                <a:schemeClr val="accent6">
-                  <a:lumMod val="60000"/>
-                  <a:lumOff val="40000"/>
-                </a:schemeClr>
-              </a:solidFill>
-              <a:ln w="9525">
-                <a:solidFill>
-                  <a:schemeClr val="accent6">
-                    <a:lumMod val="60000"/>
-                    <a:lumOff val="40000"/>
-                  </a:schemeClr>
-                </a:solidFill>
-              </a:ln>
-              <a:effectLst/>
-            </c:spPr>
-          </c:marker>
-          <c:cat>
-            <c:strRef>
-              <c:f>Sheet1!$A$2:$A$14</c:f>
-              <c:strCache>
-                <c:ptCount val="13"/>
-                <c:pt idx="0">
-                  <c:v>iodepth=1</c:v>
-                </c:pt>
-                <c:pt idx="1">
-                  <c:v>2</c:v>
-                </c:pt>
-                <c:pt idx="2">
-                  <c:v>4</c:v>
-                </c:pt>
-                <c:pt idx="3">
-                  <c:v>8</c:v>
-                </c:pt>
-                <c:pt idx="4">
-                  <c:v>16</c:v>
-                </c:pt>
-                <c:pt idx="5">
-                  <c:v>32</c:v>
-                </c:pt>
-                <c:pt idx="6">
-                  <c:v>64</c:v>
-                </c:pt>
-                <c:pt idx="7">
-                  <c:v>128</c:v>
-                </c:pt>
-                <c:pt idx="8">
-                  <c:v>256</c:v>
-                </c:pt>
-                <c:pt idx="9">
-                  <c:v>512</c:v>
-                </c:pt>
-                <c:pt idx="10">
-                  <c:v>1024</c:v>
-                </c:pt>
-                <c:pt idx="11">
-                  <c:v>2048</c:v>
-                </c:pt>
-                <c:pt idx="12">
-                  <c:v>4096</c:v>
-                </c:pt>
-              </c:strCache>
-            </c:strRef>
-          </c:cat>
-          <c:val>
-            <c:numRef>
-              <c:f>Sheet1!$D$2:$D$14</c:f>
-              <c:numCache>
-                <c:formatCode>General</c:formatCode>
-                <c:ptCount val="13"/>
-                <c:pt idx="0">
-                  <c:v>147</c:v>
-                </c:pt>
-                <c:pt idx="1">
-                  <c:v>282</c:v>
-                </c:pt>
-                <c:pt idx="2">
-                  <c:v>576</c:v>
-                </c:pt>
-                <c:pt idx="3">
-                  <c:v>1109</c:v>
-                </c:pt>
-                <c:pt idx="4">
-                  <c:v>1686</c:v>
-                </c:pt>
-                <c:pt idx="5">
-                  <c:v>1997</c:v>
-                </c:pt>
-                <c:pt idx="6">
-                  <c:v>2016</c:v>
-                </c:pt>
-                <c:pt idx="7">
-                  <c:v>1986</c:v>
-                </c:pt>
-                <c:pt idx="8">
-                  <c:v>2012</c:v>
-                </c:pt>
-                <c:pt idx="9">
-                  <c:v>2007</c:v>
-                </c:pt>
-                <c:pt idx="10">
-                  <c:v>2026</c:v>
-                </c:pt>
-                <c:pt idx="11">
-                  <c:v>2013</c:v>
-                </c:pt>
-                <c:pt idx="12">
-                  <c:v>2024</c:v>
-                </c:pt>
-              </c:numCache>
-            </c:numRef>
-          </c:val>
-          <c:smooth val="0"/>
-          <c:extLst>
-            <c:ext xmlns:c16="http://schemas.microsoft.com/office/drawing/2014/chart" uri="{C3380CC4-5D6E-409C-BE32-E72D297353CC}">
-              <c16:uniqueId val="{00000002-705F-4A57-A782-4F524DCAEE15}"/>
-            </c:ext>
-          </c:extLst>
-        </c:ser>
-        <c:ser>
-          <c:idx val="3"/>
-          <c:order val="3"/>
-          <c:tx>
-            <c:strRef>
-              <c:f>Sheet1!$E$1</c:f>
-              <c:strCache>
-                <c:ptCount val="1"/>
-                <c:pt idx="0">
-                  <c:v>randw</c:v>
-                </c:pt>
-              </c:strCache>
-            </c:strRef>
-          </c:tx>
-          <c:spPr>
-            <a:ln w="28575" cap="rnd">
-              <a:solidFill>
-                <a:schemeClr val="accent5"/>
-              </a:solidFill>
-              <a:round/>
-            </a:ln>
-            <a:effectLst/>
-          </c:spPr>
-          <c:marker>
-            <c:symbol val="circle"/>
-            <c:size val="5"/>
-            <c:spPr>
-              <a:solidFill>
-                <a:schemeClr val="accent5"/>
-              </a:solidFill>
-              <a:ln w="9525">
+              <a:ln w="38100">
                 <a:solidFill>
                   <a:schemeClr val="accent5"/>
                 </a:solidFill>
@@ -5534,840 +7386,47 @@
 </c:chartSpace>
 </file>
 
-<file path=ppt/charts/chart8.xml><?xml version="1.0" encoding="utf-8"?>
-<c:chartSpace xmlns:c="http://schemas.openxmlformats.org/drawingml/2006/chart" xmlns:a="http://schemas.openxmlformats.org/drawingml/2006/main" xmlns:r="http://schemas.openxmlformats.org/officeDocument/2006/relationships" xmlns:c16r2="http://schemas.microsoft.com/office/drawing/2015/06/chart">
-  <c:date1904 val="0"/>
-  <c:lang val="zh-CN"/>
-  <c:roundedCorners val="0"/>
-  <mc:AlternateContent xmlns:mc="http://schemas.openxmlformats.org/markup-compatibility/2006">
-    <mc:Choice xmlns:c14="http://schemas.microsoft.com/office/drawing/2007/8/2/chart" Requires="c14">
-      <c14:style val="102"/>
-    </mc:Choice>
-    <mc:Fallback>
-      <c:style val="2"/>
-    </mc:Fallback>
-  </mc:AlternateContent>
-  <c:chart>
-    <c:autoTitleDeleted val="1"/>
-    <c:plotArea>
-      <c:layout/>
-      <c:lineChart>
-        <c:grouping val="standard"/>
-        <c:varyColors val="0"/>
-        <c:ser>
-          <c:idx val="0"/>
-          <c:order val="0"/>
-          <c:tx>
-            <c:strRef>
-              <c:f>Sheet1!$B$1</c:f>
-              <c:strCache>
-                <c:ptCount val="1"/>
-                <c:pt idx="0">
-                  <c:v>seqr</c:v>
-                </c:pt>
-              </c:strCache>
-            </c:strRef>
-          </c:tx>
-          <c:spPr>
-            <a:ln w="28575" cap="rnd">
-              <a:solidFill>
-                <a:schemeClr val="accent2"/>
-              </a:solidFill>
-              <a:round/>
-            </a:ln>
-            <a:effectLst/>
-          </c:spPr>
-          <c:marker>
-            <c:symbol val="circle"/>
-            <c:size val="5"/>
-            <c:spPr>
-              <a:solidFill>
-                <a:schemeClr val="accent2"/>
-              </a:solidFill>
-              <a:ln w="9525">
-                <a:solidFill>
-                  <a:schemeClr val="accent2"/>
-                </a:solidFill>
-              </a:ln>
-              <a:effectLst/>
-            </c:spPr>
-          </c:marker>
-          <c:cat>
-            <c:strRef>
-              <c:f>Sheet1!$A$2:$A$10</c:f>
-              <c:strCache>
-                <c:ptCount val="9"/>
-                <c:pt idx="0">
-                  <c:v>bs=4</c:v>
-                </c:pt>
-                <c:pt idx="1">
-                  <c:v>bs=8</c:v>
-                </c:pt>
-                <c:pt idx="2">
-                  <c:v>bs=16</c:v>
-                </c:pt>
-                <c:pt idx="3">
-                  <c:v>bs=32</c:v>
-                </c:pt>
-                <c:pt idx="4">
-                  <c:v>bs=64</c:v>
-                </c:pt>
-                <c:pt idx="5">
-                  <c:v>bs=128</c:v>
-                </c:pt>
-                <c:pt idx="6">
-                  <c:v>bs=256</c:v>
-                </c:pt>
-                <c:pt idx="7">
-                  <c:v>bs=512</c:v>
-                </c:pt>
-                <c:pt idx="8">
-                  <c:v>bs=1024</c:v>
-                </c:pt>
-              </c:strCache>
-            </c:strRef>
-          </c:cat>
-          <c:val>
-            <c:numRef>
-              <c:f>Sheet1!$B$2:$B$10</c:f>
-              <c:numCache>
-                <c:formatCode>General</c:formatCode>
-                <c:ptCount val="9"/>
-                <c:pt idx="0">
-                  <c:v>1510</c:v>
-                </c:pt>
-                <c:pt idx="1">
-                  <c:v>1882</c:v>
-                </c:pt>
-                <c:pt idx="2">
-                  <c:v>1884</c:v>
-                </c:pt>
-                <c:pt idx="3">
-                  <c:v>1885</c:v>
-                </c:pt>
-                <c:pt idx="4">
-                  <c:v>1861</c:v>
-                </c:pt>
-                <c:pt idx="5">
-                  <c:v>1909</c:v>
-                </c:pt>
-                <c:pt idx="6">
-                  <c:v>1893</c:v>
-                </c:pt>
-                <c:pt idx="7">
-                  <c:v>1830</c:v>
-                </c:pt>
-                <c:pt idx="8">
-                  <c:v>1831</c:v>
-                </c:pt>
-              </c:numCache>
-            </c:numRef>
-          </c:val>
-          <c:smooth val="0"/>
-          <c:extLst>
-            <c:ext xmlns:c16="http://schemas.microsoft.com/office/drawing/2014/chart" uri="{C3380CC4-5D6E-409C-BE32-E72D297353CC}">
-              <c16:uniqueId val="{00000000-705F-4A57-A782-4F524DCAEE15}"/>
-            </c:ext>
-          </c:extLst>
-        </c:ser>
-        <c:ser>
-          <c:idx val="1"/>
-          <c:order val="1"/>
-          <c:tx>
-            <c:strRef>
-              <c:f>Sheet1!$C$1</c:f>
-              <c:strCache>
-                <c:ptCount val="1"/>
-                <c:pt idx="0">
-                  <c:v>seqw</c:v>
-                </c:pt>
-              </c:strCache>
-            </c:strRef>
-          </c:tx>
-          <c:spPr>
-            <a:ln w="28575" cap="rnd">
-              <a:solidFill>
-                <a:schemeClr val="accent4">
-                  <a:lumMod val="60000"/>
-                  <a:lumOff val="40000"/>
-                </a:schemeClr>
-              </a:solidFill>
-              <a:round/>
-            </a:ln>
-            <a:effectLst/>
-          </c:spPr>
-          <c:marker>
-            <c:symbol val="circle"/>
-            <c:size val="5"/>
-            <c:spPr>
-              <a:solidFill>
-                <a:schemeClr val="accent4">
-                  <a:lumMod val="60000"/>
-                  <a:lumOff val="40000"/>
-                </a:schemeClr>
-              </a:solidFill>
-              <a:ln w="9525">
-                <a:solidFill>
-                  <a:schemeClr val="accent4">
-                    <a:lumMod val="60000"/>
-                    <a:lumOff val="40000"/>
-                  </a:schemeClr>
-                </a:solidFill>
-              </a:ln>
-              <a:effectLst/>
-            </c:spPr>
-          </c:marker>
-          <c:cat>
-            <c:strRef>
-              <c:f>Sheet1!$A$2:$A$10</c:f>
-              <c:strCache>
-                <c:ptCount val="9"/>
-                <c:pt idx="0">
-                  <c:v>bs=4</c:v>
-                </c:pt>
-                <c:pt idx="1">
-                  <c:v>bs=8</c:v>
-                </c:pt>
-                <c:pt idx="2">
-                  <c:v>bs=16</c:v>
-                </c:pt>
-                <c:pt idx="3">
-                  <c:v>bs=32</c:v>
-                </c:pt>
-                <c:pt idx="4">
-                  <c:v>bs=64</c:v>
-                </c:pt>
-                <c:pt idx="5">
-                  <c:v>bs=128</c:v>
-                </c:pt>
-                <c:pt idx="6">
-                  <c:v>bs=256</c:v>
-                </c:pt>
-                <c:pt idx="7">
-                  <c:v>bs=512</c:v>
-                </c:pt>
-                <c:pt idx="8">
-                  <c:v>bs=1024</c:v>
-                </c:pt>
-              </c:strCache>
-            </c:strRef>
-          </c:cat>
-          <c:val>
-            <c:numRef>
-              <c:f>Sheet1!$C$2:$C$10</c:f>
-              <c:numCache>
-                <c:formatCode>General</c:formatCode>
-                <c:ptCount val="9"/>
-                <c:pt idx="0">
-                  <c:v>1077</c:v>
-                </c:pt>
-                <c:pt idx="1">
-                  <c:v>1159</c:v>
-                </c:pt>
-                <c:pt idx="2">
-                  <c:v>1272</c:v>
-                </c:pt>
-                <c:pt idx="3">
-                  <c:v>1281</c:v>
-                </c:pt>
-                <c:pt idx="4">
-                  <c:v>1175</c:v>
-                </c:pt>
-                <c:pt idx="5">
-                  <c:v>1240</c:v>
-                </c:pt>
-                <c:pt idx="6">
-                  <c:v>1280</c:v>
-                </c:pt>
-                <c:pt idx="7">
-                  <c:v>1254</c:v>
-                </c:pt>
-                <c:pt idx="8">
-                  <c:v>1218</c:v>
-                </c:pt>
-              </c:numCache>
-            </c:numRef>
-          </c:val>
-          <c:smooth val="0"/>
-          <c:extLst>
-            <c:ext xmlns:c16="http://schemas.microsoft.com/office/drawing/2014/chart" uri="{C3380CC4-5D6E-409C-BE32-E72D297353CC}">
-              <c16:uniqueId val="{00000001-705F-4A57-A782-4F524DCAEE15}"/>
-            </c:ext>
-          </c:extLst>
-        </c:ser>
-        <c:ser>
-          <c:idx val="2"/>
-          <c:order val="2"/>
-          <c:tx>
-            <c:strRef>
-              <c:f>Sheet1!$D$1</c:f>
-              <c:strCache>
-                <c:ptCount val="1"/>
-                <c:pt idx="0">
-                  <c:v>randr</c:v>
-                </c:pt>
-              </c:strCache>
-            </c:strRef>
-          </c:tx>
-          <c:spPr>
-            <a:ln w="28575" cap="rnd">
-              <a:solidFill>
-                <a:schemeClr val="accent6">
-                  <a:lumMod val="60000"/>
-                  <a:lumOff val="40000"/>
-                </a:schemeClr>
-              </a:solidFill>
-              <a:round/>
-            </a:ln>
-            <a:effectLst/>
-          </c:spPr>
-          <c:marker>
-            <c:symbol val="circle"/>
-            <c:size val="5"/>
-            <c:spPr>
-              <a:solidFill>
-                <a:schemeClr val="accent6">
-                  <a:lumMod val="60000"/>
-                  <a:lumOff val="40000"/>
-                </a:schemeClr>
-              </a:solidFill>
-              <a:ln w="9525">
-                <a:solidFill>
-                  <a:schemeClr val="accent6">
-                    <a:lumMod val="60000"/>
-                    <a:lumOff val="40000"/>
-                  </a:schemeClr>
-                </a:solidFill>
-              </a:ln>
-              <a:effectLst/>
-            </c:spPr>
-          </c:marker>
-          <c:cat>
-            <c:strRef>
-              <c:f>Sheet1!$A$2:$A$10</c:f>
-              <c:strCache>
-                <c:ptCount val="9"/>
-                <c:pt idx="0">
-                  <c:v>bs=4</c:v>
-                </c:pt>
-                <c:pt idx="1">
-                  <c:v>bs=8</c:v>
-                </c:pt>
-                <c:pt idx="2">
-                  <c:v>bs=16</c:v>
-                </c:pt>
-                <c:pt idx="3">
-                  <c:v>bs=32</c:v>
-                </c:pt>
-                <c:pt idx="4">
-                  <c:v>bs=64</c:v>
-                </c:pt>
-                <c:pt idx="5">
-                  <c:v>bs=128</c:v>
-                </c:pt>
-                <c:pt idx="6">
-                  <c:v>bs=256</c:v>
-                </c:pt>
-                <c:pt idx="7">
-                  <c:v>bs=512</c:v>
-                </c:pt>
-                <c:pt idx="8">
-                  <c:v>bs=1024</c:v>
-                </c:pt>
-              </c:strCache>
-            </c:strRef>
-          </c:cat>
-          <c:val>
-            <c:numRef>
-              <c:f>Sheet1!$D$2:$D$10</c:f>
-              <c:numCache>
-                <c:formatCode>General</c:formatCode>
-                <c:ptCount val="9"/>
-                <c:pt idx="0">
-                  <c:v>1317</c:v>
-                </c:pt>
-                <c:pt idx="1">
-                  <c:v>1962</c:v>
-                </c:pt>
-                <c:pt idx="2">
-                  <c:v>2018</c:v>
-                </c:pt>
-                <c:pt idx="3">
-                  <c:v>2009</c:v>
-                </c:pt>
-                <c:pt idx="4">
-                  <c:v>1979</c:v>
-                </c:pt>
-                <c:pt idx="5">
-                  <c:v>1937</c:v>
-                </c:pt>
-                <c:pt idx="6">
-                  <c:v>1923</c:v>
-                </c:pt>
-                <c:pt idx="7">
-                  <c:v>1872</c:v>
-                </c:pt>
-                <c:pt idx="8">
-                  <c:v>1843</c:v>
-                </c:pt>
-              </c:numCache>
-            </c:numRef>
-          </c:val>
-          <c:smooth val="0"/>
-          <c:extLst>
-            <c:ext xmlns:c16="http://schemas.microsoft.com/office/drawing/2014/chart" uri="{C3380CC4-5D6E-409C-BE32-E72D297353CC}">
-              <c16:uniqueId val="{00000002-705F-4A57-A782-4F524DCAEE15}"/>
-            </c:ext>
-          </c:extLst>
-        </c:ser>
-        <c:ser>
-          <c:idx val="3"/>
-          <c:order val="3"/>
-          <c:tx>
-            <c:strRef>
-              <c:f>Sheet1!$E$1</c:f>
-              <c:strCache>
-                <c:ptCount val="1"/>
-                <c:pt idx="0">
-                  <c:v>randw</c:v>
-                </c:pt>
-              </c:strCache>
-            </c:strRef>
-          </c:tx>
-          <c:spPr>
-            <a:ln w="28575" cap="rnd">
-              <a:solidFill>
-                <a:schemeClr val="accent5"/>
-              </a:solidFill>
-              <a:round/>
-            </a:ln>
-            <a:effectLst/>
-          </c:spPr>
-          <c:marker>
-            <c:symbol val="circle"/>
-            <c:size val="5"/>
-            <c:spPr>
-              <a:solidFill>
-                <a:schemeClr val="accent5"/>
-              </a:solidFill>
-              <a:ln w="9525">
-                <a:solidFill>
-                  <a:schemeClr val="accent5"/>
-                </a:solidFill>
-              </a:ln>
-              <a:effectLst/>
-            </c:spPr>
-          </c:marker>
-          <c:cat>
-            <c:strRef>
-              <c:f>Sheet1!$A$2:$A$10</c:f>
-              <c:strCache>
-                <c:ptCount val="9"/>
-                <c:pt idx="0">
-                  <c:v>bs=4</c:v>
-                </c:pt>
-                <c:pt idx="1">
-                  <c:v>bs=8</c:v>
-                </c:pt>
-                <c:pt idx="2">
-                  <c:v>bs=16</c:v>
-                </c:pt>
-                <c:pt idx="3">
-                  <c:v>bs=32</c:v>
-                </c:pt>
-                <c:pt idx="4">
-                  <c:v>bs=64</c:v>
-                </c:pt>
-                <c:pt idx="5">
-                  <c:v>bs=128</c:v>
-                </c:pt>
-                <c:pt idx="6">
-                  <c:v>bs=256</c:v>
-                </c:pt>
-                <c:pt idx="7">
-                  <c:v>bs=512</c:v>
-                </c:pt>
-                <c:pt idx="8">
-                  <c:v>bs=1024</c:v>
-                </c:pt>
-              </c:strCache>
-            </c:strRef>
-          </c:cat>
-          <c:val>
-            <c:numRef>
-              <c:f>Sheet1!$E$2:$E$10</c:f>
-              <c:numCache>
-                <c:formatCode>General</c:formatCode>
-                <c:ptCount val="9"/>
-                <c:pt idx="0">
-                  <c:v>1036</c:v>
-                </c:pt>
-                <c:pt idx="1">
-                  <c:v>1090</c:v>
-                </c:pt>
-                <c:pt idx="2">
-                  <c:v>1127</c:v>
-                </c:pt>
-                <c:pt idx="3">
-                  <c:v>1125</c:v>
-                </c:pt>
-                <c:pt idx="4">
-                  <c:v>1137</c:v>
-                </c:pt>
-                <c:pt idx="5">
-                  <c:v>1168</c:v>
-                </c:pt>
-                <c:pt idx="6">
-                  <c:v>1148</c:v>
-                </c:pt>
-                <c:pt idx="7">
-                  <c:v>1143</c:v>
-                </c:pt>
-                <c:pt idx="8">
-                  <c:v>1054</c:v>
-                </c:pt>
-              </c:numCache>
-            </c:numRef>
-          </c:val>
-          <c:smooth val="0"/>
-          <c:extLst>
-            <c:ext xmlns:c16="http://schemas.microsoft.com/office/drawing/2014/chart" uri="{C3380CC4-5D6E-409C-BE32-E72D297353CC}">
-              <c16:uniqueId val="{00000003-705F-4A57-A782-4F524DCAEE15}"/>
-            </c:ext>
-          </c:extLst>
-        </c:ser>
-        <c:dLbls>
-          <c:showLegendKey val="0"/>
-          <c:showVal val="0"/>
-          <c:showCatName val="0"/>
-          <c:showSerName val="0"/>
-          <c:showPercent val="0"/>
-          <c:showBubbleSize val="0"/>
-        </c:dLbls>
-        <c:marker val="1"/>
-        <c:smooth val="0"/>
-        <c:axId val="541700656"/>
-        <c:axId val="529773216"/>
-      </c:lineChart>
-      <c:catAx>
-        <c:axId val="541700656"/>
-        <c:scaling>
-          <c:orientation val="minMax"/>
-        </c:scaling>
-        <c:delete val="0"/>
-        <c:axPos val="b"/>
-        <c:title>
-          <c:tx>
-            <c:rich>
-              <a:bodyPr rot="0" spcFirstLastPara="1" vertOverflow="ellipsis" vert="horz" wrap="square" anchor="ctr" anchorCtr="1"/>
-              <a:lstStyle/>
-              <a:p>
-                <a:pPr>
-                  <a:defRPr sz="1330" b="0" i="0" u="none" strike="noStrike" kern="1200" baseline="0">
-                    <a:solidFill>
-                      <a:schemeClr val="tx1">
-                        <a:lumMod val="65000"/>
-                        <a:lumOff val="35000"/>
-                      </a:schemeClr>
-                    </a:solidFill>
-                    <a:latin typeface="+mn-lt"/>
-                    <a:ea typeface="+mn-ea"/>
-                    <a:cs typeface="+mn-cs"/>
-                  </a:defRPr>
-                </a:pPr>
-                <a:r>
-                  <a:rPr lang="zh-CN" altLang="en-US" sz="1200" b="1" dirty="0"/>
-                  <a:t>单次读写块大小</a:t>
-                </a:r>
-                <a:r>
-                  <a:rPr lang="en-US" altLang="zh-CN" sz="1200" b="1" dirty="0"/>
-                  <a:t>/bs</a:t>
-                </a:r>
-                <a:endParaRPr lang="zh-CN" altLang="en-US" sz="1200" b="1" dirty="0"/>
-              </a:p>
-            </c:rich>
-          </c:tx>
-          <c:overlay val="0"/>
-          <c:spPr>
-            <a:noFill/>
-            <a:ln>
-              <a:noFill/>
-            </a:ln>
-            <a:effectLst/>
-          </c:spPr>
-          <c:txPr>
-            <a:bodyPr rot="0" spcFirstLastPara="1" vertOverflow="ellipsis" vert="horz" wrap="square" anchor="ctr" anchorCtr="1"/>
-            <a:lstStyle/>
-            <a:p>
-              <a:pPr>
-                <a:defRPr sz="1330" b="0" i="0" u="none" strike="noStrike" kern="1200" baseline="0">
-                  <a:solidFill>
-                    <a:schemeClr val="tx1">
-                      <a:lumMod val="65000"/>
-                      <a:lumOff val="35000"/>
-                    </a:schemeClr>
-                  </a:solidFill>
-                  <a:latin typeface="+mn-lt"/>
-                  <a:ea typeface="+mn-ea"/>
-                  <a:cs typeface="+mn-cs"/>
-                </a:defRPr>
-              </a:pPr>
-              <a:endParaRPr lang="zh-CN"/>
-            </a:p>
-          </c:txPr>
-        </c:title>
-        <c:numFmt formatCode="General" sourceLinked="1"/>
-        <c:majorTickMark val="none"/>
-        <c:minorTickMark val="none"/>
-        <c:tickLblPos val="nextTo"/>
-        <c:spPr>
-          <a:noFill/>
-          <a:ln w="9525" cap="flat" cmpd="sng" algn="ctr">
-            <a:solidFill>
-              <a:schemeClr val="tx1">
-                <a:lumMod val="15000"/>
-                <a:lumOff val="85000"/>
-              </a:schemeClr>
-            </a:solidFill>
-            <a:round/>
-          </a:ln>
-          <a:effectLst/>
-        </c:spPr>
-        <c:txPr>
-          <a:bodyPr rot="-60000000" spcFirstLastPara="1" vertOverflow="ellipsis" vert="horz" wrap="square" anchor="ctr" anchorCtr="1"/>
-          <a:lstStyle/>
-          <a:p>
-            <a:pPr>
-              <a:defRPr sz="1200" b="1" i="0" u="none" strike="noStrike" kern="1200" baseline="0">
-                <a:solidFill>
-                  <a:schemeClr val="tx1">
-                    <a:lumMod val="65000"/>
-                    <a:lumOff val="35000"/>
-                  </a:schemeClr>
-                </a:solidFill>
-                <a:latin typeface="+mn-lt"/>
-                <a:ea typeface="+mn-ea"/>
-                <a:cs typeface="+mn-cs"/>
-              </a:defRPr>
-            </a:pPr>
-            <a:endParaRPr lang="zh-CN"/>
-          </a:p>
-        </c:txPr>
-        <c:crossAx val="529773216"/>
-        <c:crosses val="autoZero"/>
-        <c:auto val="1"/>
-        <c:lblAlgn val="ctr"/>
-        <c:lblOffset val="100"/>
-        <c:noMultiLvlLbl val="0"/>
-      </c:catAx>
-      <c:valAx>
-        <c:axId val="529773216"/>
-        <c:scaling>
-          <c:orientation val="minMax"/>
-        </c:scaling>
-        <c:delete val="0"/>
-        <c:axPos val="l"/>
-        <c:majorGridlines>
-          <c:spPr>
-            <a:ln w="9525" cap="flat" cmpd="sng" algn="ctr">
-              <a:solidFill>
-                <a:schemeClr val="tx1">
-                  <a:lumMod val="15000"/>
-                  <a:lumOff val="85000"/>
-                </a:schemeClr>
-              </a:solidFill>
-              <a:prstDash val="sysDash"/>
-              <a:round/>
-            </a:ln>
-            <a:effectLst/>
-          </c:spPr>
-        </c:majorGridlines>
-        <c:title>
-          <c:tx>
-            <c:rich>
-              <a:bodyPr rot="-5400000" spcFirstLastPara="1" vertOverflow="ellipsis" vert="horz" wrap="square" anchor="ctr" anchorCtr="1"/>
-              <a:lstStyle/>
-              <a:p>
-                <a:pPr>
-                  <a:defRPr sz="1200" b="0" i="0" u="none" strike="noStrike" kern="1200" baseline="0">
-                    <a:solidFill>
-                      <a:schemeClr val="tx1">
-                        <a:lumMod val="65000"/>
-                        <a:lumOff val="35000"/>
-                      </a:schemeClr>
-                    </a:solidFill>
-                    <a:latin typeface="+mn-lt"/>
-                    <a:ea typeface="+mn-ea"/>
-                    <a:cs typeface="+mn-cs"/>
-                  </a:defRPr>
-                </a:pPr>
-                <a:r>
-                  <a:rPr lang="zh-CN" altLang="en-US" sz="1200" b="1" dirty="0"/>
-                  <a:t>吞吐量（</a:t>
-                </a:r>
-                <a:r>
-                  <a:rPr lang="en-US" altLang="zh-CN" sz="1200" b="1" dirty="0"/>
-                  <a:t>MB/s</a:t>
-                </a:r>
-                <a:r>
-                  <a:rPr lang="zh-CN" altLang="en-US" sz="1200" b="1" dirty="0"/>
-                  <a:t>）</a:t>
-                </a:r>
-              </a:p>
-            </c:rich>
-          </c:tx>
-          <c:overlay val="0"/>
-          <c:spPr>
-            <a:noFill/>
-            <a:ln>
-              <a:noFill/>
-            </a:ln>
-            <a:effectLst/>
-          </c:spPr>
-          <c:txPr>
-            <a:bodyPr rot="-5400000" spcFirstLastPara="1" vertOverflow="ellipsis" vert="horz" wrap="square" anchor="ctr" anchorCtr="1"/>
-            <a:lstStyle/>
-            <a:p>
-              <a:pPr>
-                <a:defRPr sz="1200" b="0" i="0" u="none" strike="noStrike" kern="1200" baseline="0">
-                  <a:solidFill>
-                    <a:schemeClr val="tx1">
-                      <a:lumMod val="65000"/>
-                      <a:lumOff val="35000"/>
-                    </a:schemeClr>
-                  </a:solidFill>
-                  <a:latin typeface="+mn-lt"/>
-                  <a:ea typeface="+mn-ea"/>
-                  <a:cs typeface="+mn-cs"/>
-                </a:defRPr>
-              </a:pPr>
-              <a:endParaRPr lang="zh-CN"/>
-            </a:p>
-          </c:txPr>
-        </c:title>
-        <c:numFmt formatCode="General" sourceLinked="1"/>
-        <c:majorTickMark val="none"/>
-        <c:minorTickMark val="none"/>
-        <c:tickLblPos val="nextTo"/>
-        <c:spPr>
-          <a:noFill/>
-          <a:ln>
-            <a:noFill/>
-          </a:ln>
-          <a:effectLst/>
-        </c:spPr>
-        <c:txPr>
-          <a:bodyPr rot="-60000000" spcFirstLastPara="1" vertOverflow="ellipsis" vert="horz" wrap="square" anchor="ctr" anchorCtr="1"/>
-          <a:lstStyle/>
-          <a:p>
-            <a:pPr>
-              <a:defRPr sz="1197" b="1" i="0" u="none" strike="noStrike" kern="1200" baseline="0">
-                <a:solidFill>
-                  <a:schemeClr val="tx1">
-                    <a:lumMod val="65000"/>
-                    <a:lumOff val="35000"/>
-                  </a:schemeClr>
-                </a:solidFill>
-                <a:latin typeface="+mn-lt"/>
-                <a:ea typeface="+mn-ea"/>
-                <a:cs typeface="+mn-cs"/>
-              </a:defRPr>
-            </a:pPr>
-            <a:endParaRPr lang="zh-CN"/>
-          </a:p>
-        </c:txPr>
-        <c:crossAx val="541700656"/>
-        <c:crosses val="autoZero"/>
-        <c:crossBetween val="between"/>
-      </c:valAx>
-      <c:spPr>
-        <a:noFill/>
-        <a:ln w="15875">
-          <a:solidFill>
-            <a:schemeClr val="bg1">
-              <a:lumMod val="65000"/>
-            </a:schemeClr>
-          </a:solidFill>
-        </a:ln>
-        <a:effectLst/>
-      </c:spPr>
-    </c:plotArea>
-    <c:legend>
-      <c:legendPos val="b"/>
-      <c:layout>
-        <c:manualLayout>
-          <c:xMode val="edge"/>
-          <c:yMode val="edge"/>
-          <c:x val="0.36549783185718243"/>
-          <c:y val="0.93122183001834213"/>
-          <c:w val="0.39961422691995463"/>
-          <c:h val="4.9999914158079604E-2"/>
-        </c:manualLayout>
-      </c:layout>
-      <c:overlay val="0"/>
-      <c:spPr>
-        <a:noFill/>
-        <a:ln>
-          <a:noFill/>
-        </a:ln>
-        <a:effectLst/>
-      </c:spPr>
-      <c:txPr>
-        <a:bodyPr rot="0" spcFirstLastPara="1" vertOverflow="ellipsis" vert="horz" wrap="square" anchor="ctr" anchorCtr="1"/>
-        <a:lstStyle/>
-        <a:p>
-          <a:pPr>
-            <a:defRPr sz="1197" b="1" i="0" u="none" strike="noStrike" kern="1200" baseline="0">
-              <a:solidFill>
-                <a:schemeClr val="tx1">
-                  <a:lumMod val="65000"/>
-                  <a:lumOff val="35000"/>
-                </a:schemeClr>
-              </a:solidFill>
-              <a:latin typeface="+mn-lt"/>
-              <a:ea typeface="+mn-ea"/>
-              <a:cs typeface="+mn-cs"/>
-            </a:defRPr>
-          </a:pPr>
-          <a:endParaRPr lang="zh-CN"/>
-        </a:p>
-      </c:txPr>
-    </c:legend>
-    <c:plotVisOnly val="1"/>
-    <c:dispBlanksAs val="gap"/>
-    <c:extLst>
-      <c:ext xmlns:c16r3="http://schemas.microsoft.com/office/drawing/2017/03/chart" uri="{56B9EC1D-385E-4148-901F-78D8002777C0}">
-        <c16r3:dataDisplayOptions16>
-          <c16r3:dispNaAsBlank val="1"/>
-        </c16r3:dataDisplayOptions16>
-      </c:ext>
-    </c:extLst>
-    <c:showDLblsOverMax val="0"/>
-  </c:chart>
-  <c:spPr>
-    <a:noFill/>
-    <a:ln>
-      <a:noFill/>
-    </a:ln>
-    <a:effectLst/>
-  </c:spPr>
-  <c:txPr>
-    <a:bodyPr/>
-    <a:lstStyle/>
-    <a:p>
-      <a:pPr>
-        <a:defRPr/>
-      </a:pPr>
-      <a:endParaRPr lang="zh-CN"/>
-    </a:p>
-  </c:txPr>
-  <c:externalData r:id="rId3">
-    <c:autoUpdate val="0"/>
-  </c:externalData>
-</c:chartSpace>
+<file path=ppt/charts/colors1.xml><?xml version="1.0" encoding="utf-8"?>
+<cs:colorStyle xmlns:cs="http://schemas.microsoft.com/office/drawing/2012/chartStyle" xmlns:a="http://schemas.openxmlformats.org/drawingml/2006/main" meth="cycle" id="10">
+  <a:schemeClr val="accent1"/>
+  <a:schemeClr val="accent2"/>
+  <a:schemeClr val="accent3"/>
+  <a:schemeClr val="accent4"/>
+  <a:schemeClr val="accent5"/>
+  <a:schemeClr val="accent6"/>
+  <cs:variation/>
+  <cs:variation>
+    <a:lumMod val="60000"/>
+  </cs:variation>
+  <cs:variation>
+    <a:lumMod val="80000"/>
+    <a:lumOff val="20000"/>
+  </cs:variation>
+  <cs:variation>
+    <a:lumMod val="80000"/>
+  </cs:variation>
+  <cs:variation>
+    <a:lumMod val="60000"/>
+    <a:lumOff val="40000"/>
+  </cs:variation>
+  <cs:variation>
+    <a:lumMod val="50000"/>
+  </cs:variation>
+  <cs:variation>
+    <a:lumMod val="70000"/>
+    <a:lumOff val="30000"/>
+  </cs:variation>
+  <cs:variation>
+    <a:lumMod val="70000"/>
+  </cs:variation>
+  <cs:variation>
+    <a:lumMod val="50000"/>
+    <a:lumOff val="50000"/>
+  </cs:variation>
+</cs:colorStyle>
 </file>
 
-<file path=ppt/charts/colors1.xml><?xml version="1.0" encoding="utf-8"?>
+<file path=ppt/charts/colors10.xml><?xml version="1.0" encoding="utf-8"?>
 <cs:colorStyle xmlns:cs="http://schemas.microsoft.com/office/drawing/2012/chartStyle" xmlns:a="http://schemas.openxmlformats.org/drawingml/2006/main" meth="cycle" id="10">
   <a:schemeClr val="accent1"/>
   <a:schemeClr val="accent2"/>
@@ -6687,6 +7746,46 @@
 </cs:colorStyle>
 </file>
 
+<file path=ppt/charts/colors9.xml><?xml version="1.0" encoding="utf-8"?>
+<cs:colorStyle xmlns:cs="http://schemas.microsoft.com/office/drawing/2012/chartStyle" xmlns:a="http://schemas.openxmlformats.org/drawingml/2006/main" meth="cycle" id="10">
+  <a:schemeClr val="accent1"/>
+  <a:schemeClr val="accent2"/>
+  <a:schemeClr val="accent3"/>
+  <a:schemeClr val="accent4"/>
+  <a:schemeClr val="accent5"/>
+  <a:schemeClr val="accent6"/>
+  <cs:variation/>
+  <cs:variation>
+    <a:lumMod val="60000"/>
+  </cs:variation>
+  <cs:variation>
+    <a:lumMod val="80000"/>
+    <a:lumOff val="20000"/>
+  </cs:variation>
+  <cs:variation>
+    <a:lumMod val="80000"/>
+  </cs:variation>
+  <cs:variation>
+    <a:lumMod val="60000"/>
+    <a:lumOff val="40000"/>
+  </cs:variation>
+  <cs:variation>
+    <a:lumMod val="50000"/>
+  </cs:variation>
+  <cs:variation>
+    <a:lumMod val="70000"/>
+    <a:lumOff val="30000"/>
+  </cs:variation>
+  <cs:variation>
+    <a:lumMod val="70000"/>
+  </cs:variation>
+  <cs:variation>
+    <a:lumMod val="50000"/>
+    <a:lumOff val="50000"/>
+  </cs:variation>
+</cs:colorStyle>
+</file>
+
 <file path=ppt/charts/style1.xml><?xml version="1.0" encoding="utf-8"?>
 <cs:chartStyle xmlns:cs="http://schemas.microsoft.com/office/drawing/2012/chartStyle" xmlns:a="http://schemas.openxmlformats.org/drawingml/2006/main" id="201">
   <cs:axisTitle>
@@ -7190,8 +8289,8 @@
 </cs:chartStyle>
 </file>
 
-<file path=ppt/charts/style2.xml><?xml version="1.0" encoding="utf-8"?>
-<cs:chartStyle xmlns:cs="http://schemas.microsoft.com/office/drawing/2012/chartStyle" xmlns:a="http://schemas.openxmlformats.org/drawingml/2006/main" id="201">
+<file path=ppt/charts/style10.xml><?xml version="1.0" encoding="utf-8"?>
+<cs:chartStyle xmlns:cs="http://schemas.microsoft.com/office/drawing/2012/chartStyle" xmlns:a="http://schemas.openxmlformats.org/drawingml/2006/main" id="332">
   <cs:axisTitle>
     <cs:lnRef idx="0"/>
     <cs:fillRef idx="0"/>
@@ -7693,8 +8792,8 @@
 </cs:chartStyle>
 </file>
 
-<file path=ppt/charts/style3.xml><?xml version="1.0" encoding="utf-8"?>
-<cs:chartStyle xmlns:cs="http://schemas.microsoft.com/office/drawing/2012/chartStyle" xmlns:a="http://schemas.openxmlformats.org/drawingml/2006/main" id="332">
+<file path=ppt/charts/style2.xml><?xml version="1.0" encoding="utf-8"?>
+<cs:chartStyle xmlns:cs="http://schemas.microsoft.com/office/drawing/2012/chartStyle" xmlns:a="http://schemas.openxmlformats.org/drawingml/2006/main" id="201">
   <cs:axisTitle>
     <cs:lnRef idx="0"/>
     <cs:fillRef idx="0"/>
@@ -8196,8 +9295,8 @@
 </cs:chartStyle>
 </file>
 
-<file path=ppt/charts/style4.xml><?xml version="1.0" encoding="utf-8"?>
-<cs:chartStyle xmlns:cs="http://schemas.microsoft.com/office/drawing/2012/chartStyle" xmlns:a="http://schemas.openxmlformats.org/drawingml/2006/main" id="332">
+<file path=ppt/charts/style3.xml><?xml version="1.0" encoding="utf-8"?>
+<cs:chartStyle xmlns:cs="http://schemas.microsoft.com/office/drawing/2012/chartStyle" xmlns:a="http://schemas.openxmlformats.org/drawingml/2006/main" id="201">
   <cs:axisTitle>
     <cs:lnRef idx="0"/>
     <cs:fillRef idx="0"/>
@@ -8699,8 +9798,8 @@
 </cs:chartStyle>
 </file>
 
-<file path=ppt/charts/style5.xml><?xml version="1.0" encoding="utf-8"?>
-<cs:chartStyle xmlns:cs="http://schemas.microsoft.com/office/drawing/2012/chartStyle" xmlns:a="http://schemas.openxmlformats.org/drawingml/2006/main" id="332">
+<file path=ppt/charts/style4.xml><?xml version="1.0" encoding="utf-8"?>
+<cs:chartStyle xmlns:cs="http://schemas.microsoft.com/office/drawing/2012/chartStyle" xmlns:a="http://schemas.openxmlformats.org/drawingml/2006/main" id="201">
   <cs:axisTitle>
     <cs:lnRef idx="0"/>
     <cs:fillRef idx="0"/>
@@ -9202,8 +10301,8 @@
 </cs:chartStyle>
 </file>
 
-<file path=ppt/charts/style6.xml><?xml version="1.0" encoding="utf-8"?>
-<cs:chartStyle xmlns:cs="http://schemas.microsoft.com/office/drawing/2012/chartStyle" xmlns:a="http://schemas.openxmlformats.org/drawingml/2006/main" id="332">
+<file path=ppt/charts/style5.xml><?xml version="1.0" encoding="utf-8"?>
+<cs:chartStyle xmlns:cs="http://schemas.microsoft.com/office/drawing/2012/chartStyle" xmlns:a="http://schemas.openxmlformats.org/drawingml/2006/main" id="201">
   <cs:axisTitle>
     <cs:lnRef idx="0"/>
     <cs:fillRef idx="0"/>
@@ -9705,7 +10804,7 @@
 </cs:chartStyle>
 </file>
 
-<file path=ppt/charts/style7.xml><?xml version="1.0" encoding="utf-8"?>
+<file path=ppt/charts/style6.xml><?xml version="1.0" encoding="utf-8"?>
 <cs:chartStyle xmlns:cs="http://schemas.microsoft.com/office/drawing/2012/chartStyle" xmlns:a="http://schemas.openxmlformats.org/drawingml/2006/main" id="332">
   <cs:axisTitle>
     <cs:lnRef idx="0"/>
@@ -10208,7 +11307,1013 @@
 </cs:chartStyle>
 </file>
 
+<file path=ppt/charts/style7.xml><?xml version="1.0" encoding="utf-8"?>
+<cs:chartStyle xmlns:cs="http://schemas.microsoft.com/office/drawing/2012/chartStyle" xmlns:a="http://schemas.openxmlformats.org/drawingml/2006/main" id="332">
+  <cs:axisTitle>
+    <cs:lnRef idx="0"/>
+    <cs:fillRef idx="0"/>
+    <cs:effectRef idx="0"/>
+    <cs:fontRef idx="minor">
+      <a:schemeClr val="tx1">
+        <a:lumMod val="65000"/>
+        <a:lumOff val="35000"/>
+      </a:schemeClr>
+    </cs:fontRef>
+    <cs:defRPr sz="1330" kern="1200"/>
+  </cs:axisTitle>
+  <cs:categoryAxis>
+    <cs:lnRef idx="0"/>
+    <cs:fillRef idx="0"/>
+    <cs:effectRef idx="0"/>
+    <cs:fontRef idx="minor">
+      <a:schemeClr val="tx1">
+        <a:lumMod val="65000"/>
+        <a:lumOff val="35000"/>
+      </a:schemeClr>
+    </cs:fontRef>
+    <cs:spPr>
+      <a:ln w="9525" cap="flat" cmpd="sng" algn="ctr">
+        <a:solidFill>
+          <a:schemeClr val="tx1">
+            <a:lumMod val="15000"/>
+            <a:lumOff val="85000"/>
+          </a:schemeClr>
+        </a:solidFill>
+        <a:round/>
+      </a:ln>
+    </cs:spPr>
+    <cs:defRPr sz="1197" kern="1200"/>
+  </cs:categoryAxis>
+  <cs:chartArea mods="allowNoFillOverride allowNoLineOverride">
+    <cs:lnRef idx="0"/>
+    <cs:fillRef idx="0"/>
+    <cs:effectRef idx="0"/>
+    <cs:fontRef idx="minor">
+      <a:schemeClr val="tx1"/>
+    </cs:fontRef>
+    <cs:spPr>
+      <a:solidFill>
+        <a:schemeClr val="bg1"/>
+      </a:solidFill>
+      <a:ln w="9525" cap="flat" cmpd="sng" algn="ctr">
+        <a:solidFill>
+          <a:schemeClr val="tx1">
+            <a:lumMod val="15000"/>
+            <a:lumOff val="85000"/>
+          </a:schemeClr>
+        </a:solidFill>
+        <a:round/>
+      </a:ln>
+    </cs:spPr>
+    <cs:defRPr sz="1330" kern="1200"/>
+  </cs:chartArea>
+  <cs:dataLabel>
+    <cs:lnRef idx="0"/>
+    <cs:fillRef idx="0"/>
+    <cs:effectRef idx="0"/>
+    <cs:fontRef idx="minor">
+      <a:schemeClr val="tx1">
+        <a:lumMod val="75000"/>
+        <a:lumOff val="25000"/>
+      </a:schemeClr>
+    </cs:fontRef>
+    <cs:defRPr sz="1197" kern="1200"/>
+  </cs:dataLabel>
+  <cs:dataLabelCallout>
+    <cs:lnRef idx="0"/>
+    <cs:fillRef idx="0"/>
+    <cs:effectRef idx="0"/>
+    <cs:fontRef idx="minor">
+      <a:schemeClr val="dk1">
+        <a:lumMod val="65000"/>
+        <a:lumOff val="35000"/>
+      </a:schemeClr>
+    </cs:fontRef>
+    <cs:spPr>
+      <a:solidFill>
+        <a:schemeClr val="lt1"/>
+      </a:solidFill>
+      <a:ln>
+        <a:solidFill>
+          <a:schemeClr val="dk1">
+            <a:lumMod val="25000"/>
+            <a:lumOff val="75000"/>
+          </a:schemeClr>
+        </a:solidFill>
+      </a:ln>
+    </cs:spPr>
+    <cs:defRPr sz="1197" kern="1200"/>
+    <cs:bodyPr rot="0" spcFirstLastPara="1" vertOverflow="clip" horzOverflow="clip" vert="horz" wrap="square" lIns="36576" tIns="18288" rIns="36576" bIns="18288" anchor="ctr" anchorCtr="1">
+      <a:spAutoFit/>
+    </cs:bodyPr>
+  </cs:dataLabelCallout>
+  <cs:dataPoint>
+    <cs:lnRef idx="0"/>
+    <cs:fillRef idx="1">
+      <cs:styleClr val="auto"/>
+    </cs:fillRef>
+    <cs:effectRef idx="0"/>
+    <cs:fontRef idx="minor">
+      <a:schemeClr val="tx1"/>
+    </cs:fontRef>
+  </cs:dataPoint>
+  <cs:dataPoint3D>
+    <cs:lnRef idx="0"/>
+    <cs:fillRef idx="1">
+      <cs:styleClr val="auto"/>
+    </cs:fillRef>
+    <cs:effectRef idx="0"/>
+    <cs:fontRef idx="minor">
+      <a:schemeClr val="tx1"/>
+    </cs:fontRef>
+  </cs:dataPoint3D>
+  <cs:dataPointLine>
+    <cs:lnRef idx="0">
+      <cs:styleClr val="auto"/>
+    </cs:lnRef>
+    <cs:fillRef idx="1"/>
+    <cs:effectRef idx="0"/>
+    <cs:fontRef idx="minor">
+      <a:schemeClr val="tx1"/>
+    </cs:fontRef>
+    <cs:spPr>
+      <a:ln w="28575" cap="rnd">
+        <a:solidFill>
+          <a:schemeClr val="phClr"/>
+        </a:solidFill>
+        <a:round/>
+      </a:ln>
+    </cs:spPr>
+  </cs:dataPointLine>
+  <cs:dataPointMarker>
+    <cs:lnRef idx="0">
+      <cs:styleClr val="auto"/>
+    </cs:lnRef>
+    <cs:fillRef idx="1">
+      <cs:styleClr val="auto"/>
+    </cs:fillRef>
+    <cs:effectRef idx="0"/>
+    <cs:fontRef idx="minor">
+      <a:schemeClr val="tx1"/>
+    </cs:fontRef>
+    <cs:spPr>
+      <a:ln w="9525">
+        <a:solidFill>
+          <a:schemeClr val="phClr"/>
+        </a:solidFill>
+      </a:ln>
+    </cs:spPr>
+  </cs:dataPointMarker>
+  <cs:dataPointMarkerLayout symbol="circle" size="5"/>
+  <cs:dataPointWireframe>
+    <cs:lnRef idx="0">
+      <cs:styleClr val="auto"/>
+    </cs:lnRef>
+    <cs:fillRef idx="1"/>
+    <cs:effectRef idx="0"/>
+    <cs:fontRef idx="minor">
+      <a:schemeClr val="tx1"/>
+    </cs:fontRef>
+    <cs:spPr>
+      <a:ln w="9525" cap="rnd">
+        <a:solidFill>
+          <a:schemeClr val="phClr"/>
+        </a:solidFill>
+        <a:round/>
+      </a:ln>
+    </cs:spPr>
+  </cs:dataPointWireframe>
+  <cs:dataTable>
+    <cs:lnRef idx="0"/>
+    <cs:fillRef idx="0"/>
+    <cs:effectRef idx="0"/>
+    <cs:fontRef idx="minor">
+      <a:schemeClr val="tx1">
+        <a:lumMod val="65000"/>
+        <a:lumOff val="35000"/>
+      </a:schemeClr>
+    </cs:fontRef>
+    <cs:spPr>
+      <a:noFill/>
+      <a:ln w="9525" cap="flat" cmpd="sng" algn="ctr">
+        <a:solidFill>
+          <a:schemeClr val="tx1">
+            <a:lumMod val="15000"/>
+            <a:lumOff val="85000"/>
+          </a:schemeClr>
+        </a:solidFill>
+        <a:round/>
+      </a:ln>
+    </cs:spPr>
+    <cs:defRPr sz="1197" kern="1200"/>
+  </cs:dataTable>
+  <cs:downBar>
+    <cs:lnRef idx="0"/>
+    <cs:fillRef idx="0"/>
+    <cs:effectRef idx="0"/>
+    <cs:fontRef idx="minor">
+      <a:schemeClr val="dk1"/>
+    </cs:fontRef>
+    <cs:spPr>
+      <a:solidFill>
+        <a:schemeClr val="dk1">
+          <a:lumMod val="65000"/>
+          <a:lumOff val="35000"/>
+        </a:schemeClr>
+      </a:solidFill>
+      <a:ln w="9525">
+        <a:solidFill>
+          <a:schemeClr val="tx1">
+            <a:lumMod val="65000"/>
+            <a:lumOff val="35000"/>
+          </a:schemeClr>
+        </a:solidFill>
+      </a:ln>
+    </cs:spPr>
+  </cs:downBar>
+  <cs:dropLine>
+    <cs:lnRef idx="0"/>
+    <cs:fillRef idx="0"/>
+    <cs:effectRef idx="0"/>
+    <cs:fontRef idx="minor">
+      <a:schemeClr val="tx1"/>
+    </cs:fontRef>
+    <cs:spPr>
+      <a:ln w="9525" cap="flat" cmpd="sng" algn="ctr">
+        <a:solidFill>
+          <a:schemeClr val="tx1">
+            <a:lumMod val="35000"/>
+            <a:lumOff val="65000"/>
+          </a:schemeClr>
+        </a:solidFill>
+        <a:round/>
+      </a:ln>
+    </cs:spPr>
+  </cs:dropLine>
+  <cs:errorBar>
+    <cs:lnRef idx="0"/>
+    <cs:fillRef idx="0"/>
+    <cs:effectRef idx="0"/>
+    <cs:fontRef idx="minor">
+      <a:schemeClr val="tx1"/>
+    </cs:fontRef>
+    <cs:spPr>
+      <a:ln w="9525" cap="flat" cmpd="sng" algn="ctr">
+        <a:solidFill>
+          <a:schemeClr val="tx1">
+            <a:lumMod val="65000"/>
+            <a:lumOff val="35000"/>
+          </a:schemeClr>
+        </a:solidFill>
+        <a:round/>
+      </a:ln>
+    </cs:spPr>
+  </cs:errorBar>
+  <cs:floor>
+    <cs:lnRef idx="0"/>
+    <cs:fillRef idx="0"/>
+    <cs:effectRef idx="0"/>
+    <cs:fontRef idx="minor">
+      <a:schemeClr val="tx1"/>
+    </cs:fontRef>
+    <cs:spPr>
+      <a:noFill/>
+      <a:ln>
+        <a:noFill/>
+      </a:ln>
+    </cs:spPr>
+  </cs:floor>
+  <cs:gridlineMajor>
+    <cs:lnRef idx="0"/>
+    <cs:fillRef idx="0"/>
+    <cs:effectRef idx="0"/>
+    <cs:fontRef idx="minor">
+      <a:schemeClr val="tx1"/>
+    </cs:fontRef>
+    <cs:spPr>
+      <a:ln w="9525" cap="flat" cmpd="sng" algn="ctr">
+        <a:solidFill>
+          <a:schemeClr val="tx1">
+            <a:lumMod val="15000"/>
+            <a:lumOff val="85000"/>
+          </a:schemeClr>
+        </a:solidFill>
+        <a:round/>
+      </a:ln>
+    </cs:spPr>
+  </cs:gridlineMajor>
+  <cs:gridlineMinor>
+    <cs:lnRef idx="0"/>
+    <cs:fillRef idx="0"/>
+    <cs:effectRef idx="0"/>
+    <cs:fontRef idx="minor">
+      <a:schemeClr val="tx1"/>
+    </cs:fontRef>
+    <cs:spPr>
+      <a:ln w="9525" cap="flat" cmpd="sng" algn="ctr">
+        <a:solidFill>
+          <a:schemeClr val="tx1">
+            <a:lumMod val="5000"/>
+            <a:lumOff val="95000"/>
+          </a:schemeClr>
+        </a:solidFill>
+        <a:round/>
+      </a:ln>
+    </cs:spPr>
+  </cs:gridlineMinor>
+  <cs:hiLoLine>
+    <cs:lnRef idx="0"/>
+    <cs:fillRef idx="0"/>
+    <cs:effectRef idx="0"/>
+    <cs:fontRef idx="minor">
+      <a:schemeClr val="tx1"/>
+    </cs:fontRef>
+    <cs:spPr>
+      <a:ln w="9525" cap="flat" cmpd="sng" algn="ctr">
+        <a:solidFill>
+          <a:schemeClr val="tx1">
+            <a:lumMod val="75000"/>
+            <a:lumOff val="25000"/>
+          </a:schemeClr>
+        </a:solidFill>
+        <a:round/>
+      </a:ln>
+    </cs:spPr>
+  </cs:hiLoLine>
+  <cs:leaderLine>
+    <cs:lnRef idx="0"/>
+    <cs:fillRef idx="0"/>
+    <cs:effectRef idx="0"/>
+    <cs:fontRef idx="minor">
+      <a:schemeClr val="tx1"/>
+    </cs:fontRef>
+    <cs:spPr>
+      <a:ln w="9525" cap="flat" cmpd="sng" algn="ctr">
+        <a:solidFill>
+          <a:schemeClr val="tx1">
+            <a:lumMod val="35000"/>
+            <a:lumOff val="65000"/>
+          </a:schemeClr>
+        </a:solidFill>
+        <a:round/>
+      </a:ln>
+    </cs:spPr>
+  </cs:leaderLine>
+  <cs:legend>
+    <cs:lnRef idx="0"/>
+    <cs:fillRef idx="0"/>
+    <cs:effectRef idx="0"/>
+    <cs:fontRef idx="minor">
+      <a:schemeClr val="tx1">
+        <a:lumMod val="65000"/>
+        <a:lumOff val="35000"/>
+      </a:schemeClr>
+    </cs:fontRef>
+    <cs:defRPr sz="1197" kern="1200"/>
+  </cs:legend>
+  <cs:plotArea mods="allowNoFillOverride allowNoLineOverride">
+    <cs:lnRef idx="0"/>
+    <cs:fillRef idx="0"/>
+    <cs:effectRef idx="0"/>
+    <cs:fontRef idx="minor">
+      <a:schemeClr val="tx1"/>
+    </cs:fontRef>
+  </cs:plotArea>
+  <cs:plotArea3D mods="allowNoFillOverride allowNoLineOverride">
+    <cs:lnRef idx="0"/>
+    <cs:fillRef idx="0"/>
+    <cs:effectRef idx="0"/>
+    <cs:fontRef idx="minor">
+      <a:schemeClr val="tx1"/>
+    </cs:fontRef>
+  </cs:plotArea3D>
+  <cs:seriesAxis>
+    <cs:lnRef idx="0"/>
+    <cs:fillRef idx="0"/>
+    <cs:effectRef idx="0"/>
+    <cs:fontRef idx="minor">
+      <a:schemeClr val="tx1">
+        <a:lumMod val="65000"/>
+        <a:lumOff val="35000"/>
+      </a:schemeClr>
+    </cs:fontRef>
+    <cs:defRPr sz="1197" kern="1200"/>
+  </cs:seriesAxis>
+  <cs:seriesLine>
+    <cs:lnRef idx="0"/>
+    <cs:fillRef idx="0"/>
+    <cs:effectRef idx="0"/>
+    <cs:fontRef idx="minor">
+      <a:schemeClr val="tx1"/>
+    </cs:fontRef>
+    <cs:spPr>
+      <a:ln w="9525" cap="flat" cmpd="sng" algn="ctr">
+        <a:solidFill>
+          <a:schemeClr val="tx1">
+            <a:lumMod val="35000"/>
+            <a:lumOff val="65000"/>
+          </a:schemeClr>
+        </a:solidFill>
+        <a:round/>
+      </a:ln>
+    </cs:spPr>
+  </cs:seriesLine>
+  <cs:title>
+    <cs:lnRef idx="0"/>
+    <cs:fillRef idx="0"/>
+    <cs:effectRef idx="0"/>
+    <cs:fontRef idx="minor">
+      <a:schemeClr val="tx1">
+        <a:lumMod val="65000"/>
+        <a:lumOff val="35000"/>
+      </a:schemeClr>
+    </cs:fontRef>
+    <cs:defRPr sz="1862" b="0" kern="1200" spc="0" baseline="0"/>
+  </cs:title>
+  <cs:trendline>
+    <cs:lnRef idx="0">
+      <cs:styleClr val="auto"/>
+    </cs:lnRef>
+    <cs:fillRef idx="0"/>
+    <cs:effectRef idx="0"/>
+    <cs:fontRef idx="minor">
+      <a:schemeClr val="tx1"/>
+    </cs:fontRef>
+    <cs:spPr>
+      <a:ln w="19050" cap="rnd">
+        <a:solidFill>
+          <a:schemeClr val="phClr"/>
+        </a:solidFill>
+        <a:prstDash val="sysDot"/>
+      </a:ln>
+    </cs:spPr>
+  </cs:trendline>
+  <cs:trendlineLabel>
+    <cs:lnRef idx="0"/>
+    <cs:fillRef idx="0"/>
+    <cs:effectRef idx="0"/>
+    <cs:fontRef idx="minor">
+      <a:schemeClr val="tx1">
+        <a:lumMod val="65000"/>
+        <a:lumOff val="35000"/>
+      </a:schemeClr>
+    </cs:fontRef>
+    <cs:defRPr sz="1197" kern="1200"/>
+  </cs:trendlineLabel>
+  <cs:upBar>
+    <cs:lnRef idx="0"/>
+    <cs:fillRef idx="0"/>
+    <cs:effectRef idx="0"/>
+    <cs:fontRef idx="minor">
+      <a:schemeClr val="dk1"/>
+    </cs:fontRef>
+    <cs:spPr>
+      <a:solidFill>
+        <a:schemeClr val="lt1"/>
+      </a:solidFill>
+      <a:ln w="9525">
+        <a:solidFill>
+          <a:schemeClr val="tx1">
+            <a:lumMod val="15000"/>
+            <a:lumOff val="85000"/>
+          </a:schemeClr>
+        </a:solidFill>
+      </a:ln>
+    </cs:spPr>
+  </cs:upBar>
+  <cs:valueAxis>
+    <cs:lnRef idx="0"/>
+    <cs:fillRef idx="0"/>
+    <cs:effectRef idx="0"/>
+    <cs:fontRef idx="minor">
+      <a:schemeClr val="tx1">
+        <a:lumMod val="65000"/>
+        <a:lumOff val="35000"/>
+      </a:schemeClr>
+    </cs:fontRef>
+    <cs:defRPr sz="1197" kern="1200"/>
+  </cs:valueAxis>
+  <cs:wall>
+    <cs:lnRef idx="0"/>
+    <cs:fillRef idx="0"/>
+    <cs:effectRef idx="0"/>
+    <cs:fontRef idx="minor">
+      <a:schemeClr val="tx1"/>
+    </cs:fontRef>
+    <cs:spPr>
+      <a:noFill/>
+      <a:ln>
+        <a:noFill/>
+      </a:ln>
+    </cs:spPr>
+  </cs:wall>
+</cs:chartStyle>
+</file>
+
 <file path=ppt/charts/style8.xml><?xml version="1.0" encoding="utf-8"?>
+<cs:chartStyle xmlns:cs="http://schemas.microsoft.com/office/drawing/2012/chartStyle" xmlns:a="http://schemas.openxmlformats.org/drawingml/2006/main" id="332">
+  <cs:axisTitle>
+    <cs:lnRef idx="0"/>
+    <cs:fillRef idx="0"/>
+    <cs:effectRef idx="0"/>
+    <cs:fontRef idx="minor">
+      <a:schemeClr val="tx1">
+        <a:lumMod val="65000"/>
+        <a:lumOff val="35000"/>
+      </a:schemeClr>
+    </cs:fontRef>
+    <cs:defRPr sz="1330" kern="1200"/>
+  </cs:axisTitle>
+  <cs:categoryAxis>
+    <cs:lnRef idx="0"/>
+    <cs:fillRef idx="0"/>
+    <cs:effectRef idx="0"/>
+    <cs:fontRef idx="minor">
+      <a:schemeClr val="tx1">
+        <a:lumMod val="65000"/>
+        <a:lumOff val="35000"/>
+      </a:schemeClr>
+    </cs:fontRef>
+    <cs:spPr>
+      <a:ln w="9525" cap="flat" cmpd="sng" algn="ctr">
+        <a:solidFill>
+          <a:schemeClr val="tx1">
+            <a:lumMod val="15000"/>
+            <a:lumOff val="85000"/>
+          </a:schemeClr>
+        </a:solidFill>
+        <a:round/>
+      </a:ln>
+    </cs:spPr>
+    <cs:defRPr sz="1197" kern="1200"/>
+  </cs:categoryAxis>
+  <cs:chartArea mods="allowNoFillOverride allowNoLineOverride">
+    <cs:lnRef idx="0"/>
+    <cs:fillRef idx="0"/>
+    <cs:effectRef idx="0"/>
+    <cs:fontRef idx="minor">
+      <a:schemeClr val="tx1"/>
+    </cs:fontRef>
+    <cs:spPr>
+      <a:solidFill>
+        <a:schemeClr val="bg1"/>
+      </a:solidFill>
+      <a:ln w="9525" cap="flat" cmpd="sng" algn="ctr">
+        <a:solidFill>
+          <a:schemeClr val="tx1">
+            <a:lumMod val="15000"/>
+            <a:lumOff val="85000"/>
+          </a:schemeClr>
+        </a:solidFill>
+        <a:round/>
+      </a:ln>
+    </cs:spPr>
+    <cs:defRPr sz="1330" kern="1200"/>
+  </cs:chartArea>
+  <cs:dataLabel>
+    <cs:lnRef idx="0"/>
+    <cs:fillRef idx="0"/>
+    <cs:effectRef idx="0"/>
+    <cs:fontRef idx="minor">
+      <a:schemeClr val="tx1">
+        <a:lumMod val="75000"/>
+        <a:lumOff val="25000"/>
+      </a:schemeClr>
+    </cs:fontRef>
+    <cs:defRPr sz="1197" kern="1200"/>
+  </cs:dataLabel>
+  <cs:dataLabelCallout>
+    <cs:lnRef idx="0"/>
+    <cs:fillRef idx="0"/>
+    <cs:effectRef idx="0"/>
+    <cs:fontRef idx="minor">
+      <a:schemeClr val="dk1">
+        <a:lumMod val="65000"/>
+        <a:lumOff val="35000"/>
+      </a:schemeClr>
+    </cs:fontRef>
+    <cs:spPr>
+      <a:solidFill>
+        <a:schemeClr val="lt1"/>
+      </a:solidFill>
+      <a:ln>
+        <a:solidFill>
+          <a:schemeClr val="dk1">
+            <a:lumMod val="25000"/>
+            <a:lumOff val="75000"/>
+          </a:schemeClr>
+        </a:solidFill>
+      </a:ln>
+    </cs:spPr>
+    <cs:defRPr sz="1197" kern="1200"/>
+    <cs:bodyPr rot="0" spcFirstLastPara="1" vertOverflow="clip" horzOverflow="clip" vert="horz" wrap="square" lIns="36576" tIns="18288" rIns="36576" bIns="18288" anchor="ctr" anchorCtr="1">
+      <a:spAutoFit/>
+    </cs:bodyPr>
+  </cs:dataLabelCallout>
+  <cs:dataPoint>
+    <cs:lnRef idx="0"/>
+    <cs:fillRef idx="1">
+      <cs:styleClr val="auto"/>
+    </cs:fillRef>
+    <cs:effectRef idx="0"/>
+    <cs:fontRef idx="minor">
+      <a:schemeClr val="tx1"/>
+    </cs:fontRef>
+  </cs:dataPoint>
+  <cs:dataPoint3D>
+    <cs:lnRef idx="0"/>
+    <cs:fillRef idx="1">
+      <cs:styleClr val="auto"/>
+    </cs:fillRef>
+    <cs:effectRef idx="0"/>
+    <cs:fontRef idx="minor">
+      <a:schemeClr val="tx1"/>
+    </cs:fontRef>
+  </cs:dataPoint3D>
+  <cs:dataPointLine>
+    <cs:lnRef idx="0">
+      <cs:styleClr val="auto"/>
+    </cs:lnRef>
+    <cs:fillRef idx="1"/>
+    <cs:effectRef idx="0"/>
+    <cs:fontRef idx="minor">
+      <a:schemeClr val="tx1"/>
+    </cs:fontRef>
+    <cs:spPr>
+      <a:ln w="28575" cap="rnd">
+        <a:solidFill>
+          <a:schemeClr val="phClr"/>
+        </a:solidFill>
+        <a:round/>
+      </a:ln>
+    </cs:spPr>
+  </cs:dataPointLine>
+  <cs:dataPointMarker>
+    <cs:lnRef idx="0">
+      <cs:styleClr val="auto"/>
+    </cs:lnRef>
+    <cs:fillRef idx="1">
+      <cs:styleClr val="auto"/>
+    </cs:fillRef>
+    <cs:effectRef idx="0"/>
+    <cs:fontRef idx="minor">
+      <a:schemeClr val="tx1"/>
+    </cs:fontRef>
+    <cs:spPr>
+      <a:ln w="9525">
+        <a:solidFill>
+          <a:schemeClr val="phClr"/>
+        </a:solidFill>
+      </a:ln>
+    </cs:spPr>
+  </cs:dataPointMarker>
+  <cs:dataPointMarkerLayout symbol="circle" size="5"/>
+  <cs:dataPointWireframe>
+    <cs:lnRef idx="0">
+      <cs:styleClr val="auto"/>
+    </cs:lnRef>
+    <cs:fillRef idx="1"/>
+    <cs:effectRef idx="0"/>
+    <cs:fontRef idx="minor">
+      <a:schemeClr val="tx1"/>
+    </cs:fontRef>
+    <cs:spPr>
+      <a:ln w="9525" cap="rnd">
+        <a:solidFill>
+          <a:schemeClr val="phClr"/>
+        </a:solidFill>
+        <a:round/>
+      </a:ln>
+    </cs:spPr>
+  </cs:dataPointWireframe>
+  <cs:dataTable>
+    <cs:lnRef idx="0"/>
+    <cs:fillRef idx="0"/>
+    <cs:effectRef idx="0"/>
+    <cs:fontRef idx="minor">
+      <a:schemeClr val="tx1">
+        <a:lumMod val="65000"/>
+        <a:lumOff val="35000"/>
+      </a:schemeClr>
+    </cs:fontRef>
+    <cs:spPr>
+      <a:noFill/>
+      <a:ln w="9525" cap="flat" cmpd="sng" algn="ctr">
+        <a:solidFill>
+          <a:schemeClr val="tx1">
+            <a:lumMod val="15000"/>
+            <a:lumOff val="85000"/>
+          </a:schemeClr>
+        </a:solidFill>
+        <a:round/>
+      </a:ln>
+    </cs:spPr>
+    <cs:defRPr sz="1197" kern="1200"/>
+  </cs:dataTable>
+  <cs:downBar>
+    <cs:lnRef idx="0"/>
+    <cs:fillRef idx="0"/>
+    <cs:effectRef idx="0"/>
+    <cs:fontRef idx="minor">
+      <a:schemeClr val="dk1"/>
+    </cs:fontRef>
+    <cs:spPr>
+      <a:solidFill>
+        <a:schemeClr val="dk1">
+          <a:lumMod val="65000"/>
+          <a:lumOff val="35000"/>
+        </a:schemeClr>
+      </a:solidFill>
+      <a:ln w="9525">
+        <a:solidFill>
+          <a:schemeClr val="tx1">
+            <a:lumMod val="65000"/>
+            <a:lumOff val="35000"/>
+          </a:schemeClr>
+        </a:solidFill>
+      </a:ln>
+    </cs:spPr>
+  </cs:downBar>
+  <cs:dropLine>
+    <cs:lnRef idx="0"/>
+    <cs:fillRef idx="0"/>
+    <cs:effectRef idx="0"/>
+    <cs:fontRef idx="minor">
+      <a:schemeClr val="tx1"/>
+    </cs:fontRef>
+    <cs:spPr>
+      <a:ln w="9525" cap="flat" cmpd="sng" algn="ctr">
+        <a:solidFill>
+          <a:schemeClr val="tx1">
+            <a:lumMod val="35000"/>
+            <a:lumOff val="65000"/>
+          </a:schemeClr>
+        </a:solidFill>
+        <a:round/>
+      </a:ln>
+    </cs:spPr>
+  </cs:dropLine>
+  <cs:errorBar>
+    <cs:lnRef idx="0"/>
+    <cs:fillRef idx="0"/>
+    <cs:effectRef idx="0"/>
+    <cs:fontRef idx="minor">
+      <a:schemeClr val="tx1"/>
+    </cs:fontRef>
+    <cs:spPr>
+      <a:ln w="9525" cap="flat" cmpd="sng" algn="ctr">
+        <a:solidFill>
+          <a:schemeClr val="tx1">
+            <a:lumMod val="65000"/>
+            <a:lumOff val="35000"/>
+          </a:schemeClr>
+        </a:solidFill>
+        <a:round/>
+      </a:ln>
+    </cs:spPr>
+  </cs:errorBar>
+  <cs:floor>
+    <cs:lnRef idx="0"/>
+    <cs:fillRef idx="0"/>
+    <cs:effectRef idx="0"/>
+    <cs:fontRef idx="minor">
+      <a:schemeClr val="tx1"/>
+    </cs:fontRef>
+    <cs:spPr>
+      <a:noFill/>
+      <a:ln>
+        <a:noFill/>
+      </a:ln>
+    </cs:spPr>
+  </cs:floor>
+  <cs:gridlineMajor>
+    <cs:lnRef idx="0"/>
+    <cs:fillRef idx="0"/>
+    <cs:effectRef idx="0"/>
+    <cs:fontRef idx="minor">
+      <a:schemeClr val="tx1"/>
+    </cs:fontRef>
+    <cs:spPr>
+      <a:ln w="9525" cap="flat" cmpd="sng" algn="ctr">
+        <a:solidFill>
+          <a:schemeClr val="tx1">
+            <a:lumMod val="15000"/>
+            <a:lumOff val="85000"/>
+          </a:schemeClr>
+        </a:solidFill>
+        <a:round/>
+      </a:ln>
+    </cs:spPr>
+  </cs:gridlineMajor>
+  <cs:gridlineMinor>
+    <cs:lnRef idx="0"/>
+    <cs:fillRef idx="0"/>
+    <cs:effectRef idx="0"/>
+    <cs:fontRef idx="minor">
+      <a:schemeClr val="tx1"/>
+    </cs:fontRef>
+    <cs:spPr>
+      <a:ln w="9525" cap="flat" cmpd="sng" algn="ctr">
+        <a:solidFill>
+          <a:schemeClr val="tx1">
+            <a:lumMod val="5000"/>
+            <a:lumOff val="95000"/>
+          </a:schemeClr>
+        </a:solidFill>
+        <a:round/>
+      </a:ln>
+    </cs:spPr>
+  </cs:gridlineMinor>
+  <cs:hiLoLine>
+    <cs:lnRef idx="0"/>
+    <cs:fillRef idx="0"/>
+    <cs:effectRef idx="0"/>
+    <cs:fontRef idx="minor">
+      <a:schemeClr val="tx1"/>
+    </cs:fontRef>
+    <cs:spPr>
+      <a:ln w="9525" cap="flat" cmpd="sng" algn="ctr">
+        <a:solidFill>
+          <a:schemeClr val="tx1">
+            <a:lumMod val="75000"/>
+            <a:lumOff val="25000"/>
+          </a:schemeClr>
+        </a:solidFill>
+        <a:round/>
+      </a:ln>
+    </cs:spPr>
+  </cs:hiLoLine>
+  <cs:leaderLine>
+    <cs:lnRef idx="0"/>
+    <cs:fillRef idx="0"/>
+    <cs:effectRef idx="0"/>
+    <cs:fontRef idx="minor">
+      <a:schemeClr val="tx1"/>
+    </cs:fontRef>
+    <cs:spPr>
+      <a:ln w="9525" cap="flat" cmpd="sng" algn="ctr">
+        <a:solidFill>
+          <a:schemeClr val="tx1">
+            <a:lumMod val="35000"/>
+            <a:lumOff val="65000"/>
+          </a:schemeClr>
+        </a:solidFill>
+        <a:round/>
+      </a:ln>
+    </cs:spPr>
+  </cs:leaderLine>
+  <cs:legend>
+    <cs:lnRef idx="0"/>
+    <cs:fillRef idx="0"/>
+    <cs:effectRef idx="0"/>
+    <cs:fontRef idx="minor">
+      <a:schemeClr val="tx1">
+        <a:lumMod val="65000"/>
+        <a:lumOff val="35000"/>
+      </a:schemeClr>
+    </cs:fontRef>
+    <cs:defRPr sz="1197" kern="1200"/>
+  </cs:legend>
+  <cs:plotArea mods="allowNoFillOverride allowNoLineOverride">
+    <cs:lnRef idx="0"/>
+    <cs:fillRef idx="0"/>
+    <cs:effectRef idx="0"/>
+    <cs:fontRef idx="minor">
+      <a:schemeClr val="tx1"/>
+    </cs:fontRef>
+  </cs:plotArea>
+  <cs:plotArea3D mods="allowNoFillOverride allowNoLineOverride">
+    <cs:lnRef idx="0"/>
+    <cs:fillRef idx="0"/>
+    <cs:effectRef idx="0"/>
+    <cs:fontRef idx="minor">
+      <a:schemeClr val="tx1"/>
+    </cs:fontRef>
+  </cs:plotArea3D>
+  <cs:seriesAxis>
+    <cs:lnRef idx="0"/>
+    <cs:fillRef idx="0"/>
+    <cs:effectRef idx="0"/>
+    <cs:fontRef idx="minor">
+      <a:schemeClr val="tx1">
+        <a:lumMod val="65000"/>
+        <a:lumOff val="35000"/>
+      </a:schemeClr>
+    </cs:fontRef>
+    <cs:defRPr sz="1197" kern="1200"/>
+  </cs:seriesAxis>
+  <cs:seriesLine>
+    <cs:lnRef idx="0"/>
+    <cs:fillRef idx="0"/>
+    <cs:effectRef idx="0"/>
+    <cs:fontRef idx="minor">
+      <a:schemeClr val="tx1"/>
+    </cs:fontRef>
+    <cs:spPr>
+      <a:ln w="9525" cap="flat" cmpd="sng" algn="ctr">
+        <a:solidFill>
+          <a:schemeClr val="tx1">
+            <a:lumMod val="35000"/>
+            <a:lumOff val="65000"/>
+          </a:schemeClr>
+        </a:solidFill>
+        <a:round/>
+      </a:ln>
+    </cs:spPr>
+  </cs:seriesLine>
+  <cs:title>
+    <cs:lnRef idx="0"/>
+    <cs:fillRef idx="0"/>
+    <cs:effectRef idx="0"/>
+    <cs:fontRef idx="minor">
+      <a:schemeClr val="tx1">
+        <a:lumMod val="65000"/>
+        <a:lumOff val="35000"/>
+      </a:schemeClr>
+    </cs:fontRef>
+    <cs:defRPr sz="1862" b="0" kern="1200" spc="0" baseline="0"/>
+  </cs:title>
+  <cs:trendline>
+    <cs:lnRef idx="0">
+      <cs:styleClr val="auto"/>
+    </cs:lnRef>
+    <cs:fillRef idx="0"/>
+    <cs:effectRef idx="0"/>
+    <cs:fontRef idx="minor">
+      <a:schemeClr val="tx1"/>
+    </cs:fontRef>
+    <cs:spPr>
+      <a:ln w="19050" cap="rnd">
+        <a:solidFill>
+          <a:schemeClr val="phClr"/>
+        </a:solidFill>
+        <a:prstDash val="sysDot"/>
+      </a:ln>
+    </cs:spPr>
+  </cs:trendline>
+  <cs:trendlineLabel>
+    <cs:lnRef idx="0"/>
+    <cs:fillRef idx="0"/>
+    <cs:effectRef idx="0"/>
+    <cs:fontRef idx="minor">
+      <a:schemeClr val="tx1">
+        <a:lumMod val="65000"/>
+        <a:lumOff val="35000"/>
+      </a:schemeClr>
+    </cs:fontRef>
+    <cs:defRPr sz="1197" kern="1200"/>
+  </cs:trendlineLabel>
+  <cs:upBar>
+    <cs:lnRef idx="0"/>
+    <cs:fillRef idx="0"/>
+    <cs:effectRef idx="0"/>
+    <cs:fontRef idx="minor">
+      <a:schemeClr val="dk1"/>
+    </cs:fontRef>
+    <cs:spPr>
+      <a:solidFill>
+        <a:schemeClr val="lt1"/>
+      </a:solidFill>
+      <a:ln w="9525">
+        <a:solidFill>
+          <a:schemeClr val="tx1">
+            <a:lumMod val="15000"/>
+            <a:lumOff val="85000"/>
+          </a:schemeClr>
+        </a:solidFill>
+      </a:ln>
+    </cs:spPr>
+  </cs:upBar>
+  <cs:valueAxis>
+    <cs:lnRef idx="0"/>
+    <cs:fillRef idx="0"/>
+    <cs:effectRef idx="0"/>
+    <cs:fontRef idx="minor">
+      <a:schemeClr val="tx1">
+        <a:lumMod val="65000"/>
+        <a:lumOff val="35000"/>
+      </a:schemeClr>
+    </cs:fontRef>
+    <cs:defRPr sz="1197" kern="1200"/>
+  </cs:valueAxis>
+  <cs:wall>
+    <cs:lnRef idx="0"/>
+    <cs:fillRef idx="0"/>
+    <cs:effectRef idx="0"/>
+    <cs:fontRef idx="minor">
+      <a:schemeClr val="tx1"/>
+    </cs:fontRef>
+    <cs:spPr>
+      <a:noFill/>
+      <a:ln>
+        <a:noFill/>
+      </a:ln>
+    </cs:spPr>
+  </cs:wall>
+</cs:chartStyle>
+</file>
+
+<file path=ppt/charts/style9.xml><?xml version="1.0" encoding="utf-8"?>
 <cs:chartStyle xmlns:cs="http://schemas.microsoft.com/office/drawing/2012/chartStyle" xmlns:a="http://schemas.openxmlformats.org/drawingml/2006/main" id="332">
   <cs:axisTitle>
     <cs:lnRef idx="0"/>
@@ -10858,7 +12963,7 @@
           <a:p>
             <a:fld id="{6E32041F-90A9-43AC-BA84-51679D74BBBF}" type="datetimeFigureOut">
               <a:rPr lang="zh-CN" altLang="en-US" smtClean="0"/>
-              <a:t>2020/5/16</a:t>
+              <a:t>2020/5/20</a:t>
             </a:fld>
             <a:endParaRPr lang="zh-CN" altLang="en-US"/>
           </a:p>
@@ -11056,7 +13161,7 @@
           <a:p>
             <a:fld id="{6E32041F-90A9-43AC-BA84-51679D74BBBF}" type="datetimeFigureOut">
               <a:rPr lang="zh-CN" altLang="en-US" smtClean="0"/>
-              <a:t>2020/5/16</a:t>
+              <a:t>2020/5/20</a:t>
             </a:fld>
             <a:endParaRPr lang="zh-CN" altLang="en-US"/>
           </a:p>
@@ -11264,7 +13369,7 @@
           <a:p>
             <a:fld id="{6E32041F-90A9-43AC-BA84-51679D74BBBF}" type="datetimeFigureOut">
               <a:rPr lang="zh-CN" altLang="en-US" smtClean="0"/>
-              <a:t>2020/5/16</a:t>
+              <a:t>2020/5/20</a:t>
             </a:fld>
             <a:endParaRPr lang="zh-CN" altLang="en-US"/>
           </a:p>
@@ -11462,7 +13567,7 @@
           <a:p>
             <a:fld id="{6E32041F-90A9-43AC-BA84-51679D74BBBF}" type="datetimeFigureOut">
               <a:rPr lang="zh-CN" altLang="en-US" smtClean="0"/>
-              <a:t>2020/5/16</a:t>
+              <a:t>2020/5/20</a:t>
             </a:fld>
             <a:endParaRPr lang="zh-CN" altLang="en-US"/>
           </a:p>
@@ -11737,7 +13842,7 @@
           <a:p>
             <a:fld id="{6E32041F-90A9-43AC-BA84-51679D74BBBF}" type="datetimeFigureOut">
               <a:rPr lang="zh-CN" altLang="en-US" smtClean="0"/>
-              <a:t>2020/5/16</a:t>
+              <a:t>2020/5/20</a:t>
             </a:fld>
             <a:endParaRPr lang="zh-CN" altLang="en-US"/>
           </a:p>
@@ -12002,7 +14107,7 @@
           <a:p>
             <a:fld id="{6E32041F-90A9-43AC-BA84-51679D74BBBF}" type="datetimeFigureOut">
               <a:rPr lang="zh-CN" altLang="en-US" smtClean="0"/>
-              <a:t>2020/5/16</a:t>
+              <a:t>2020/5/20</a:t>
             </a:fld>
             <a:endParaRPr lang="zh-CN" altLang="en-US"/>
           </a:p>
@@ -12414,7 +14519,7 @@
           <a:p>
             <a:fld id="{6E32041F-90A9-43AC-BA84-51679D74BBBF}" type="datetimeFigureOut">
               <a:rPr lang="zh-CN" altLang="en-US" smtClean="0"/>
-              <a:t>2020/5/16</a:t>
+              <a:t>2020/5/20</a:t>
             </a:fld>
             <a:endParaRPr lang="zh-CN" altLang="en-US"/>
           </a:p>
@@ -12555,7 +14660,7 @@
           <a:p>
             <a:fld id="{6E32041F-90A9-43AC-BA84-51679D74BBBF}" type="datetimeFigureOut">
               <a:rPr lang="zh-CN" altLang="en-US" smtClean="0"/>
-              <a:t>2020/5/16</a:t>
+              <a:t>2020/5/20</a:t>
             </a:fld>
             <a:endParaRPr lang="zh-CN" altLang="en-US"/>
           </a:p>
@@ -12668,7 +14773,7 @@
           <a:p>
             <a:fld id="{6E32041F-90A9-43AC-BA84-51679D74BBBF}" type="datetimeFigureOut">
               <a:rPr lang="zh-CN" altLang="en-US" smtClean="0"/>
-              <a:t>2020/5/16</a:t>
+              <a:t>2020/5/20</a:t>
             </a:fld>
             <a:endParaRPr lang="zh-CN" altLang="en-US"/>
           </a:p>
@@ -12979,7 +15084,7 @@
           <a:p>
             <a:fld id="{6E32041F-90A9-43AC-BA84-51679D74BBBF}" type="datetimeFigureOut">
               <a:rPr lang="zh-CN" altLang="en-US" smtClean="0"/>
-              <a:t>2020/5/16</a:t>
+              <a:t>2020/5/20</a:t>
             </a:fld>
             <a:endParaRPr lang="zh-CN" altLang="en-US"/>
           </a:p>
@@ -13267,7 +15372,7 @@
           <a:p>
             <a:fld id="{6E32041F-90A9-43AC-BA84-51679D74BBBF}" type="datetimeFigureOut">
               <a:rPr lang="zh-CN" altLang="en-US" smtClean="0"/>
-              <a:t>2020/5/16</a:t>
+              <a:t>2020/5/20</a:t>
             </a:fld>
             <a:endParaRPr lang="zh-CN" altLang="en-US"/>
           </a:p>
@@ -13508,7 +15613,7 @@
           <a:p>
             <a:fld id="{6E32041F-90A9-43AC-BA84-51679D74BBBF}" type="datetimeFigureOut">
               <a:rPr lang="zh-CN" altLang="en-US" smtClean="0"/>
-              <a:t>2020/5/16</a:t>
+              <a:t>2020/5/20</a:t>
             </a:fld>
             <a:endParaRPr lang="zh-CN" altLang="en-US"/>
           </a:p>
@@ -13938,7 +16043,7 @@
           <p:nvPr>
             <p:extLst>
               <p:ext uri="{D42A27DB-BD31-4B8C-83A1-F6EECF244321}">
-                <p14:modId xmlns:p14="http://schemas.microsoft.com/office/powerpoint/2010/main" val="2289058003"/>
+                <p14:modId xmlns:p14="http://schemas.microsoft.com/office/powerpoint/2010/main" val="33391297"/>
               </p:ext>
             </p:extLst>
           </p:nvPr>
@@ -14003,7 +16108,166 @@
     </p:spTree>
     <p:extLst>
       <p:ext uri="{BB962C8B-B14F-4D97-AF65-F5344CB8AC3E}">
-        <p14:creationId xmlns:p14="http://schemas.microsoft.com/office/powerpoint/2010/main" val="1062427815"/>
+        <p14:creationId xmlns:p14="http://schemas.microsoft.com/office/powerpoint/2010/main" val="2661271139"/>
+      </p:ext>
+    </p:extLst>
+  </p:cSld>
+  <p:clrMapOvr>
+    <a:masterClrMapping/>
+  </p:clrMapOvr>
+</p:sld>
+</file>
+
+<file path=ppt/slides/slide10.xml><?xml version="1.0" encoding="utf-8"?>
+<p:sld xmlns:a="http://schemas.openxmlformats.org/drawingml/2006/main" xmlns:r="http://schemas.openxmlformats.org/officeDocument/2006/relationships" xmlns:p="http://schemas.openxmlformats.org/presentationml/2006/main">
+  <p:cSld>
+    <p:spTree>
+      <p:nvGrpSpPr>
+        <p:cNvPr id="1" name=""/>
+        <p:cNvGrpSpPr/>
+        <p:nvPr/>
+      </p:nvGrpSpPr>
+      <p:grpSpPr>
+        <a:xfrm>
+          <a:off x="0" y="0"/>
+          <a:ext cx="0" cy="0"/>
+          <a:chOff x="0" y="0"/>
+          <a:chExt cx="0" cy="0"/>
+        </a:xfrm>
+      </p:grpSpPr>
+      <p:graphicFrame>
+        <p:nvGraphicFramePr>
+          <p:cNvPr id="6" name="图表 5">
+            <a:extLst>
+              <a:ext uri="{FF2B5EF4-FFF2-40B4-BE49-F238E27FC236}">
+                <a16:creationId xmlns:a16="http://schemas.microsoft.com/office/drawing/2014/main" id="{323C3CE2-7024-4C34-AE17-715A47968435}"/>
+              </a:ext>
+            </a:extLst>
+          </p:cNvPr>
+          <p:cNvGraphicFramePr/>
+          <p:nvPr>
+            <p:extLst>
+              <p:ext uri="{D42A27DB-BD31-4B8C-83A1-F6EECF244321}">
+                <p14:modId xmlns:p14="http://schemas.microsoft.com/office/powerpoint/2010/main" val="1818966797"/>
+              </p:ext>
+            </p:extLst>
+          </p:nvPr>
+        </p:nvGraphicFramePr>
+        <p:xfrm>
+          <a:off x="2088203" y="1585609"/>
+          <a:ext cx="8015593" cy="4659728"/>
+        </p:xfrm>
+        <a:graphic>
+          <a:graphicData uri="http://schemas.openxmlformats.org/drawingml/2006/chart">
+            <c:chart xmlns:c="http://schemas.openxmlformats.org/drawingml/2006/chart" xmlns:r="http://schemas.openxmlformats.org/officeDocument/2006/relationships" r:id="rId2"/>
+          </a:graphicData>
+        </a:graphic>
+      </p:graphicFrame>
+      <p:sp>
+        <p:nvSpPr>
+          <p:cNvPr id="7" name="文本框 6">
+            <a:extLst>
+              <a:ext uri="{FF2B5EF4-FFF2-40B4-BE49-F238E27FC236}">
+                <a16:creationId xmlns:a16="http://schemas.microsoft.com/office/drawing/2014/main" id="{89A45DD5-9968-40E4-B27C-16F59A30A7D0}"/>
+              </a:ext>
+            </a:extLst>
+          </p:cNvPr>
+          <p:cNvSpPr txBox="1"/>
+          <p:nvPr/>
+        </p:nvSpPr>
+        <p:spPr>
+          <a:xfrm>
+            <a:off x="2763162" y="807715"/>
+            <a:ext cx="7940675" cy="369332"/>
+          </a:xfrm>
+          <a:prstGeom prst="rect">
+            <a:avLst/>
+          </a:prstGeom>
+          <a:noFill/>
+        </p:spPr>
+        <p:txBody>
+          <a:bodyPr wrap="square" rtlCol="0">
+            <a:spAutoFit/>
+          </a:bodyPr>
+          <a:lstStyle/>
+          <a:p>
+            <a:r>
+              <a:rPr lang="en-US" altLang="zh-CN" dirty="0"/>
+              <a:t>[ </a:t>
+            </a:r>
+            <a:r>
+              <a:rPr lang="zh-CN" altLang="en-US" dirty="0"/>
+              <a:t>图</a:t>
+            </a:r>
+            <a:r>
+              <a:rPr lang="en-US" altLang="zh-CN" dirty="0"/>
+              <a:t>6 ] </a:t>
+            </a:r>
+            <a:r>
+              <a:rPr lang="zh-CN" altLang="en-US" dirty="0"/>
+              <a:t>纵轴吞吐量</a:t>
+            </a:r>
+            <a:r>
+              <a:rPr lang="en-US" altLang="zh-CN" dirty="0"/>
+              <a:t>/CPU</a:t>
+            </a:r>
+            <a:r>
+              <a:rPr lang="zh-CN" altLang="en-US" dirty="0"/>
+              <a:t>占用率，横轴</a:t>
+            </a:r>
+            <a:r>
+              <a:rPr lang="en-US" altLang="zh-CN" dirty="0"/>
+              <a:t>bs</a:t>
+            </a:r>
+            <a:r>
+              <a:rPr lang="zh-CN" altLang="en-US" dirty="0"/>
+              <a:t>，</a:t>
+            </a:r>
+            <a:r>
+              <a:rPr lang="en-US" altLang="zh-CN" dirty="0"/>
+              <a:t>4</a:t>
+            </a:r>
+            <a:r>
+              <a:rPr lang="zh-CN" altLang="en-US" dirty="0"/>
+              <a:t>根线表示工作负载，折线图</a:t>
+            </a:r>
+          </a:p>
+        </p:txBody>
+      </p:sp>
+    </p:spTree>
+    <p:extLst>
+      <p:ext uri="{BB962C8B-B14F-4D97-AF65-F5344CB8AC3E}">
+        <p14:creationId xmlns:p14="http://schemas.microsoft.com/office/powerpoint/2010/main" val="4251213470"/>
+      </p:ext>
+    </p:extLst>
+  </p:cSld>
+  <p:clrMapOvr>
+    <a:masterClrMapping/>
+  </p:clrMapOvr>
+</p:sld>
+</file>
+
+<file path=ppt/slides/slide11.xml><?xml version="1.0" encoding="utf-8"?>
+<p:sld xmlns:a="http://schemas.openxmlformats.org/drawingml/2006/main" xmlns:r="http://schemas.openxmlformats.org/officeDocument/2006/relationships" xmlns:p="http://schemas.openxmlformats.org/presentationml/2006/main">
+  <p:cSld>
+    <p:spTree>
+      <p:nvGrpSpPr>
+        <p:cNvPr id="1" name=""/>
+        <p:cNvGrpSpPr/>
+        <p:nvPr/>
+      </p:nvGrpSpPr>
+      <p:grpSpPr>
+        <a:xfrm>
+          <a:off x="0" y="0"/>
+          <a:ext cx="0" cy="0"/>
+          <a:chOff x="0" y="0"/>
+          <a:chExt cx="0" cy="0"/>
+        </a:xfrm>
+      </p:grpSpPr>
+    </p:spTree>
+    <p:extLst>
+      <p:ext uri="{BB962C8B-B14F-4D97-AF65-F5344CB8AC3E}">
+        <p14:creationId xmlns:p14="http://schemas.microsoft.com/office/powerpoint/2010/main" val="2738067970"/>
       </p:ext>
     </p:extLst>
   </p:cSld>
@@ -14043,7 +16307,112 @@
           <p:nvPr>
             <p:extLst>
               <p:ext uri="{D42A27DB-BD31-4B8C-83A1-F6EECF244321}">
-                <p14:modId xmlns:p14="http://schemas.microsoft.com/office/powerpoint/2010/main" val="101984334"/>
+                <p14:modId xmlns:p14="http://schemas.microsoft.com/office/powerpoint/2010/main" val="4012937079"/>
+              </p:ext>
+            </p:extLst>
+          </p:nvPr>
+        </p:nvGraphicFramePr>
+        <p:xfrm>
+          <a:off x="2032000" y="1181365"/>
+          <a:ext cx="8128000" cy="4952470"/>
+        </p:xfrm>
+        <a:graphic>
+          <a:graphicData uri="http://schemas.openxmlformats.org/drawingml/2006/chart">
+            <c:chart xmlns:c="http://schemas.openxmlformats.org/drawingml/2006/chart" xmlns:r="http://schemas.openxmlformats.org/officeDocument/2006/relationships" r:id="rId2"/>
+          </a:graphicData>
+        </a:graphic>
+      </p:graphicFrame>
+      <p:sp>
+        <p:nvSpPr>
+          <p:cNvPr id="8" name="文本框 7">
+            <a:extLst>
+              <a:ext uri="{FF2B5EF4-FFF2-40B4-BE49-F238E27FC236}">
+                <a16:creationId xmlns:a16="http://schemas.microsoft.com/office/drawing/2014/main" id="{36D1EB77-4DF5-4B08-8F77-DBF1A1FAF7E8}"/>
+              </a:ext>
+            </a:extLst>
+          </p:cNvPr>
+          <p:cNvSpPr txBox="1"/>
+          <p:nvPr/>
+        </p:nvSpPr>
+        <p:spPr>
+          <a:xfrm>
+            <a:off x="3159125" y="539499"/>
+            <a:ext cx="7000875" cy="369332"/>
+          </a:xfrm>
+          <a:prstGeom prst="rect">
+            <a:avLst/>
+          </a:prstGeom>
+          <a:noFill/>
+        </p:spPr>
+        <p:txBody>
+          <a:bodyPr wrap="square" rtlCol="0">
+            <a:spAutoFit/>
+          </a:bodyPr>
+          <a:lstStyle/>
+          <a:p>
+            <a:r>
+              <a:rPr lang="en-US" altLang="zh-CN" dirty="0"/>
+              <a:t>[ </a:t>
+            </a:r>
+            <a:r>
+              <a:rPr lang="zh-CN" altLang="en-US" dirty="0"/>
+              <a:t>图</a:t>
+            </a:r>
+            <a:r>
+              <a:rPr lang="en-US" altLang="zh-CN" dirty="0"/>
+              <a:t>3-1 ] </a:t>
+            </a:r>
+            <a:r>
+              <a:rPr lang="zh-CN" altLang="en-US" dirty="0"/>
+              <a:t>纵轴吞吐量，横轴以工作负载类型为组，柱状图</a:t>
+            </a:r>
+          </a:p>
+        </p:txBody>
+      </p:sp>
+    </p:spTree>
+    <p:extLst>
+      <p:ext uri="{BB962C8B-B14F-4D97-AF65-F5344CB8AC3E}">
+        <p14:creationId xmlns:p14="http://schemas.microsoft.com/office/powerpoint/2010/main" val="117539882"/>
+      </p:ext>
+    </p:extLst>
+  </p:cSld>
+  <p:clrMapOvr>
+    <a:masterClrMapping/>
+  </p:clrMapOvr>
+</p:sld>
+</file>
+
+<file path=ppt/slides/slide3.xml><?xml version="1.0" encoding="utf-8"?>
+<p:sld xmlns:a="http://schemas.openxmlformats.org/drawingml/2006/main" xmlns:r="http://schemas.openxmlformats.org/officeDocument/2006/relationships" xmlns:p="http://schemas.openxmlformats.org/presentationml/2006/main">
+  <p:cSld>
+    <p:spTree>
+      <p:nvGrpSpPr>
+        <p:cNvPr id="1" name=""/>
+        <p:cNvGrpSpPr/>
+        <p:nvPr/>
+      </p:nvGrpSpPr>
+      <p:grpSpPr>
+        <a:xfrm>
+          <a:off x="0" y="0"/>
+          <a:ext cx="0" cy="0"/>
+          <a:chOff x="0" y="0"/>
+          <a:chExt cx="0" cy="0"/>
+        </a:xfrm>
+      </p:grpSpPr>
+      <p:graphicFrame>
+        <p:nvGraphicFramePr>
+          <p:cNvPr id="6" name="图表 5">
+            <a:extLst>
+              <a:ext uri="{FF2B5EF4-FFF2-40B4-BE49-F238E27FC236}">
+                <a16:creationId xmlns:a16="http://schemas.microsoft.com/office/drawing/2014/main" id="{B5CD486A-1CDE-4B59-9470-1892AD87457E}"/>
+              </a:ext>
+            </a:extLst>
+          </p:cNvPr>
+          <p:cNvGraphicFramePr/>
+          <p:nvPr>
+            <p:extLst>
+              <p:ext uri="{D42A27DB-BD31-4B8C-83A1-F6EECF244321}">
+                <p14:modId xmlns:p14="http://schemas.microsoft.com/office/powerpoint/2010/main" val="324928581"/>
               </p:ext>
             </p:extLst>
           </p:nvPr>
@@ -14127,7 +16496,219 @@
 </p:sld>
 </file>
 
-<file path=ppt/slides/slide3.xml><?xml version="1.0" encoding="utf-8"?>
+<file path=ppt/slides/slide4.xml><?xml version="1.0" encoding="utf-8"?>
+<p:sld xmlns:a="http://schemas.openxmlformats.org/drawingml/2006/main" xmlns:r="http://schemas.openxmlformats.org/officeDocument/2006/relationships" xmlns:p="http://schemas.openxmlformats.org/presentationml/2006/main">
+  <p:cSld>
+    <p:spTree>
+      <p:nvGrpSpPr>
+        <p:cNvPr id="1" name=""/>
+        <p:cNvGrpSpPr/>
+        <p:nvPr/>
+      </p:nvGrpSpPr>
+      <p:grpSpPr>
+        <a:xfrm>
+          <a:off x="0" y="0"/>
+          <a:ext cx="0" cy="0"/>
+          <a:chOff x="0" y="0"/>
+          <a:chExt cx="0" cy="0"/>
+        </a:xfrm>
+      </p:grpSpPr>
+      <p:graphicFrame>
+        <p:nvGraphicFramePr>
+          <p:cNvPr id="6" name="图表 5">
+            <a:extLst>
+              <a:ext uri="{FF2B5EF4-FFF2-40B4-BE49-F238E27FC236}">
+                <a16:creationId xmlns:a16="http://schemas.microsoft.com/office/drawing/2014/main" id="{B5CD486A-1CDE-4B59-9470-1892AD87457E}"/>
+              </a:ext>
+            </a:extLst>
+          </p:cNvPr>
+          <p:cNvGraphicFramePr/>
+          <p:nvPr>
+            <p:extLst>
+              <p:ext uri="{D42A27DB-BD31-4B8C-83A1-F6EECF244321}">
+                <p14:modId xmlns:p14="http://schemas.microsoft.com/office/powerpoint/2010/main" val="1823834075"/>
+              </p:ext>
+            </p:extLst>
+          </p:nvPr>
+        </p:nvGraphicFramePr>
+        <p:xfrm>
+          <a:off x="2845435" y="1361440"/>
+          <a:ext cx="6868160" cy="4338320"/>
+        </p:xfrm>
+        <a:graphic>
+          <a:graphicData uri="http://schemas.openxmlformats.org/drawingml/2006/chart">
+            <c:chart xmlns:c="http://schemas.openxmlformats.org/drawingml/2006/chart" xmlns:r="http://schemas.openxmlformats.org/officeDocument/2006/relationships" r:id="rId2"/>
+          </a:graphicData>
+        </a:graphic>
+      </p:graphicFrame>
+      <p:sp>
+        <p:nvSpPr>
+          <p:cNvPr id="8" name="文本框 7">
+            <a:extLst>
+              <a:ext uri="{FF2B5EF4-FFF2-40B4-BE49-F238E27FC236}">
+                <a16:creationId xmlns:a16="http://schemas.microsoft.com/office/drawing/2014/main" id="{36D1EB77-4DF5-4B08-8F77-DBF1A1FAF7E8}"/>
+              </a:ext>
+            </a:extLst>
+          </p:cNvPr>
+          <p:cNvSpPr txBox="1"/>
+          <p:nvPr/>
+        </p:nvSpPr>
+        <p:spPr>
+          <a:xfrm>
+            <a:off x="3159125" y="539499"/>
+            <a:ext cx="7000875" cy="369332"/>
+          </a:xfrm>
+          <a:prstGeom prst="rect">
+            <a:avLst/>
+          </a:prstGeom>
+          <a:noFill/>
+        </p:spPr>
+        <p:txBody>
+          <a:bodyPr wrap="square" rtlCol="0">
+            <a:spAutoFit/>
+          </a:bodyPr>
+          <a:lstStyle/>
+          <a:p>
+            <a:r>
+              <a:rPr lang="en-US" altLang="zh-CN" dirty="0"/>
+              <a:t>[ </a:t>
+            </a:r>
+            <a:r>
+              <a:rPr lang="zh-CN" altLang="en-US" dirty="0"/>
+              <a:t>图</a:t>
+            </a:r>
+            <a:r>
+              <a:rPr lang="en-US" altLang="zh-CN" dirty="0"/>
+              <a:t>3-2 ] </a:t>
+            </a:r>
+            <a:r>
+              <a:rPr lang="zh-CN" altLang="en-US" dirty="0"/>
+              <a:t>存储空间节省率</a:t>
+            </a:r>
+            <a:endParaRPr lang="en-US" altLang="zh-CN" dirty="0"/>
+          </a:p>
+        </p:txBody>
+      </p:sp>
+    </p:spTree>
+    <p:extLst>
+      <p:ext uri="{BB962C8B-B14F-4D97-AF65-F5344CB8AC3E}">
+        <p14:creationId xmlns:p14="http://schemas.microsoft.com/office/powerpoint/2010/main" val="1824140454"/>
+      </p:ext>
+    </p:extLst>
+  </p:cSld>
+  <p:clrMapOvr>
+    <a:masterClrMapping/>
+  </p:clrMapOvr>
+</p:sld>
+</file>
+
+<file path=ppt/slides/slide5.xml><?xml version="1.0" encoding="utf-8"?>
+<p:sld xmlns:a="http://schemas.openxmlformats.org/drawingml/2006/main" xmlns:r="http://schemas.openxmlformats.org/officeDocument/2006/relationships" xmlns:p="http://schemas.openxmlformats.org/presentationml/2006/main">
+  <p:cSld>
+    <p:spTree>
+      <p:nvGrpSpPr>
+        <p:cNvPr id="1" name=""/>
+        <p:cNvGrpSpPr/>
+        <p:nvPr/>
+      </p:nvGrpSpPr>
+      <p:grpSpPr>
+        <a:xfrm>
+          <a:off x="0" y="0"/>
+          <a:ext cx="0" cy="0"/>
+          <a:chOff x="0" y="0"/>
+          <a:chExt cx="0" cy="0"/>
+        </a:xfrm>
+      </p:grpSpPr>
+      <p:graphicFrame>
+        <p:nvGraphicFramePr>
+          <p:cNvPr id="6" name="图表 5">
+            <a:extLst>
+              <a:ext uri="{FF2B5EF4-FFF2-40B4-BE49-F238E27FC236}">
+                <a16:creationId xmlns:a16="http://schemas.microsoft.com/office/drawing/2014/main" id="{B5CD486A-1CDE-4B59-9470-1892AD87457E}"/>
+              </a:ext>
+            </a:extLst>
+          </p:cNvPr>
+          <p:cNvGraphicFramePr/>
+          <p:nvPr>
+            <p:extLst>
+              <p:ext uri="{D42A27DB-BD31-4B8C-83A1-F6EECF244321}">
+                <p14:modId xmlns:p14="http://schemas.microsoft.com/office/powerpoint/2010/main" val="144292076"/>
+              </p:ext>
+            </p:extLst>
+          </p:nvPr>
+        </p:nvGraphicFramePr>
+        <p:xfrm>
+          <a:off x="2845435" y="1361440"/>
+          <a:ext cx="6868160" cy="4338320"/>
+        </p:xfrm>
+        <a:graphic>
+          <a:graphicData uri="http://schemas.openxmlformats.org/drawingml/2006/chart">
+            <c:chart xmlns:c="http://schemas.openxmlformats.org/drawingml/2006/chart" xmlns:r="http://schemas.openxmlformats.org/officeDocument/2006/relationships" r:id="rId2"/>
+          </a:graphicData>
+        </a:graphic>
+      </p:graphicFrame>
+      <p:sp>
+        <p:nvSpPr>
+          <p:cNvPr id="8" name="文本框 7">
+            <a:extLst>
+              <a:ext uri="{FF2B5EF4-FFF2-40B4-BE49-F238E27FC236}">
+                <a16:creationId xmlns:a16="http://schemas.microsoft.com/office/drawing/2014/main" id="{36D1EB77-4DF5-4B08-8F77-DBF1A1FAF7E8}"/>
+              </a:ext>
+            </a:extLst>
+          </p:cNvPr>
+          <p:cNvSpPr txBox="1"/>
+          <p:nvPr/>
+        </p:nvSpPr>
+        <p:spPr>
+          <a:xfrm>
+            <a:off x="3159125" y="539499"/>
+            <a:ext cx="7000875" cy="369332"/>
+          </a:xfrm>
+          <a:prstGeom prst="rect">
+            <a:avLst/>
+          </a:prstGeom>
+          <a:noFill/>
+        </p:spPr>
+        <p:txBody>
+          <a:bodyPr wrap="square" rtlCol="0">
+            <a:spAutoFit/>
+          </a:bodyPr>
+          <a:lstStyle/>
+          <a:p>
+            <a:r>
+              <a:rPr lang="en-US" altLang="zh-CN" dirty="0"/>
+              <a:t>[ </a:t>
+            </a:r>
+            <a:r>
+              <a:rPr lang="zh-CN" altLang="en-US" dirty="0"/>
+              <a:t>图</a:t>
+            </a:r>
+            <a:r>
+              <a:rPr lang="en-US" altLang="zh-CN" dirty="0"/>
+              <a:t>3-2 ] </a:t>
+            </a:r>
+            <a:r>
+              <a:rPr lang="zh-CN" altLang="en-US" dirty="0"/>
+              <a:t>存储空间节省率 倒数</a:t>
+            </a:r>
+            <a:endParaRPr lang="en-US" altLang="zh-CN" dirty="0"/>
+          </a:p>
+        </p:txBody>
+      </p:sp>
+    </p:spTree>
+    <p:extLst>
+      <p:ext uri="{BB962C8B-B14F-4D97-AF65-F5344CB8AC3E}">
+        <p14:creationId xmlns:p14="http://schemas.microsoft.com/office/powerpoint/2010/main" val="2532415674"/>
+      </p:ext>
+    </p:extLst>
+  </p:cSld>
+  <p:clrMapOvr>
+    <a:masterClrMapping/>
+  </p:clrMapOvr>
+</p:sld>
+</file>
+
+<file path=ppt/slides/slide6.xml><?xml version="1.0" encoding="utf-8"?>
 <p:sld xmlns:a="http://schemas.openxmlformats.org/drawingml/2006/main" xmlns:r="http://schemas.openxmlformats.org/officeDocument/2006/relationships" xmlns:p="http://schemas.openxmlformats.org/presentationml/2006/main">
   <p:cSld>
     <p:spTree>
@@ -14157,7 +16738,7 @@
           <p:nvPr>
             <p:extLst>
               <p:ext uri="{D42A27DB-BD31-4B8C-83A1-F6EECF244321}">
-                <p14:modId xmlns:p14="http://schemas.microsoft.com/office/powerpoint/2010/main" val="607401633"/>
+                <p14:modId xmlns:p14="http://schemas.microsoft.com/office/powerpoint/2010/main" val="2851377318"/>
               </p:ext>
             </p:extLst>
           </p:nvPr>
@@ -14256,7 +16837,7 @@
 </p:sld>
 </file>
 
-<file path=ppt/slides/slide4.xml><?xml version="1.0" encoding="utf-8"?>
+<file path=ppt/slides/slide7.xml><?xml version="1.0" encoding="utf-8"?>
 <p:sld xmlns:a="http://schemas.openxmlformats.org/drawingml/2006/main" xmlns:r="http://schemas.openxmlformats.org/officeDocument/2006/relationships" xmlns:p="http://schemas.openxmlformats.org/presentationml/2006/main">
   <p:cSld>
     <p:spTree>
@@ -14286,7 +16867,7 @@
           <p:nvPr>
             <p:extLst>
               <p:ext uri="{D42A27DB-BD31-4B8C-83A1-F6EECF244321}">
-                <p14:modId xmlns:p14="http://schemas.microsoft.com/office/powerpoint/2010/main" val="3885452242"/>
+                <p14:modId xmlns:p14="http://schemas.microsoft.com/office/powerpoint/2010/main" val="1753159735"/>
               </p:ext>
             </p:extLst>
           </p:nvPr>
@@ -14385,7 +16966,7 @@
 </p:sld>
 </file>
 
-<file path=ppt/slides/slide5.xml><?xml version="1.0" encoding="utf-8"?>
+<file path=ppt/slides/slide8.xml><?xml version="1.0" encoding="utf-8"?>
 <p:sld xmlns:a="http://schemas.openxmlformats.org/drawingml/2006/main" xmlns:r="http://schemas.openxmlformats.org/officeDocument/2006/relationships" xmlns:p="http://schemas.openxmlformats.org/presentationml/2006/main">
   <p:cSld>
     <p:spTree>
@@ -14415,7 +16996,7 @@
           <p:nvPr>
             <p:extLst>
               <p:ext uri="{D42A27DB-BD31-4B8C-83A1-F6EECF244321}">
-                <p14:modId xmlns:p14="http://schemas.microsoft.com/office/powerpoint/2010/main" val="3082617255"/>
+                <p14:modId xmlns:p14="http://schemas.microsoft.com/office/powerpoint/2010/main" val="1101298064"/>
               </p:ext>
             </p:extLst>
           </p:nvPr>
@@ -14522,7 +17103,7 @@
 </p:sld>
 </file>
 
-<file path=ppt/slides/slide6.xml><?xml version="1.0" encoding="utf-8"?>
+<file path=ppt/slides/slide9.xml><?xml version="1.0" encoding="utf-8"?>
 <p:sld xmlns:a="http://schemas.openxmlformats.org/drawingml/2006/main" xmlns:r="http://schemas.openxmlformats.org/officeDocument/2006/relationships" xmlns:p="http://schemas.openxmlformats.org/presentationml/2006/main">
   <p:cSld>
     <p:spTree>
@@ -14552,136 +17133,7 @@
           <p:nvPr>
             <p:extLst>
               <p:ext uri="{D42A27DB-BD31-4B8C-83A1-F6EECF244321}">
-                <p14:modId xmlns:p14="http://schemas.microsoft.com/office/powerpoint/2010/main" val="4230583178"/>
-              </p:ext>
-            </p:extLst>
-          </p:nvPr>
-        </p:nvGraphicFramePr>
-        <p:xfrm>
-          <a:off x="1741250" y="1342417"/>
-          <a:ext cx="9358009" cy="4864010"/>
-        </p:xfrm>
-        <a:graphic>
-          <a:graphicData uri="http://schemas.openxmlformats.org/drawingml/2006/chart">
-            <c:chart xmlns:c="http://schemas.openxmlformats.org/drawingml/2006/chart" xmlns:r="http://schemas.openxmlformats.org/officeDocument/2006/relationships" r:id="rId2"/>
-          </a:graphicData>
-        </a:graphic>
-      </p:graphicFrame>
-      <p:sp>
-        <p:nvSpPr>
-          <p:cNvPr id="7" name="文本框 6">
-            <a:extLst>
-              <a:ext uri="{FF2B5EF4-FFF2-40B4-BE49-F238E27FC236}">
-                <a16:creationId xmlns:a16="http://schemas.microsoft.com/office/drawing/2014/main" id="{89A45DD5-9968-40E4-B27C-16F59A30A7D0}"/>
-              </a:ext>
-            </a:extLst>
-          </p:cNvPr>
-          <p:cNvSpPr txBox="1"/>
-          <p:nvPr/>
-        </p:nvSpPr>
-        <p:spPr>
-          <a:xfrm>
-            <a:off x="2763162" y="807715"/>
-            <a:ext cx="7940675" cy="369332"/>
-          </a:xfrm>
-          <a:prstGeom prst="rect">
-            <a:avLst/>
-          </a:prstGeom>
-          <a:noFill/>
-        </p:spPr>
-        <p:txBody>
-          <a:bodyPr wrap="square" rtlCol="0">
-            <a:spAutoFit/>
-          </a:bodyPr>
-          <a:lstStyle/>
-          <a:p>
-            <a:r>
-              <a:rPr lang="en-US" altLang="zh-CN" dirty="0"/>
-              <a:t>[ </a:t>
-            </a:r>
-            <a:r>
-              <a:rPr lang="zh-CN" altLang="en-US" dirty="0"/>
-              <a:t>图</a:t>
-            </a:r>
-            <a:r>
-              <a:rPr lang="en-US" altLang="zh-CN" dirty="0"/>
-              <a:t>5 ] </a:t>
-            </a:r>
-            <a:r>
-              <a:rPr lang="zh-CN" altLang="en-US" dirty="0"/>
-              <a:t>纵轴吞吐量</a:t>
-            </a:r>
-            <a:r>
-              <a:rPr lang="en-US" altLang="zh-CN" dirty="0"/>
-              <a:t>/CPU</a:t>
-            </a:r>
-            <a:r>
-              <a:rPr lang="zh-CN" altLang="en-US" dirty="0"/>
-              <a:t>占用率，横轴</a:t>
-            </a:r>
-            <a:r>
-              <a:rPr lang="en-US" altLang="zh-CN" dirty="0" err="1"/>
-              <a:t>iodepth</a:t>
-            </a:r>
-            <a:r>
-              <a:rPr lang="zh-CN" altLang="en-US" dirty="0"/>
-              <a:t>，</a:t>
-            </a:r>
-            <a:r>
-              <a:rPr lang="en-US" altLang="zh-CN" dirty="0"/>
-              <a:t>4</a:t>
-            </a:r>
-            <a:r>
-              <a:rPr lang="zh-CN" altLang="en-US" dirty="0"/>
-              <a:t>根线表示工作负载，折线图</a:t>
-            </a:r>
-          </a:p>
-        </p:txBody>
-      </p:sp>
-    </p:spTree>
-    <p:extLst>
-      <p:ext uri="{BB962C8B-B14F-4D97-AF65-F5344CB8AC3E}">
-        <p14:creationId xmlns:p14="http://schemas.microsoft.com/office/powerpoint/2010/main" val="1185089497"/>
-      </p:ext>
-    </p:extLst>
-  </p:cSld>
-  <p:clrMapOvr>
-    <a:masterClrMapping/>
-  </p:clrMapOvr>
-</p:sld>
-</file>
-
-<file path=ppt/slides/slide7.xml><?xml version="1.0" encoding="utf-8"?>
-<p:sld xmlns:a="http://schemas.openxmlformats.org/drawingml/2006/main" xmlns:r="http://schemas.openxmlformats.org/officeDocument/2006/relationships" xmlns:p="http://schemas.openxmlformats.org/presentationml/2006/main">
-  <p:cSld>
-    <p:spTree>
-      <p:nvGrpSpPr>
-        <p:cNvPr id="1" name=""/>
-        <p:cNvGrpSpPr/>
-        <p:nvPr/>
-      </p:nvGrpSpPr>
-      <p:grpSpPr>
-        <a:xfrm>
-          <a:off x="0" y="0"/>
-          <a:ext cx="0" cy="0"/>
-          <a:chOff x="0" y="0"/>
-          <a:chExt cx="0" cy="0"/>
-        </a:xfrm>
-      </p:grpSpPr>
-      <p:graphicFrame>
-        <p:nvGraphicFramePr>
-          <p:cNvPr id="6" name="图表 5">
-            <a:extLst>
-              <a:ext uri="{FF2B5EF4-FFF2-40B4-BE49-F238E27FC236}">
-                <a16:creationId xmlns:a16="http://schemas.microsoft.com/office/drawing/2014/main" id="{323C3CE2-7024-4C34-AE17-715A47968435}"/>
-              </a:ext>
-            </a:extLst>
-          </p:cNvPr>
-          <p:cNvGraphicFramePr/>
-          <p:nvPr>
-            <p:extLst>
-              <p:ext uri="{D42A27DB-BD31-4B8C-83A1-F6EECF244321}">
-                <p14:modId xmlns:p14="http://schemas.microsoft.com/office/powerpoint/2010/main" val="790366917"/>
+                <p14:modId xmlns:p14="http://schemas.microsoft.com/office/powerpoint/2010/main" val="2210170526"/>
               </p:ext>
             </p:extLst>
           </p:nvPr>
@@ -14771,135 +17223,6 @@
     <p:extLst>
       <p:ext uri="{BB962C8B-B14F-4D97-AF65-F5344CB8AC3E}">
         <p14:creationId xmlns:p14="http://schemas.microsoft.com/office/powerpoint/2010/main" val="1313933014"/>
-      </p:ext>
-    </p:extLst>
-  </p:cSld>
-  <p:clrMapOvr>
-    <a:masterClrMapping/>
-  </p:clrMapOvr>
-</p:sld>
-</file>
-
-<file path=ppt/slides/slide8.xml><?xml version="1.0" encoding="utf-8"?>
-<p:sld xmlns:a="http://schemas.openxmlformats.org/drawingml/2006/main" xmlns:r="http://schemas.openxmlformats.org/officeDocument/2006/relationships" xmlns:p="http://schemas.openxmlformats.org/presentationml/2006/main">
-  <p:cSld>
-    <p:spTree>
-      <p:nvGrpSpPr>
-        <p:cNvPr id="1" name=""/>
-        <p:cNvGrpSpPr/>
-        <p:nvPr/>
-      </p:nvGrpSpPr>
-      <p:grpSpPr>
-        <a:xfrm>
-          <a:off x="0" y="0"/>
-          <a:ext cx="0" cy="0"/>
-          <a:chOff x="0" y="0"/>
-          <a:chExt cx="0" cy="0"/>
-        </a:xfrm>
-      </p:grpSpPr>
-      <p:graphicFrame>
-        <p:nvGraphicFramePr>
-          <p:cNvPr id="6" name="图表 5">
-            <a:extLst>
-              <a:ext uri="{FF2B5EF4-FFF2-40B4-BE49-F238E27FC236}">
-                <a16:creationId xmlns:a16="http://schemas.microsoft.com/office/drawing/2014/main" id="{323C3CE2-7024-4C34-AE17-715A47968435}"/>
-              </a:ext>
-            </a:extLst>
-          </p:cNvPr>
-          <p:cNvGraphicFramePr/>
-          <p:nvPr>
-            <p:extLst>
-              <p:ext uri="{D42A27DB-BD31-4B8C-83A1-F6EECF244321}">
-                <p14:modId xmlns:p14="http://schemas.microsoft.com/office/powerpoint/2010/main" val="3064261204"/>
-              </p:ext>
-            </p:extLst>
-          </p:nvPr>
-        </p:nvGraphicFramePr>
-        <p:xfrm>
-          <a:off x="2088203" y="1585609"/>
-          <a:ext cx="8015593" cy="4659728"/>
-        </p:xfrm>
-        <a:graphic>
-          <a:graphicData uri="http://schemas.openxmlformats.org/drawingml/2006/chart">
-            <c:chart xmlns:c="http://schemas.openxmlformats.org/drawingml/2006/chart" xmlns:r="http://schemas.openxmlformats.org/officeDocument/2006/relationships" r:id="rId2"/>
-          </a:graphicData>
-        </a:graphic>
-      </p:graphicFrame>
-      <p:sp>
-        <p:nvSpPr>
-          <p:cNvPr id="7" name="文本框 6">
-            <a:extLst>
-              <a:ext uri="{FF2B5EF4-FFF2-40B4-BE49-F238E27FC236}">
-                <a16:creationId xmlns:a16="http://schemas.microsoft.com/office/drawing/2014/main" id="{89A45DD5-9968-40E4-B27C-16F59A30A7D0}"/>
-              </a:ext>
-            </a:extLst>
-          </p:cNvPr>
-          <p:cNvSpPr txBox="1"/>
-          <p:nvPr/>
-        </p:nvSpPr>
-        <p:spPr>
-          <a:xfrm>
-            <a:off x="2763162" y="807715"/>
-            <a:ext cx="7940675" cy="369332"/>
-          </a:xfrm>
-          <a:prstGeom prst="rect">
-            <a:avLst/>
-          </a:prstGeom>
-          <a:noFill/>
-        </p:spPr>
-        <p:txBody>
-          <a:bodyPr wrap="square" rtlCol="0">
-            <a:spAutoFit/>
-          </a:bodyPr>
-          <a:lstStyle/>
-          <a:p>
-            <a:r>
-              <a:rPr lang="en-US" altLang="zh-CN" dirty="0"/>
-              <a:t>[ </a:t>
-            </a:r>
-            <a:r>
-              <a:rPr lang="zh-CN" altLang="en-US" dirty="0"/>
-              <a:t>图</a:t>
-            </a:r>
-            <a:r>
-              <a:rPr lang="en-US" altLang="zh-CN" dirty="0"/>
-              <a:t>6 ] </a:t>
-            </a:r>
-            <a:r>
-              <a:rPr lang="zh-CN" altLang="en-US" dirty="0"/>
-              <a:t>纵轴吞吐量</a:t>
-            </a:r>
-            <a:r>
-              <a:rPr lang="en-US" altLang="zh-CN" dirty="0"/>
-              <a:t>/CPU</a:t>
-            </a:r>
-            <a:r>
-              <a:rPr lang="zh-CN" altLang="en-US" dirty="0"/>
-              <a:t>占用率，横轴</a:t>
-            </a:r>
-            <a:r>
-              <a:rPr lang="en-US" altLang="zh-CN" dirty="0"/>
-              <a:t>bs</a:t>
-            </a:r>
-            <a:r>
-              <a:rPr lang="zh-CN" altLang="en-US" dirty="0"/>
-              <a:t>，</a:t>
-            </a:r>
-            <a:r>
-              <a:rPr lang="en-US" altLang="zh-CN" dirty="0"/>
-              <a:t>4</a:t>
-            </a:r>
-            <a:r>
-              <a:rPr lang="zh-CN" altLang="en-US" dirty="0"/>
-              <a:t>根线表示工作负载，折线图</a:t>
-            </a:r>
-          </a:p>
-        </p:txBody>
-      </p:sp>
-    </p:spTree>
-    <p:extLst>
-      <p:ext uri="{BB962C8B-B14F-4D97-AF65-F5344CB8AC3E}">
-        <p14:creationId xmlns:p14="http://schemas.microsoft.com/office/powerpoint/2010/main" val="4251213470"/>
       </p:ext>
     </p:extLst>
   </p:cSld>

--- a/VDO测试图表.pptx
+++ b/VDO测试图表.pptx
@@ -5,17 +5,20 @@
     <p:sldMasterId id="2147483648" r:id="rId1"/>
   </p:sldMasterIdLst>
   <p:sldIdLst>
-    <p:sldId id="265" r:id="rId2"/>
-    <p:sldId id="269" r:id="rId3"/>
-    <p:sldId id="257" r:id="rId4"/>
-    <p:sldId id="267" r:id="rId5"/>
-    <p:sldId id="268" r:id="rId6"/>
-    <p:sldId id="259" r:id="rId7"/>
-    <p:sldId id="260" r:id="rId8"/>
-    <p:sldId id="258" r:id="rId9"/>
-    <p:sldId id="262" r:id="rId10"/>
-    <p:sldId id="264" r:id="rId11"/>
-    <p:sldId id="270" r:id="rId12"/>
+    <p:sldId id="273" r:id="rId2"/>
+    <p:sldId id="274" r:id="rId3"/>
+    <p:sldId id="265" r:id="rId4"/>
+    <p:sldId id="269" r:id="rId5"/>
+    <p:sldId id="257" r:id="rId6"/>
+    <p:sldId id="267" r:id="rId7"/>
+    <p:sldId id="268" r:id="rId8"/>
+    <p:sldId id="259" r:id="rId9"/>
+    <p:sldId id="260" r:id="rId10"/>
+    <p:sldId id="258" r:id="rId11"/>
+    <p:sldId id="262" r:id="rId12"/>
+    <p:sldId id="264" r:id="rId13"/>
+    <p:sldId id="271" r:id="rId14"/>
+    <p:sldId id="272" r:id="rId15"/>
   </p:sldIdLst>
   <p:sldSz cx="12192000" cy="6858000"/>
   <p:notesSz cx="6858000" cy="9144000"/>
@@ -118,6 +121,12 @@
     <p:ext uri="{521415D9-36F7-43E2-AB2F-B90AF26B5E84}">
       <p14:sectionLst xmlns:p14="http://schemas.microsoft.com/office/powerpoint/2010/main">
         <p14:section name="默认节" id="{E62602AD-19D2-4684-9B2B-E80A46C5F9CA}">
+          <p14:sldIdLst>
+            <p14:sldId id="273"/>
+            <p14:sldId id="274"/>
+          </p14:sldIdLst>
+        </p14:section>
+        <p14:section name="无标题节" id="{083677FC-BCD1-4A2A-9ED1-84FEED0B55EF}">
           <p14:sldIdLst>
             <p14:sldId id="265"/>
             <p14:sldId id="269"/>
@@ -145,7 +154,12 @@
         </p14:section>
         <p14:section name="无标题节" id="{D4A82F19-64EE-4F6E-9014-F289F1C5A7DA}">
           <p14:sldIdLst>
-            <p14:sldId id="270"/>
+            <p14:sldId id="271"/>
+          </p14:sldIdLst>
+        </p14:section>
+        <p14:section name="无标题节" id="{74B05C6E-A09F-4AF5-857A-012791F228A2}">
+          <p14:sldIdLst>
+            <p14:sldId id="272"/>
           </p14:sldIdLst>
         </p14:section>
       </p14:sectionLst>
@@ -194,7 +208,9 @@
           </c:tx>
           <c:spPr>
             <a:solidFill>
-              <a:schemeClr val="accent2"/>
+              <a:schemeClr val="accent2">
+                <a:alpha val="80000"/>
+              </a:schemeClr>
             </a:solidFill>
             <a:ln>
               <a:noFill/>
@@ -268,6 +284,7 @@
               <a:schemeClr val="accent4">
                 <a:lumMod val="60000"/>
                 <a:lumOff val="40000"/>
+                <a:alpha val="85000"/>
               </a:schemeClr>
             </a:solidFill>
             <a:ln>
@@ -342,6 +359,7 @@
               <a:schemeClr val="accent6">
                 <a:lumMod val="60000"/>
                 <a:lumOff val="40000"/>
+                <a:alpha val="85000"/>
               </a:schemeClr>
             </a:solidFill>
             <a:ln>
@@ -413,7 +431,9 @@
           </c:tx>
           <c:spPr>
             <a:solidFill>
-              <a:schemeClr val="accent5"/>
+              <a:schemeClr val="accent5">
+                <a:alpha val="85000"/>
+              </a:schemeClr>
             </a:solidFill>
             <a:ln>
               <a:noFill/>
@@ -1636,6 +1656,839 @@
 </c:chartSpace>
 </file>
 
+<file path=ppt/charts/chart11.xml><?xml version="1.0" encoding="utf-8"?>
+<c:chartSpace xmlns:c="http://schemas.openxmlformats.org/drawingml/2006/chart" xmlns:a="http://schemas.openxmlformats.org/drawingml/2006/main" xmlns:r="http://schemas.openxmlformats.org/officeDocument/2006/relationships" xmlns:c16r2="http://schemas.microsoft.com/office/drawing/2015/06/chart">
+  <c:date1904 val="0"/>
+  <c:lang val="zh-CN"/>
+  <c:roundedCorners val="0"/>
+  <mc:AlternateContent xmlns:mc="http://schemas.openxmlformats.org/markup-compatibility/2006">
+    <mc:Choice xmlns:c14="http://schemas.microsoft.com/office/drawing/2007/8/2/chart" Requires="c14">
+      <c14:style val="102"/>
+    </mc:Choice>
+    <mc:Fallback>
+      <c:style val="2"/>
+    </mc:Fallback>
+  </mc:AlternateContent>
+  <c:chart>
+    <c:autoTitleDeleted val="1"/>
+    <c:plotArea>
+      <c:layout/>
+      <c:barChart>
+        <c:barDir val="col"/>
+        <c:grouping val="clustered"/>
+        <c:varyColors val="0"/>
+        <c:ser>
+          <c:idx val="0"/>
+          <c:order val="0"/>
+          <c:tx>
+            <c:strRef>
+              <c:f>Sheet1!$B$1</c:f>
+              <c:strCache>
+                <c:ptCount val="1"/>
+                <c:pt idx="0">
+                  <c:v>VDO-OFF</c:v>
+                </c:pt>
+              </c:strCache>
+            </c:strRef>
+          </c:tx>
+          <c:spPr>
+            <a:solidFill>
+              <a:srgbClr val="ED7D31">
+                <a:alpha val="80000"/>
+              </a:srgbClr>
+            </a:solidFill>
+            <a:ln>
+              <a:noFill/>
+            </a:ln>
+            <a:effectLst/>
+          </c:spPr>
+          <c:invertIfNegative val="0"/>
+          <c:dPt>
+            <c:idx val="0"/>
+            <c:invertIfNegative val="0"/>
+            <c:bubble3D val="0"/>
+            <c:spPr>
+              <a:solidFill>
+                <a:srgbClr val="ED7D31">
+                  <a:alpha val="80000"/>
+                </a:srgbClr>
+              </a:solidFill>
+              <a:ln>
+                <a:noFill/>
+              </a:ln>
+              <a:effectLst/>
+            </c:spPr>
+            <c:extLst>
+              <c:ext xmlns:c16="http://schemas.microsoft.com/office/drawing/2014/chart" uri="{C3380CC4-5D6E-409C-BE32-E72D297353CC}">
+                <c16:uniqueId val="{00000000-6708-4762-B3FF-B74383CD4FBC}"/>
+              </c:ext>
+            </c:extLst>
+          </c:dPt>
+          <c:cat>
+            <c:strRef>
+              <c:f>Sheet1!$A$2:$A$5</c:f>
+              <c:strCache>
+                <c:ptCount val="4"/>
+                <c:pt idx="0">
+                  <c:v>fileserver</c:v>
+                </c:pt>
+                <c:pt idx="1">
+                  <c:v>webserver</c:v>
+                </c:pt>
+                <c:pt idx="2">
+                  <c:v>varmail</c:v>
+                </c:pt>
+                <c:pt idx="3">
+                  <c:v>randomrw</c:v>
+                </c:pt>
+              </c:strCache>
+            </c:strRef>
+          </c:cat>
+          <c:val>
+            <c:numRef>
+              <c:f>Sheet1!$B$2:$B$5</c:f>
+              <c:numCache>
+                <c:formatCode>General</c:formatCode>
+                <c:ptCount val="4"/>
+                <c:pt idx="0">
+                  <c:v>1</c:v>
+                </c:pt>
+                <c:pt idx="1">
+                  <c:v>1</c:v>
+                </c:pt>
+                <c:pt idx="2">
+                  <c:v>1</c:v>
+                </c:pt>
+                <c:pt idx="3">
+                  <c:v>1</c:v>
+                </c:pt>
+              </c:numCache>
+            </c:numRef>
+          </c:val>
+          <c:extLst>
+            <c:ext xmlns:c16="http://schemas.microsoft.com/office/drawing/2014/chart" uri="{C3380CC4-5D6E-409C-BE32-E72D297353CC}">
+              <c16:uniqueId val="{00000000-1C28-4A33-B387-63C7D45C3B11}"/>
+            </c:ext>
+          </c:extLst>
+        </c:ser>
+        <c:ser>
+          <c:idx val="1"/>
+          <c:order val="1"/>
+          <c:tx>
+            <c:strRef>
+              <c:f>Sheet1!$C$1</c:f>
+              <c:strCache>
+                <c:ptCount val="1"/>
+                <c:pt idx="0">
+                  <c:v>VDO-ON</c:v>
+                </c:pt>
+              </c:strCache>
+            </c:strRef>
+          </c:tx>
+          <c:spPr>
+            <a:solidFill>
+              <a:srgbClr val="FFD966">
+                <a:alpha val="85000"/>
+              </a:srgbClr>
+            </a:solidFill>
+            <a:ln>
+              <a:noFill/>
+            </a:ln>
+            <a:effectLst/>
+          </c:spPr>
+          <c:invertIfNegative val="0"/>
+          <c:cat>
+            <c:strRef>
+              <c:f>Sheet1!$A$2:$A$5</c:f>
+              <c:strCache>
+                <c:ptCount val="4"/>
+                <c:pt idx="0">
+                  <c:v>fileserver</c:v>
+                </c:pt>
+                <c:pt idx="1">
+                  <c:v>webserver</c:v>
+                </c:pt>
+                <c:pt idx="2">
+                  <c:v>varmail</c:v>
+                </c:pt>
+                <c:pt idx="3">
+                  <c:v>randomrw</c:v>
+                </c:pt>
+              </c:strCache>
+            </c:strRef>
+          </c:cat>
+          <c:val>
+            <c:numRef>
+              <c:f>Sheet1!$C$2:$C$5</c:f>
+              <c:numCache>
+                <c:formatCode>General</c:formatCode>
+                <c:ptCount val="4"/>
+                <c:pt idx="0">
+                  <c:v>0.90200000000000002</c:v>
+                </c:pt>
+                <c:pt idx="1">
+                  <c:v>1.0129999999999999</c:v>
+                </c:pt>
+                <c:pt idx="2">
+                  <c:v>0.88400000000000001</c:v>
+                </c:pt>
+                <c:pt idx="3">
+                  <c:v>1.038</c:v>
+                </c:pt>
+              </c:numCache>
+            </c:numRef>
+          </c:val>
+          <c:extLst>
+            <c:ext xmlns:c16="http://schemas.microsoft.com/office/drawing/2014/chart" uri="{C3380CC4-5D6E-409C-BE32-E72D297353CC}">
+              <c16:uniqueId val="{00000001-1C28-4A33-B387-63C7D45C3B11}"/>
+            </c:ext>
+          </c:extLst>
+        </c:ser>
+        <c:ser>
+          <c:idx val="2"/>
+          <c:order val="2"/>
+          <c:tx>
+            <c:strRef>
+              <c:f>Sheet1!$D$1</c:f>
+              <c:strCache>
+                <c:ptCount val="1"/>
+                <c:pt idx="0">
+                  <c:v>VDO-ZLIB</c:v>
+                </c:pt>
+              </c:strCache>
+            </c:strRef>
+          </c:tx>
+          <c:spPr>
+            <a:solidFill>
+              <a:schemeClr val="bg2">
+                <a:lumMod val="90000"/>
+                <a:alpha val="85000"/>
+              </a:schemeClr>
+            </a:solidFill>
+            <a:ln>
+              <a:noFill/>
+            </a:ln>
+            <a:effectLst/>
+          </c:spPr>
+          <c:invertIfNegative val="0"/>
+          <c:cat>
+            <c:strRef>
+              <c:f>Sheet1!$A$2:$A$5</c:f>
+              <c:strCache>
+                <c:ptCount val="4"/>
+                <c:pt idx="0">
+                  <c:v>fileserver</c:v>
+                </c:pt>
+                <c:pt idx="1">
+                  <c:v>webserver</c:v>
+                </c:pt>
+                <c:pt idx="2">
+                  <c:v>varmail</c:v>
+                </c:pt>
+                <c:pt idx="3">
+                  <c:v>randomrw</c:v>
+                </c:pt>
+              </c:strCache>
+            </c:strRef>
+          </c:cat>
+          <c:val>
+            <c:numRef>
+              <c:f>Sheet1!$D$2:$D$5</c:f>
+              <c:numCache>
+                <c:formatCode>General</c:formatCode>
+                <c:ptCount val="4"/>
+                <c:pt idx="0">
+                  <c:v>0.38600000000000001</c:v>
+                </c:pt>
+                <c:pt idx="1">
+                  <c:v>0.995</c:v>
+                </c:pt>
+                <c:pt idx="2">
+                  <c:v>0.74399999999999999</c:v>
+                </c:pt>
+                <c:pt idx="3">
+                  <c:v>0.64700000000000002</c:v>
+                </c:pt>
+              </c:numCache>
+            </c:numRef>
+          </c:val>
+          <c:extLst>
+            <c:ext xmlns:c16="http://schemas.microsoft.com/office/drawing/2014/chart" uri="{C3380CC4-5D6E-409C-BE32-E72D297353CC}">
+              <c16:uniqueId val="{00000002-1C28-4A33-B387-63C7D45C3B11}"/>
+            </c:ext>
+          </c:extLst>
+        </c:ser>
+        <c:ser>
+          <c:idx val="3"/>
+          <c:order val="3"/>
+          <c:tx>
+            <c:strRef>
+              <c:f>Sheet1!$E$1</c:f>
+              <c:strCache>
+                <c:ptCount val="1"/>
+                <c:pt idx="0">
+                  <c:v>VDO-QAT</c:v>
+                </c:pt>
+              </c:strCache>
+            </c:strRef>
+          </c:tx>
+          <c:spPr>
+            <a:solidFill>
+              <a:srgbClr val="A9D18E">
+                <a:alpha val="85000"/>
+              </a:srgbClr>
+            </a:solidFill>
+            <a:ln>
+              <a:noFill/>
+            </a:ln>
+            <a:effectLst/>
+          </c:spPr>
+          <c:invertIfNegative val="0"/>
+          <c:cat>
+            <c:strRef>
+              <c:f>Sheet1!$A$2:$A$5</c:f>
+              <c:strCache>
+                <c:ptCount val="4"/>
+                <c:pt idx="0">
+                  <c:v>fileserver</c:v>
+                </c:pt>
+                <c:pt idx="1">
+                  <c:v>webserver</c:v>
+                </c:pt>
+                <c:pt idx="2">
+                  <c:v>varmail</c:v>
+                </c:pt>
+                <c:pt idx="3">
+                  <c:v>randomrw</c:v>
+                </c:pt>
+              </c:strCache>
+            </c:strRef>
+          </c:cat>
+          <c:val>
+            <c:numRef>
+              <c:f>Sheet1!$E$2:$E$5</c:f>
+              <c:numCache>
+                <c:formatCode>General</c:formatCode>
+                <c:ptCount val="4"/>
+                <c:pt idx="0">
+                  <c:v>0.88500000000000001</c:v>
+                </c:pt>
+                <c:pt idx="1">
+                  <c:v>1.002</c:v>
+                </c:pt>
+                <c:pt idx="2">
+                  <c:v>0.98899999999999999</c:v>
+                </c:pt>
+                <c:pt idx="3">
+                  <c:v>0.99199999999999999</c:v>
+                </c:pt>
+              </c:numCache>
+            </c:numRef>
+          </c:val>
+          <c:extLst>
+            <c:ext xmlns:c16="http://schemas.microsoft.com/office/drawing/2014/chart" uri="{C3380CC4-5D6E-409C-BE32-E72D297353CC}">
+              <c16:uniqueId val="{00000003-1C28-4A33-B387-63C7D45C3B11}"/>
+            </c:ext>
+          </c:extLst>
+        </c:ser>
+        <c:ser>
+          <c:idx val="4"/>
+          <c:order val="4"/>
+          <c:tx>
+            <c:strRef>
+              <c:f>Sheet1!$F$1</c:f>
+              <c:strCache>
+                <c:ptCount val="1"/>
+                <c:pt idx="0">
+                  <c:v>VDO-QAT-MULTI</c:v>
+                </c:pt>
+              </c:strCache>
+            </c:strRef>
+          </c:tx>
+          <c:spPr>
+            <a:solidFill>
+              <a:srgbClr val="A9D18E">
+                <a:alpha val="85000"/>
+              </a:srgbClr>
+            </a:solidFill>
+            <a:ln>
+              <a:noFill/>
+            </a:ln>
+            <a:effectLst/>
+          </c:spPr>
+          <c:invertIfNegative val="0"/>
+          <c:dPt>
+            <c:idx val="0"/>
+            <c:invertIfNegative val="0"/>
+            <c:bubble3D val="0"/>
+            <c:spPr>
+              <a:solidFill>
+                <a:srgbClr val="5B9BD5">
+                  <a:alpha val="85000"/>
+                </a:srgbClr>
+              </a:solidFill>
+              <a:ln>
+                <a:noFill/>
+              </a:ln>
+              <a:effectLst/>
+            </c:spPr>
+            <c:extLst>
+              <c:ext xmlns:c16="http://schemas.microsoft.com/office/drawing/2014/chart" uri="{C3380CC4-5D6E-409C-BE32-E72D297353CC}">
+                <c16:uniqueId val="{00000004-7376-4439-92E3-BFBC01AB4191}"/>
+              </c:ext>
+            </c:extLst>
+          </c:dPt>
+          <c:dPt>
+            <c:idx val="1"/>
+            <c:invertIfNegative val="0"/>
+            <c:bubble3D val="0"/>
+            <c:spPr>
+              <a:solidFill>
+                <a:srgbClr val="5B9BD5">
+                  <a:alpha val="85000"/>
+                </a:srgbClr>
+              </a:solidFill>
+              <a:ln>
+                <a:noFill/>
+              </a:ln>
+              <a:effectLst/>
+            </c:spPr>
+            <c:extLst>
+              <c:ext xmlns:c16="http://schemas.microsoft.com/office/drawing/2014/chart" uri="{C3380CC4-5D6E-409C-BE32-E72D297353CC}">
+                <c16:uniqueId val="{00000003-7376-4439-92E3-BFBC01AB4191}"/>
+              </c:ext>
+            </c:extLst>
+          </c:dPt>
+          <c:dPt>
+            <c:idx val="2"/>
+            <c:invertIfNegative val="0"/>
+            <c:bubble3D val="0"/>
+            <c:spPr>
+              <a:solidFill>
+                <a:srgbClr val="5B9BD5">
+                  <a:alpha val="85000"/>
+                </a:srgbClr>
+              </a:solidFill>
+              <a:ln>
+                <a:noFill/>
+              </a:ln>
+              <a:effectLst/>
+            </c:spPr>
+            <c:extLst>
+              <c:ext xmlns:c16="http://schemas.microsoft.com/office/drawing/2014/chart" uri="{C3380CC4-5D6E-409C-BE32-E72D297353CC}">
+                <c16:uniqueId val="{00000002-7376-4439-92E3-BFBC01AB4191}"/>
+              </c:ext>
+            </c:extLst>
+          </c:dPt>
+          <c:dPt>
+            <c:idx val="3"/>
+            <c:invertIfNegative val="0"/>
+            <c:bubble3D val="0"/>
+            <c:spPr>
+              <a:solidFill>
+                <a:srgbClr val="5B9BD5">
+                  <a:alpha val="85000"/>
+                </a:srgbClr>
+              </a:solidFill>
+              <a:ln>
+                <a:noFill/>
+              </a:ln>
+              <a:effectLst/>
+            </c:spPr>
+            <c:extLst>
+              <c:ext xmlns:c16="http://schemas.microsoft.com/office/drawing/2014/chart" uri="{C3380CC4-5D6E-409C-BE32-E72D297353CC}">
+                <c16:uniqueId val="{00000001-7376-4439-92E3-BFBC01AB4191}"/>
+              </c:ext>
+            </c:extLst>
+          </c:dPt>
+          <c:cat>
+            <c:strRef>
+              <c:f>Sheet1!$A$2:$A$5</c:f>
+              <c:strCache>
+                <c:ptCount val="4"/>
+                <c:pt idx="0">
+                  <c:v>fileserver</c:v>
+                </c:pt>
+                <c:pt idx="1">
+                  <c:v>webserver</c:v>
+                </c:pt>
+                <c:pt idx="2">
+                  <c:v>varmail</c:v>
+                </c:pt>
+                <c:pt idx="3">
+                  <c:v>randomrw</c:v>
+                </c:pt>
+              </c:strCache>
+            </c:strRef>
+          </c:cat>
+          <c:val>
+            <c:numRef>
+              <c:f>Sheet1!$F$2:$F$5</c:f>
+              <c:numCache>
+                <c:formatCode>General</c:formatCode>
+                <c:ptCount val="4"/>
+                <c:pt idx="0">
+                  <c:v>0.94199999999999995</c:v>
+                </c:pt>
+                <c:pt idx="1">
+                  <c:v>0.99399999999999999</c:v>
+                </c:pt>
+                <c:pt idx="2">
+                  <c:v>1</c:v>
+                </c:pt>
+                <c:pt idx="3">
+                  <c:v>1.0569999999999999</c:v>
+                </c:pt>
+              </c:numCache>
+            </c:numRef>
+          </c:val>
+          <c:extLst>
+            <c:ext xmlns:c16="http://schemas.microsoft.com/office/drawing/2014/chart" uri="{C3380CC4-5D6E-409C-BE32-E72D297353CC}">
+              <c16:uniqueId val="{00000000-7376-4439-92E3-BFBC01AB4191}"/>
+            </c:ext>
+          </c:extLst>
+        </c:ser>
+        <c:dLbls>
+          <c:showLegendKey val="0"/>
+          <c:showVal val="0"/>
+          <c:showCatName val="0"/>
+          <c:showSerName val="0"/>
+          <c:showPercent val="0"/>
+          <c:showBubbleSize val="0"/>
+        </c:dLbls>
+        <c:gapWidth val="219"/>
+        <c:overlap val="-27"/>
+        <c:axId val="2057971056"/>
+        <c:axId val="369954112"/>
+      </c:barChart>
+      <c:catAx>
+        <c:axId val="2057971056"/>
+        <c:scaling>
+          <c:orientation val="minMax"/>
+        </c:scaling>
+        <c:delete val="0"/>
+        <c:axPos val="b"/>
+        <c:title>
+          <c:tx>
+            <c:rich>
+              <a:bodyPr rot="0" spcFirstLastPara="1" vertOverflow="ellipsis" vert="horz" wrap="square" anchor="ctr" anchorCtr="1"/>
+              <a:lstStyle/>
+              <a:p>
+                <a:pPr>
+                  <a:defRPr sz="1330" b="0" i="0" u="none" strike="noStrike" kern="1200" baseline="0">
+                    <a:solidFill>
+                      <a:schemeClr val="tx1">
+                        <a:lumMod val="65000"/>
+                        <a:lumOff val="35000"/>
+                      </a:schemeClr>
+                    </a:solidFill>
+                    <a:latin typeface="+mn-lt"/>
+                    <a:ea typeface="+mn-ea"/>
+                    <a:cs typeface="+mn-cs"/>
+                  </a:defRPr>
+                </a:pPr>
+                <a:r>
+                  <a:rPr lang="en-US" altLang="zh-CN" sz="1200" b="1" dirty="0">
+                    <a:latin typeface="+mn-lt"/>
+                    <a:ea typeface="+mj-ea"/>
+                  </a:rPr>
+                  <a:t>FIO</a:t>
+                </a:r>
+                <a:r>
+                  <a:rPr lang="zh-CN" altLang="en-US" sz="1200" b="1" dirty="0">
+                    <a:latin typeface="+mn-lt"/>
+                    <a:ea typeface="+mj-ea"/>
+                  </a:rPr>
+                  <a:t>工作负载类型</a:t>
+                </a:r>
+              </a:p>
+            </c:rich>
+          </c:tx>
+          <c:overlay val="0"/>
+          <c:spPr>
+            <a:noFill/>
+            <a:ln>
+              <a:noFill/>
+            </a:ln>
+            <a:effectLst/>
+          </c:spPr>
+          <c:txPr>
+            <a:bodyPr rot="0" spcFirstLastPara="1" vertOverflow="ellipsis" vert="horz" wrap="square" anchor="ctr" anchorCtr="1"/>
+            <a:lstStyle/>
+            <a:p>
+              <a:pPr>
+                <a:defRPr sz="1330" b="0" i="0" u="none" strike="noStrike" kern="1200" baseline="0">
+                  <a:solidFill>
+                    <a:schemeClr val="tx1">
+                      <a:lumMod val="65000"/>
+                      <a:lumOff val="35000"/>
+                    </a:schemeClr>
+                  </a:solidFill>
+                  <a:latin typeface="+mn-lt"/>
+                  <a:ea typeface="+mn-ea"/>
+                  <a:cs typeface="+mn-cs"/>
+                </a:defRPr>
+              </a:pPr>
+              <a:endParaRPr lang="zh-CN"/>
+            </a:p>
+          </c:txPr>
+        </c:title>
+        <c:numFmt formatCode="General" sourceLinked="1"/>
+        <c:majorTickMark val="none"/>
+        <c:minorTickMark val="none"/>
+        <c:tickLblPos val="nextTo"/>
+        <c:spPr>
+          <a:noFill/>
+          <a:ln w="9525" cap="flat" cmpd="sng" algn="ctr">
+            <a:solidFill>
+              <a:schemeClr val="tx1">
+                <a:lumMod val="15000"/>
+                <a:lumOff val="85000"/>
+              </a:schemeClr>
+            </a:solidFill>
+            <a:round/>
+          </a:ln>
+          <a:effectLst/>
+        </c:spPr>
+        <c:txPr>
+          <a:bodyPr rot="-60000000" spcFirstLastPara="1" vertOverflow="ellipsis" vert="horz" wrap="square" anchor="ctr" anchorCtr="1"/>
+          <a:lstStyle/>
+          <a:p>
+            <a:pPr>
+              <a:defRPr sz="1200" b="1" i="0" u="none" strike="noStrike" kern="1200" baseline="0">
+                <a:solidFill>
+                  <a:schemeClr val="tx1">
+                    <a:lumMod val="65000"/>
+                    <a:lumOff val="35000"/>
+                  </a:schemeClr>
+                </a:solidFill>
+                <a:latin typeface="+mn-lt"/>
+                <a:ea typeface="+mn-ea"/>
+                <a:cs typeface="+mn-cs"/>
+              </a:defRPr>
+            </a:pPr>
+            <a:endParaRPr lang="zh-CN"/>
+          </a:p>
+        </c:txPr>
+        <c:crossAx val="369954112"/>
+        <c:crosses val="autoZero"/>
+        <c:auto val="1"/>
+        <c:lblAlgn val="ctr"/>
+        <c:lblOffset val="100"/>
+        <c:noMultiLvlLbl val="0"/>
+      </c:catAx>
+      <c:valAx>
+        <c:axId val="369954112"/>
+        <c:scaling>
+          <c:orientation val="minMax"/>
+        </c:scaling>
+        <c:delete val="0"/>
+        <c:axPos val="l"/>
+        <c:majorGridlines>
+          <c:spPr>
+            <a:ln w="9525" cap="flat" cmpd="sng" algn="ctr">
+              <a:solidFill>
+                <a:schemeClr val="tx1">
+                  <a:lumMod val="15000"/>
+                  <a:lumOff val="85000"/>
+                </a:schemeClr>
+              </a:solidFill>
+              <a:prstDash val="sysDash"/>
+              <a:round/>
+            </a:ln>
+            <a:effectLst/>
+          </c:spPr>
+        </c:majorGridlines>
+        <c:title>
+          <c:tx>
+            <c:rich>
+              <a:bodyPr rot="-5400000" spcFirstLastPara="1" vertOverflow="ellipsis" vert="horz" wrap="square" anchor="ctr" anchorCtr="1"/>
+              <a:lstStyle/>
+              <a:p>
+                <a:pPr>
+                  <a:defRPr sz="1330" b="1" i="0" u="none" strike="noStrike" kern="1200" baseline="0">
+                    <a:solidFill>
+                      <a:schemeClr val="tx1">
+                        <a:lumMod val="65000"/>
+                        <a:lumOff val="35000"/>
+                      </a:schemeClr>
+                    </a:solidFill>
+                    <a:latin typeface="+mn-lt"/>
+                    <a:ea typeface="+mn-ea"/>
+                    <a:cs typeface="+mn-cs"/>
+                  </a:defRPr>
+                </a:pPr>
+                <a:r>
+                  <a:rPr lang="zh-CN" altLang="en-US" sz="1200" b="1" dirty="0"/>
+                  <a:t>吞吐量比例（</a:t>
+                </a:r>
+                <a:r>
+                  <a:rPr lang="en-US" altLang="zh-CN" sz="1200" b="1" dirty="0"/>
+                  <a:t>%</a:t>
+                </a:r>
+                <a:r>
+                  <a:rPr lang="zh-CN" altLang="en-US" sz="1200" b="1" dirty="0"/>
+                  <a:t>）</a:t>
+                </a:r>
+              </a:p>
+            </c:rich>
+          </c:tx>
+          <c:overlay val="0"/>
+          <c:spPr>
+            <a:noFill/>
+            <a:ln>
+              <a:noFill/>
+            </a:ln>
+            <a:effectLst/>
+          </c:spPr>
+          <c:txPr>
+            <a:bodyPr rot="-5400000" spcFirstLastPara="1" vertOverflow="ellipsis" vert="horz" wrap="square" anchor="ctr" anchorCtr="1"/>
+            <a:lstStyle/>
+            <a:p>
+              <a:pPr>
+                <a:defRPr sz="1330" b="1" i="0" u="none" strike="noStrike" kern="1200" baseline="0">
+                  <a:solidFill>
+                    <a:schemeClr val="tx1">
+                      <a:lumMod val="65000"/>
+                      <a:lumOff val="35000"/>
+                    </a:schemeClr>
+                  </a:solidFill>
+                  <a:latin typeface="+mn-lt"/>
+                  <a:ea typeface="+mn-ea"/>
+                  <a:cs typeface="+mn-cs"/>
+                </a:defRPr>
+              </a:pPr>
+              <a:endParaRPr lang="zh-CN"/>
+            </a:p>
+          </c:txPr>
+        </c:title>
+        <c:numFmt formatCode="General" sourceLinked="1"/>
+        <c:majorTickMark val="none"/>
+        <c:minorTickMark val="none"/>
+        <c:tickLblPos val="nextTo"/>
+        <c:spPr>
+          <a:noFill/>
+          <a:ln>
+            <a:solidFill>
+              <a:schemeClr val="tx1">
+                <a:lumMod val="15000"/>
+                <a:lumOff val="85000"/>
+              </a:schemeClr>
+            </a:solidFill>
+          </a:ln>
+          <a:effectLst/>
+        </c:spPr>
+        <c:txPr>
+          <a:bodyPr rot="-60000000" spcFirstLastPara="1" vertOverflow="ellipsis" vert="horz" wrap="square" anchor="ctr" anchorCtr="1"/>
+          <a:lstStyle/>
+          <a:p>
+            <a:pPr>
+              <a:defRPr sz="1200" b="1" i="0" u="none" strike="noStrike" kern="1200" baseline="0">
+                <a:solidFill>
+                  <a:schemeClr val="tx1">
+                    <a:lumMod val="65000"/>
+                    <a:lumOff val="35000"/>
+                  </a:schemeClr>
+                </a:solidFill>
+                <a:latin typeface="+mn-lt"/>
+                <a:ea typeface="+mn-ea"/>
+                <a:cs typeface="+mn-cs"/>
+              </a:defRPr>
+            </a:pPr>
+            <a:endParaRPr lang="zh-CN"/>
+          </a:p>
+        </c:txPr>
+        <c:crossAx val="2057971056"/>
+        <c:crosses val="autoZero"/>
+        <c:crossBetween val="between"/>
+      </c:valAx>
+      <c:spPr>
+        <a:noFill/>
+        <a:ln w="15875">
+          <a:solidFill>
+            <a:schemeClr val="bg1">
+              <a:lumMod val="65000"/>
+            </a:schemeClr>
+          </a:solidFill>
+        </a:ln>
+        <a:effectLst/>
+      </c:spPr>
+    </c:plotArea>
+    <c:legend>
+      <c:legendPos val="b"/>
+      <c:layout>
+        <c:manualLayout>
+          <c:xMode val="edge"/>
+          <c:yMode val="edge"/>
+          <c:x val="0.22669402066929134"/>
+          <c:y val="0.92218307228514251"/>
+          <c:w val="0.6830834153543307"/>
+          <c:h val="4.7044404105426173E-2"/>
+        </c:manualLayout>
+      </c:layout>
+      <c:overlay val="0"/>
+      <c:spPr>
+        <a:noFill/>
+        <a:ln>
+          <a:noFill/>
+        </a:ln>
+        <a:effectLst/>
+      </c:spPr>
+      <c:txPr>
+        <a:bodyPr rot="0" spcFirstLastPara="1" vertOverflow="ellipsis" vert="horz" wrap="square" anchor="ctr" anchorCtr="1"/>
+        <a:lstStyle/>
+        <a:p>
+          <a:pPr>
+            <a:defRPr sz="1197" b="1" i="0" u="none" strike="noStrike" kern="1200" baseline="0">
+              <a:solidFill>
+                <a:schemeClr val="tx1">
+                  <a:lumMod val="65000"/>
+                  <a:lumOff val="35000"/>
+                </a:schemeClr>
+              </a:solidFill>
+              <a:latin typeface="+mn-lt"/>
+              <a:ea typeface="+mn-ea"/>
+              <a:cs typeface="+mn-cs"/>
+            </a:defRPr>
+          </a:pPr>
+          <a:endParaRPr lang="zh-CN"/>
+        </a:p>
+      </c:txPr>
+    </c:legend>
+    <c:plotVisOnly val="1"/>
+    <c:dispBlanksAs val="gap"/>
+    <c:extLst>
+      <c:ext xmlns:c16r3="http://schemas.microsoft.com/office/drawing/2017/03/chart" uri="{56B9EC1D-385E-4148-901F-78D8002777C0}">
+        <c16r3:dataDisplayOptions16>
+          <c16r3:dispNaAsBlank val="1"/>
+        </c16r3:dataDisplayOptions16>
+      </c:ext>
+    </c:extLst>
+    <c:showDLblsOverMax val="0"/>
+  </c:chart>
+  <c:spPr>
+    <a:noFill/>
+    <a:ln>
+      <a:noFill/>
+    </a:ln>
+    <a:effectLst/>
+  </c:spPr>
+  <c:txPr>
+    <a:bodyPr/>
+    <a:lstStyle/>
+    <a:p>
+      <a:pPr>
+        <a:defRPr/>
+      </a:pPr>
+      <a:endParaRPr lang="zh-CN"/>
+    </a:p>
+  </c:txPr>
+  <c:externalData r:id="rId3">
+    <c:autoUpdate val="0"/>
+  </c:externalData>
+</c:chartSpace>
+</file>
+
 <file path=ppt/charts/chart2.xml><?xml version="1.0" encoding="utf-8"?>
 <c:chartSpace xmlns:c="http://schemas.openxmlformats.org/drawingml/2006/chart" xmlns:a="http://schemas.openxmlformats.org/drawingml/2006/main" xmlns:r="http://schemas.openxmlformats.org/officeDocument/2006/relationships" xmlns:c16r2="http://schemas.microsoft.com/office/drawing/2015/06/chart">
   <c:date1904 val="0"/>
@@ -1673,7 +2526,9 @@
           </c:tx>
           <c:spPr>
             <a:solidFill>
-              <a:schemeClr val="accent2"/>
+              <a:srgbClr val="ED7D31">
+                <a:alpha val="80000"/>
+              </a:srgbClr>
             </a:solidFill>
             <a:ln>
               <a:noFill/>
@@ -1744,10 +2599,9 @@
           </c:tx>
           <c:spPr>
             <a:solidFill>
-              <a:schemeClr val="accent4">
-                <a:lumMod val="60000"/>
-                <a:lumOff val="40000"/>
-              </a:schemeClr>
+              <a:srgbClr val="FFD966">
+                <a:alpha val="85000"/>
+              </a:srgbClr>
             </a:solidFill>
             <a:ln>
               <a:noFill/>
@@ -1818,10 +2672,9 @@
           </c:tx>
           <c:spPr>
             <a:solidFill>
-              <a:schemeClr val="accent6">
-                <a:lumMod val="60000"/>
-                <a:lumOff val="40000"/>
-              </a:schemeClr>
+              <a:srgbClr val="A9D18E">
+                <a:alpha val="85000"/>
+              </a:srgbClr>
             </a:solidFill>
             <a:ln>
               <a:noFill/>
@@ -1892,7 +2745,9 @@
           </c:tx>
           <c:spPr>
             <a:solidFill>
-              <a:schemeClr val="accent5"/>
+              <a:srgbClr val="5B9BD5">
+                <a:alpha val="85000"/>
+              </a:srgbClr>
             </a:solidFill>
             <a:ln>
               <a:noFill/>
@@ -2113,7 +2968,15 @@
                 </a:pPr>
                 <a:r>
                   <a:rPr lang="zh-CN" altLang="en-US" sz="1200" b="1" dirty="0"/>
-                  <a:t>资源利用效率</a:t>
+                  <a:t>成本效益（</a:t>
+                </a:r>
+                <a:r>
+                  <a:rPr lang="en-US" altLang="zh-CN" sz="1200" b="1" dirty="0"/>
+                  <a:t>cost-efficiency</a:t>
+                </a:r>
+                <a:r>
+                  <a:rPr lang="zh-CN" altLang="en-US" sz="1200" b="1" dirty="0"/>
+                  <a:t>）</a:t>
                 </a:r>
               </a:p>
             </c:rich>
@@ -2311,7 +3174,9 @@
           </c:tx>
           <c:spPr>
             <a:solidFill>
-              <a:schemeClr val="accent2"/>
+              <a:schemeClr val="accent2">
+                <a:alpha val="80000"/>
+              </a:schemeClr>
             </a:solidFill>
             <a:ln>
               <a:noFill/>
@@ -2325,7 +3190,9 @@
             <c:bubble3D val="0"/>
             <c:spPr>
               <a:solidFill>
-                <a:schemeClr val="accent2"/>
+                <a:schemeClr val="accent2">
+                  <a:alpha val="80000"/>
+                </a:schemeClr>
               </a:solidFill>
               <a:ln>
                 <a:noFill/>
@@ -2404,6 +3271,7 @@
               <a:schemeClr val="accent4">
                 <a:lumMod val="60000"/>
                 <a:lumOff val="40000"/>
+                <a:alpha val="85000"/>
               </a:schemeClr>
             </a:solidFill>
             <a:ln>
@@ -2478,6 +3346,7 @@
               <a:schemeClr val="accent6">
                 <a:lumMod val="60000"/>
                 <a:lumOff val="40000"/>
+                <a:alpha val="85000"/>
               </a:schemeClr>
             </a:solidFill>
             <a:ln>
@@ -2549,7 +3418,9 @@
           </c:tx>
           <c:spPr>
             <a:solidFill>
-              <a:schemeClr val="accent5"/>
+              <a:schemeClr val="accent5">
+                <a:alpha val="85000"/>
+              </a:schemeClr>
             </a:solidFill>
             <a:ln>
               <a:noFill/>
@@ -2986,7 +3857,9 @@
           </c:tx>
           <c:spPr>
             <a:solidFill>
-              <a:schemeClr val="accent2"/>
+              <a:schemeClr val="accent2">
+                <a:alpha val="80000"/>
+              </a:schemeClr>
             </a:solidFill>
             <a:ln>
               <a:noFill/>
@@ -3000,7 +3873,9 @@
             <c:bubble3D val="0"/>
             <c:spPr>
               <a:solidFill>
-                <a:schemeClr val="accent2"/>
+                <a:schemeClr val="accent2">
+                  <a:alpha val="80000"/>
+                </a:schemeClr>
               </a:solidFill>
               <a:ln>
                 <a:noFill/>
@@ -3073,6 +3948,7 @@
               <a:schemeClr val="accent4">
                 <a:lumMod val="60000"/>
                 <a:lumOff val="40000"/>
+                <a:alpha val="85000"/>
               </a:schemeClr>
             </a:solidFill>
             <a:ln>
@@ -3141,6 +4017,7 @@
               <a:schemeClr val="accent6">
                 <a:lumMod val="60000"/>
                 <a:lumOff val="40000"/>
+                <a:alpha val="85000"/>
               </a:schemeClr>
             </a:solidFill>
             <a:ln>
@@ -3206,7 +4083,9 @@
           </c:tx>
           <c:spPr>
             <a:solidFill>
-              <a:schemeClr val="accent5"/>
+              <a:schemeClr val="accent5">
+                <a:alpha val="85000"/>
+              </a:schemeClr>
             </a:solidFill>
             <a:ln>
               <a:noFill/>
@@ -3421,7 +4300,7 @@
                 </a:pPr>
                 <a:r>
                   <a:rPr lang="zh-CN" altLang="en-US" sz="1200" b="1" dirty="0"/>
-                  <a:t>存储空间节省率（</a:t>
+                  <a:t>存储空间变化率（</a:t>
                 </a:r>
                 <a:r>
                   <a:rPr lang="en-US" altLang="zh-CN" sz="1200" b="1" dirty="0"/>
@@ -3627,7 +4506,9 @@
           </c:tx>
           <c:spPr>
             <a:solidFill>
-              <a:schemeClr val="accent2"/>
+              <a:schemeClr val="accent2">
+                <a:alpha val="80000"/>
+              </a:schemeClr>
             </a:solidFill>
             <a:ln>
               <a:noFill/>
@@ -3641,7 +4522,9 @@
             <c:bubble3D val="0"/>
             <c:spPr>
               <a:solidFill>
-                <a:schemeClr val="accent2"/>
+                <a:schemeClr val="accent2">
+                  <a:alpha val="80000"/>
+                </a:schemeClr>
               </a:solidFill>
               <a:ln>
                 <a:noFill/>
@@ -3714,6 +4597,7 @@
               <a:schemeClr val="accent4">
                 <a:lumMod val="60000"/>
                 <a:lumOff val="40000"/>
+                <a:alpha val="85000"/>
               </a:schemeClr>
             </a:solidFill>
             <a:ln>
@@ -3782,6 +4666,7 @@
               <a:schemeClr val="accent6">
                 <a:lumMod val="60000"/>
                 <a:lumOff val="40000"/>
+                <a:alpha val="85000"/>
               </a:schemeClr>
             </a:solidFill>
             <a:ln>
@@ -3847,7 +4732,9 @@
           </c:tx>
           <c:spPr>
             <a:solidFill>
-              <a:schemeClr val="accent5"/>
+              <a:schemeClr val="accent5">
+                <a:alpha val="85000"/>
+              </a:schemeClr>
             </a:solidFill>
             <a:ln>
               <a:noFill/>
@@ -4930,6 +5817,16 @@
     </c:plotArea>
     <c:legend>
       <c:legendPos val="b"/>
+      <c:layout>
+        <c:manualLayout>
+          <c:xMode val="edge"/>
+          <c:yMode val="edge"/>
+          <c:x val="0.22718043491264911"/>
+          <c:y val="0.91282867220763841"/>
+          <c:w val="0.6703891042008393"/>
+          <c:h val="4.8237373617932226E-2"/>
+        </c:manualLayout>
+      </c:layout>
       <c:overlay val="0"/>
       <c:spPr>
         <a:noFill/>
@@ -6390,6 +7287,16 @@
     </c:plotArea>
     <c:legend>
       <c:legendPos val="b"/>
+      <c:layout>
+        <c:manualLayout>
+          <c:xMode val="edge"/>
+          <c:yMode val="edge"/>
+          <c:x val="0.23357787593623966"/>
+          <c:y val="0.91282867220763841"/>
+          <c:w val="0.6703891042008393"/>
+          <c:h val="5.1018370344677169E-2"/>
+        </c:manualLayout>
+      </c:layout>
       <c:overlay val="0"/>
       <c:spPr>
         <a:noFill/>
@@ -7466,6 +8373,46 @@
 </cs:colorStyle>
 </file>
 
+<file path=ppt/charts/colors11.xml><?xml version="1.0" encoding="utf-8"?>
+<cs:colorStyle xmlns:cs="http://schemas.microsoft.com/office/drawing/2012/chartStyle" xmlns:a="http://schemas.openxmlformats.org/drawingml/2006/main" meth="cycle" id="10">
+  <a:schemeClr val="accent1"/>
+  <a:schemeClr val="accent2"/>
+  <a:schemeClr val="accent3"/>
+  <a:schemeClr val="accent4"/>
+  <a:schemeClr val="accent5"/>
+  <a:schemeClr val="accent6"/>
+  <cs:variation/>
+  <cs:variation>
+    <a:lumMod val="60000"/>
+  </cs:variation>
+  <cs:variation>
+    <a:lumMod val="80000"/>
+    <a:lumOff val="20000"/>
+  </cs:variation>
+  <cs:variation>
+    <a:lumMod val="80000"/>
+  </cs:variation>
+  <cs:variation>
+    <a:lumMod val="60000"/>
+    <a:lumOff val="40000"/>
+  </cs:variation>
+  <cs:variation>
+    <a:lumMod val="50000"/>
+  </cs:variation>
+  <cs:variation>
+    <a:lumMod val="70000"/>
+    <a:lumOff val="30000"/>
+  </cs:variation>
+  <cs:variation>
+    <a:lumMod val="70000"/>
+  </cs:variation>
+  <cs:variation>
+    <a:lumMod val="50000"/>
+    <a:lumOff val="50000"/>
+  </cs:variation>
+</cs:colorStyle>
+</file>
+
 <file path=ppt/charts/colors2.xml><?xml version="1.0" encoding="utf-8"?>
 <cs:colorStyle xmlns:cs="http://schemas.microsoft.com/office/drawing/2012/chartStyle" xmlns:a="http://schemas.openxmlformats.org/drawingml/2006/main" meth="cycle" id="10">
   <a:schemeClr val="accent1"/>
@@ -8792,6 +9739,509 @@
 </cs:chartStyle>
 </file>
 
+<file path=ppt/charts/style11.xml><?xml version="1.0" encoding="utf-8"?>
+<cs:chartStyle xmlns:cs="http://schemas.microsoft.com/office/drawing/2012/chartStyle" xmlns:a="http://schemas.openxmlformats.org/drawingml/2006/main" id="201">
+  <cs:axisTitle>
+    <cs:lnRef idx="0"/>
+    <cs:fillRef idx="0"/>
+    <cs:effectRef idx="0"/>
+    <cs:fontRef idx="minor">
+      <a:schemeClr val="tx1">
+        <a:lumMod val="65000"/>
+        <a:lumOff val="35000"/>
+      </a:schemeClr>
+    </cs:fontRef>
+    <cs:defRPr sz="1330" kern="1200"/>
+  </cs:axisTitle>
+  <cs:categoryAxis>
+    <cs:lnRef idx="0"/>
+    <cs:fillRef idx="0"/>
+    <cs:effectRef idx="0"/>
+    <cs:fontRef idx="minor">
+      <a:schemeClr val="tx1">
+        <a:lumMod val="65000"/>
+        <a:lumOff val="35000"/>
+      </a:schemeClr>
+    </cs:fontRef>
+    <cs:spPr>
+      <a:ln w="9525" cap="flat" cmpd="sng" algn="ctr">
+        <a:solidFill>
+          <a:schemeClr val="tx1">
+            <a:lumMod val="15000"/>
+            <a:lumOff val="85000"/>
+          </a:schemeClr>
+        </a:solidFill>
+        <a:round/>
+      </a:ln>
+    </cs:spPr>
+    <cs:defRPr sz="1197" kern="1200"/>
+  </cs:categoryAxis>
+  <cs:chartArea mods="allowNoFillOverride allowNoLineOverride">
+    <cs:lnRef idx="0"/>
+    <cs:fillRef idx="0"/>
+    <cs:effectRef idx="0"/>
+    <cs:fontRef idx="minor">
+      <a:schemeClr val="tx1"/>
+    </cs:fontRef>
+    <cs:spPr>
+      <a:solidFill>
+        <a:schemeClr val="bg1"/>
+      </a:solidFill>
+      <a:ln w="9525" cap="flat" cmpd="sng" algn="ctr">
+        <a:solidFill>
+          <a:schemeClr val="tx1">
+            <a:lumMod val="15000"/>
+            <a:lumOff val="85000"/>
+          </a:schemeClr>
+        </a:solidFill>
+        <a:round/>
+      </a:ln>
+    </cs:spPr>
+    <cs:defRPr sz="1330" kern="1200"/>
+  </cs:chartArea>
+  <cs:dataLabel>
+    <cs:lnRef idx="0"/>
+    <cs:fillRef idx="0"/>
+    <cs:effectRef idx="0"/>
+    <cs:fontRef idx="minor">
+      <a:schemeClr val="tx1">
+        <a:lumMod val="75000"/>
+        <a:lumOff val="25000"/>
+      </a:schemeClr>
+    </cs:fontRef>
+    <cs:defRPr sz="1197" kern="1200"/>
+  </cs:dataLabel>
+  <cs:dataLabelCallout>
+    <cs:lnRef idx="0"/>
+    <cs:fillRef idx="0"/>
+    <cs:effectRef idx="0"/>
+    <cs:fontRef idx="minor">
+      <a:schemeClr val="dk1">
+        <a:lumMod val="65000"/>
+        <a:lumOff val="35000"/>
+      </a:schemeClr>
+    </cs:fontRef>
+    <cs:spPr>
+      <a:solidFill>
+        <a:schemeClr val="lt1"/>
+      </a:solidFill>
+      <a:ln>
+        <a:solidFill>
+          <a:schemeClr val="dk1">
+            <a:lumMod val="25000"/>
+            <a:lumOff val="75000"/>
+          </a:schemeClr>
+        </a:solidFill>
+      </a:ln>
+    </cs:spPr>
+    <cs:defRPr sz="1197" kern="1200"/>
+    <cs:bodyPr rot="0" spcFirstLastPara="1" vertOverflow="clip" horzOverflow="clip" vert="horz" wrap="square" lIns="36576" tIns="18288" rIns="36576" bIns="18288" anchor="ctr" anchorCtr="1">
+      <a:spAutoFit/>
+    </cs:bodyPr>
+  </cs:dataLabelCallout>
+  <cs:dataPoint>
+    <cs:lnRef idx="0"/>
+    <cs:fillRef idx="1">
+      <cs:styleClr val="auto"/>
+    </cs:fillRef>
+    <cs:effectRef idx="0"/>
+    <cs:fontRef idx="minor">
+      <a:schemeClr val="tx1"/>
+    </cs:fontRef>
+  </cs:dataPoint>
+  <cs:dataPoint3D>
+    <cs:lnRef idx="0"/>
+    <cs:fillRef idx="1">
+      <cs:styleClr val="auto"/>
+    </cs:fillRef>
+    <cs:effectRef idx="0"/>
+    <cs:fontRef idx="minor">
+      <a:schemeClr val="tx1"/>
+    </cs:fontRef>
+  </cs:dataPoint3D>
+  <cs:dataPointLine>
+    <cs:lnRef idx="0">
+      <cs:styleClr val="auto"/>
+    </cs:lnRef>
+    <cs:fillRef idx="1"/>
+    <cs:effectRef idx="0"/>
+    <cs:fontRef idx="minor">
+      <a:schemeClr val="tx1"/>
+    </cs:fontRef>
+    <cs:spPr>
+      <a:ln w="28575" cap="rnd">
+        <a:solidFill>
+          <a:schemeClr val="phClr"/>
+        </a:solidFill>
+        <a:round/>
+      </a:ln>
+    </cs:spPr>
+  </cs:dataPointLine>
+  <cs:dataPointMarker>
+    <cs:lnRef idx="0">
+      <cs:styleClr val="auto"/>
+    </cs:lnRef>
+    <cs:fillRef idx="1">
+      <cs:styleClr val="auto"/>
+    </cs:fillRef>
+    <cs:effectRef idx="0"/>
+    <cs:fontRef idx="minor">
+      <a:schemeClr val="tx1"/>
+    </cs:fontRef>
+    <cs:spPr>
+      <a:ln w="9525">
+        <a:solidFill>
+          <a:schemeClr val="phClr"/>
+        </a:solidFill>
+      </a:ln>
+    </cs:spPr>
+  </cs:dataPointMarker>
+  <cs:dataPointMarkerLayout symbol="circle" size="5"/>
+  <cs:dataPointWireframe>
+    <cs:lnRef idx="0">
+      <cs:styleClr val="auto"/>
+    </cs:lnRef>
+    <cs:fillRef idx="1"/>
+    <cs:effectRef idx="0"/>
+    <cs:fontRef idx="minor">
+      <a:schemeClr val="tx1"/>
+    </cs:fontRef>
+    <cs:spPr>
+      <a:ln w="9525" cap="rnd">
+        <a:solidFill>
+          <a:schemeClr val="phClr"/>
+        </a:solidFill>
+        <a:round/>
+      </a:ln>
+    </cs:spPr>
+  </cs:dataPointWireframe>
+  <cs:dataTable>
+    <cs:lnRef idx="0"/>
+    <cs:fillRef idx="0"/>
+    <cs:effectRef idx="0"/>
+    <cs:fontRef idx="minor">
+      <a:schemeClr val="tx1">
+        <a:lumMod val="65000"/>
+        <a:lumOff val="35000"/>
+      </a:schemeClr>
+    </cs:fontRef>
+    <cs:spPr>
+      <a:noFill/>
+      <a:ln w="9525" cap="flat" cmpd="sng" algn="ctr">
+        <a:solidFill>
+          <a:schemeClr val="tx1">
+            <a:lumMod val="15000"/>
+            <a:lumOff val="85000"/>
+          </a:schemeClr>
+        </a:solidFill>
+        <a:round/>
+      </a:ln>
+    </cs:spPr>
+    <cs:defRPr sz="1197" kern="1200"/>
+  </cs:dataTable>
+  <cs:downBar>
+    <cs:lnRef idx="0"/>
+    <cs:fillRef idx="0"/>
+    <cs:effectRef idx="0"/>
+    <cs:fontRef idx="minor">
+      <a:schemeClr val="dk1"/>
+    </cs:fontRef>
+    <cs:spPr>
+      <a:solidFill>
+        <a:schemeClr val="dk1">
+          <a:lumMod val="65000"/>
+          <a:lumOff val="35000"/>
+        </a:schemeClr>
+      </a:solidFill>
+      <a:ln w="9525">
+        <a:solidFill>
+          <a:schemeClr val="tx1">
+            <a:lumMod val="65000"/>
+            <a:lumOff val="35000"/>
+          </a:schemeClr>
+        </a:solidFill>
+      </a:ln>
+    </cs:spPr>
+  </cs:downBar>
+  <cs:dropLine>
+    <cs:lnRef idx="0"/>
+    <cs:fillRef idx="0"/>
+    <cs:effectRef idx="0"/>
+    <cs:fontRef idx="minor">
+      <a:schemeClr val="tx1"/>
+    </cs:fontRef>
+    <cs:spPr>
+      <a:ln w="9525" cap="flat" cmpd="sng" algn="ctr">
+        <a:solidFill>
+          <a:schemeClr val="tx1">
+            <a:lumMod val="35000"/>
+            <a:lumOff val="65000"/>
+          </a:schemeClr>
+        </a:solidFill>
+        <a:round/>
+      </a:ln>
+    </cs:spPr>
+  </cs:dropLine>
+  <cs:errorBar>
+    <cs:lnRef idx="0"/>
+    <cs:fillRef idx="0"/>
+    <cs:effectRef idx="0"/>
+    <cs:fontRef idx="minor">
+      <a:schemeClr val="tx1"/>
+    </cs:fontRef>
+    <cs:spPr>
+      <a:ln w="9525" cap="flat" cmpd="sng" algn="ctr">
+        <a:solidFill>
+          <a:schemeClr val="tx1">
+            <a:lumMod val="65000"/>
+            <a:lumOff val="35000"/>
+          </a:schemeClr>
+        </a:solidFill>
+        <a:round/>
+      </a:ln>
+    </cs:spPr>
+  </cs:errorBar>
+  <cs:floor>
+    <cs:lnRef idx="0"/>
+    <cs:fillRef idx="0"/>
+    <cs:effectRef idx="0"/>
+    <cs:fontRef idx="minor">
+      <a:schemeClr val="tx1"/>
+    </cs:fontRef>
+    <cs:spPr>
+      <a:noFill/>
+      <a:ln>
+        <a:noFill/>
+      </a:ln>
+    </cs:spPr>
+  </cs:floor>
+  <cs:gridlineMajor>
+    <cs:lnRef idx="0"/>
+    <cs:fillRef idx="0"/>
+    <cs:effectRef idx="0"/>
+    <cs:fontRef idx="minor">
+      <a:schemeClr val="tx1"/>
+    </cs:fontRef>
+    <cs:spPr>
+      <a:ln w="9525" cap="flat" cmpd="sng" algn="ctr">
+        <a:solidFill>
+          <a:schemeClr val="tx1">
+            <a:lumMod val="15000"/>
+            <a:lumOff val="85000"/>
+          </a:schemeClr>
+        </a:solidFill>
+        <a:round/>
+      </a:ln>
+    </cs:spPr>
+  </cs:gridlineMajor>
+  <cs:gridlineMinor>
+    <cs:lnRef idx="0"/>
+    <cs:fillRef idx="0"/>
+    <cs:effectRef idx="0"/>
+    <cs:fontRef idx="minor">
+      <a:schemeClr val="tx1"/>
+    </cs:fontRef>
+    <cs:spPr>
+      <a:ln w="9525" cap="flat" cmpd="sng" algn="ctr">
+        <a:solidFill>
+          <a:schemeClr val="tx1">
+            <a:lumMod val="5000"/>
+            <a:lumOff val="95000"/>
+          </a:schemeClr>
+        </a:solidFill>
+        <a:round/>
+      </a:ln>
+    </cs:spPr>
+  </cs:gridlineMinor>
+  <cs:hiLoLine>
+    <cs:lnRef idx="0"/>
+    <cs:fillRef idx="0"/>
+    <cs:effectRef idx="0"/>
+    <cs:fontRef idx="minor">
+      <a:schemeClr val="tx1"/>
+    </cs:fontRef>
+    <cs:spPr>
+      <a:ln w="9525" cap="flat" cmpd="sng" algn="ctr">
+        <a:solidFill>
+          <a:schemeClr val="tx1">
+            <a:lumMod val="75000"/>
+            <a:lumOff val="25000"/>
+          </a:schemeClr>
+        </a:solidFill>
+        <a:round/>
+      </a:ln>
+    </cs:spPr>
+  </cs:hiLoLine>
+  <cs:leaderLine>
+    <cs:lnRef idx="0"/>
+    <cs:fillRef idx="0"/>
+    <cs:effectRef idx="0"/>
+    <cs:fontRef idx="minor">
+      <a:schemeClr val="tx1"/>
+    </cs:fontRef>
+    <cs:spPr>
+      <a:ln w="9525" cap="flat" cmpd="sng" algn="ctr">
+        <a:solidFill>
+          <a:schemeClr val="tx1">
+            <a:lumMod val="35000"/>
+            <a:lumOff val="65000"/>
+          </a:schemeClr>
+        </a:solidFill>
+        <a:round/>
+      </a:ln>
+    </cs:spPr>
+  </cs:leaderLine>
+  <cs:legend>
+    <cs:lnRef idx="0"/>
+    <cs:fillRef idx="0"/>
+    <cs:effectRef idx="0"/>
+    <cs:fontRef idx="minor">
+      <a:schemeClr val="tx1">
+        <a:lumMod val="65000"/>
+        <a:lumOff val="35000"/>
+      </a:schemeClr>
+    </cs:fontRef>
+    <cs:defRPr sz="1197" kern="1200"/>
+  </cs:legend>
+  <cs:plotArea mods="allowNoFillOverride allowNoLineOverride">
+    <cs:lnRef idx="0"/>
+    <cs:fillRef idx="0"/>
+    <cs:effectRef idx="0"/>
+    <cs:fontRef idx="minor">
+      <a:schemeClr val="tx1"/>
+    </cs:fontRef>
+  </cs:plotArea>
+  <cs:plotArea3D mods="allowNoFillOverride allowNoLineOverride">
+    <cs:lnRef idx="0"/>
+    <cs:fillRef idx="0"/>
+    <cs:effectRef idx="0"/>
+    <cs:fontRef idx="minor">
+      <a:schemeClr val="tx1"/>
+    </cs:fontRef>
+  </cs:plotArea3D>
+  <cs:seriesAxis>
+    <cs:lnRef idx="0"/>
+    <cs:fillRef idx="0"/>
+    <cs:effectRef idx="0"/>
+    <cs:fontRef idx="minor">
+      <a:schemeClr val="tx1">
+        <a:lumMod val="65000"/>
+        <a:lumOff val="35000"/>
+      </a:schemeClr>
+    </cs:fontRef>
+    <cs:defRPr sz="1197" kern="1200"/>
+  </cs:seriesAxis>
+  <cs:seriesLine>
+    <cs:lnRef idx="0"/>
+    <cs:fillRef idx="0"/>
+    <cs:effectRef idx="0"/>
+    <cs:fontRef idx="minor">
+      <a:schemeClr val="tx1"/>
+    </cs:fontRef>
+    <cs:spPr>
+      <a:ln w="9525" cap="flat" cmpd="sng" algn="ctr">
+        <a:solidFill>
+          <a:schemeClr val="tx1">
+            <a:lumMod val="35000"/>
+            <a:lumOff val="65000"/>
+          </a:schemeClr>
+        </a:solidFill>
+        <a:round/>
+      </a:ln>
+    </cs:spPr>
+  </cs:seriesLine>
+  <cs:title>
+    <cs:lnRef idx="0"/>
+    <cs:fillRef idx="0"/>
+    <cs:effectRef idx="0"/>
+    <cs:fontRef idx="minor">
+      <a:schemeClr val="tx1">
+        <a:lumMod val="65000"/>
+        <a:lumOff val="35000"/>
+      </a:schemeClr>
+    </cs:fontRef>
+    <cs:defRPr sz="1862" b="0" kern="1200" spc="0" baseline="0"/>
+  </cs:title>
+  <cs:trendline>
+    <cs:lnRef idx="0">
+      <cs:styleClr val="auto"/>
+    </cs:lnRef>
+    <cs:fillRef idx="0"/>
+    <cs:effectRef idx="0"/>
+    <cs:fontRef idx="minor">
+      <a:schemeClr val="tx1"/>
+    </cs:fontRef>
+    <cs:spPr>
+      <a:ln w="19050" cap="rnd">
+        <a:solidFill>
+          <a:schemeClr val="phClr"/>
+        </a:solidFill>
+        <a:prstDash val="sysDot"/>
+      </a:ln>
+    </cs:spPr>
+  </cs:trendline>
+  <cs:trendlineLabel>
+    <cs:lnRef idx="0"/>
+    <cs:fillRef idx="0"/>
+    <cs:effectRef idx="0"/>
+    <cs:fontRef idx="minor">
+      <a:schemeClr val="tx1">
+        <a:lumMod val="65000"/>
+        <a:lumOff val="35000"/>
+      </a:schemeClr>
+    </cs:fontRef>
+    <cs:defRPr sz="1197" kern="1200"/>
+  </cs:trendlineLabel>
+  <cs:upBar>
+    <cs:lnRef idx="0"/>
+    <cs:fillRef idx="0"/>
+    <cs:effectRef idx="0"/>
+    <cs:fontRef idx="minor">
+      <a:schemeClr val="dk1"/>
+    </cs:fontRef>
+    <cs:spPr>
+      <a:solidFill>
+        <a:schemeClr val="lt1"/>
+      </a:solidFill>
+      <a:ln w="9525">
+        <a:solidFill>
+          <a:schemeClr val="tx1">
+            <a:lumMod val="15000"/>
+            <a:lumOff val="85000"/>
+          </a:schemeClr>
+        </a:solidFill>
+      </a:ln>
+    </cs:spPr>
+  </cs:upBar>
+  <cs:valueAxis>
+    <cs:lnRef idx="0"/>
+    <cs:fillRef idx="0"/>
+    <cs:effectRef idx="0"/>
+    <cs:fontRef idx="minor">
+      <a:schemeClr val="tx1">
+        <a:lumMod val="65000"/>
+        <a:lumOff val="35000"/>
+      </a:schemeClr>
+    </cs:fontRef>
+    <cs:defRPr sz="1197" kern="1200"/>
+  </cs:valueAxis>
+  <cs:wall>
+    <cs:lnRef idx="0"/>
+    <cs:fillRef idx="0"/>
+    <cs:effectRef idx="0"/>
+    <cs:fontRef idx="minor">
+      <a:schemeClr val="tx1"/>
+    </cs:fontRef>
+    <cs:spPr>
+      <a:noFill/>
+      <a:ln>
+        <a:noFill/>
+      </a:ln>
+    </cs:spPr>
+  </cs:wall>
+</cs:chartStyle>
+</file>
+
 <file path=ppt/charts/style2.xml><?xml version="1.0" encoding="utf-8"?>
 <cs:chartStyle xmlns:cs="http://schemas.microsoft.com/office/drawing/2012/chartStyle" xmlns:a="http://schemas.openxmlformats.org/drawingml/2006/main" id="201">
   <cs:axisTitle>
@@ -12963,7 +14413,7 @@
           <a:p>
             <a:fld id="{6E32041F-90A9-43AC-BA84-51679D74BBBF}" type="datetimeFigureOut">
               <a:rPr lang="zh-CN" altLang="en-US" smtClean="0"/>
-              <a:t>2020/5/20</a:t>
+              <a:t>2020/5/21</a:t>
             </a:fld>
             <a:endParaRPr lang="zh-CN" altLang="en-US"/>
           </a:p>
@@ -13161,7 +14611,7 @@
           <a:p>
             <a:fld id="{6E32041F-90A9-43AC-BA84-51679D74BBBF}" type="datetimeFigureOut">
               <a:rPr lang="zh-CN" altLang="en-US" smtClean="0"/>
-              <a:t>2020/5/20</a:t>
+              <a:t>2020/5/21</a:t>
             </a:fld>
             <a:endParaRPr lang="zh-CN" altLang="en-US"/>
           </a:p>
@@ -13369,7 +14819,7 @@
           <a:p>
             <a:fld id="{6E32041F-90A9-43AC-BA84-51679D74BBBF}" type="datetimeFigureOut">
               <a:rPr lang="zh-CN" altLang="en-US" smtClean="0"/>
-              <a:t>2020/5/20</a:t>
+              <a:t>2020/5/21</a:t>
             </a:fld>
             <a:endParaRPr lang="zh-CN" altLang="en-US"/>
           </a:p>
@@ -13567,7 +15017,7 @@
           <a:p>
             <a:fld id="{6E32041F-90A9-43AC-BA84-51679D74BBBF}" type="datetimeFigureOut">
               <a:rPr lang="zh-CN" altLang="en-US" smtClean="0"/>
-              <a:t>2020/5/20</a:t>
+              <a:t>2020/5/21</a:t>
             </a:fld>
             <a:endParaRPr lang="zh-CN" altLang="en-US"/>
           </a:p>
@@ -13842,7 +15292,7 @@
           <a:p>
             <a:fld id="{6E32041F-90A9-43AC-BA84-51679D74BBBF}" type="datetimeFigureOut">
               <a:rPr lang="zh-CN" altLang="en-US" smtClean="0"/>
-              <a:t>2020/5/20</a:t>
+              <a:t>2020/5/21</a:t>
             </a:fld>
             <a:endParaRPr lang="zh-CN" altLang="en-US"/>
           </a:p>
@@ -14107,7 +15557,7 @@
           <a:p>
             <a:fld id="{6E32041F-90A9-43AC-BA84-51679D74BBBF}" type="datetimeFigureOut">
               <a:rPr lang="zh-CN" altLang="en-US" smtClean="0"/>
-              <a:t>2020/5/20</a:t>
+              <a:t>2020/5/21</a:t>
             </a:fld>
             <a:endParaRPr lang="zh-CN" altLang="en-US"/>
           </a:p>
@@ -14519,7 +15969,7 @@
           <a:p>
             <a:fld id="{6E32041F-90A9-43AC-BA84-51679D74BBBF}" type="datetimeFigureOut">
               <a:rPr lang="zh-CN" altLang="en-US" smtClean="0"/>
-              <a:t>2020/5/20</a:t>
+              <a:t>2020/5/21</a:t>
             </a:fld>
             <a:endParaRPr lang="zh-CN" altLang="en-US"/>
           </a:p>
@@ -14660,7 +16110,7 @@
           <a:p>
             <a:fld id="{6E32041F-90A9-43AC-BA84-51679D74BBBF}" type="datetimeFigureOut">
               <a:rPr lang="zh-CN" altLang="en-US" smtClean="0"/>
-              <a:t>2020/5/20</a:t>
+              <a:t>2020/5/21</a:t>
             </a:fld>
             <a:endParaRPr lang="zh-CN" altLang="en-US"/>
           </a:p>
@@ -14773,7 +16223,7 @@
           <a:p>
             <a:fld id="{6E32041F-90A9-43AC-BA84-51679D74BBBF}" type="datetimeFigureOut">
               <a:rPr lang="zh-CN" altLang="en-US" smtClean="0"/>
-              <a:t>2020/5/20</a:t>
+              <a:t>2020/5/21</a:t>
             </a:fld>
             <a:endParaRPr lang="zh-CN" altLang="en-US"/>
           </a:p>
@@ -15084,7 +16534,7 @@
           <a:p>
             <a:fld id="{6E32041F-90A9-43AC-BA84-51679D74BBBF}" type="datetimeFigureOut">
               <a:rPr lang="zh-CN" altLang="en-US" smtClean="0"/>
-              <a:t>2020/5/20</a:t>
+              <a:t>2020/5/21</a:t>
             </a:fld>
             <a:endParaRPr lang="zh-CN" altLang="en-US"/>
           </a:p>
@@ -15372,7 +16822,7 @@
           <a:p>
             <a:fld id="{6E32041F-90A9-43AC-BA84-51679D74BBBF}" type="datetimeFigureOut">
               <a:rPr lang="zh-CN" altLang="en-US" smtClean="0"/>
-              <a:t>2020/5/20</a:t>
+              <a:t>2020/5/21</a:t>
             </a:fld>
             <a:endParaRPr lang="zh-CN" altLang="en-US"/>
           </a:p>
@@ -15613,7 +17063,7 @@
           <a:p>
             <a:fld id="{6E32041F-90A9-43AC-BA84-51679D74BBBF}" type="datetimeFigureOut">
               <a:rPr lang="zh-CN" altLang="en-US" smtClean="0"/>
-              <a:t>2020/5/20</a:t>
+              <a:t>2020/5/21</a:t>
             </a:fld>
             <a:endParaRPr lang="zh-CN" altLang="en-US"/>
           </a:p>
@@ -16016,6 +17466,80 @@
 <file path=ppt/slides/slide1.xml><?xml version="1.0" encoding="utf-8"?>
 <p:sld xmlns:a="http://schemas.openxmlformats.org/drawingml/2006/main" xmlns:r="http://schemas.openxmlformats.org/officeDocument/2006/relationships" xmlns:p="http://schemas.openxmlformats.org/presentationml/2006/main">
   <p:cSld>
+    <p:bg>
+      <p:bgPr>
+        <a:solidFill>
+          <a:schemeClr val="bg1"/>
+        </a:solidFill>
+        <a:effectLst/>
+      </p:bgPr>
+    </p:bg>
+    <p:spTree>
+      <p:nvGrpSpPr>
+        <p:cNvPr id="1" name=""/>
+        <p:cNvGrpSpPr/>
+        <p:nvPr/>
+      </p:nvGrpSpPr>
+      <p:grpSpPr>
+        <a:xfrm>
+          <a:off x="0" y="0"/>
+          <a:ext cx="0" cy="0"/>
+          <a:chOff x="0" y="0"/>
+          <a:chExt cx="0" cy="0"/>
+        </a:xfrm>
+      </p:grpSpPr>
+      <p:pic>
+        <p:nvPicPr>
+          <p:cNvPr id="5" name="图片 4" descr="手机屏幕截图&#10;&#10;描述已自动生成">
+            <a:extLst>
+              <a:ext uri="{FF2B5EF4-FFF2-40B4-BE49-F238E27FC236}">
+                <a16:creationId xmlns:a16="http://schemas.microsoft.com/office/drawing/2014/main" id="{BB980CF7-4618-4392-BEDD-E8D0C1B9B33B}"/>
+              </a:ext>
+            </a:extLst>
+          </p:cNvPr>
+          <p:cNvPicPr>
+            <a:picLocks noChangeAspect="1"/>
+          </p:cNvPicPr>
+          <p:nvPr/>
+        </p:nvPicPr>
+        <p:blipFill>
+          <a:blip r:embed="rId2">
+            <a:extLst>
+              <a:ext uri="{28A0092B-C50C-407E-A947-70E740481C1C}">
+                <a14:useLocalDpi xmlns:a14="http://schemas.microsoft.com/office/drawing/2010/main" val="0"/>
+              </a:ext>
+            </a:extLst>
+          </a:blip>
+          <a:stretch>
+            <a:fillRect/>
+          </a:stretch>
+        </p:blipFill>
+        <p:spPr>
+          <a:xfrm>
+            <a:off x="1434020" y="643466"/>
+            <a:ext cx="9323960" cy="5571067"/>
+          </a:xfrm>
+          <a:prstGeom prst="rect">
+            <a:avLst/>
+          </a:prstGeom>
+        </p:spPr>
+      </p:pic>
+    </p:spTree>
+    <p:extLst>
+      <p:ext uri="{BB962C8B-B14F-4D97-AF65-F5344CB8AC3E}">
+        <p14:creationId xmlns:p14="http://schemas.microsoft.com/office/powerpoint/2010/main" val="2380496647"/>
+      </p:ext>
+    </p:extLst>
+  </p:cSld>
+  <p:clrMapOvr>
+    <a:masterClrMapping/>
+  </p:clrMapOvr>
+</p:sld>
+</file>
+
+<file path=ppt/slides/slide10.xml><?xml version="1.0" encoding="utf-8"?>
+<p:sld xmlns:a="http://schemas.openxmlformats.org/drawingml/2006/main" xmlns:r="http://schemas.openxmlformats.org/officeDocument/2006/relationships" xmlns:p="http://schemas.openxmlformats.org/presentationml/2006/main">
+  <p:cSld>
     <p:spTree>
       <p:nvGrpSpPr>
         <p:cNvPr id="1" name=""/>
@@ -16035,7 +17559,7 @@
           <p:cNvPr id="6" name="图表 5">
             <a:extLst>
               <a:ext uri="{FF2B5EF4-FFF2-40B4-BE49-F238E27FC236}">
-                <a16:creationId xmlns:a16="http://schemas.microsoft.com/office/drawing/2014/main" id="{B5CD486A-1CDE-4B59-9470-1892AD87457E}"/>
+                <a16:creationId xmlns:a16="http://schemas.microsoft.com/office/drawing/2014/main" id="{0C57FD40-9584-411C-93F0-E2BF12C73A0C}"/>
               </a:ext>
             </a:extLst>
           </p:cNvPr>
@@ -16043,14 +17567,14 @@
           <p:nvPr>
             <p:extLst>
               <p:ext uri="{D42A27DB-BD31-4B8C-83A1-F6EECF244321}">
-                <p14:modId xmlns:p14="http://schemas.microsoft.com/office/powerpoint/2010/main" val="33391297"/>
+                <p14:modId xmlns:p14="http://schemas.microsoft.com/office/powerpoint/2010/main" val="2215592161"/>
               </p:ext>
             </p:extLst>
           </p:nvPr>
         </p:nvGraphicFramePr>
         <p:xfrm>
-          <a:off x="2032000" y="1181365"/>
-          <a:ext cx="8128000" cy="4952470"/>
+          <a:off x="2125662" y="1685925"/>
+          <a:ext cx="7940675" cy="4566708"/>
         </p:xfrm>
         <a:graphic>
           <a:graphicData uri="http://schemas.openxmlformats.org/drawingml/2006/chart">
@@ -16060,10 +17584,10 @@
       </p:graphicFrame>
       <p:sp>
         <p:nvSpPr>
-          <p:cNvPr id="8" name="文本框 7">
+          <p:cNvPr id="7" name="文本框 6">
             <a:extLst>
               <a:ext uri="{FF2B5EF4-FFF2-40B4-BE49-F238E27FC236}">
-                <a16:creationId xmlns:a16="http://schemas.microsoft.com/office/drawing/2014/main" id="{36D1EB77-4DF5-4B08-8F77-DBF1A1FAF7E8}"/>
+                <a16:creationId xmlns:a16="http://schemas.microsoft.com/office/drawing/2014/main" id="{9B7214BD-A34E-4CD7-8402-F531B71DD283}"/>
               </a:ext>
             </a:extLst>
           </p:cNvPr>
@@ -16072,8 +17596,8 @@
         </p:nvSpPr>
         <p:spPr>
           <a:xfrm>
-            <a:off x="3159125" y="539499"/>
-            <a:ext cx="7000875" cy="369332"/>
+            <a:off x="2490788" y="896687"/>
+            <a:ext cx="7940675" cy="369332"/>
           </a:xfrm>
           <a:prstGeom prst="rect">
             <a:avLst/>
@@ -16096,11 +17620,43 @@
             </a:r>
             <a:r>
               <a:rPr lang="en-US" altLang="zh-CN" dirty="0"/>
-              <a:t>3-1 ] </a:t>
+              <a:t>4-2 ] </a:t>
             </a:r>
             <a:r>
               <a:rPr lang="zh-CN" altLang="en-US" dirty="0"/>
-              <a:t>纵轴吞吐量，横轴以工作负载类型为组，柱状图</a:t>
+              <a:t>纵轴</a:t>
+            </a:r>
+            <a:r>
+              <a:rPr lang="en-US" altLang="zh-CN" dirty="0"/>
+              <a:t>CPU</a:t>
+            </a:r>
+            <a:r>
+              <a:rPr lang="zh-CN" altLang="en-US" dirty="0"/>
+              <a:t>占用率，横轴</a:t>
+            </a:r>
+            <a:r>
+              <a:rPr lang="en-US" altLang="zh-CN" dirty="0"/>
+              <a:t>CPU</a:t>
+            </a:r>
+            <a:r>
+              <a:rPr lang="zh-CN" altLang="en-US" dirty="0"/>
+              <a:t>线程数，</a:t>
+            </a:r>
+            <a:r>
+              <a:rPr lang="en-US" altLang="zh-CN" dirty="0"/>
+              <a:t>4</a:t>
+            </a:r>
+            <a:r>
+              <a:rPr lang="zh-CN" altLang="en-US" dirty="0"/>
+              <a:t>根线表示</a:t>
+            </a:r>
+            <a:r>
+              <a:rPr lang="en-US" altLang="zh-CN" dirty="0"/>
+              <a:t>VDO</a:t>
+            </a:r>
+            <a:r>
+              <a:rPr lang="zh-CN" altLang="en-US" dirty="0"/>
+              <a:t>版本，折线图</a:t>
             </a:r>
           </a:p>
         </p:txBody>
@@ -16108,7 +17664,7 @@
     </p:spTree>
     <p:extLst>
       <p:ext uri="{BB962C8B-B14F-4D97-AF65-F5344CB8AC3E}">
-        <p14:creationId xmlns:p14="http://schemas.microsoft.com/office/powerpoint/2010/main" val="2661271139"/>
+        <p14:creationId xmlns:p14="http://schemas.microsoft.com/office/powerpoint/2010/main" val="3066555419"/>
       </p:ext>
     </p:extLst>
   </p:cSld>
@@ -16118,7 +17674,136 @@
 </p:sld>
 </file>
 
-<file path=ppt/slides/slide10.xml><?xml version="1.0" encoding="utf-8"?>
+<file path=ppt/slides/slide11.xml><?xml version="1.0" encoding="utf-8"?>
+<p:sld xmlns:a="http://schemas.openxmlformats.org/drawingml/2006/main" xmlns:r="http://schemas.openxmlformats.org/officeDocument/2006/relationships" xmlns:p="http://schemas.openxmlformats.org/presentationml/2006/main">
+  <p:cSld>
+    <p:spTree>
+      <p:nvGrpSpPr>
+        <p:cNvPr id="1" name=""/>
+        <p:cNvGrpSpPr/>
+        <p:nvPr/>
+      </p:nvGrpSpPr>
+      <p:grpSpPr>
+        <a:xfrm>
+          <a:off x="0" y="0"/>
+          <a:ext cx="0" cy="0"/>
+          <a:chOff x="0" y="0"/>
+          <a:chExt cx="0" cy="0"/>
+        </a:xfrm>
+      </p:grpSpPr>
+      <p:graphicFrame>
+        <p:nvGraphicFramePr>
+          <p:cNvPr id="6" name="图表 5">
+            <a:extLst>
+              <a:ext uri="{FF2B5EF4-FFF2-40B4-BE49-F238E27FC236}">
+                <a16:creationId xmlns:a16="http://schemas.microsoft.com/office/drawing/2014/main" id="{323C3CE2-7024-4C34-AE17-715A47968435}"/>
+              </a:ext>
+            </a:extLst>
+          </p:cNvPr>
+          <p:cNvGraphicFramePr/>
+          <p:nvPr>
+            <p:extLst>
+              <p:ext uri="{D42A27DB-BD31-4B8C-83A1-F6EECF244321}">
+                <p14:modId xmlns:p14="http://schemas.microsoft.com/office/powerpoint/2010/main" val="2210170526"/>
+              </p:ext>
+            </p:extLst>
+          </p:nvPr>
+        </p:nvGraphicFramePr>
+        <p:xfrm>
+          <a:off x="1566152" y="1391055"/>
+          <a:ext cx="9815209" cy="4864010"/>
+        </p:xfrm>
+        <a:graphic>
+          <a:graphicData uri="http://schemas.openxmlformats.org/drawingml/2006/chart">
+            <c:chart xmlns:c="http://schemas.openxmlformats.org/drawingml/2006/chart" xmlns:r="http://schemas.openxmlformats.org/officeDocument/2006/relationships" r:id="rId2"/>
+          </a:graphicData>
+        </a:graphic>
+      </p:graphicFrame>
+      <p:sp>
+        <p:nvSpPr>
+          <p:cNvPr id="7" name="文本框 6">
+            <a:extLst>
+              <a:ext uri="{FF2B5EF4-FFF2-40B4-BE49-F238E27FC236}">
+                <a16:creationId xmlns:a16="http://schemas.microsoft.com/office/drawing/2014/main" id="{89A45DD5-9968-40E4-B27C-16F59A30A7D0}"/>
+              </a:ext>
+            </a:extLst>
+          </p:cNvPr>
+          <p:cNvSpPr txBox="1"/>
+          <p:nvPr/>
+        </p:nvSpPr>
+        <p:spPr>
+          <a:xfrm>
+            <a:off x="2763162" y="807715"/>
+            <a:ext cx="7940675" cy="369332"/>
+          </a:xfrm>
+          <a:prstGeom prst="rect">
+            <a:avLst/>
+          </a:prstGeom>
+          <a:noFill/>
+        </p:spPr>
+        <p:txBody>
+          <a:bodyPr wrap="square" rtlCol="0">
+            <a:spAutoFit/>
+          </a:bodyPr>
+          <a:lstStyle/>
+          <a:p>
+            <a:r>
+              <a:rPr lang="en-US" altLang="zh-CN" dirty="0"/>
+              <a:t>[ </a:t>
+            </a:r>
+            <a:r>
+              <a:rPr lang="zh-CN" altLang="en-US" dirty="0"/>
+              <a:t>图</a:t>
+            </a:r>
+            <a:r>
+              <a:rPr lang="en-US" altLang="zh-CN" dirty="0"/>
+              <a:t>5 ] </a:t>
+            </a:r>
+            <a:r>
+              <a:rPr lang="zh-CN" altLang="en-US" dirty="0"/>
+              <a:t>纵轴吞吐量</a:t>
+            </a:r>
+            <a:r>
+              <a:rPr lang="en-US" altLang="zh-CN" dirty="0"/>
+              <a:t>/CPU</a:t>
+            </a:r>
+            <a:r>
+              <a:rPr lang="zh-CN" altLang="en-US" dirty="0"/>
+              <a:t>占用率，横轴</a:t>
+            </a:r>
+            <a:r>
+              <a:rPr lang="en-US" altLang="zh-CN" dirty="0" err="1"/>
+              <a:t>iodepth</a:t>
+            </a:r>
+            <a:r>
+              <a:rPr lang="zh-CN" altLang="en-US" dirty="0"/>
+              <a:t>，</a:t>
+            </a:r>
+            <a:r>
+              <a:rPr lang="en-US" altLang="zh-CN" dirty="0"/>
+              <a:t>4</a:t>
+            </a:r>
+            <a:r>
+              <a:rPr lang="zh-CN" altLang="en-US" dirty="0"/>
+              <a:t>根线表示工作负载，折线图</a:t>
+            </a:r>
+          </a:p>
+        </p:txBody>
+      </p:sp>
+    </p:spTree>
+    <p:extLst>
+      <p:ext uri="{BB962C8B-B14F-4D97-AF65-F5344CB8AC3E}">
+        <p14:creationId xmlns:p14="http://schemas.microsoft.com/office/powerpoint/2010/main" val="1313933014"/>
+      </p:ext>
+    </p:extLst>
+  </p:cSld>
+  <p:clrMapOvr>
+    <a:masterClrMapping/>
+  </p:clrMapOvr>
+</p:sld>
+</file>
+
+<file path=ppt/slides/slide12.xml><?xml version="1.0" encoding="utf-8"?>
 <p:sld xmlns:a="http://schemas.openxmlformats.org/drawingml/2006/main" xmlns:r="http://schemas.openxmlformats.org/officeDocument/2006/relationships" xmlns:p="http://schemas.openxmlformats.org/presentationml/2006/main">
   <p:cSld>
     <p:spTree>
@@ -16247,37 +17932,7 @@
 </p:sld>
 </file>
 
-<file path=ppt/slides/slide11.xml><?xml version="1.0" encoding="utf-8"?>
-<p:sld xmlns:a="http://schemas.openxmlformats.org/drawingml/2006/main" xmlns:r="http://schemas.openxmlformats.org/officeDocument/2006/relationships" xmlns:p="http://schemas.openxmlformats.org/presentationml/2006/main">
-  <p:cSld>
-    <p:spTree>
-      <p:nvGrpSpPr>
-        <p:cNvPr id="1" name=""/>
-        <p:cNvGrpSpPr/>
-        <p:nvPr/>
-      </p:nvGrpSpPr>
-      <p:grpSpPr>
-        <a:xfrm>
-          <a:off x="0" y="0"/>
-          <a:ext cx="0" cy="0"/>
-          <a:chOff x="0" y="0"/>
-          <a:chExt cx="0" cy="0"/>
-        </a:xfrm>
-      </p:grpSpPr>
-    </p:spTree>
-    <p:extLst>
-      <p:ext uri="{BB962C8B-B14F-4D97-AF65-F5344CB8AC3E}">
-        <p14:creationId xmlns:p14="http://schemas.microsoft.com/office/powerpoint/2010/main" val="2738067970"/>
-      </p:ext>
-    </p:extLst>
-  </p:cSld>
-  <p:clrMapOvr>
-    <a:masterClrMapping/>
-  </p:clrMapOvr>
-</p:sld>
-</file>
-
-<file path=ppt/slides/slide2.xml><?xml version="1.0" encoding="utf-8"?>
+<file path=ppt/slides/slide13.xml><?xml version="1.0" encoding="utf-8"?>
 <p:sld xmlns:a="http://schemas.openxmlformats.org/drawingml/2006/main" xmlns:r="http://schemas.openxmlformats.org/officeDocument/2006/relationships" xmlns:p="http://schemas.openxmlformats.org/presentationml/2006/main">
   <p:cSld>
     <p:spTree>
@@ -16307,7 +17962,358 @@
           <p:nvPr>
             <p:extLst>
               <p:ext uri="{D42A27DB-BD31-4B8C-83A1-F6EECF244321}">
-                <p14:modId xmlns:p14="http://schemas.microsoft.com/office/powerpoint/2010/main" val="4012937079"/>
+                <p14:modId xmlns:p14="http://schemas.microsoft.com/office/powerpoint/2010/main" val="3793035205"/>
+              </p:ext>
+            </p:extLst>
+          </p:nvPr>
+        </p:nvGraphicFramePr>
+        <p:xfrm>
+          <a:off x="2032000" y="1181365"/>
+          <a:ext cx="8128000" cy="4952470"/>
+        </p:xfrm>
+        <a:graphic>
+          <a:graphicData uri="http://schemas.openxmlformats.org/drawingml/2006/chart">
+            <c:chart xmlns:c="http://schemas.openxmlformats.org/drawingml/2006/chart" xmlns:r="http://schemas.openxmlformats.org/officeDocument/2006/relationships" r:id="rId2"/>
+          </a:graphicData>
+        </a:graphic>
+      </p:graphicFrame>
+      <p:sp>
+        <p:nvSpPr>
+          <p:cNvPr id="8" name="文本框 7">
+            <a:extLst>
+              <a:ext uri="{FF2B5EF4-FFF2-40B4-BE49-F238E27FC236}">
+                <a16:creationId xmlns:a16="http://schemas.microsoft.com/office/drawing/2014/main" id="{36D1EB77-4DF5-4B08-8F77-DBF1A1FAF7E8}"/>
+              </a:ext>
+            </a:extLst>
+          </p:cNvPr>
+          <p:cNvSpPr txBox="1"/>
+          <p:nvPr/>
+        </p:nvSpPr>
+        <p:spPr>
+          <a:xfrm>
+            <a:off x="3159125" y="539499"/>
+            <a:ext cx="7000875" cy="369332"/>
+          </a:xfrm>
+          <a:prstGeom prst="rect">
+            <a:avLst/>
+          </a:prstGeom>
+          <a:noFill/>
+        </p:spPr>
+        <p:txBody>
+          <a:bodyPr wrap="square" rtlCol="0">
+            <a:spAutoFit/>
+          </a:bodyPr>
+          <a:lstStyle/>
+          <a:p>
+            <a:r>
+              <a:rPr lang="en-US" altLang="zh-CN" dirty="0"/>
+              <a:t>[ </a:t>
+            </a:r>
+            <a:r>
+              <a:rPr lang="zh-CN" altLang="en-US" dirty="0"/>
+              <a:t>图</a:t>
+            </a:r>
+            <a:r>
+              <a:rPr lang="en-US" altLang="zh-CN" dirty="0"/>
+              <a:t>3-2 ] </a:t>
+            </a:r>
+            <a:r>
+              <a:rPr lang="en-US" altLang="zh-CN" dirty="0" err="1"/>
+              <a:t>filebench</a:t>
+            </a:r>
+            <a:endParaRPr lang="en-US" altLang="zh-CN" dirty="0"/>
+          </a:p>
+        </p:txBody>
+      </p:sp>
+    </p:spTree>
+    <p:extLst>
+      <p:ext uri="{BB962C8B-B14F-4D97-AF65-F5344CB8AC3E}">
+        <p14:creationId xmlns:p14="http://schemas.microsoft.com/office/powerpoint/2010/main" val="1914251488"/>
+      </p:ext>
+    </p:extLst>
+  </p:cSld>
+  <p:clrMapOvr>
+    <a:masterClrMapping/>
+  </p:clrMapOvr>
+</p:sld>
+</file>
+
+<file path=ppt/slides/slide14.xml><?xml version="1.0" encoding="utf-8"?>
+<p:sld xmlns:a="http://schemas.openxmlformats.org/drawingml/2006/main" xmlns:r="http://schemas.openxmlformats.org/officeDocument/2006/relationships" xmlns:p="http://schemas.openxmlformats.org/presentationml/2006/main">
+  <p:cSld>
+    <p:spTree>
+      <p:nvGrpSpPr>
+        <p:cNvPr id="1" name=""/>
+        <p:cNvGrpSpPr/>
+        <p:nvPr/>
+      </p:nvGrpSpPr>
+      <p:grpSpPr>
+        <a:xfrm>
+          <a:off x="0" y="0"/>
+          <a:ext cx="0" cy="0"/>
+          <a:chOff x="0" y="0"/>
+          <a:chExt cx="0" cy="0"/>
+        </a:xfrm>
+      </p:grpSpPr>
+    </p:spTree>
+    <p:extLst>
+      <p:ext uri="{BB962C8B-B14F-4D97-AF65-F5344CB8AC3E}">
+        <p14:creationId xmlns:p14="http://schemas.microsoft.com/office/powerpoint/2010/main" val="2178887618"/>
+      </p:ext>
+    </p:extLst>
+  </p:cSld>
+  <p:clrMapOvr>
+    <a:masterClrMapping/>
+  </p:clrMapOvr>
+</p:sld>
+</file>
+
+<file path=ppt/slides/slide2.xml><?xml version="1.0" encoding="utf-8"?>
+<p:sld xmlns:a="http://schemas.openxmlformats.org/drawingml/2006/main" xmlns:r="http://schemas.openxmlformats.org/officeDocument/2006/relationships" xmlns:p="http://schemas.openxmlformats.org/presentationml/2006/main">
+  <p:cSld>
+    <p:bg>
+      <p:bgPr>
+        <a:solidFill>
+          <a:schemeClr val="bg1"/>
+        </a:solidFill>
+        <a:effectLst/>
+      </p:bgPr>
+    </p:bg>
+    <p:spTree>
+      <p:nvGrpSpPr>
+        <p:cNvPr id="1" name=""/>
+        <p:cNvGrpSpPr/>
+        <p:nvPr/>
+      </p:nvGrpSpPr>
+      <p:grpSpPr>
+        <a:xfrm>
+          <a:off x="0" y="0"/>
+          <a:ext cx="0" cy="0"/>
+          <a:chOff x="0" y="0"/>
+          <a:chExt cx="0" cy="0"/>
+        </a:xfrm>
+      </p:grpSpPr>
+      <p:pic>
+        <p:nvPicPr>
+          <p:cNvPr id="3" name="图片 2" descr="手机屏幕截图&#10;&#10;描述已自动生成">
+            <a:extLst>
+              <a:ext uri="{FF2B5EF4-FFF2-40B4-BE49-F238E27FC236}">
+                <a16:creationId xmlns:a16="http://schemas.microsoft.com/office/drawing/2014/main" id="{10DE58E3-8EB8-45FE-9E54-F238F6DE3B20}"/>
+              </a:ext>
+            </a:extLst>
+          </p:cNvPr>
+          <p:cNvPicPr>
+            <a:picLocks noChangeAspect="1"/>
+          </p:cNvPicPr>
+          <p:nvPr/>
+        </p:nvPicPr>
+        <p:blipFill>
+          <a:blip r:embed="rId2">
+            <a:extLst>
+              <a:ext uri="{28A0092B-C50C-407E-A947-70E740481C1C}">
+                <a14:useLocalDpi xmlns:a14="http://schemas.microsoft.com/office/drawing/2010/main" val="0"/>
+              </a:ext>
+            </a:extLst>
+          </a:blip>
+          <a:stretch>
+            <a:fillRect/>
+          </a:stretch>
+        </p:blipFill>
+        <p:spPr>
+          <a:xfrm>
+            <a:off x="1276753" y="643467"/>
+            <a:ext cx="4025094" cy="5571066"/>
+          </a:xfrm>
+          <a:prstGeom prst="rect">
+            <a:avLst/>
+          </a:prstGeom>
+        </p:spPr>
+      </p:pic>
+      <p:pic>
+        <p:nvPicPr>
+          <p:cNvPr id="6" name="图片 5" descr="手机屏幕截图&#10;&#10;描述已自动生成">
+            <a:extLst>
+              <a:ext uri="{FF2B5EF4-FFF2-40B4-BE49-F238E27FC236}">
+                <a16:creationId xmlns:a16="http://schemas.microsoft.com/office/drawing/2014/main" id="{9DD7A2D6-22D7-45F7-94F4-B58C8538DF4F}"/>
+              </a:ext>
+            </a:extLst>
+          </p:cNvPr>
+          <p:cNvPicPr>
+            <a:picLocks noChangeAspect="1"/>
+          </p:cNvPicPr>
+          <p:nvPr/>
+        </p:nvPicPr>
+        <p:blipFill>
+          <a:blip r:embed="rId3">
+            <a:extLst>
+              <a:ext uri="{28A0092B-C50C-407E-A947-70E740481C1C}">
+                <a14:useLocalDpi xmlns:a14="http://schemas.microsoft.com/office/drawing/2010/main" val="0"/>
+              </a:ext>
+            </a:extLst>
+          </a:blip>
+          <a:stretch>
+            <a:fillRect/>
+          </a:stretch>
+        </p:blipFill>
+        <p:spPr>
+          <a:xfrm>
+            <a:off x="6869260" y="643467"/>
+            <a:ext cx="4066877" cy="5571066"/>
+          </a:xfrm>
+          <a:prstGeom prst="rect">
+            <a:avLst/>
+          </a:prstGeom>
+        </p:spPr>
+      </p:pic>
+    </p:spTree>
+    <p:extLst>
+      <p:ext uri="{BB962C8B-B14F-4D97-AF65-F5344CB8AC3E}">
+        <p14:creationId xmlns:p14="http://schemas.microsoft.com/office/powerpoint/2010/main" val="1769544578"/>
+      </p:ext>
+    </p:extLst>
+  </p:cSld>
+  <p:clrMapOvr>
+    <a:masterClrMapping/>
+  </p:clrMapOvr>
+</p:sld>
+</file>
+
+<file path=ppt/slides/slide3.xml><?xml version="1.0" encoding="utf-8"?>
+<p:sld xmlns:a="http://schemas.openxmlformats.org/drawingml/2006/main" xmlns:r="http://schemas.openxmlformats.org/officeDocument/2006/relationships" xmlns:p="http://schemas.openxmlformats.org/presentationml/2006/main">
+  <p:cSld>
+    <p:spTree>
+      <p:nvGrpSpPr>
+        <p:cNvPr id="1" name=""/>
+        <p:cNvGrpSpPr/>
+        <p:nvPr/>
+      </p:nvGrpSpPr>
+      <p:grpSpPr>
+        <a:xfrm>
+          <a:off x="0" y="0"/>
+          <a:ext cx="0" cy="0"/>
+          <a:chOff x="0" y="0"/>
+          <a:chExt cx="0" cy="0"/>
+        </a:xfrm>
+      </p:grpSpPr>
+      <p:graphicFrame>
+        <p:nvGraphicFramePr>
+          <p:cNvPr id="6" name="图表 5">
+            <a:extLst>
+              <a:ext uri="{FF2B5EF4-FFF2-40B4-BE49-F238E27FC236}">
+                <a16:creationId xmlns:a16="http://schemas.microsoft.com/office/drawing/2014/main" id="{B5CD486A-1CDE-4B59-9470-1892AD87457E}"/>
+              </a:ext>
+            </a:extLst>
+          </p:cNvPr>
+          <p:cNvGraphicFramePr/>
+          <p:nvPr>
+            <p:extLst>
+              <p:ext uri="{D42A27DB-BD31-4B8C-83A1-F6EECF244321}">
+                <p14:modId xmlns:p14="http://schemas.microsoft.com/office/powerpoint/2010/main" val="2456416560"/>
+              </p:ext>
+            </p:extLst>
+          </p:nvPr>
+        </p:nvGraphicFramePr>
+        <p:xfrm>
+          <a:off x="2032000" y="1181365"/>
+          <a:ext cx="8128000" cy="4952470"/>
+        </p:xfrm>
+        <a:graphic>
+          <a:graphicData uri="http://schemas.openxmlformats.org/drawingml/2006/chart">
+            <c:chart xmlns:c="http://schemas.openxmlformats.org/drawingml/2006/chart" xmlns:r="http://schemas.openxmlformats.org/officeDocument/2006/relationships" r:id="rId2"/>
+          </a:graphicData>
+        </a:graphic>
+      </p:graphicFrame>
+      <p:sp>
+        <p:nvSpPr>
+          <p:cNvPr id="8" name="文本框 7">
+            <a:extLst>
+              <a:ext uri="{FF2B5EF4-FFF2-40B4-BE49-F238E27FC236}">
+                <a16:creationId xmlns:a16="http://schemas.microsoft.com/office/drawing/2014/main" id="{36D1EB77-4DF5-4B08-8F77-DBF1A1FAF7E8}"/>
+              </a:ext>
+            </a:extLst>
+          </p:cNvPr>
+          <p:cNvSpPr txBox="1"/>
+          <p:nvPr/>
+        </p:nvSpPr>
+        <p:spPr>
+          <a:xfrm>
+            <a:off x="3159125" y="539499"/>
+            <a:ext cx="7000875" cy="369332"/>
+          </a:xfrm>
+          <a:prstGeom prst="rect">
+            <a:avLst/>
+          </a:prstGeom>
+          <a:noFill/>
+        </p:spPr>
+        <p:txBody>
+          <a:bodyPr wrap="square" rtlCol="0">
+            <a:spAutoFit/>
+          </a:bodyPr>
+          <a:lstStyle/>
+          <a:p>
+            <a:r>
+              <a:rPr lang="en-US" altLang="zh-CN" dirty="0"/>
+              <a:t>[ </a:t>
+            </a:r>
+            <a:r>
+              <a:rPr lang="zh-CN" altLang="en-US" dirty="0"/>
+              <a:t>图</a:t>
+            </a:r>
+            <a:r>
+              <a:rPr lang="en-US" altLang="zh-CN" dirty="0"/>
+              <a:t>3-1 ] </a:t>
+            </a:r>
+            <a:r>
+              <a:rPr lang="zh-CN" altLang="en-US" dirty="0"/>
+              <a:t>纵轴吞吐量，横轴以工作负载类型为组，柱状图</a:t>
+            </a:r>
+          </a:p>
+        </p:txBody>
+      </p:sp>
+    </p:spTree>
+    <p:extLst>
+      <p:ext uri="{BB962C8B-B14F-4D97-AF65-F5344CB8AC3E}">
+        <p14:creationId xmlns:p14="http://schemas.microsoft.com/office/powerpoint/2010/main" val="2661271139"/>
+      </p:ext>
+    </p:extLst>
+  </p:cSld>
+  <p:clrMapOvr>
+    <a:masterClrMapping/>
+  </p:clrMapOvr>
+</p:sld>
+</file>
+
+<file path=ppt/slides/slide4.xml><?xml version="1.0" encoding="utf-8"?>
+<p:sld xmlns:a="http://schemas.openxmlformats.org/drawingml/2006/main" xmlns:r="http://schemas.openxmlformats.org/officeDocument/2006/relationships" xmlns:p="http://schemas.openxmlformats.org/presentationml/2006/main">
+  <p:cSld>
+    <p:spTree>
+      <p:nvGrpSpPr>
+        <p:cNvPr id="1" name=""/>
+        <p:cNvGrpSpPr/>
+        <p:nvPr/>
+      </p:nvGrpSpPr>
+      <p:grpSpPr>
+        <a:xfrm>
+          <a:off x="0" y="0"/>
+          <a:ext cx="0" cy="0"/>
+          <a:chOff x="0" y="0"/>
+          <a:chExt cx="0" cy="0"/>
+        </a:xfrm>
+      </p:grpSpPr>
+      <p:graphicFrame>
+        <p:nvGraphicFramePr>
+          <p:cNvPr id="6" name="图表 5">
+            <a:extLst>
+              <a:ext uri="{FF2B5EF4-FFF2-40B4-BE49-F238E27FC236}">
+                <a16:creationId xmlns:a16="http://schemas.microsoft.com/office/drawing/2014/main" id="{B5CD486A-1CDE-4B59-9470-1892AD87457E}"/>
+              </a:ext>
+            </a:extLst>
+          </p:cNvPr>
+          <p:cNvGraphicFramePr/>
+          <p:nvPr>
+            <p:extLst>
+              <p:ext uri="{D42A27DB-BD31-4B8C-83A1-F6EECF244321}">
+                <p14:modId xmlns:p14="http://schemas.microsoft.com/office/powerpoint/2010/main" val="267305154"/>
               </p:ext>
             </p:extLst>
           </p:nvPr>
@@ -16382,7 +18388,7 @@
 </p:sld>
 </file>
 
-<file path=ppt/slides/slide3.xml><?xml version="1.0" encoding="utf-8"?>
+<file path=ppt/slides/slide5.xml><?xml version="1.0" encoding="utf-8"?>
 <p:sld xmlns:a="http://schemas.openxmlformats.org/drawingml/2006/main" xmlns:r="http://schemas.openxmlformats.org/officeDocument/2006/relationships" xmlns:p="http://schemas.openxmlformats.org/presentationml/2006/main">
   <p:cSld>
     <p:spTree>
@@ -16412,7 +18418,7 @@
           <p:nvPr>
             <p:extLst>
               <p:ext uri="{D42A27DB-BD31-4B8C-83A1-F6EECF244321}">
-                <p14:modId xmlns:p14="http://schemas.microsoft.com/office/powerpoint/2010/main" val="324928581"/>
+                <p14:modId xmlns:p14="http://schemas.microsoft.com/office/powerpoint/2010/main" val="1047879524"/>
               </p:ext>
             </p:extLst>
           </p:nvPr>
@@ -16496,7 +18502,7 @@
 </p:sld>
 </file>
 
-<file path=ppt/slides/slide4.xml><?xml version="1.0" encoding="utf-8"?>
+<file path=ppt/slides/slide6.xml><?xml version="1.0" encoding="utf-8"?>
 <p:sld xmlns:a="http://schemas.openxmlformats.org/drawingml/2006/main" xmlns:r="http://schemas.openxmlformats.org/officeDocument/2006/relationships" xmlns:p="http://schemas.openxmlformats.org/presentationml/2006/main">
   <p:cSld>
     <p:spTree>
@@ -16526,13 +18532,13 @@
           <p:nvPr>
             <p:extLst>
               <p:ext uri="{D42A27DB-BD31-4B8C-83A1-F6EECF244321}">
-                <p14:modId xmlns:p14="http://schemas.microsoft.com/office/powerpoint/2010/main" val="1823834075"/>
+                <p14:modId xmlns:p14="http://schemas.microsoft.com/office/powerpoint/2010/main" val="623082587"/>
               </p:ext>
             </p:extLst>
           </p:nvPr>
         </p:nvGraphicFramePr>
         <p:xfrm>
-          <a:off x="2845435" y="1361440"/>
+          <a:off x="2794635" y="1386840"/>
           <a:ext cx="6868160" cy="4338320"/>
         </p:xfrm>
         <a:graphic>
@@ -16602,7 +18608,7 @@
 </p:sld>
 </file>
 
-<file path=ppt/slides/slide5.xml><?xml version="1.0" encoding="utf-8"?>
+<file path=ppt/slides/slide7.xml><?xml version="1.0" encoding="utf-8"?>
 <p:sld xmlns:a="http://schemas.openxmlformats.org/drawingml/2006/main" xmlns:r="http://schemas.openxmlformats.org/officeDocument/2006/relationships" xmlns:p="http://schemas.openxmlformats.org/presentationml/2006/main">
   <p:cSld>
     <p:spTree>
@@ -16632,7 +18638,7 @@
           <p:nvPr>
             <p:extLst>
               <p:ext uri="{D42A27DB-BD31-4B8C-83A1-F6EECF244321}">
-                <p14:modId xmlns:p14="http://schemas.microsoft.com/office/powerpoint/2010/main" val="144292076"/>
+                <p14:modId xmlns:p14="http://schemas.microsoft.com/office/powerpoint/2010/main" val="3536165103"/>
               </p:ext>
             </p:extLst>
           </p:nvPr>
@@ -16708,7 +18714,7 @@
 </p:sld>
 </file>
 
-<file path=ppt/slides/slide6.xml><?xml version="1.0" encoding="utf-8"?>
+<file path=ppt/slides/slide8.xml><?xml version="1.0" encoding="utf-8"?>
 <p:sld xmlns:a="http://schemas.openxmlformats.org/drawingml/2006/main" xmlns:r="http://schemas.openxmlformats.org/officeDocument/2006/relationships" xmlns:p="http://schemas.openxmlformats.org/presentationml/2006/main">
   <p:cSld>
     <p:spTree>
@@ -16738,7 +18744,7 @@
           <p:nvPr>
             <p:extLst>
               <p:ext uri="{D42A27DB-BD31-4B8C-83A1-F6EECF244321}">
-                <p14:modId xmlns:p14="http://schemas.microsoft.com/office/powerpoint/2010/main" val="2851377318"/>
+                <p14:modId xmlns:p14="http://schemas.microsoft.com/office/powerpoint/2010/main" val="798823728"/>
               </p:ext>
             </p:extLst>
           </p:nvPr>
@@ -16837,7 +18843,7 @@
 </p:sld>
 </file>
 
-<file path=ppt/slides/slide7.xml><?xml version="1.0" encoding="utf-8"?>
+<file path=ppt/slides/slide9.xml><?xml version="1.0" encoding="utf-8"?>
 <p:sld xmlns:a="http://schemas.openxmlformats.org/drawingml/2006/main" xmlns:r="http://schemas.openxmlformats.org/officeDocument/2006/relationships" xmlns:p="http://schemas.openxmlformats.org/presentationml/2006/main">
   <p:cSld>
     <p:spTree>
@@ -16957,272 +18963,6 @@
     <p:extLst>
       <p:ext uri="{BB962C8B-B14F-4D97-AF65-F5344CB8AC3E}">
         <p14:creationId xmlns:p14="http://schemas.microsoft.com/office/powerpoint/2010/main" val="2501826373"/>
-      </p:ext>
-    </p:extLst>
-  </p:cSld>
-  <p:clrMapOvr>
-    <a:masterClrMapping/>
-  </p:clrMapOvr>
-</p:sld>
-</file>
-
-<file path=ppt/slides/slide8.xml><?xml version="1.0" encoding="utf-8"?>
-<p:sld xmlns:a="http://schemas.openxmlformats.org/drawingml/2006/main" xmlns:r="http://schemas.openxmlformats.org/officeDocument/2006/relationships" xmlns:p="http://schemas.openxmlformats.org/presentationml/2006/main">
-  <p:cSld>
-    <p:spTree>
-      <p:nvGrpSpPr>
-        <p:cNvPr id="1" name=""/>
-        <p:cNvGrpSpPr/>
-        <p:nvPr/>
-      </p:nvGrpSpPr>
-      <p:grpSpPr>
-        <a:xfrm>
-          <a:off x="0" y="0"/>
-          <a:ext cx="0" cy="0"/>
-          <a:chOff x="0" y="0"/>
-          <a:chExt cx="0" cy="0"/>
-        </a:xfrm>
-      </p:grpSpPr>
-      <p:graphicFrame>
-        <p:nvGraphicFramePr>
-          <p:cNvPr id="6" name="图表 5">
-            <a:extLst>
-              <a:ext uri="{FF2B5EF4-FFF2-40B4-BE49-F238E27FC236}">
-                <a16:creationId xmlns:a16="http://schemas.microsoft.com/office/drawing/2014/main" id="{0C57FD40-9584-411C-93F0-E2BF12C73A0C}"/>
-              </a:ext>
-            </a:extLst>
-          </p:cNvPr>
-          <p:cNvGraphicFramePr/>
-          <p:nvPr>
-            <p:extLst>
-              <p:ext uri="{D42A27DB-BD31-4B8C-83A1-F6EECF244321}">
-                <p14:modId xmlns:p14="http://schemas.microsoft.com/office/powerpoint/2010/main" val="1101298064"/>
-              </p:ext>
-            </p:extLst>
-          </p:nvPr>
-        </p:nvGraphicFramePr>
-        <p:xfrm>
-          <a:off x="2125662" y="1685925"/>
-          <a:ext cx="7940675" cy="4566708"/>
-        </p:xfrm>
-        <a:graphic>
-          <a:graphicData uri="http://schemas.openxmlformats.org/drawingml/2006/chart">
-            <c:chart xmlns:c="http://schemas.openxmlformats.org/drawingml/2006/chart" xmlns:r="http://schemas.openxmlformats.org/officeDocument/2006/relationships" r:id="rId2"/>
-          </a:graphicData>
-        </a:graphic>
-      </p:graphicFrame>
-      <p:sp>
-        <p:nvSpPr>
-          <p:cNvPr id="7" name="文本框 6">
-            <a:extLst>
-              <a:ext uri="{FF2B5EF4-FFF2-40B4-BE49-F238E27FC236}">
-                <a16:creationId xmlns:a16="http://schemas.microsoft.com/office/drawing/2014/main" id="{9B7214BD-A34E-4CD7-8402-F531B71DD283}"/>
-              </a:ext>
-            </a:extLst>
-          </p:cNvPr>
-          <p:cNvSpPr txBox="1"/>
-          <p:nvPr/>
-        </p:nvSpPr>
-        <p:spPr>
-          <a:xfrm>
-            <a:off x="2490788" y="896687"/>
-            <a:ext cx="7940675" cy="369332"/>
-          </a:xfrm>
-          <a:prstGeom prst="rect">
-            <a:avLst/>
-          </a:prstGeom>
-          <a:noFill/>
-        </p:spPr>
-        <p:txBody>
-          <a:bodyPr wrap="square" rtlCol="0">
-            <a:spAutoFit/>
-          </a:bodyPr>
-          <a:lstStyle/>
-          <a:p>
-            <a:r>
-              <a:rPr lang="en-US" altLang="zh-CN" dirty="0"/>
-              <a:t>[ </a:t>
-            </a:r>
-            <a:r>
-              <a:rPr lang="zh-CN" altLang="en-US" dirty="0"/>
-              <a:t>图</a:t>
-            </a:r>
-            <a:r>
-              <a:rPr lang="en-US" altLang="zh-CN" dirty="0"/>
-              <a:t>4-2 ] </a:t>
-            </a:r>
-            <a:r>
-              <a:rPr lang="zh-CN" altLang="en-US" dirty="0"/>
-              <a:t>纵轴</a:t>
-            </a:r>
-            <a:r>
-              <a:rPr lang="en-US" altLang="zh-CN" dirty="0"/>
-              <a:t>CPU</a:t>
-            </a:r>
-            <a:r>
-              <a:rPr lang="zh-CN" altLang="en-US" dirty="0"/>
-              <a:t>占用率，横轴</a:t>
-            </a:r>
-            <a:r>
-              <a:rPr lang="en-US" altLang="zh-CN" dirty="0"/>
-              <a:t>CPU</a:t>
-            </a:r>
-            <a:r>
-              <a:rPr lang="zh-CN" altLang="en-US" dirty="0"/>
-              <a:t>线程数，</a:t>
-            </a:r>
-            <a:r>
-              <a:rPr lang="en-US" altLang="zh-CN" dirty="0"/>
-              <a:t>4</a:t>
-            </a:r>
-            <a:r>
-              <a:rPr lang="zh-CN" altLang="en-US" dirty="0"/>
-              <a:t>根线表示</a:t>
-            </a:r>
-            <a:r>
-              <a:rPr lang="en-US" altLang="zh-CN" dirty="0"/>
-              <a:t>VDO</a:t>
-            </a:r>
-            <a:r>
-              <a:rPr lang="zh-CN" altLang="en-US" dirty="0"/>
-              <a:t>版本，折线图</a:t>
-            </a:r>
-          </a:p>
-        </p:txBody>
-      </p:sp>
-    </p:spTree>
-    <p:extLst>
-      <p:ext uri="{BB962C8B-B14F-4D97-AF65-F5344CB8AC3E}">
-        <p14:creationId xmlns:p14="http://schemas.microsoft.com/office/powerpoint/2010/main" val="3066555419"/>
-      </p:ext>
-    </p:extLst>
-  </p:cSld>
-  <p:clrMapOvr>
-    <a:masterClrMapping/>
-  </p:clrMapOvr>
-</p:sld>
-</file>
-
-<file path=ppt/slides/slide9.xml><?xml version="1.0" encoding="utf-8"?>
-<p:sld xmlns:a="http://schemas.openxmlformats.org/drawingml/2006/main" xmlns:r="http://schemas.openxmlformats.org/officeDocument/2006/relationships" xmlns:p="http://schemas.openxmlformats.org/presentationml/2006/main">
-  <p:cSld>
-    <p:spTree>
-      <p:nvGrpSpPr>
-        <p:cNvPr id="1" name=""/>
-        <p:cNvGrpSpPr/>
-        <p:nvPr/>
-      </p:nvGrpSpPr>
-      <p:grpSpPr>
-        <a:xfrm>
-          <a:off x="0" y="0"/>
-          <a:ext cx="0" cy="0"/>
-          <a:chOff x="0" y="0"/>
-          <a:chExt cx="0" cy="0"/>
-        </a:xfrm>
-      </p:grpSpPr>
-      <p:graphicFrame>
-        <p:nvGraphicFramePr>
-          <p:cNvPr id="6" name="图表 5">
-            <a:extLst>
-              <a:ext uri="{FF2B5EF4-FFF2-40B4-BE49-F238E27FC236}">
-                <a16:creationId xmlns:a16="http://schemas.microsoft.com/office/drawing/2014/main" id="{323C3CE2-7024-4C34-AE17-715A47968435}"/>
-              </a:ext>
-            </a:extLst>
-          </p:cNvPr>
-          <p:cNvGraphicFramePr/>
-          <p:nvPr>
-            <p:extLst>
-              <p:ext uri="{D42A27DB-BD31-4B8C-83A1-F6EECF244321}">
-                <p14:modId xmlns:p14="http://schemas.microsoft.com/office/powerpoint/2010/main" val="2210170526"/>
-              </p:ext>
-            </p:extLst>
-          </p:nvPr>
-        </p:nvGraphicFramePr>
-        <p:xfrm>
-          <a:off x="1566152" y="1391055"/>
-          <a:ext cx="9815209" cy="4864010"/>
-        </p:xfrm>
-        <a:graphic>
-          <a:graphicData uri="http://schemas.openxmlformats.org/drawingml/2006/chart">
-            <c:chart xmlns:c="http://schemas.openxmlformats.org/drawingml/2006/chart" xmlns:r="http://schemas.openxmlformats.org/officeDocument/2006/relationships" r:id="rId2"/>
-          </a:graphicData>
-        </a:graphic>
-      </p:graphicFrame>
-      <p:sp>
-        <p:nvSpPr>
-          <p:cNvPr id="7" name="文本框 6">
-            <a:extLst>
-              <a:ext uri="{FF2B5EF4-FFF2-40B4-BE49-F238E27FC236}">
-                <a16:creationId xmlns:a16="http://schemas.microsoft.com/office/drawing/2014/main" id="{89A45DD5-9968-40E4-B27C-16F59A30A7D0}"/>
-              </a:ext>
-            </a:extLst>
-          </p:cNvPr>
-          <p:cNvSpPr txBox="1"/>
-          <p:nvPr/>
-        </p:nvSpPr>
-        <p:spPr>
-          <a:xfrm>
-            <a:off x="2763162" y="807715"/>
-            <a:ext cx="7940675" cy="369332"/>
-          </a:xfrm>
-          <a:prstGeom prst="rect">
-            <a:avLst/>
-          </a:prstGeom>
-          <a:noFill/>
-        </p:spPr>
-        <p:txBody>
-          <a:bodyPr wrap="square" rtlCol="0">
-            <a:spAutoFit/>
-          </a:bodyPr>
-          <a:lstStyle/>
-          <a:p>
-            <a:r>
-              <a:rPr lang="en-US" altLang="zh-CN" dirty="0"/>
-              <a:t>[ </a:t>
-            </a:r>
-            <a:r>
-              <a:rPr lang="zh-CN" altLang="en-US" dirty="0"/>
-              <a:t>图</a:t>
-            </a:r>
-            <a:r>
-              <a:rPr lang="en-US" altLang="zh-CN" dirty="0"/>
-              <a:t>5 ] </a:t>
-            </a:r>
-            <a:r>
-              <a:rPr lang="zh-CN" altLang="en-US" dirty="0"/>
-              <a:t>纵轴吞吐量</a:t>
-            </a:r>
-            <a:r>
-              <a:rPr lang="en-US" altLang="zh-CN" dirty="0"/>
-              <a:t>/CPU</a:t>
-            </a:r>
-            <a:r>
-              <a:rPr lang="zh-CN" altLang="en-US" dirty="0"/>
-              <a:t>占用率，横轴</a:t>
-            </a:r>
-            <a:r>
-              <a:rPr lang="en-US" altLang="zh-CN" dirty="0" err="1"/>
-              <a:t>iodepth</a:t>
-            </a:r>
-            <a:r>
-              <a:rPr lang="zh-CN" altLang="en-US" dirty="0"/>
-              <a:t>，</a:t>
-            </a:r>
-            <a:r>
-              <a:rPr lang="en-US" altLang="zh-CN" dirty="0"/>
-              <a:t>4</a:t>
-            </a:r>
-            <a:r>
-              <a:rPr lang="zh-CN" altLang="en-US" dirty="0"/>
-              <a:t>根线表示工作负载，折线图</a:t>
-            </a:r>
-          </a:p>
-        </p:txBody>
-      </p:sp>
-    </p:spTree>
-    <p:extLst>
-      <p:ext uri="{BB962C8B-B14F-4D97-AF65-F5344CB8AC3E}">
-        <p14:creationId xmlns:p14="http://schemas.microsoft.com/office/powerpoint/2010/main" val="1313933014"/>
       </p:ext>
     </p:extLst>
   </p:cSld>

--- a/VDO测试图表.pptx
+++ b/VDO测试图表.pptx
@@ -5,20 +5,22 @@
     <p:sldMasterId id="2147483648" r:id="rId1"/>
   </p:sldMasterIdLst>
   <p:sldIdLst>
-    <p:sldId id="273" r:id="rId2"/>
-    <p:sldId id="274" r:id="rId3"/>
-    <p:sldId id="265" r:id="rId4"/>
-    <p:sldId id="269" r:id="rId5"/>
-    <p:sldId id="257" r:id="rId6"/>
-    <p:sldId id="267" r:id="rId7"/>
-    <p:sldId id="268" r:id="rId8"/>
-    <p:sldId id="259" r:id="rId9"/>
-    <p:sldId id="260" r:id="rId10"/>
-    <p:sldId id="258" r:id="rId11"/>
-    <p:sldId id="262" r:id="rId12"/>
-    <p:sldId id="264" r:id="rId13"/>
-    <p:sldId id="271" r:id="rId14"/>
-    <p:sldId id="272" r:id="rId15"/>
+    <p:sldId id="275" r:id="rId2"/>
+    <p:sldId id="273" r:id="rId3"/>
+    <p:sldId id="274" r:id="rId4"/>
+    <p:sldId id="276" r:id="rId5"/>
+    <p:sldId id="265" r:id="rId6"/>
+    <p:sldId id="269" r:id="rId7"/>
+    <p:sldId id="257" r:id="rId8"/>
+    <p:sldId id="267" r:id="rId9"/>
+    <p:sldId id="268" r:id="rId10"/>
+    <p:sldId id="259" r:id="rId11"/>
+    <p:sldId id="260" r:id="rId12"/>
+    <p:sldId id="258" r:id="rId13"/>
+    <p:sldId id="262" r:id="rId14"/>
+    <p:sldId id="264" r:id="rId15"/>
+    <p:sldId id="271" r:id="rId16"/>
+    <p:sldId id="272" r:id="rId17"/>
   </p:sldIdLst>
   <p:sldSz cx="12192000" cy="6858000"/>
   <p:notesSz cx="6858000" cy="9144000"/>
@@ -122,8 +124,10 @@
       <p14:sectionLst xmlns:p14="http://schemas.microsoft.com/office/powerpoint/2010/main">
         <p14:section name="默认节" id="{E62602AD-19D2-4684-9B2B-E80A46C5F9CA}">
           <p14:sldIdLst>
+            <p14:sldId id="275"/>
             <p14:sldId id="273"/>
             <p14:sldId id="274"/>
+            <p14:sldId id="276"/>
           </p14:sldIdLst>
         </p14:section>
         <p14:section name="无标题节" id="{083677FC-BCD1-4A2A-9ED1-84FEED0B55EF}">
@@ -887,7 +891,7 @@
               <c:strCache>
                 <c:ptCount val="9"/>
                 <c:pt idx="0">
-                  <c:v>bs=4</c:v>
+                  <c:v>bs=4K</c:v>
                 </c:pt>
                 <c:pt idx="1">
                   <c:v>bs=8</c:v>
@@ -1012,7 +1016,7 @@
               <c:strCache>
                 <c:ptCount val="9"/>
                 <c:pt idx="0">
-                  <c:v>bs=4</c:v>
+                  <c:v>bs=4K</c:v>
                 </c:pt>
                 <c:pt idx="1">
                   <c:v>bs=8</c:v>
@@ -1137,7 +1141,7 @@
               <c:strCache>
                 <c:ptCount val="9"/>
                 <c:pt idx="0">
-                  <c:v>bs=4</c:v>
+                  <c:v>bs=4K</c:v>
                 </c:pt>
                 <c:pt idx="1">
                   <c:v>bs=8</c:v>
@@ -1253,7 +1257,7 @@
               <c:strCache>
                 <c:ptCount val="9"/>
                 <c:pt idx="0">
-                  <c:v>bs=4</c:v>
+                  <c:v>bs=4K</c:v>
                 </c:pt>
                 <c:pt idx="1">
                   <c:v>bs=8</c:v>
@@ -1372,7 +1376,18 @@
                   <a:rPr lang="en-US" altLang="zh-CN" sz="1200" b="1" dirty="0"/>
                   <a:t>/bs</a:t>
                 </a:r>
-                <a:endParaRPr lang="zh-CN" altLang="en-US" sz="1200" b="1" dirty="0"/>
+                <a:r>
+                  <a:rPr lang="zh-CN" altLang="en-US" sz="1200" b="1" dirty="0"/>
+                  <a:t>（</a:t>
+                </a:r>
+                <a:r>
+                  <a:rPr lang="en-US" altLang="zh-CN" sz="1200" b="1" dirty="0"/>
+                  <a:t>KB</a:t>
+                </a:r>
+                <a:r>
+                  <a:rPr lang="zh-CN" altLang="en-US" sz="1200" b="1" dirty="0"/>
+                  <a:t>）</a:t>
+                </a:r>
               </a:p>
             </c:rich>
           </c:tx>
@@ -14413,7 +14428,7 @@
           <a:p>
             <a:fld id="{6E32041F-90A9-43AC-BA84-51679D74BBBF}" type="datetimeFigureOut">
               <a:rPr lang="zh-CN" altLang="en-US" smtClean="0"/>
-              <a:t>2020/5/21</a:t>
+              <a:t>2020/5/26</a:t>
             </a:fld>
             <a:endParaRPr lang="zh-CN" altLang="en-US"/>
           </a:p>
@@ -14611,7 +14626,7 @@
           <a:p>
             <a:fld id="{6E32041F-90A9-43AC-BA84-51679D74BBBF}" type="datetimeFigureOut">
               <a:rPr lang="zh-CN" altLang="en-US" smtClean="0"/>
-              <a:t>2020/5/21</a:t>
+              <a:t>2020/5/26</a:t>
             </a:fld>
             <a:endParaRPr lang="zh-CN" altLang="en-US"/>
           </a:p>
@@ -14819,7 +14834,7 @@
           <a:p>
             <a:fld id="{6E32041F-90A9-43AC-BA84-51679D74BBBF}" type="datetimeFigureOut">
               <a:rPr lang="zh-CN" altLang="en-US" smtClean="0"/>
-              <a:t>2020/5/21</a:t>
+              <a:t>2020/5/26</a:t>
             </a:fld>
             <a:endParaRPr lang="zh-CN" altLang="en-US"/>
           </a:p>
@@ -15017,7 +15032,7 @@
           <a:p>
             <a:fld id="{6E32041F-90A9-43AC-BA84-51679D74BBBF}" type="datetimeFigureOut">
               <a:rPr lang="zh-CN" altLang="en-US" smtClean="0"/>
-              <a:t>2020/5/21</a:t>
+              <a:t>2020/5/26</a:t>
             </a:fld>
             <a:endParaRPr lang="zh-CN" altLang="en-US"/>
           </a:p>
@@ -15292,7 +15307,7 @@
           <a:p>
             <a:fld id="{6E32041F-90A9-43AC-BA84-51679D74BBBF}" type="datetimeFigureOut">
               <a:rPr lang="zh-CN" altLang="en-US" smtClean="0"/>
-              <a:t>2020/5/21</a:t>
+              <a:t>2020/5/26</a:t>
             </a:fld>
             <a:endParaRPr lang="zh-CN" altLang="en-US"/>
           </a:p>
@@ -15557,7 +15572,7 @@
           <a:p>
             <a:fld id="{6E32041F-90A9-43AC-BA84-51679D74BBBF}" type="datetimeFigureOut">
               <a:rPr lang="zh-CN" altLang="en-US" smtClean="0"/>
-              <a:t>2020/5/21</a:t>
+              <a:t>2020/5/26</a:t>
             </a:fld>
             <a:endParaRPr lang="zh-CN" altLang="en-US"/>
           </a:p>
@@ -15969,7 +15984,7 @@
           <a:p>
             <a:fld id="{6E32041F-90A9-43AC-BA84-51679D74BBBF}" type="datetimeFigureOut">
               <a:rPr lang="zh-CN" altLang="en-US" smtClean="0"/>
-              <a:t>2020/5/21</a:t>
+              <a:t>2020/5/26</a:t>
             </a:fld>
             <a:endParaRPr lang="zh-CN" altLang="en-US"/>
           </a:p>
@@ -16110,7 +16125,7 @@
           <a:p>
             <a:fld id="{6E32041F-90A9-43AC-BA84-51679D74BBBF}" type="datetimeFigureOut">
               <a:rPr lang="zh-CN" altLang="en-US" smtClean="0"/>
-              <a:t>2020/5/21</a:t>
+              <a:t>2020/5/26</a:t>
             </a:fld>
             <a:endParaRPr lang="zh-CN" altLang="en-US"/>
           </a:p>
@@ -16223,7 +16238,7 @@
           <a:p>
             <a:fld id="{6E32041F-90A9-43AC-BA84-51679D74BBBF}" type="datetimeFigureOut">
               <a:rPr lang="zh-CN" altLang="en-US" smtClean="0"/>
-              <a:t>2020/5/21</a:t>
+              <a:t>2020/5/26</a:t>
             </a:fld>
             <a:endParaRPr lang="zh-CN" altLang="en-US"/>
           </a:p>
@@ -16534,7 +16549,7 @@
           <a:p>
             <a:fld id="{6E32041F-90A9-43AC-BA84-51679D74BBBF}" type="datetimeFigureOut">
               <a:rPr lang="zh-CN" altLang="en-US" smtClean="0"/>
-              <a:t>2020/5/21</a:t>
+              <a:t>2020/5/26</a:t>
             </a:fld>
             <a:endParaRPr lang="zh-CN" altLang="en-US"/>
           </a:p>
@@ -16822,7 +16837,7 @@
           <a:p>
             <a:fld id="{6E32041F-90A9-43AC-BA84-51679D74BBBF}" type="datetimeFigureOut">
               <a:rPr lang="zh-CN" altLang="en-US" smtClean="0"/>
-              <a:t>2020/5/21</a:t>
+              <a:t>2020/5/26</a:t>
             </a:fld>
             <a:endParaRPr lang="zh-CN" altLang="en-US"/>
           </a:p>
@@ -17063,7 +17078,7 @@
           <a:p>
             <a:fld id="{6E32041F-90A9-43AC-BA84-51679D74BBBF}" type="datetimeFigureOut">
               <a:rPr lang="zh-CN" altLang="en-US" smtClean="0"/>
-              <a:t>2020/5/21</a:t>
+              <a:t>2020/5/26</a:t>
             </a:fld>
             <a:endParaRPr lang="zh-CN" altLang="en-US"/>
           </a:p>
@@ -17466,14 +17481,6 @@
 <file path=ppt/slides/slide1.xml><?xml version="1.0" encoding="utf-8"?>
 <p:sld xmlns:a="http://schemas.openxmlformats.org/drawingml/2006/main" xmlns:r="http://schemas.openxmlformats.org/officeDocument/2006/relationships" xmlns:p="http://schemas.openxmlformats.org/presentationml/2006/main">
   <p:cSld>
-    <p:bg>
-      <p:bgPr>
-        <a:solidFill>
-          <a:schemeClr val="bg1"/>
-        </a:solidFill>
-        <a:effectLst/>
-      </p:bgPr>
-    </p:bg>
     <p:spTree>
       <p:nvGrpSpPr>
         <p:cNvPr id="1" name=""/>
@@ -17490,10 +17497,10 @@
       </p:grpSpPr>
       <p:pic>
         <p:nvPicPr>
-          <p:cNvPr id="5" name="图片 4" descr="手机屏幕截图&#10;&#10;描述已自动生成">
+          <p:cNvPr id="5" name="图形 4" descr="自拍">
             <a:extLst>
               <a:ext uri="{FF2B5EF4-FFF2-40B4-BE49-F238E27FC236}">
-                <a16:creationId xmlns:a16="http://schemas.microsoft.com/office/drawing/2014/main" id="{BB980CF7-4618-4392-BEDD-E8D0C1B9B33B}"/>
+                <a16:creationId xmlns:a16="http://schemas.microsoft.com/office/drawing/2014/main" id="{5618F4D3-0CAB-4818-8D94-55519F68BEBE}"/>
               </a:ext>
             </a:extLst>
           </p:cNvPr>
@@ -17508,6 +17515,9 @@
               <a:ext uri="{28A0092B-C50C-407E-A947-70E740481C1C}">
                 <a14:useLocalDpi xmlns:a14="http://schemas.microsoft.com/office/drawing/2010/main" val="0"/>
               </a:ext>
+              <a:ext uri="{96DAC541-7B7A-43D3-8B79-37D633B846F1}">
+                <asvg:svgBlip xmlns:asvg="http://schemas.microsoft.com/office/drawing/2016/SVG/main" r:embed="rId3"/>
+              </a:ext>
             </a:extLst>
           </a:blip>
           <a:stretch>
@@ -17516,18 +17526,1014 @@
         </p:blipFill>
         <p:spPr>
           <a:xfrm>
-            <a:off x="1434020" y="643466"/>
-            <a:ext cx="9323960" cy="5571067"/>
+            <a:off x="1556994" y="360575"/>
+            <a:ext cx="914400" cy="914400"/>
           </a:xfrm>
           <a:prstGeom prst="rect">
             <a:avLst/>
           </a:prstGeom>
         </p:spPr>
       </p:pic>
+      <p:pic>
+        <p:nvPicPr>
+          <p:cNvPr id="7" name="图形 6" descr="打开文件夹">
+            <a:extLst>
+              <a:ext uri="{FF2B5EF4-FFF2-40B4-BE49-F238E27FC236}">
+                <a16:creationId xmlns:a16="http://schemas.microsoft.com/office/drawing/2014/main" id="{AAE31EED-9442-46DC-8B46-207E94260C6B}"/>
+              </a:ext>
+            </a:extLst>
+          </p:cNvPr>
+          <p:cNvPicPr>
+            <a:picLocks noChangeAspect="1"/>
+          </p:cNvPicPr>
+          <p:nvPr/>
+        </p:nvPicPr>
+        <p:blipFill>
+          <a:blip r:embed="rId4">
+            <a:extLst>
+              <a:ext uri="{28A0092B-C50C-407E-A947-70E740481C1C}">
+                <a14:useLocalDpi xmlns:a14="http://schemas.microsoft.com/office/drawing/2010/main" val="0"/>
+              </a:ext>
+              <a:ext uri="{96DAC541-7B7A-43D3-8B79-37D633B846F1}">
+                <asvg:svgBlip xmlns:asvg="http://schemas.microsoft.com/office/drawing/2016/SVG/main" r:embed="rId5"/>
+              </a:ext>
+            </a:extLst>
+          </a:blip>
+          <a:stretch>
+            <a:fillRect/>
+          </a:stretch>
+        </p:blipFill>
+        <p:spPr>
+          <a:xfrm>
+            <a:off x="389675" y="360575"/>
+            <a:ext cx="914400" cy="914400"/>
+          </a:xfrm>
+          <a:prstGeom prst="rect">
+            <a:avLst/>
+          </a:prstGeom>
+        </p:spPr>
+      </p:pic>
+      <p:pic>
+        <p:nvPicPr>
+          <p:cNvPr id="1026" name="Picture 2">
+            <a:extLst>
+              <a:ext uri="{FF2B5EF4-FFF2-40B4-BE49-F238E27FC236}">
+                <a16:creationId xmlns:a16="http://schemas.microsoft.com/office/drawing/2014/main" id="{A2E7E86A-E615-4327-9991-509BC0E240BC}"/>
+              </a:ext>
+            </a:extLst>
+          </p:cNvPr>
+          <p:cNvPicPr>
+            <a:picLocks noChangeAspect="1" noChangeArrowheads="1"/>
+          </p:cNvPicPr>
+          <p:nvPr/>
+        </p:nvPicPr>
+        <p:blipFill rotWithShape="1">
+          <a:blip r:embed="rId6">
+            <a:extLst>
+              <a:ext uri="{BEBA8EAE-BF5A-486C-A8C5-ECC9F3942E4B}">
+                <a14:imgProps xmlns:a14="http://schemas.microsoft.com/office/drawing/2010/main">
+                  <a14:imgLayer r:embed="rId7">
+                    <a14:imgEffect>
+                      <a14:backgroundRemoval t="10000" b="90000" l="10000" r="90000"/>
+                    </a14:imgEffect>
+                  </a14:imgLayer>
+                </a14:imgProps>
+              </a:ext>
+              <a:ext uri="{28A0092B-C50C-407E-A947-70E740481C1C}">
+                <a14:useLocalDpi xmlns:a14="http://schemas.microsoft.com/office/drawing/2010/main" val="0"/>
+              </a:ext>
+            </a:extLst>
+          </a:blip>
+          <a:srcRect l="15738" t="31250" r="16220" b="7378"/>
+          <a:stretch/>
+        </p:blipFill>
+        <p:spPr bwMode="auto">
+          <a:xfrm>
+            <a:off x="2806664" y="2556058"/>
+            <a:ext cx="1659117" cy="1496505"/>
+          </a:xfrm>
+          <a:prstGeom prst="rect">
+            <a:avLst/>
+          </a:prstGeom>
+          <a:noFill/>
+          <a:extLst>
+            <a:ext uri="{909E8E84-426E-40DD-AFC4-6F175D3DCCD1}">
+              <a14:hiddenFill xmlns:a14="http://schemas.microsoft.com/office/drawing/2010/main">
+                <a:solidFill>
+                  <a:srgbClr val="FFFFFF"/>
+                </a:solidFill>
+              </a14:hiddenFill>
+            </a:ext>
+          </a:extLst>
+        </p:spPr>
+      </p:pic>
+      <p:pic>
+        <p:nvPicPr>
+          <p:cNvPr id="1030" name="Picture 6">
+            <a:extLst>
+              <a:ext uri="{FF2B5EF4-FFF2-40B4-BE49-F238E27FC236}">
+                <a16:creationId xmlns:a16="http://schemas.microsoft.com/office/drawing/2014/main" id="{5D80CA3A-7B12-4969-9EFA-277144645495}"/>
+              </a:ext>
+            </a:extLst>
+          </p:cNvPr>
+          <p:cNvPicPr>
+            <a:picLocks noChangeAspect="1" noChangeArrowheads="1"/>
+          </p:cNvPicPr>
+          <p:nvPr/>
+        </p:nvPicPr>
+        <p:blipFill>
+          <a:blip r:embed="rId8">
+            <a:extLst>
+              <a:ext uri="{BEBA8EAE-BF5A-486C-A8C5-ECC9F3942E4B}">
+                <a14:imgProps xmlns:a14="http://schemas.microsoft.com/office/drawing/2010/main">
+                  <a14:imgLayer r:embed="rId9">
+                    <a14:imgEffect>
+                      <a14:backgroundRemoval t="8594" b="91602" l="4688" r="91797">
+                        <a14:foregroundMark x1="9570" y1="59180" x2="9570" y2="59180"/>
+                        <a14:foregroundMark x1="8789" y1="52344" x2="8789" y2="41797"/>
+                        <a14:foregroundMark x1="8789" y1="41797" x2="11133" y2="73047"/>
+                        <a14:foregroundMark x1="11133" y1="73047" x2="8984" y2="77930"/>
+                        <a14:foregroundMark x1="9375" y1="87305" x2="8984" y2="57031"/>
+                        <a14:foregroundMark x1="12891" y1="74609" x2="10156" y2="40625"/>
+                        <a14:foregroundMark x1="5859" y1="31250" x2="4688" y2="41602"/>
+                        <a14:foregroundMark x1="4688" y1="41602" x2="4883" y2="41992"/>
+                        <a14:foregroundMark x1="66797" y1="8984" x2="74219" y2="8984"/>
+                        <a14:foregroundMark x1="91602" y1="27734" x2="91797" y2="46875"/>
+                        <a14:foregroundMark x1="9375" y1="91602" x2="9375" y2="91602"/>
+                      </a14:backgroundRemoval>
+                    </a14:imgEffect>
+                  </a14:imgLayer>
+                </a14:imgProps>
+              </a:ext>
+              <a:ext uri="{28A0092B-C50C-407E-A947-70E740481C1C}">
+                <a14:useLocalDpi xmlns:a14="http://schemas.microsoft.com/office/drawing/2010/main" val="0"/>
+              </a:ext>
+            </a:extLst>
+          </a:blip>
+          <a:srcRect/>
+          <a:stretch>
+            <a:fillRect/>
+          </a:stretch>
+        </p:blipFill>
+        <p:spPr bwMode="auto">
+          <a:xfrm>
+            <a:off x="325249" y="1184185"/>
+            <a:ext cx="1496505" cy="1496505"/>
+          </a:xfrm>
+          <a:prstGeom prst="rect">
+            <a:avLst/>
+          </a:prstGeom>
+          <a:noFill/>
+          <a:extLst>
+            <a:ext uri="{909E8E84-426E-40DD-AFC4-6F175D3DCCD1}">
+              <a14:hiddenFill xmlns:a14="http://schemas.microsoft.com/office/drawing/2010/main">
+                <a:solidFill>
+                  <a:srgbClr val="FFFFFF"/>
+                </a:solidFill>
+              </a14:hiddenFill>
+            </a:ext>
+          </a:extLst>
+        </p:spPr>
+      </p:pic>
+      <p:grpSp>
+        <p:nvGrpSpPr>
+          <p:cNvPr id="16" name="组合 15">
+            <a:extLst>
+              <a:ext uri="{FF2B5EF4-FFF2-40B4-BE49-F238E27FC236}">
+                <a16:creationId xmlns:a16="http://schemas.microsoft.com/office/drawing/2014/main" id="{B6D56C73-2D8F-467D-A2BC-7A6E73B561CB}"/>
+              </a:ext>
+            </a:extLst>
+          </p:cNvPr>
+          <p:cNvGrpSpPr/>
+          <p:nvPr/>
+        </p:nvGrpSpPr>
+        <p:grpSpPr>
+          <a:xfrm>
+            <a:off x="6250590" y="1408307"/>
+            <a:ext cx="3118340" cy="990443"/>
+            <a:chOff x="5158394" y="1274975"/>
+            <a:chExt cx="3465099" cy="1100580"/>
+          </a:xfrm>
+        </p:grpSpPr>
+        <p:pic>
+          <p:nvPicPr>
+            <p:cNvPr id="1032" name="Picture 8">
+              <a:extLst>
+                <a:ext uri="{FF2B5EF4-FFF2-40B4-BE49-F238E27FC236}">
+                  <a16:creationId xmlns:a16="http://schemas.microsoft.com/office/drawing/2014/main" id="{5DFDDE6F-862E-4F98-9A8D-3A79C21D59FC}"/>
+                </a:ext>
+              </a:extLst>
+            </p:cNvPr>
+            <p:cNvPicPr>
+              <a:picLocks noChangeAspect="1" noChangeArrowheads="1"/>
+            </p:cNvPicPr>
+            <p:nvPr/>
+          </p:nvPicPr>
+          <p:blipFill rotWithShape="1">
+            <a:blip r:embed="rId10">
+              <a:extLst>
+                <a:ext uri="{BEBA8EAE-BF5A-486C-A8C5-ECC9F3942E4B}">
+                  <a14:imgProps xmlns:a14="http://schemas.microsoft.com/office/drawing/2010/main">
+                    <a14:imgLayer r:embed="rId11">
+                      <a14:imgEffect>
+                        <a14:backgroundRemoval t="10000" b="90000" l="10000" r="90000">
+                          <a14:foregroundMark x1="58600" y1="32800" x2="48400" y2="33400"/>
+                          <a14:foregroundMark x1="48400" y1="33400" x2="57000" y2="53400"/>
+                          <a14:foregroundMark x1="57000" y1="53400" x2="47200" y2="60800"/>
+                          <a14:foregroundMark x1="47200" y1="60800" x2="42200" y2="49800"/>
+                          <a14:foregroundMark x1="42200" y1="49800" x2="52400" y2="46400"/>
+                          <a14:foregroundMark x1="52400" y1="46400" x2="58600" y2="56400"/>
+                          <a14:foregroundMark x1="58600" y1="56400" x2="50600" y2="67000"/>
+                          <a14:foregroundMark x1="50600" y1="67000" x2="40200" y2="68400"/>
+                          <a14:foregroundMark x1="40200" y1="68400" x2="31000" y2="61600"/>
+                          <a14:foregroundMark x1="31000" y1="61600" x2="30200" y2="50600"/>
+                          <a14:foregroundMark x1="30200" y1="50600" x2="36000" y2="41600"/>
+                          <a14:foregroundMark x1="36000" y1="41600" x2="39000" y2="40800"/>
+                          <a14:foregroundMark x1="41600" y1="37600" x2="33600" y2="47000"/>
+                          <a14:foregroundMark x1="33600" y1="47000" x2="32000" y2="51200"/>
+                          <a14:foregroundMark x1="35400" y1="39200" x2="39200" y2="37000"/>
+                          <a14:foregroundMark x1="55000" y1="45200" x2="63600" y2="51000"/>
+                          <a14:foregroundMark x1="63600" y1="51000" x2="64600" y2="63200"/>
+                          <a14:foregroundMark x1="64600" y1="63200" x2="55000" y2="70000"/>
+                          <a14:foregroundMark x1="55000" y1="70000" x2="44600" y2="68000"/>
+                          <a14:foregroundMark x1="39600" y1="69800" x2="51400" y2="70800"/>
+                          <a14:foregroundMark x1="51400" y1="70800" x2="53400" y2="70400"/>
+                          <a14:foregroundMark x1="56600" y1="45000" x2="66800" y2="51400"/>
+                          <a14:foregroundMark x1="66800" y1="51400" x2="67800" y2="52800"/>
+                        </a14:backgroundRemoval>
+                      </a14:imgEffect>
+                    </a14:imgLayer>
+                  </a14:imgProps>
+                </a:ext>
+                <a:ext uri="{28A0092B-C50C-407E-A947-70E740481C1C}">
+                  <a14:useLocalDpi xmlns:a14="http://schemas.microsoft.com/office/drawing/2010/main" val="0"/>
+                </a:ext>
+              </a:extLst>
+            </a:blip>
+            <a:srcRect l="12458" t="19171" r="17597" b="13879"/>
+            <a:stretch/>
+          </p:blipFill>
+          <p:spPr bwMode="auto">
+            <a:xfrm>
+              <a:off x="5158394" y="1274975"/>
+              <a:ext cx="1091347" cy="1044596"/>
+            </a:xfrm>
+            <a:prstGeom prst="rect">
+              <a:avLst/>
+            </a:prstGeom>
+            <a:noFill/>
+            <a:extLst>
+              <a:ext uri="{909E8E84-426E-40DD-AFC4-6F175D3DCCD1}">
+                <a14:hiddenFill xmlns:a14="http://schemas.microsoft.com/office/drawing/2010/main">
+                  <a:solidFill>
+                    <a:srgbClr val="FFFFFF"/>
+                  </a:solidFill>
+                </a14:hiddenFill>
+              </a:ext>
+            </a:extLst>
+          </p:spPr>
+        </p:pic>
+        <p:pic>
+          <p:nvPicPr>
+            <p:cNvPr id="1034" name="Picture 10">
+              <a:extLst>
+                <a:ext uri="{FF2B5EF4-FFF2-40B4-BE49-F238E27FC236}">
+                  <a16:creationId xmlns:a16="http://schemas.microsoft.com/office/drawing/2014/main" id="{39B562F4-2896-42EC-9C90-8B74A0E10A2F}"/>
+                </a:ext>
+              </a:extLst>
+            </p:cNvPr>
+            <p:cNvPicPr>
+              <a:picLocks noChangeAspect="1" noChangeArrowheads="1"/>
+            </p:cNvPicPr>
+            <p:nvPr/>
+          </p:nvPicPr>
+          <p:blipFill>
+            <a:blip r:embed="rId12">
+              <a:extLst>
+                <a:ext uri="{28A0092B-C50C-407E-A947-70E740481C1C}">
+                  <a14:useLocalDpi xmlns:a14="http://schemas.microsoft.com/office/drawing/2010/main" val="0"/>
+                </a:ext>
+              </a:extLst>
+            </a:blip>
+            <a:srcRect/>
+            <a:stretch>
+              <a:fillRect/>
+            </a:stretch>
+          </p:blipFill>
+          <p:spPr bwMode="auto">
+            <a:xfrm>
+              <a:off x="6432795" y="1333515"/>
+              <a:ext cx="929302" cy="929302"/>
+            </a:xfrm>
+            <a:prstGeom prst="rect">
+              <a:avLst/>
+            </a:prstGeom>
+            <a:noFill/>
+            <a:extLst>
+              <a:ext uri="{909E8E84-426E-40DD-AFC4-6F175D3DCCD1}">
+                <a14:hiddenFill xmlns:a14="http://schemas.microsoft.com/office/drawing/2010/main">
+                  <a:solidFill>
+                    <a:srgbClr val="FFFFFF"/>
+                  </a:solidFill>
+                </a14:hiddenFill>
+              </a:ext>
+            </a:extLst>
+          </p:spPr>
+        </p:pic>
+        <p:pic>
+          <p:nvPicPr>
+            <p:cNvPr id="1036" name="Picture 12">
+              <a:extLst>
+                <a:ext uri="{FF2B5EF4-FFF2-40B4-BE49-F238E27FC236}">
+                  <a16:creationId xmlns:a16="http://schemas.microsoft.com/office/drawing/2014/main" id="{CC35B8F7-E502-483D-93B1-3F28CAC21F08}"/>
+                </a:ext>
+              </a:extLst>
+            </p:cNvPr>
+            <p:cNvPicPr>
+              <a:picLocks noChangeAspect="1" noChangeArrowheads="1"/>
+            </p:cNvPicPr>
+            <p:nvPr/>
+          </p:nvPicPr>
+          <p:blipFill rotWithShape="1">
+            <a:blip r:embed="rId13">
+              <a:extLst>
+                <a:ext uri="{BEBA8EAE-BF5A-486C-A8C5-ECC9F3942E4B}">
+                  <a14:imgProps xmlns:a14="http://schemas.microsoft.com/office/drawing/2010/main">
+                    <a14:imgLayer r:embed="rId14">
+                      <a14:imgEffect>
+                        <a14:backgroundRemoval t="10000" b="90000" l="10000" r="90000"/>
+                      </a14:imgEffect>
+                    </a14:imgLayer>
+                  </a14:imgProps>
+                </a:ext>
+                <a:ext uri="{28A0092B-C50C-407E-A947-70E740481C1C}">
+                  <a14:useLocalDpi xmlns:a14="http://schemas.microsoft.com/office/drawing/2010/main" val="0"/>
+                </a:ext>
+              </a:extLst>
+            </a:blip>
+            <a:srcRect l="21029" t="7010" r="25192" b="25196"/>
+            <a:stretch/>
+          </p:blipFill>
+          <p:spPr bwMode="auto">
+            <a:xfrm>
+              <a:off x="7532147" y="1274975"/>
+              <a:ext cx="1091346" cy="1100580"/>
+            </a:xfrm>
+            <a:prstGeom prst="rect">
+              <a:avLst/>
+            </a:prstGeom>
+            <a:noFill/>
+            <a:extLst>
+              <a:ext uri="{909E8E84-426E-40DD-AFC4-6F175D3DCCD1}">
+                <a14:hiddenFill xmlns:a14="http://schemas.microsoft.com/office/drawing/2010/main">
+                  <a:solidFill>
+                    <a:srgbClr val="FFFFFF"/>
+                  </a:solidFill>
+                </a14:hiddenFill>
+              </a:ext>
+            </a:extLst>
+          </p:spPr>
+        </p:pic>
+      </p:grpSp>
+      <p:grpSp>
+        <p:nvGrpSpPr>
+          <p:cNvPr id="17" name="组合 16">
+            <a:extLst>
+              <a:ext uri="{FF2B5EF4-FFF2-40B4-BE49-F238E27FC236}">
+                <a16:creationId xmlns:a16="http://schemas.microsoft.com/office/drawing/2014/main" id="{68ECCA63-5727-4E74-9422-F0686C083F0D}"/>
+              </a:ext>
+            </a:extLst>
+          </p:cNvPr>
+          <p:cNvGrpSpPr/>
+          <p:nvPr/>
+        </p:nvGrpSpPr>
+        <p:grpSpPr>
+          <a:xfrm>
+            <a:off x="6250590" y="2680690"/>
+            <a:ext cx="2926183" cy="1109368"/>
+            <a:chOff x="5130911" y="2439695"/>
+            <a:chExt cx="3524476" cy="1336192"/>
+          </a:xfrm>
+        </p:grpSpPr>
+        <p:pic>
+          <p:nvPicPr>
+            <p:cNvPr id="1038" name="Picture 14">
+              <a:extLst>
+                <a:ext uri="{FF2B5EF4-FFF2-40B4-BE49-F238E27FC236}">
+                  <a16:creationId xmlns:a16="http://schemas.microsoft.com/office/drawing/2014/main" id="{BF45197C-E37D-436F-9153-E5D916667432}"/>
+                </a:ext>
+              </a:extLst>
+            </p:cNvPr>
+            <p:cNvPicPr>
+              <a:picLocks noChangeAspect="1" noChangeArrowheads="1"/>
+            </p:cNvPicPr>
+            <p:nvPr/>
+          </p:nvPicPr>
+          <p:blipFill rotWithShape="1">
+            <a:blip r:embed="rId15">
+              <a:extLst>
+                <a:ext uri="{BEBA8EAE-BF5A-486C-A8C5-ECC9F3942E4B}">
+                  <a14:imgProps xmlns:a14="http://schemas.microsoft.com/office/drawing/2010/main">
+                    <a14:imgLayer r:embed="rId16">
+                      <a14:imgEffect>
+                        <a14:backgroundRemoval t="10000" b="90000" l="10000" r="90000"/>
+                      </a14:imgEffect>
+                    </a14:imgLayer>
+                  </a14:imgProps>
+                </a:ext>
+                <a:ext uri="{28A0092B-C50C-407E-A947-70E740481C1C}">
+                  <a14:useLocalDpi xmlns:a14="http://schemas.microsoft.com/office/drawing/2010/main" val="0"/>
+                </a:ext>
+              </a:extLst>
+            </a:blip>
+            <a:srcRect l="18577" r="15121" b="19421"/>
+            <a:stretch/>
+          </p:blipFill>
+          <p:spPr bwMode="auto">
+            <a:xfrm>
+              <a:off x="5130911" y="2439695"/>
+              <a:ext cx="1252195" cy="1336192"/>
+            </a:xfrm>
+            <a:prstGeom prst="rect">
+              <a:avLst/>
+            </a:prstGeom>
+            <a:noFill/>
+            <a:extLst>
+              <a:ext uri="{909E8E84-426E-40DD-AFC4-6F175D3DCCD1}">
+                <a14:hiddenFill xmlns:a14="http://schemas.microsoft.com/office/drawing/2010/main">
+                  <a:solidFill>
+                    <a:srgbClr val="FFFFFF"/>
+                  </a:solidFill>
+                </a14:hiddenFill>
+              </a:ext>
+            </a:extLst>
+          </p:spPr>
+        </p:pic>
+        <p:pic>
+          <p:nvPicPr>
+            <p:cNvPr id="1040" name="Picture 16">
+              <a:extLst>
+                <a:ext uri="{FF2B5EF4-FFF2-40B4-BE49-F238E27FC236}">
+                  <a16:creationId xmlns:a16="http://schemas.microsoft.com/office/drawing/2014/main" id="{14C0CEFA-5CD2-4F99-8D6F-FD5522EE7DED}"/>
+                </a:ext>
+              </a:extLst>
+            </p:cNvPr>
+            <p:cNvPicPr>
+              <a:picLocks noChangeAspect="1" noChangeArrowheads="1"/>
+            </p:cNvPicPr>
+            <p:nvPr/>
+          </p:nvPicPr>
+          <p:blipFill rotWithShape="1">
+            <a:blip r:embed="rId17">
+              <a:extLst>
+                <a:ext uri="{28A0092B-C50C-407E-A947-70E740481C1C}">
+                  <a14:useLocalDpi xmlns:a14="http://schemas.microsoft.com/office/drawing/2010/main" val="0"/>
+                </a:ext>
+              </a:extLst>
+            </a:blip>
+            <a:srcRect l="14100" t="3745" r="17023" b="4814"/>
+            <a:stretch/>
+          </p:blipFill>
+          <p:spPr bwMode="auto">
+            <a:xfrm>
+              <a:off x="6340940" y="2536891"/>
+              <a:ext cx="2314447" cy="1238996"/>
+            </a:xfrm>
+            <a:prstGeom prst="rect">
+              <a:avLst/>
+            </a:prstGeom>
+            <a:noFill/>
+            <a:extLst>
+              <a:ext uri="{909E8E84-426E-40DD-AFC4-6F175D3DCCD1}">
+                <a14:hiddenFill xmlns:a14="http://schemas.microsoft.com/office/drawing/2010/main">
+                  <a:solidFill>
+                    <a:srgbClr val="FFFFFF"/>
+                  </a:solidFill>
+                </a14:hiddenFill>
+              </a:ext>
+            </a:extLst>
+          </p:spPr>
+        </p:pic>
+      </p:grpSp>
+      <p:pic>
+        <p:nvPicPr>
+          <p:cNvPr id="9" name="图片 8" descr="图片包含 游戏机, 电脑, 钟表, 标志&#10;&#10;描述已自动生成">
+            <a:extLst>
+              <a:ext uri="{FF2B5EF4-FFF2-40B4-BE49-F238E27FC236}">
+                <a16:creationId xmlns:a16="http://schemas.microsoft.com/office/drawing/2014/main" id="{A4D8D93A-3326-4DBF-938D-601E02497AC4}"/>
+              </a:ext>
+            </a:extLst>
+          </p:cNvPr>
+          <p:cNvPicPr>
+            <a:picLocks noChangeAspect="1"/>
+          </p:cNvPicPr>
+          <p:nvPr/>
+        </p:nvPicPr>
+        <p:blipFill>
+          <a:blip r:embed="rId18">
+            <a:extLst>
+              <a:ext uri="{28A0092B-C50C-407E-A947-70E740481C1C}">
+                <a14:useLocalDpi xmlns:a14="http://schemas.microsoft.com/office/drawing/2010/main" val="0"/>
+              </a:ext>
+            </a:extLst>
+          </a:blip>
+          <a:stretch>
+            <a:fillRect/>
+          </a:stretch>
+        </p:blipFill>
+        <p:spPr>
+          <a:xfrm>
+            <a:off x="688385" y="2273242"/>
+            <a:ext cx="1009089" cy="1009090"/>
+          </a:xfrm>
+          <a:prstGeom prst="rect">
+            <a:avLst/>
+          </a:prstGeom>
+        </p:spPr>
+      </p:pic>
+      <p:pic>
+        <p:nvPicPr>
+          <p:cNvPr id="1042" name="Picture 18">
+            <a:extLst>
+              <a:ext uri="{FF2B5EF4-FFF2-40B4-BE49-F238E27FC236}">
+                <a16:creationId xmlns:a16="http://schemas.microsoft.com/office/drawing/2014/main" id="{CDF69EDD-9E18-48ED-BA45-5FA92347BEB9}"/>
+              </a:ext>
+            </a:extLst>
+          </p:cNvPr>
+          <p:cNvPicPr>
+            <a:picLocks noChangeAspect="1" noChangeArrowheads="1"/>
+          </p:cNvPicPr>
+          <p:nvPr/>
+        </p:nvPicPr>
+        <p:blipFill>
+          <a:blip r:embed="rId19">
+            <a:extLst>
+              <a:ext uri="{28A0092B-C50C-407E-A947-70E740481C1C}">
+                <a14:useLocalDpi xmlns:a14="http://schemas.microsoft.com/office/drawing/2010/main" val="0"/>
+              </a:ext>
+            </a:extLst>
+          </a:blip>
+          <a:srcRect/>
+          <a:stretch>
+            <a:fillRect/>
+          </a:stretch>
+        </p:blipFill>
+        <p:spPr bwMode="auto">
+          <a:xfrm>
+            <a:off x="6585565" y="4210684"/>
+            <a:ext cx="1050014" cy="1050014"/>
+          </a:xfrm>
+          <a:prstGeom prst="rect">
+            <a:avLst/>
+          </a:prstGeom>
+          <a:noFill/>
+          <a:extLst>
+            <a:ext uri="{909E8E84-426E-40DD-AFC4-6F175D3DCCD1}">
+              <a14:hiddenFill xmlns:a14="http://schemas.microsoft.com/office/drawing/2010/main">
+                <a:solidFill>
+                  <a:srgbClr val="FFFFFF"/>
+                </a:solidFill>
+              </a14:hiddenFill>
+            </a:ext>
+          </a:extLst>
+        </p:spPr>
+      </p:pic>
+      <p:cxnSp>
+        <p:nvCxnSpPr>
+          <p:cNvPr id="15" name="直接连接符 14">
+            <a:extLst>
+              <a:ext uri="{FF2B5EF4-FFF2-40B4-BE49-F238E27FC236}">
+                <a16:creationId xmlns:a16="http://schemas.microsoft.com/office/drawing/2014/main" id="{6AF82C31-05D9-43A2-BEBA-34F45AC39C52}"/>
+              </a:ext>
+            </a:extLst>
+          </p:cNvPr>
+          <p:cNvCxnSpPr>
+            <a:cxnSpLocks/>
+          </p:cNvCxnSpPr>
+          <p:nvPr/>
+        </p:nvCxnSpPr>
+        <p:spPr>
+          <a:xfrm flipV="1">
+            <a:off x="5205152" y="2548222"/>
+            <a:ext cx="4466402" cy="7836"/>
+          </a:xfrm>
+          <a:prstGeom prst="line">
+            <a:avLst/>
+          </a:prstGeom>
+          <a:ln w="12700" cap="flat" cmpd="sng" algn="ctr">
+            <a:solidFill>
+              <a:schemeClr val="dk1"/>
+            </a:solidFill>
+            <a:prstDash val="dash"/>
+            <a:round/>
+            <a:headEnd type="none" w="med" len="med"/>
+            <a:tailEnd type="none" w="med" len="med"/>
+          </a:ln>
+          <a:effectLst>
+            <a:outerShdw blurRad="50800" dist="38100" dir="2700000" algn="tl" rotWithShape="0">
+              <a:prstClr val="black">
+                <a:alpha val="40000"/>
+              </a:prstClr>
+            </a:outerShdw>
+          </a:effectLst>
+        </p:spPr>
+        <p:style>
+          <a:lnRef idx="0">
+            <a:scrgbClr r="0" g="0" b="0"/>
+          </a:lnRef>
+          <a:fillRef idx="0">
+            <a:scrgbClr r="0" g="0" b="0"/>
+          </a:fillRef>
+          <a:effectRef idx="0">
+            <a:scrgbClr r="0" g="0" b="0"/>
+          </a:effectRef>
+          <a:fontRef idx="minor">
+            <a:schemeClr val="tx1"/>
+          </a:fontRef>
+        </p:style>
+      </p:cxnSp>
+      <p:cxnSp>
+        <p:nvCxnSpPr>
+          <p:cNvPr id="28" name="直接连接符 27">
+            <a:extLst>
+              <a:ext uri="{FF2B5EF4-FFF2-40B4-BE49-F238E27FC236}">
+                <a16:creationId xmlns:a16="http://schemas.microsoft.com/office/drawing/2014/main" id="{DF7D8CF5-02AB-4BFF-BC29-3D84857C40E7}"/>
+              </a:ext>
+            </a:extLst>
+          </p:cNvPr>
+          <p:cNvCxnSpPr>
+            <a:cxnSpLocks/>
+          </p:cNvCxnSpPr>
+          <p:nvPr/>
+        </p:nvCxnSpPr>
+        <p:spPr>
+          <a:xfrm flipV="1">
+            <a:off x="5205152" y="3974458"/>
+            <a:ext cx="4466402" cy="12981"/>
+          </a:xfrm>
+          <a:prstGeom prst="line">
+            <a:avLst/>
+          </a:prstGeom>
+          <a:ln w="12700" cap="flat" cmpd="sng" algn="ctr">
+            <a:solidFill>
+              <a:schemeClr val="dk1"/>
+            </a:solidFill>
+            <a:prstDash val="dash"/>
+            <a:round/>
+            <a:headEnd type="none" w="med" len="med"/>
+            <a:tailEnd type="none" w="med" len="med"/>
+          </a:ln>
+          <a:effectLst>
+            <a:outerShdw blurRad="50800" dist="38100" dir="2700000" algn="tl" rotWithShape="0">
+              <a:prstClr val="black">
+                <a:alpha val="40000"/>
+              </a:prstClr>
+            </a:outerShdw>
+          </a:effectLst>
+        </p:spPr>
+        <p:style>
+          <a:lnRef idx="0">
+            <a:scrgbClr r="0" g="0" b="0"/>
+          </a:lnRef>
+          <a:fillRef idx="0">
+            <a:scrgbClr r="0" g="0" b="0"/>
+          </a:fillRef>
+          <a:effectRef idx="0">
+            <a:scrgbClr r="0" g="0" b="0"/>
+          </a:effectRef>
+          <a:fontRef idx="minor">
+            <a:schemeClr val="tx1"/>
+          </a:fontRef>
+        </p:style>
+      </p:cxnSp>
+      <p:sp>
+        <p:nvSpPr>
+          <p:cNvPr id="19" name="文本框 18">
+            <a:extLst>
+              <a:ext uri="{FF2B5EF4-FFF2-40B4-BE49-F238E27FC236}">
+                <a16:creationId xmlns:a16="http://schemas.microsoft.com/office/drawing/2014/main" id="{25015342-2207-4D04-82EE-B26FA5138907}"/>
+              </a:ext>
+            </a:extLst>
+          </p:cNvPr>
+          <p:cNvSpPr txBox="1"/>
+          <p:nvPr/>
+        </p:nvSpPr>
+        <p:spPr>
+          <a:xfrm>
+            <a:off x="5205152" y="1650439"/>
+            <a:ext cx="1784809" cy="369332"/>
+          </a:xfrm>
+          <a:prstGeom prst="rect">
+            <a:avLst/>
+          </a:prstGeom>
+          <a:noFill/>
+        </p:spPr>
+        <p:txBody>
+          <a:bodyPr wrap="square" rtlCol="0">
+            <a:spAutoFit/>
+          </a:bodyPr>
+          <a:lstStyle/>
+          <a:p>
+            <a:r>
+              <a:rPr lang="zh-CN" altLang="en-US" dirty="0">
+                <a:latin typeface="微软雅黑" panose="020B0503020204020204" pitchFamily="34" charset="-122"/>
+                <a:ea typeface="微软雅黑" panose="020B0503020204020204" pitchFamily="34" charset="-122"/>
+              </a:rPr>
+              <a:t>应用层</a:t>
+            </a:r>
+          </a:p>
+        </p:txBody>
+      </p:sp>
+      <p:sp>
+        <p:nvSpPr>
+          <p:cNvPr id="33" name="文本框 32">
+            <a:extLst>
+              <a:ext uri="{FF2B5EF4-FFF2-40B4-BE49-F238E27FC236}">
+                <a16:creationId xmlns:a16="http://schemas.microsoft.com/office/drawing/2014/main" id="{B8817CA3-875F-4DB7-A942-70C3B072206D}"/>
+              </a:ext>
+            </a:extLst>
+          </p:cNvPr>
+          <p:cNvSpPr txBox="1"/>
+          <p:nvPr/>
+        </p:nvSpPr>
+        <p:spPr>
+          <a:xfrm>
+            <a:off x="4968092" y="3068839"/>
+            <a:ext cx="1784809" cy="369332"/>
+          </a:xfrm>
+          <a:prstGeom prst="rect">
+            <a:avLst/>
+          </a:prstGeom>
+          <a:noFill/>
+        </p:spPr>
+        <p:txBody>
+          <a:bodyPr wrap="square" rtlCol="0">
+            <a:spAutoFit/>
+          </a:bodyPr>
+          <a:lstStyle/>
+          <a:p>
+            <a:r>
+              <a:rPr lang="zh-CN" altLang="en-US" dirty="0">
+                <a:latin typeface="微软雅黑" panose="020B0503020204020204" pitchFamily="34" charset="-122"/>
+                <a:ea typeface="微软雅黑" panose="020B0503020204020204" pitchFamily="34" charset="-122"/>
+              </a:rPr>
+              <a:t>文件系统层</a:t>
+            </a:r>
+          </a:p>
+        </p:txBody>
+      </p:sp>
+      <p:pic>
+        <p:nvPicPr>
+          <p:cNvPr id="1044" name="Picture 20">
+            <a:extLst>
+              <a:ext uri="{FF2B5EF4-FFF2-40B4-BE49-F238E27FC236}">
+                <a16:creationId xmlns:a16="http://schemas.microsoft.com/office/drawing/2014/main" id="{193607D6-37EB-4770-9073-5CE9D892E5F5}"/>
+              </a:ext>
+            </a:extLst>
+          </p:cNvPr>
+          <p:cNvPicPr>
+            <a:picLocks noChangeAspect="1" noChangeArrowheads="1"/>
+          </p:cNvPicPr>
+          <p:nvPr/>
+        </p:nvPicPr>
+        <p:blipFill rotWithShape="1">
+          <a:blip r:embed="rId20">
+            <a:extLst>
+              <a:ext uri="{28A0092B-C50C-407E-A947-70E740481C1C}">
+                <a14:useLocalDpi xmlns:a14="http://schemas.microsoft.com/office/drawing/2010/main" val="0"/>
+              </a:ext>
+            </a:extLst>
+          </a:blip>
+          <a:srcRect l="12907" t="12906" r="17052"/>
+          <a:stretch/>
+        </p:blipFill>
+        <p:spPr bwMode="auto">
+          <a:xfrm>
+            <a:off x="7719658" y="4118362"/>
+            <a:ext cx="1334277" cy="1244350"/>
+          </a:xfrm>
+          <a:prstGeom prst="rect">
+            <a:avLst/>
+          </a:prstGeom>
+          <a:noFill/>
+          <a:extLst>
+            <a:ext uri="{909E8E84-426E-40DD-AFC4-6F175D3DCCD1}">
+              <a14:hiddenFill xmlns:a14="http://schemas.microsoft.com/office/drawing/2010/main">
+                <a:solidFill>
+                  <a:srgbClr val="FFFFFF"/>
+                </a:solidFill>
+              </a14:hiddenFill>
+            </a:ext>
+          </a:extLst>
+        </p:spPr>
+      </p:pic>
+      <p:sp>
+        <p:nvSpPr>
+          <p:cNvPr id="35" name="文本框 34">
+            <a:extLst>
+              <a:ext uri="{FF2B5EF4-FFF2-40B4-BE49-F238E27FC236}">
+                <a16:creationId xmlns:a16="http://schemas.microsoft.com/office/drawing/2014/main" id="{E10D6A8C-667B-425D-89AA-FD041D211706}"/>
+              </a:ext>
+            </a:extLst>
+          </p:cNvPr>
+          <p:cNvSpPr txBox="1"/>
+          <p:nvPr/>
+        </p:nvSpPr>
+        <p:spPr>
+          <a:xfrm>
+            <a:off x="5314333" y="4523726"/>
+            <a:ext cx="1784809" cy="369332"/>
+          </a:xfrm>
+          <a:prstGeom prst="rect">
+            <a:avLst/>
+          </a:prstGeom>
+          <a:noFill/>
+        </p:spPr>
+        <p:txBody>
+          <a:bodyPr wrap="square" rtlCol="0">
+            <a:spAutoFit/>
+          </a:bodyPr>
+          <a:lstStyle/>
+          <a:p>
+            <a:r>
+              <a:rPr lang="zh-CN" altLang="en-US" dirty="0">
+                <a:latin typeface="微软雅黑" panose="020B0503020204020204" pitchFamily="34" charset="-122"/>
+                <a:ea typeface="微软雅黑" panose="020B0503020204020204" pitchFamily="34" charset="-122"/>
+              </a:rPr>
+              <a:t>块层</a:t>
+            </a:r>
+          </a:p>
+        </p:txBody>
+      </p:sp>
+      <p:sp>
+        <p:nvSpPr>
+          <p:cNvPr id="24" name="箭头: 右 23">
+            <a:extLst>
+              <a:ext uri="{FF2B5EF4-FFF2-40B4-BE49-F238E27FC236}">
+                <a16:creationId xmlns:a16="http://schemas.microsoft.com/office/drawing/2014/main" id="{B509818A-6C99-4458-AC27-CFEDEB8DDCE3}"/>
+              </a:ext>
+            </a:extLst>
+          </p:cNvPr>
+          <p:cNvSpPr/>
+          <p:nvPr/>
+        </p:nvSpPr>
+        <p:spPr>
+          <a:xfrm>
+            <a:off x="4508043" y="3068839"/>
+            <a:ext cx="417786" cy="369332"/>
+          </a:xfrm>
+          <a:prstGeom prst="rightArrow">
+            <a:avLst/>
+          </a:prstGeom>
+          <a:solidFill>
+            <a:schemeClr val="accent5">
+              <a:lumMod val="60000"/>
+              <a:lumOff val="40000"/>
+            </a:schemeClr>
+          </a:solidFill>
+          <a:ln>
+            <a:noFill/>
+          </a:ln>
+        </p:spPr>
+        <p:style>
+          <a:lnRef idx="2">
+            <a:schemeClr val="accent1">
+              <a:shade val="50000"/>
+            </a:schemeClr>
+          </a:lnRef>
+          <a:fillRef idx="1">
+            <a:schemeClr val="accent1"/>
+          </a:fillRef>
+          <a:effectRef idx="0">
+            <a:schemeClr val="accent1"/>
+          </a:effectRef>
+          <a:fontRef idx="minor">
+            <a:schemeClr val="lt1"/>
+          </a:fontRef>
+        </p:style>
+        <p:txBody>
+          <a:bodyPr rtlCol="0" anchor="ctr"/>
+          <a:lstStyle/>
+          <a:p>
+            <a:pPr algn="ctr"/>
+            <a:endParaRPr lang="zh-CN" altLang="en-US"/>
+          </a:p>
+        </p:txBody>
+      </p:sp>
+      <p:sp>
+        <p:nvSpPr>
+          <p:cNvPr id="38" name="箭头: 右 37">
+            <a:extLst>
+              <a:ext uri="{FF2B5EF4-FFF2-40B4-BE49-F238E27FC236}">
+                <a16:creationId xmlns:a16="http://schemas.microsoft.com/office/drawing/2014/main" id="{EEA9B984-268E-4108-9D6E-4FA82EC63846}"/>
+              </a:ext>
+            </a:extLst>
+          </p:cNvPr>
+          <p:cNvSpPr/>
+          <p:nvPr/>
+        </p:nvSpPr>
+        <p:spPr>
+          <a:xfrm rot="19778510">
+            <a:off x="4328698" y="2311801"/>
+            <a:ext cx="417786" cy="369332"/>
+          </a:xfrm>
+          <a:prstGeom prst="rightArrow">
+            <a:avLst/>
+          </a:prstGeom>
+          <a:solidFill>
+            <a:schemeClr val="accent5">
+              <a:lumMod val="60000"/>
+              <a:lumOff val="40000"/>
+            </a:schemeClr>
+          </a:solidFill>
+          <a:ln>
+            <a:noFill/>
+          </a:ln>
+        </p:spPr>
+        <p:style>
+          <a:lnRef idx="2">
+            <a:schemeClr val="accent1">
+              <a:shade val="50000"/>
+            </a:schemeClr>
+          </a:lnRef>
+          <a:fillRef idx="1">
+            <a:schemeClr val="accent1"/>
+          </a:fillRef>
+          <a:effectRef idx="0">
+            <a:schemeClr val="accent1"/>
+          </a:effectRef>
+          <a:fontRef idx="minor">
+            <a:schemeClr val="lt1"/>
+          </a:fontRef>
+        </p:style>
+        <p:txBody>
+          <a:bodyPr rtlCol="0" anchor="ctr"/>
+          <a:lstStyle/>
+          <a:p>
+            <a:pPr algn="ctr"/>
+            <a:endParaRPr lang="zh-CN" altLang="en-US"/>
+          </a:p>
+        </p:txBody>
+      </p:sp>
+      <p:sp>
+        <p:nvSpPr>
+          <p:cNvPr id="39" name="箭头: 右 38">
+            <a:extLst>
+              <a:ext uri="{FF2B5EF4-FFF2-40B4-BE49-F238E27FC236}">
+                <a16:creationId xmlns:a16="http://schemas.microsoft.com/office/drawing/2014/main" id="{E944E7B7-9DD7-4C5C-AB55-C29361D5308F}"/>
+              </a:ext>
+            </a:extLst>
+          </p:cNvPr>
+          <p:cNvSpPr/>
+          <p:nvPr/>
+        </p:nvSpPr>
+        <p:spPr>
+          <a:xfrm rot="1994150">
+            <a:off x="4326344" y="3829907"/>
+            <a:ext cx="417786" cy="369332"/>
+          </a:xfrm>
+          <a:prstGeom prst="rightArrow">
+            <a:avLst/>
+          </a:prstGeom>
+          <a:solidFill>
+            <a:schemeClr val="accent5">
+              <a:lumMod val="60000"/>
+              <a:lumOff val="40000"/>
+            </a:schemeClr>
+          </a:solidFill>
+          <a:ln>
+            <a:noFill/>
+          </a:ln>
+        </p:spPr>
+        <p:style>
+          <a:lnRef idx="2">
+            <a:schemeClr val="accent1">
+              <a:shade val="50000"/>
+            </a:schemeClr>
+          </a:lnRef>
+          <a:fillRef idx="1">
+            <a:schemeClr val="accent1"/>
+          </a:fillRef>
+          <a:effectRef idx="0">
+            <a:schemeClr val="accent1"/>
+          </a:effectRef>
+          <a:fontRef idx="minor">
+            <a:schemeClr val="lt1"/>
+          </a:fontRef>
+        </p:style>
+        <p:txBody>
+          <a:bodyPr rtlCol="0" anchor="ctr"/>
+          <a:lstStyle/>
+          <a:p>
+            <a:pPr algn="ctr"/>
+            <a:endParaRPr lang="zh-CN" altLang="en-US"/>
+          </a:p>
+        </p:txBody>
+      </p:sp>
     </p:spTree>
     <p:extLst>
       <p:ext uri="{BB962C8B-B14F-4D97-AF65-F5344CB8AC3E}">
-        <p14:creationId xmlns:p14="http://schemas.microsoft.com/office/powerpoint/2010/main" val="2380496647"/>
+        <p14:creationId xmlns:p14="http://schemas.microsoft.com/office/powerpoint/2010/main" val="2110568234"/>
       </p:ext>
     </p:extLst>
   </p:cSld>
@@ -17538,6 +18544,264 @@
 </file>
 
 <file path=ppt/slides/slide10.xml><?xml version="1.0" encoding="utf-8"?>
+<p:sld xmlns:a="http://schemas.openxmlformats.org/drawingml/2006/main" xmlns:r="http://schemas.openxmlformats.org/officeDocument/2006/relationships" xmlns:p="http://schemas.openxmlformats.org/presentationml/2006/main">
+  <p:cSld>
+    <p:spTree>
+      <p:nvGrpSpPr>
+        <p:cNvPr id="1" name=""/>
+        <p:cNvGrpSpPr/>
+        <p:nvPr/>
+      </p:nvGrpSpPr>
+      <p:grpSpPr>
+        <a:xfrm>
+          <a:off x="0" y="0"/>
+          <a:ext cx="0" cy="0"/>
+          <a:chOff x="0" y="0"/>
+          <a:chExt cx="0" cy="0"/>
+        </a:xfrm>
+      </p:grpSpPr>
+      <p:graphicFrame>
+        <p:nvGraphicFramePr>
+          <p:cNvPr id="6" name="图表 5">
+            <a:extLst>
+              <a:ext uri="{FF2B5EF4-FFF2-40B4-BE49-F238E27FC236}">
+                <a16:creationId xmlns:a16="http://schemas.microsoft.com/office/drawing/2014/main" id="{0C57FD40-9584-411C-93F0-E2BF12C73A0C}"/>
+              </a:ext>
+            </a:extLst>
+          </p:cNvPr>
+          <p:cNvGraphicFramePr/>
+          <p:nvPr>
+            <p:extLst>
+              <p:ext uri="{D42A27DB-BD31-4B8C-83A1-F6EECF244321}">
+                <p14:modId xmlns:p14="http://schemas.microsoft.com/office/powerpoint/2010/main" val="798823728"/>
+              </p:ext>
+            </p:extLst>
+          </p:nvPr>
+        </p:nvGraphicFramePr>
+        <p:xfrm>
+          <a:off x="2125662" y="1685925"/>
+          <a:ext cx="7940675" cy="4566708"/>
+        </p:xfrm>
+        <a:graphic>
+          <a:graphicData uri="http://schemas.openxmlformats.org/drawingml/2006/chart">
+            <c:chart xmlns:c="http://schemas.openxmlformats.org/drawingml/2006/chart" xmlns:r="http://schemas.openxmlformats.org/officeDocument/2006/relationships" r:id="rId2"/>
+          </a:graphicData>
+        </a:graphic>
+      </p:graphicFrame>
+      <p:sp>
+        <p:nvSpPr>
+          <p:cNvPr id="7" name="文本框 6">
+            <a:extLst>
+              <a:ext uri="{FF2B5EF4-FFF2-40B4-BE49-F238E27FC236}">
+                <a16:creationId xmlns:a16="http://schemas.microsoft.com/office/drawing/2014/main" id="{9B7214BD-A34E-4CD7-8402-F531B71DD283}"/>
+              </a:ext>
+            </a:extLst>
+          </p:cNvPr>
+          <p:cNvSpPr txBox="1"/>
+          <p:nvPr/>
+        </p:nvSpPr>
+        <p:spPr>
+          <a:xfrm>
+            <a:off x="2490788" y="896687"/>
+            <a:ext cx="7940675" cy="369332"/>
+          </a:xfrm>
+          <a:prstGeom prst="rect">
+            <a:avLst/>
+          </a:prstGeom>
+          <a:noFill/>
+        </p:spPr>
+        <p:txBody>
+          <a:bodyPr wrap="square" rtlCol="0">
+            <a:spAutoFit/>
+          </a:bodyPr>
+          <a:lstStyle/>
+          <a:p>
+            <a:r>
+              <a:rPr lang="en-US" altLang="zh-CN" dirty="0"/>
+              <a:t>[ </a:t>
+            </a:r>
+            <a:r>
+              <a:rPr lang="zh-CN" altLang="en-US" dirty="0"/>
+              <a:t>图</a:t>
+            </a:r>
+            <a:r>
+              <a:rPr lang="en-US" altLang="zh-CN" dirty="0"/>
+              <a:t>4-1 ] </a:t>
+            </a:r>
+            <a:r>
+              <a:rPr lang="zh-CN" altLang="en-US" dirty="0"/>
+              <a:t>纵轴吞吐量，横轴</a:t>
+            </a:r>
+            <a:r>
+              <a:rPr lang="en-US" altLang="zh-CN" dirty="0"/>
+              <a:t>CPU</a:t>
+            </a:r>
+            <a:r>
+              <a:rPr lang="zh-CN" altLang="en-US" dirty="0"/>
+              <a:t>线程数，</a:t>
+            </a:r>
+            <a:r>
+              <a:rPr lang="en-US" altLang="zh-CN" dirty="0"/>
+              <a:t>4</a:t>
+            </a:r>
+            <a:r>
+              <a:rPr lang="zh-CN" altLang="en-US" dirty="0"/>
+              <a:t>根线表示</a:t>
+            </a:r>
+            <a:r>
+              <a:rPr lang="en-US" altLang="zh-CN" dirty="0"/>
+              <a:t>VDO</a:t>
+            </a:r>
+            <a:r>
+              <a:rPr lang="zh-CN" altLang="en-US" dirty="0"/>
+              <a:t>版本，折线图</a:t>
+            </a:r>
+          </a:p>
+        </p:txBody>
+      </p:sp>
+    </p:spTree>
+    <p:extLst>
+      <p:ext uri="{BB962C8B-B14F-4D97-AF65-F5344CB8AC3E}">
+        <p14:creationId xmlns:p14="http://schemas.microsoft.com/office/powerpoint/2010/main" val="2316562521"/>
+      </p:ext>
+    </p:extLst>
+  </p:cSld>
+  <p:clrMapOvr>
+    <a:masterClrMapping/>
+  </p:clrMapOvr>
+</p:sld>
+</file>
+
+<file path=ppt/slides/slide11.xml><?xml version="1.0" encoding="utf-8"?>
+<p:sld xmlns:a="http://schemas.openxmlformats.org/drawingml/2006/main" xmlns:r="http://schemas.openxmlformats.org/officeDocument/2006/relationships" xmlns:p="http://schemas.openxmlformats.org/presentationml/2006/main">
+  <p:cSld>
+    <p:spTree>
+      <p:nvGrpSpPr>
+        <p:cNvPr id="1" name=""/>
+        <p:cNvGrpSpPr/>
+        <p:nvPr/>
+      </p:nvGrpSpPr>
+      <p:grpSpPr>
+        <a:xfrm>
+          <a:off x="0" y="0"/>
+          <a:ext cx="0" cy="0"/>
+          <a:chOff x="0" y="0"/>
+          <a:chExt cx="0" cy="0"/>
+        </a:xfrm>
+      </p:grpSpPr>
+      <p:graphicFrame>
+        <p:nvGraphicFramePr>
+          <p:cNvPr id="6" name="图表 5">
+            <a:extLst>
+              <a:ext uri="{FF2B5EF4-FFF2-40B4-BE49-F238E27FC236}">
+                <a16:creationId xmlns:a16="http://schemas.microsoft.com/office/drawing/2014/main" id="{0C57FD40-9584-411C-93F0-E2BF12C73A0C}"/>
+              </a:ext>
+            </a:extLst>
+          </p:cNvPr>
+          <p:cNvGraphicFramePr/>
+          <p:nvPr>
+            <p:extLst>
+              <p:ext uri="{D42A27DB-BD31-4B8C-83A1-F6EECF244321}">
+                <p14:modId xmlns:p14="http://schemas.microsoft.com/office/powerpoint/2010/main" val="1753159735"/>
+              </p:ext>
+            </p:extLst>
+          </p:nvPr>
+        </p:nvGraphicFramePr>
+        <p:xfrm>
+          <a:off x="2125662" y="1685925"/>
+          <a:ext cx="7940675" cy="4566708"/>
+        </p:xfrm>
+        <a:graphic>
+          <a:graphicData uri="http://schemas.openxmlformats.org/drawingml/2006/chart">
+            <c:chart xmlns:c="http://schemas.openxmlformats.org/drawingml/2006/chart" xmlns:r="http://schemas.openxmlformats.org/officeDocument/2006/relationships" r:id="rId2"/>
+          </a:graphicData>
+        </a:graphic>
+      </p:graphicFrame>
+      <p:sp>
+        <p:nvSpPr>
+          <p:cNvPr id="7" name="文本框 6">
+            <a:extLst>
+              <a:ext uri="{FF2B5EF4-FFF2-40B4-BE49-F238E27FC236}">
+                <a16:creationId xmlns:a16="http://schemas.microsoft.com/office/drawing/2014/main" id="{9B7214BD-A34E-4CD7-8402-F531B71DD283}"/>
+              </a:ext>
+            </a:extLst>
+          </p:cNvPr>
+          <p:cNvSpPr txBox="1"/>
+          <p:nvPr/>
+        </p:nvSpPr>
+        <p:spPr>
+          <a:xfrm>
+            <a:off x="2490788" y="896687"/>
+            <a:ext cx="7940675" cy="369332"/>
+          </a:xfrm>
+          <a:prstGeom prst="rect">
+            <a:avLst/>
+          </a:prstGeom>
+          <a:noFill/>
+        </p:spPr>
+        <p:txBody>
+          <a:bodyPr wrap="square" rtlCol="0">
+            <a:spAutoFit/>
+          </a:bodyPr>
+          <a:lstStyle/>
+          <a:p>
+            <a:r>
+              <a:rPr lang="en-US" altLang="zh-CN" dirty="0"/>
+              <a:t>[ </a:t>
+            </a:r>
+            <a:r>
+              <a:rPr lang="zh-CN" altLang="en-US" dirty="0"/>
+              <a:t>图</a:t>
+            </a:r>
+            <a:r>
+              <a:rPr lang="en-US" altLang="zh-CN" dirty="0"/>
+              <a:t>4-1 ] </a:t>
+            </a:r>
+            <a:r>
+              <a:rPr lang="zh-CN" altLang="en-US" dirty="0"/>
+              <a:t>纵轴吞吐量，横轴</a:t>
+            </a:r>
+            <a:r>
+              <a:rPr lang="en-US" altLang="zh-CN" dirty="0"/>
+              <a:t>CPU</a:t>
+            </a:r>
+            <a:r>
+              <a:rPr lang="zh-CN" altLang="en-US" dirty="0"/>
+              <a:t>线程数，</a:t>
+            </a:r>
+            <a:r>
+              <a:rPr lang="en-US" altLang="zh-CN" dirty="0"/>
+              <a:t>4</a:t>
+            </a:r>
+            <a:r>
+              <a:rPr lang="zh-CN" altLang="en-US" dirty="0"/>
+              <a:t>根线表示</a:t>
+            </a:r>
+            <a:r>
+              <a:rPr lang="en-US" altLang="zh-CN" dirty="0"/>
+              <a:t>VDO</a:t>
+            </a:r>
+            <a:r>
+              <a:rPr lang="zh-CN" altLang="en-US" dirty="0"/>
+              <a:t>版本，折线图</a:t>
+            </a:r>
+          </a:p>
+        </p:txBody>
+      </p:sp>
+    </p:spTree>
+    <p:extLst>
+      <p:ext uri="{BB962C8B-B14F-4D97-AF65-F5344CB8AC3E}">
+        <p14:creationId xmlns:p14="http://schemas.microsoft.com/office/powerpoint/2010/main" val="2501826373"/>
+      </p:ext>
+    </p:extLst>
+  </p:cSld>
+  <p:clrMapOvr>
+    <a:masterClrMapping/>
+  </p:clrMapOvr>
+</p:sld>
+</file>
+
+<file path=ppt/slides/slide12.xml><?xml version="1.0" encoding="utf-8"?>
 <p:sld xmlns:a="http://schemas.openxmlformats.org/drawingml/2006/main" xmlns:r="http://schemas.openxmlformats.org/officeDocument/2006/relationships" xmlns:p="http://schemas.openxmlformats.org/presentationml/2006/main">
   <p:cSld>
     <p:spTree>
@@ -17674,7 +18938,7 @@
 </p:sld>
 </file>
 
-<file path=ppt/slides/slide11.xml><?xml version="1.0" encoding="utf-8"?>
+<file path=ppt/slides/slide13.xml><?xml version="1.0" encoding="utf-8"?>
 <p:sld xmlns:a="http://schemas.openxmlformats.org/drawingml/2006/main" xmlns:r="http://schemas.openxmlformats.org/officeDocument/2006/relationships" xmlns:p="http://schemas.openxmlformats.org/presentationml/2006/main">
   <p:cSld>
     <p:spTree>
@@ -17803,7 +19067,7 @@
 </p:sld>
 </file>
 
-<file path=ppt/slides/slide12.xml><?xml version="1.0" encoding="utf-8"?>
+<file path=ppt/slides/slide14.xml><?xml version="1.0" encoding="utf-8"?>
 <p:sld xmlns:a="http://schemas.openxmlformats.org/drawingml/2006/main" xmlns:r="http://schemas.openxmlformats.org/officeDocument/2006/relationships" xmlns:p="http://schemas.openxmlformats.org/presentationml/2006/main">
   <p:cSld>
     <p:spTree>
@@ -17833,7 +19097,7 @@
           <p:nvPr>
             <p:extLst>
               <p:ext uri="{D42A27DB-BD31-4B8C-83A1-F6EECF244321}">
-                <p14:modId xmlns:p14="http://schemas.microsoft.com/office/powerpoint/2010/main" val="1818966797"/>
+                <p14:modId xmlns:p14="http://schemas.microsoft.com/office/powerpoint/2010/main" val="535195365"/>
               </p:ext>
             </p:extLst>
           </p:nvPr>
@@ -17932,7 +19196,7 @@
 </p:sld>
 </file>
 
-<file path=ppt/slides/slide13.xml><?xml version="1.0" encoding="utf-8"?>
+<file path=ppt/slides/slide15.xml><?xml version="1.0" encoding="utf-8"?>
 <p:sld xmlns:a="http://schemas.openxmlformats.org/drawingml/2006/main" xmlns:r="http://schemas.openxmlformats.org/officeDocument/2006/relationships" xmlns:p="http://schemas.openxmlformats.org/presentationml/2006/main">
   <p:cSld>
     <p:spTree>
@@ -18038,7 +19302,7 @@
 </p:sld>
 </file>
 
-<file path=ppt/slides/slide14.xml><?xml version="1.0" encoding="utf-8"?>
+<file path=ppt/slides/slide16.xml><?xml version="1.0" encoding="utf-8"?>
 <p:sld xmlns:a="http://schemas.openxmlformats.org/drawingml/2006/main" xmlns:r="http://schemas.openxmlformats.org/officeDocument/2006/relationships" xmlns:p="http://schemas.openxmlformats.org/presentationml/2006/main">
   <p:cSld>
     <p:spTree>
@@ -18069,6 +19333,80 @@
 </file>
 
 <file path=ppt/slides/slide2.xml><?xml version="1.0" encoding="utf-8"?>
+<p:sld xmlns:a="http://schemas.openxmlformats.org/drawingml/2006/main" xmlns:r="http://schemas.openxmlformats.org/officeDocument/2006/relationships" xmlns:p="http://schemas.openxmlformats.org/presentationml/2006/main">
+  <p:cSld>
+    <p:bg>
+      <p:bgPr>
+        <a:solidFill>
+          <a:schemeClr val="bg1"/>
+        </a:solidFill>
+        <a:effectLst/>
+      </p:bgPr>
+    </p:bg>
+    <p:spTree>
+      <p:nvGrpSpPr>
+        <p:cNvPr id="1" name=""/>
+        <p:cNvGrpSpPr/>
+        <p:nvPr/>
+      </p:nvGrpSpPr>
+      <p:grpSpPr>
+        <a:xfrm>
+          <a:off x="0" y="0"/>
+          <a:ext cx="0" cy="0"/>
+          <a:chOff x="0" y="0"/>
+          <a:chExt cx="0" cy="0"/>
+        </a:xfrm>
+      </p:grpSpPr>
+      <p:pic>
+        <p:nvPicPr>
+          <p:cNvPr id="5" name="图片 4" descr="手机屏幕截图&#10;&#10;描述已自动生成">
+            <a:extLst>
+              <a:ext uri="{FF2B5EF4-FFF2-40B4-BE49-F238E27FC236}">
+                <a16:creationId xmlns:a16="http://schemas.microsoft.com/office/drawing/2014/main" id="{BB980CF7-4618-4392-BEDD-E8D0C1B9B33B}"/>
+              </a:ext>
+            </a:extLst>
+          </p:cNvPr>
+          <p:cNvPicPr>
+            <a:picLocks noChangeAspect="1"/>
+          </p:cNvPicPr>
+          <p:nvPr/>
+        </p:nvPicPr>
+        <p:blipFill>
+          <a:blip r:embed="rId2">
+            <a:extLst>
+              <a:ext uri="{28A0092B-C50C-407E-A947-70E740481C1C}">
+                <a14:useLocalDpi xmlns:a14="http://schemas.microsoft.com/office/drawing/2010/main" val="0"/>
+              </a:ext>
+            </a:extLst>
+          </a:blip>
+          <a:stretch>
+            <a:fillRect/>
+          </a:stretch>
+        </p:blipFill>
+        <p:spPr>
+          <a:xfrm>
+            <a:off x="1434020" y="643466"/>
+            <a:ext cx="9323960" cy="5571067"/>
+          </a:xfrm>
+          <a:prstGeom prst="rect">
+            <a:avLst/>
+          </a:prstGeom>
+        </p:spPr>
+      </p:pic>
+    </p:spTree>
+    <p:extLst>
+      <p:ext uri="{BB962C8B-B14F-4D97-AF65-F5344CB8AC3E}">
+        <p14:creationId xmlns:p14="http://schemas.microsoft.com/office/powerpoint/2010/main" val="2380496647"/>
+      </p:ext>
+    </p:extLst>
+  </p:cSld>
+  <p:clrMapOvr>
+    <a:masterClrMapping/>
+  </p:clrMapOvr>
+</p:sld>
+</file>
+
+<file path=ppt/slides/slide3.xml><?xml version="1.0" encoding="utf-8"?>
 <p:sld xmlns:a="http://schemas.openxmlformats.org/drawingml/2006/main" xmlns:r="http://schemas.openxmlformats.org/officeDocument/2006/relationships" xmlns:p="http://schemas.openxmlformats.org/presentationml/2006/main">
   <p:cSld>
     <p:bg>
@@ -18178,7 +19516,230 @@
 </p:sld>
 </file>
 
-<file path=ppt/slides/slide3.xml><?xml version="1.0" encoding="utf-8"?>
+<file path=ppt/slides/slide4.xml><?xml version="1.0" encoding="utf-8"?>
+<p:sld xmlns:a="http://schemas.openxmlformats.org/drawingml/2006/main" xmlns:r="http://schemas.openxmlformats.org/officeDocument/2006/relationships" xmlns:p="http://schemas.openxmlformats.org/presentationml/2006/main">
+  <p:cSld>
+    <p:spTree>
+      <p:nvGrpSpPr>
+        <p:cNvPr id="1" name=""/>
+        <p:cNvGrpSpPr/>
+        <p:nvPr/>
+      </p:nvGrpSpPr>
+      <p:grpSpPr>
+        <a:xfrm>
+          <a:off x="0" y="0"/>
+          <a:ext cx="0" cy="0"/>
+          <a:chOff x="0" y="0"/>
+          <a:chExt cx="0" cy="0"/>
+        </a:xfrm>
+      </p:grpSpPr>
+      <p:graphicFrame>
+        <p:nvGraphicFramePr>
+          <p:cNvPr id="5" name="表格 6">
+            <a:extLst>
+              <a:ext uri="{FF2B5EF4-FFF2-40B4-BE49-F238E27FC236}">
+                <a16:creationId xmlns:a16="http://schemas.microsoft.com/office/drawing/2014/main" id="{B4C4EE47-0077-4DA9-B48B-C9FB0980D05F}"/>
+              </a:ext>
+            </a:extLst>
+          </p:cNvPr>
+          <p:cNvGraphicFramePr>
+            <a:graphicFrameLocks noGrp="1"/>
+          </p:cNvGraphicFramePr>
+          <p:nvPr>
+            <p:extLst>
+              <p:ext uri="{D42A27DB-BD31-4B8C-83A1-F6EECF244321}">
+                <p14:modId xmlns:p14="http://schemas.microsoft.com/office/powerpoint/2010/main" val="2182410169"/>
+              </p:ext>
+            </p:extLst>
+          </p:nvPr>
+        </p:nvGraphicFramePr>
+        <p:xfrm>
+          <a:off x="4288817" y="1342237"/>
+          <a:ext cx="4064000" cy="1854200"/>
+        </p:xfrm>
+        <a:graphic>
+          <a:graphicData uri="http://schemas.openxmlformats.org/drawingml/2006/table">
+            <a:tbl>
+              <a:tblPr firstRow="1" bandRow="1">
+                <a:tableStyleId>{5C22544A-7EE6-4342-B048-85BDC9FD1C3A}</a:tableStyleId>
+              </a:tblPr>
+              <a:tblGrid>
+                <a:gridCol w="2032000">
+                  <a:extLst>
+                    <a:ext uri="{9D8B030D-6E8A-4147-A177-3AD203B41FA5}">
+                      <a16:colId xmlns:a16="http://schemas.microsoft.com/office/drawing/2014/main" val="1883226277"/>
+                    </a:ext>
+                  </a:extLst>
+                </a:gridCol>
+                <a:gridCol w="2032000">
+                  <a:extLst>
+                    <a:ext uri="{9D8B030D-6E8A-4147-A177-3AD203B41FA5}">
+                      <a16:colId xmlns:a16="http://schemas.microsoft.com/office/drawing/2014/main" val="2184859792"/>
+                    </a:ext>
+                  </a:extLst>
+                </a:gridCol>
+              </a:tblGrid>
+              <a:tr h="370840">
+                <a:tc>
+                  <a:txBody>
+                    <a:bodyPr/>
+                    <a:lstStyle/>
+                    <a:p>
+                      <a:r>
+                        <a:rPr lang="en-US" altLang="zh-CN" dirty="0"/>
+                        <a:t>Hash value</a:t>
+                      </a:r>
+                      <a:endParaRPr lang="zh-CN" altLang="en-US" dirty="0"/>
+                    </a:p>
+                  </a:txBody>
+                  <a:tcPr/>
+                </a:tc>
+                <a:tc>
+                  <a:txBody>
+                    <a:bodyPr/>
+                    <a:lstStyle/>
+                    <a:p>
+                      <a:r>
+                        <a:rPr lang="en-US" altLang="zh-CN" dirty="0"/>
+                        <a:t>Data block</a:t>
+                      </a:r>
+                      <a:endParaRPr lang="zh-CN" altLang="en-US" dirty="0"/>
+                    </a:p>
+                  </a:txBody>
+                  <a:tcPr/>
+                </a:tc>
+                <a:extLst>
+                  <a:ext uri="{0D108BD9-81ED-4DB2-BD59-A6C34878D82A}">
+                    <a16:rowId xmlns:a16="http://schemas.microsoft.com/office/drawing/2014/main" val="3575054087"/>
+                  </a:ext>
+                </a:extLst>
+              </a:tr>
+              <a:tr h="370840">
+                <a:tc>
+                  <a:txBody>
+                    <a:bodyPr/>
+                    <a:lstStyle/>
+                    <a:p>
+                      <a:endParaRPr lang="zh-CN" altLang="en-US" dirty="0"/>
+                    </a:p>
+                  </a:txBody>
+                  <a:tcPr/>
+                </a:tc>
+                <a:tc>
+                  <a:txBody>
+                    <a:bodyPr/>
+                    <a:lstStyle/>
+                    <a:p>
+                      <a:endParaRPr lang="zh-CN" altLang="en-US" dirty="0"/>
+                    </a:p>
+                  </a:txBody>
+                  <a:tcPr/>
+                </a:tc>
+                <a:extLst>
+                  <a:ext uri="{0D108BD9-81ED-4DB2-BD59-A6C34878D82A}">
+                    <a16:rowId xmlns:a16="http://schemas.microsoft.com/office/drawing/2014/main" val="2793486069"/>
+                  </a:ext>
+                </a:extLst>
+              </a:tr>
+              <a:tr h="370840">
+                <a:tc>
+                  <a:txBody>
+                    <a:bodyPr/>
+                    <a:lstStyle/>
+                    <a:p>
+                      <a:endParaRPr lang="zh-CN" altLang="en-US" dirty="0"/>
+                    </a:p>
+                  </a:txBody>
+                  <a:tcPr/>
+                </a:tc>
+                <a:tc>
+                  <a:txBody>
+                    <a:bodyPr/>
+                    <a:lstStyle/>
+                    <a:p>
+                      <a:endParaRPr lang="zh-CN" altLang="en-US"/>
+                    </a:p>
+                  </a:txBody>
+                  <a:tcPr/>
+                </a:tc>
+                <a:extLst>
+                  <a:ext uri="{0D108BD9-81ED-4DB2-BD59-A6C34878D82A}">
+                    <a16:rowId xmlns:a16="http://schemas.microsoft.com/office/drawing/2014/main" val="105880271"/>
+                  </a:ext>
+                </a:extLst>
+              </a:tr>
+              <a:tr h="370840">
+                <a:tc>
+                  <a:txBody>
+                    <a:bodyPr/>
+                    <a:lstStyle/>
+                    <a:p>
+                      <a:endParaRPr lang="zh-CN" altLang="en-US"/>
+                    </a:p>
+                  </a:txBody>
+                  <a:tcPr/>
+                </a:tc>
+                <a:tc>
+                  <a:txBody>
+                    <a:bodyPr/>
+                    <a:lstStyle/>
+                    <a:p>
+                      <a:endParaRPr lang="zh-CN" altLang="en-US"/>
+                    </a:p>
+                  </a:txBody>
+                  <a:tcPr/>
+                </a:tc>
+                <a:extLst>
+                  <a:ext uri="{0D108BD9-81ED-4DB2-BD59-A6C34878D82A}">
+                    <a16:rowId xmlns:a16="http://schemas.microsoft.com/office/drawing/2014/main" val="332666296"/>
+                  </a:ext>
+                </a:extLst>
+              </a:tr>
+              <a:tr h="370840">
+                <a:tc>
+                  <a:txBody>
+                    <a:bodyPr/>
+                    <a:lstStyle/>
+                    <a:p>
+                      <a:endParaRPr lang="zh-CN" altLang="en-US"/>
+                    </a:p>
+                  </a:txBody>
+                  <a:tcPr/>
+                </a:tc>
+                <a:tc>
+                  <a:txBody>
+                    <a:bodyPr/>
+                    <a:lstStyle/>
+                    <a:p>
+                      <a:endParaRPr lang="zh-CN" altLang="en-US" dirty="0"/>
+                    </a:p>
+                  </a:txBody>
+                  <a:tcPr/>
+                </a:tc>
+                <a:extLst>
+                  <a:ext uri="{0D108BD9-81ED-4DB2-BD59-A6C34878D82A}">
+                    <a16:rowId xmlns:a16="http://schemas.microsoft.com/office/drawing/2014/main" val="3547767235"/>
+                  </a:ext>
+                </a:extLst>
+              </a:tr>
+            </a:tbl>
+          </a:graphicData>
+        </a:graphic>
+      </p:graphicFrame>
+    </p:spTree>
+    <p:extLst>
+      <p:ext uri="{BB962C8B-B14F-4D97-AF65-F5344CB8AC3E}">
+        <p14:creationId xmlns:p14="http://schemas.microsoft.com/office/powerpoint/2010/main" val="663308970"/>
+      </p:ext>
+    </p:extLst>
+  </p:cSld>
+  <p:clrMapOvr>
+    <a:masterClrMapping/>
+  </p:clrMapOvr>
+</p:sld>
+</file>
+
+<file path=ppt/slides/slide5.xml><?xml version="1.0" encoding="utf-8"?>
 <p:sld xmlns:a="http://schemas.openxmlformats.org/drawingml/2006/main" xmlns:r="http://schemas.openxmlformats.org/officeDocument/2006/relationships" xmlns:p="http://schemas.openxmlformats.org/presentationml/2006/main">
   <p:cSld>
     <p:spTree>
@@ -18283,7 +19844,7 @@
 </p:sld>
 </file>
 
-<file path=ppt/slides/slide4.xml><?xml version="1.0" encoding="utf-8"?>
+<file path=ppt/slides/slide6.xml><?xml version="1.0" encoding="utf-8"?>
 <p:sld xmlns:a="http://schemas.openxmlformats.org/drawingml/2006/main" xmlns:r="http://schemas.openxmlformats.org/officeDocument/2006/relationships" xmlns:p="http://schemas.openxmlformats.org/presentationml/2006/main">
   <p:cSld>
     <p:spTree>
@@ -18369,8 +19930,12 @@
               <a:t>3-1 ] </a:t>
             </a:r>
             <a:r>
+              <a:rPr lang="zh-CN" altLang="en-US"/>
+              <a:t>纵轴成本效益，</a:t>
+            </a:r>
+            <a:r>
               <a:rPr lang="zh-CN" altLang="en-US" dirty="0"/>
-              <a:t>纵轴吞吐量，横轴以工作负载类型为组，柱状图</a:t>
+              <a:t>横轴以工作负载类型为组，柱状图</a:t>
             </a:r>
           </a:p>
         </p:txBody>
@@ -18388,7 +19953,7 @@
 </p:sld>
 </file>
 
-<file path=ppt/slides/slide5.xml><?xml version="1.0" encoding="utf-8"?>
+<file path=ppt/slides/slide7.xml><?xml version="1.0" encoding="utf-8"?>
 <p:sld xmlns:a="http://schemas.openxmlformats.org/drawingml/2006/main" xmlns:r="http://schemas.openxmlformats.org/officeDocument/2006/relationships" xmlns:p="http://schemas.openxmlformats.org/presentationml/2006/main">
   <p:cSld>
     <p:spTree>
@@ -18502,7 +20067,7 @@
 </p:sld>
 </file>
 
-<file path=ppt/slides/slide6.xml><?xml version="1.0" encoding="utf-8"?>
+<file path=ppt/slides/slide8.xml><?xml version="1.0" encoding="utf-8"?>
 <p:sld xmlns:a="http://schemas.openxmlformats.org/drawingml/2006/main" xmlns:r="http://schemas.openxmlformats.org/officeDocument/2006/relationships" xmlns:p="http://schemas.openxmlformats.org/presentationml/2006/main">
   <p:cSld>
     <p:spTree>
@@ -18608,7 +20173,7 @@
 </p:sld>
 </file>
 
-<file path=ppt/slides/slide7.xml><?xml version="1.0" encoding="utf-8"?>
+<file path=ppt/slides/slide9.xml><?xml version="1.0" encoding="utf-8"?>
 <p:sld xmlns:a="http://schemas.openxmlformats.org/drawingml/2006/main" xmlns:r="http://schemas.openxmlformats.org/officeDocument/2006/relationships" xmlns:p="http://schemas.openxmlformats.org/presentationml/2006/main">
   <p:cSld>
     <p:spTree>
@@ -18705,264 +20270,6 @@
     <p:extLst>
       <p:ext uri="{BB962C8B-B14F-4D97-AF65-F5344CB8AC3E}">
         <p14:creationId xmlns:p14="http://schemas.microsoft.com/office/powerpoint/2010/main" val="2532415674"/>
-      </p:ext>
-    </p:extLst>
-  </p:cSld>
-  <p:clrMapOvr>
-    <a:masterClrMapping/>
-  </p:clrMapOvr>
-</p:sld>
-</file>
-
-<file path=ppt/slides/slide8.xml><?xml version="1.0" encoding="utf-8"?>
-<p:sld xmlns:a="http://schemas.openxmlformats.org/drawingml/2006/main" xmlns:r="http://schemas.openxmlformats.org/officeDocument/2006/relationships" xmlns:p="http://schemas.openxmlformats.org/presentationml/2006/main">
-  <p:cSld>
-    <p:spTree>
-      <p:nvGrpSpPr>
-        <p:cNvPr id="1" name=""/>
-        <p:cNvGrpSpPr/>
-        <p:nvPr/>
-      </p:nvGrpSpPr>
-      <p:grpSpPr>
-        <a:xfrm>
-          <a:off x="0" y="0"/>
-          <a:ext cx="0" cy="0"/>
-          <a:chOff x="0" y="0"/>
-          <a:chExt cx="0" cy="0"/>
-        </a:xfrm>
-      </p:grpSpPr>
-      <p:graphicFrame>
-        <p:nvGraphicFramePr>
-          <p:cNvPr id="6" name="图表 5">
-            <a:extLst>
-              <a:ext uri="{FF2B5EF4-FFF2-40B4-BE49-F238E27FC236}">
-                <a16:creationId xmlns:a16="http://schemas.microsoft.com/office/drawing/2014/main" id="{0C57FD40-9584-411C-93F0-E2BF12C73A0C}"/>
-              </a:ext>
-            </a:extLst>
-          </p:cNvPr>
-          <p:cNvGraphicFramePr/>
-          <p:nvPr>
-            <p:extLst>
-              <p:ext uri="{D42A27DB-BD31-4B8C-83A1-F6EECF244321}">
-                <p14:modId xmlns:p14="http://schemas.microsoft.com/office/powerpoint/2010/main" val="798823728"/>
-              </p:ext>
-            </p:extLst>
-          </p:nvPr>
-        </p:nvGraphicFramePr>
-        <p:xfrm>
-          <a:off x="2125662" y="1685925"/>
-          <a:ext cx="7940675" cy="4566708"/>
-        </p:xfrm>
-        <a:graphic>
-          <a:graphicData uri="http://schemas.openxmlformats.org/drawingml/2006/chart">
-            <c:chart xmlns:c="http://schemas.openxmlformats.org/drawingml/2006/chart" xmlns:r="http://schemas.openxmlformats.org/officeDocument/2006/relationships" r:id="rId2"/>
-          </a:graphicData>
-        </a:graphic>
-      </p:graphicFrame>
-      <p:sp>
-        <p:nvSpPr>
-          <p:cNvPr id="7" name="文本框 6">
-            <a:extLst>
-              <a:ext uri="{FF2B5EF4-FFF2-40B4-BE49-F238E27FC236}">
-                <a16:creationId xmlns:a16="http://schemas.microsoft.com/office/drawing/2014/main" id="{9B7214BD-A34E-4CD7-8402-F531B71DD283}"/>
-              </a:ext>
-            </a:extLst>
-          </p:cNvPr>
-          <p:cNvSpPr txBox="1"/>
-          <p:nvPr/>
-        </p:nvSpPr>
-        <p:spPr>
-          <a:xfrm>
-            <a:off x="2490788" y="896687"/>
-            <a:ext cx="7940675" cy="369332"/>
-          </a:xfrm>
-          <a:prstGeom prst="rect">
-            <a:avLst/>
-          </a:prstGeom>
-          <a:noFill/>
-        </p:spPr>
-        <p:txBody>
-          <a:bodyPr wrap="square" rtlCol="0">
-            <a:spAutoFit/>
-          </a:bodyPr>
-          <a:lstStyle/>
-          <a:p>
-            <a:r>
-              <a:rPr lang="en-US" altLang="zh-CN" dirty="0"/>
-              <a:t>[ </a:t>
-            </a:r>
-            <a:r>
-              <a:rPr lang="zh-CN" altLang="en-US" dirty="0"/>
-              <a:t>图</a:t>
-            </a:r>
-            <a:r>
-              <a:rPr lang="en-US" altLang="zh-CN" dirty="0"/>
-              <a:t>4-1 ] </a:t>
-            </a:r>
-            <a:r>
-              <a:rPr lang="zh-CN" altLang="en-US" dirty="0"/>
-              <a:t>纵轴吞吐量，横轴</a:t>
-            </a:r>
-            <a:r>
-              <a:rPr lang="en-US" altLang="zh-CN" dirty="0"/>
-              <a:t>CPU</a:t>
-            </a:r>
-            <a:r>
-              <a:rPr lang="zh-CN" altLang="en-US" dirty="0"/>
-              <a:t>线程数，</a:t>
-            </a:r>
-            <a:r>
-              <a:rPr lang="en-US" altLang="zh-CN" dirty="0"/>
-              <a:t>4</a:t>
-            </a:r>
-            <a:r>
-              <a:rPr lang="zh-CN" altLang="en-US" dirty="0"/>
-              <a:t>根线表示</a:t>
-            </a:r>
-            <a:r>
-              <a:rPr lang="en-US" altLang="zh-CN" dirty="0"/>
-              <a:t>VDO</a:t>
-            </a:r>
-            <a:r>
-              <a:rPr lang="zh-CN" altLang="en-US" dirty="0"/>
-              <a:t>版本，折线图</a:t>
-            </a:r>
-          </a:p>
-        </p:txBody>
-      </p:sp>
-    </p:spTree>
-    <p:extLst>
-      <p:ext uri="{BB962C8B-B14F-4D97-AF65-F5344CB8AC3E}">
-        <p14:creationId xmlns:p14="http://schemas.microsoft.com/office/powerpoint/2010/main" val="2316562521"/>
-      </p:ext>
-    </p:extLst>
-  </p:cSld>
-  <p:clrMapOvr>
-    <a:masterClrMapping/>
-  </p:clrMapOvr>
-</p:sld>
-</file>
-
-<file path=ppt/slides/slide9.xml><?xml version="1.0" encoding="utf-8"?>
-<p:sld xmlns:a="http://schemas.openxmlformats.org/drawingml/2006/main" xmlns:r="http://schemas.openxmlformats.org/officeDocument/2006/relationships" xmlns:p="http://schemas.openxmlformats.org/presentationml/2006/main">
-  <p:cSld>
-    <p:spTree>
-      <p:nvGrpSpPr>
-        <p:cNvPr id="1" name=""/>
-        <p:cNvGrpSpPr/>
-        <p:nvPr/>
-      </p:nvGrpSpPr>
-      <p:grpSpPr>
-        <a:xfrm>
-          <a:off x="0" y="0"/>
-          <a:ext cx="0" cy="0"/>
-          <a:chOff x="0" y="0"/>
-          <a:chExt cx="0" cy="0"/>
-        </a:xfrm>
-      </p:grpSpPr>
-      <p:graphicFrame>
-        <p:nvGraphicFramePr>
-          <p:cNvPr id="6" name="图表 5">
-            <a:extLst>
-              <a:ext uri="{FF2B5EF4-FFF2-40B4-BE49-F238E27FC236}">
-                <a16:creationId xmlns:a16="http://schemas.microsoft.com/office/drawing/2014/main" id="{0C57FD40-9584-411C-93F0-E2BF12C73A0C}"/>
-              </a:ext>
-            </a:extLst>
-          </p:cNvPr>
-          <p:cNvGraphicFramePr/>
-          <p:nvPr>
-            <p:extLst>
-              <p:ext uri="{D42A27DB-BD31-4B8C-83A1-F6EECF244321}">
-                <p14:modId xmlns:p14="http://schemas.microsoft.com/office/powerpoint/2010/main" val="1753159735"/>
-              </p:ext>
-            </p:extLst>
-          </p:nvPr>
-        </p:nvGraphicFramePr>
-        <p:xfrm>
-          <a:off x="2125662" y="1685925"/>
-          <a:ext cx="7940675" cy="4566708"/>
-        </p:xfrm>
-        <a:graphic>
-          <a:graphicData uri="http://schemas.openxmlformats.org/drawingml/2006/chart">
-            <c:chart xmlns:c="http://schemas.openxmlformats.org/drawingml/2006/chart" xmlns:r="http://schemas.openxmlformats.org/officeDocument/2006/relationships" r:id="rId2"/>
-          </a:graphicData>
-        </a:graphic>
-      </p:graphicFrame>
-      <p:sp>
-        <p:nvSpPr>
-          <p:cNvPr id="7" name="文本框 6">
-            <a:extLst>
-              <a:ext uri="{FF2B5EF4-FFF2-40B4-BE49-F238E27FC236}">
-                <a16:creationId xmlns:a16="http://schemas.microsoft.com/office/drawing/2014/main" id="{9B7214BD-A34E-4CD7-8402-F531B71DD283}"/>
-              </a:ext>
-            </a:extLst>
-          </p:cNvPr>
-          <p:cNvSpPr txBox="1"/>
-          <p:nvPr/>
-        </p:nvSpPr>
-        <p:spPr>
-          <a:xfrm>
-            <a:off x="2490788" y="896687"/>
-            <a:ext cx="7940675" cy="369332"/>
-          </a:xfrm>
-          <a:prstGeom prst="rect">
-            <a:avLst/>
-          </a:prstGeom>
-          <a:noFill/>
-        </p:spPr>
-        <p:txBody>
-          <a:bodyPr wrap="square" rtlCol="0">
-            <a:spAutoFit/>
-          </a:bodyPr>
-          <a:lstStyle/>
-          <a:p>
-            <a:r>
-              <a:rPr lang="en-US" altLang="zh-CN" dirty="0"/>
-              <a:t>[ </a:t>
-            </a:r>
-            <a:r>
-              <a:rPr lang="zh-CN" altLang="en-US" dirty="0"/>
-              <a:t>图</a:t>
-            </a:r>
-            <a:r>
-              <a:rPr lang="en-US" altLang="zh-CN" dirty="0"/>
-              <a:t>4-1 ] </a:t>
-            </a:r>
-            <a:r>
-              <a:rPr lang="zh-CN" altLang="en-US" dirty="0"/>
-              <a:t>纵轴吞吐量，横轴</a:t>
-            </a:r>
-            <a:r>
-              <a:rPr lang="en-US" altLang="zh-CN" dirty="0"/>
-              <a:t>CPU</a:t>
-            </a:r>
-            <a:r>
-              <a:rPr lang="zh-CN" altLang="en-US" dirty="0"/>
-              <a:t>线程数，</a:t>
-            </a:r>
-            <a:r>
-              <a:rPr lang="en-US" altLang="zh-CN" dirty="0"/>
-              <a:t>4</a:t>
-            </a:r>
-            <a:r>
-              <a:rPr lang="zh-CN" altLang="en-US" dirty="0"/>
-              <a:t>根线表示</a:t>
-            </a:r>
-            <a:r>
-              <a:rPr lang="en-US" altLang="zh-CN" dirty="0"/>
-              <a:t>VDO</a:t>
-            </a:r>
-            <a:r>
-              <a:rPr lang="zh-CN" altLang="en-US" dirty="0"/>
-              <a:t>版本，折线图</a:t>
-            </a:r>
-          </a:p>
-        </p:txBody>
-      </p:sp>
-    </p:spTree>
-    <p:extLst>
-      <p:ext uri="{BB962C8B-B14F-4D97-AF65-F5344CB8AC3E}">
-        <p14:creationId xmlns:p14="http://schemas.microsoft.com/office/powerpoint/2010/main" val="2501826373"/>
       </p:ext>
     </p:extLst>
   </p:cSld>
